--- a/notebooks/figures/figures.pptx
+++ b/notebooks/figures/figures.pptx
@@ -4312,7 +4312,7 @@
         <p:spPr>
           <a:xfrm>
             <a:off x="1556657" y="1229186"/>
-            <a:ext cx="8875172" cy="1995888"/>
+            <a:ext cx="7659914" cy="1995888"/>
           </a:xfrm>
           <a:prstGeom prst="rect">
             <a:avLst/>

--- a/notebooks/figures/figures.pptx
+++ b/notebooks/figures/figures.pptx
@@ -7,6 +7,9 @@
   <p:sldIdLst>
     <p:sldId id="256" r:id="rId2"/>
     <p:sldId id="257" r:id="rId3"/>
+    <p:sldId id="258" r:id="rId4"/>
+    <p:sldId id="259" r:id="rId5"/>
+    <p:sldId id="275" r:id="rId6"/>
   </p:sldIdLst>
   <p:sldSz cx="12192000" cy="6858000"/>
   <p:notesSz cx="6858000" cy="9144000"/>
@@ -260,7 +263,7 @@
           <a:p>
             <a:fld id="{7B7E3A87-DBF6-40F8-9BE1-04D2400D4D51}" type="datetimeFigureOut">
               <a:rPr lang="en-US" smtClean="0"/>
-              <a:t>5/25/2023</a:t>
+              <a:t>8/22/2023</a:t>
             </a:fld>
             <a:endParaRPr lang="en-US"/>
           </a:p>
@@ -458,7 +461,7 @@
           <a:p>
             <a:fld id="{7B7E3A87-DBF6-40F8-9BE1-04D2400D4D51}" type="datetimeFigureOut">
               <a:rPr lang="en-US" smtClean="0"/>
-              <a:t>5/25/2023</a:t>
+              <a:t>8/22/2023</a:t>
             </a:fld>
             <a:endParaRPr lang="en-US"/>
           </a:p>
@@ -666,7 +669,7 @@
           <a:p>
             <a:fld id="{7B7E3A87-DBF6-40F8-9BE1-04D2400D4D51}" type="datetimeFigureOut">
               <a:rPr lang="en-US" smtClean="0"/>
-              <a:t>5/25/2023</a:t>
+              <a:t>8/22/2023</a:t>
             </a:fld>
             <a:endParaRPr lang="en-US"/>
           </a:p>
@@ -864,7 +867,7 @@
           <a:p>
             <a:fld id="{7B7E3A87-DBF6-40F8-9BE1-04D2400D4D51}" type="datetimeFigureOut">
               <a:rPr lang="en-US" smtClean="0"/>
-              <a:t>5/25/2023</a:t>
+              <a:t>8/22/2023</a:t>
             </a:fld>
             <a:endParaRPr lang="en-US"/>
           </a:p>
@@ -1139,7 +1142,7 @@
           <a:p>
             <a:fld id="{7B7E3A87-DBF6-40F8-9BE1-04D2400D4D51}" type="datetimeFigureOut">
               <a:rPr lang="en-US" smtClean="0"/>
-              <a:t>5/25/2023</a:t>
+              <a:t>8/22/2023</a:t>
             </a:fld>
             <a:endParaRPr lang="en-US"/>
           </a:p>
@@ -1404,7 +1407,7 @@
           <a:p>
             <a:fld id="{7B7E3A87-DBF6-40F8-9BE1-04D2400D4D51}" type="datetimeFigureOut">
               <a:rPr lang="en-US" smtClean="0"/>
-              <a:t>5/25/2023</a:t>
+              <a:t>8/22/2023</a:t>
             </a:fld>
             <a:endParaRPr lang="en-US"/>
           </a:p>
@@ -1816,7 +1819,7 @@
           <a:p>
             <a:fld id="{7B7E3A87-DBF6-40F8-9BE1-04D2400D4D51}" type="datetimeFigureOut">
               <a:rPr lang="en-US" smtClean="0"/>
-              <a:t>5/25/2023</a:t>
+              <a:t>8/22/2023</a:t>
             </a:fld>
             <a:endParaRPr lang="en-US"/>
           </a:p>
@@ -1957,7 +1960,7 @@
           <a:p>
             <a:fld id="{7B7E3A87-DBF6-40F8-9BE1-04D2400D4D51}" type="datetimeFigureOut">
               <a:rPr lang="en-US" smtClean="0"/>
-              <a:t>5/25/2023</a:t>
+              <a:t>8/22/2023</a:t>
             </a:fld>
             <a:endParaRPr lang="en-US"/>
           </a:p>
@@ -2070,7 +2073,7 @@
           <a:p>
             <a:fld id="{7B7E3A87-DBF6-40F8-9BE1-04D2400D4D51}" type="datetimeFigureOut">
               <a:rPr lang="en-US" smtClean="0"/>
-              <a:t>5/25/2023</a:t>
+              <a:t>8/22/2023</a:t>
             </a:fld>
             <a:endParaRPr lang="en-US"/>
           </a:p>
@@ -2381,7 +2384,7 @@
           <a:p>
             <a:fld id="{7B7E3A87-DBF6-40F8-9BE1-04D2400D4D51}" type="datetimeFigureOut">
               <a:rPr lang="en-US" smtClean="0"/>
-              <a:t>5/25/2023</a:t>
+              <a:t>8/22/2023</a:t>
             </a:fld>
             <a:endParaRPr lang="en-US"/>
           </a:p>
@@ -2669,7 +2672,7 @@
           <a:p>
             <a:fld id="{7B7E3A87-DBF6-40F8-9BE1-04D2400D4D51}" type="datetimeFigureOut">
               <a:rPr lang="en-US" smtClean="0"/>
-              <a:t>5/25/2023</a:t>
+              <a:t>8/22/2023</a:t>
             </a:fld>
             <a:endParaRPr lang="en-US"/>
           </a:p>
@@ -2910,7 +2913,7 @@
           <a:p>
             <a:fld id="{7B7E3A87-DBF6-40F8-9BE1-04D2400D4D51}" type="datetimeFigureOut">
               <a:rPr lang="en-US" smtClean="0"/>
-              <a:t>5/25/2023</a:t>
+              <a:t>8/22/2023</a:t>
             </a:fld>
             <a:endParaRPr lang="en-US"/>
           </a:p>
@@ -4937,8 +4940,8 @@
             </p:style>
           </p:cxnSp>
         </p:grpSp>
-        <mc:AlternateContent xmlns:mc="http://schemas.openxmlformats.org/markup-compatibility/2006">
-          <mc:Choice xmlns:a14="http://schemas.microsoft.com/office/drawing/2010/main" Requires="a14">
+        <mc:AlternateContent xmlns:mc="http://schemas.openxmlformats.org/markup-compatibility/2006" xmlns:a14="http://schemas.microsoft.com/office/drawing/2010/main">
+          <mc:Choice Requires="a14">
             <p:sp>
               <p:nvSpPr>
                 <p:cNvPr id="17" name="Rectangle 16">
@@ -5073,7 +5076,7 @@
               </p:txBody>
             </p:sp>
           </mc:Choice>
-          <mc:Fallback>
+          <mc:Fallback xmlns="">
             <p:sp>
               <p:nvSpPr>
                 <p:cNvPr id="17" name="Rectangle 16">
@@ -5429,6 +5432,7560 @@
 </p:sld>
 </file>
 
+<file path=ppt/slides/slide3.xml><?xml version="1.0" encoding="utf-8"?>
+<p:sld xmlns:a="http://schemas.openxmlformats.org/drawingml/2006/main" xmlns:r="http://schemas.openxmlformats.org/officeDocument/2006/relationships" xmlns:p="http://schemas.openxmlformats.org/presentationml/2006/main">
+  <p:cSld>
+    <p:spTree>
+      <p:nvGrpSpPr>
+        <p:cNvPr id="1" name=""/>
+        <p:cNvGrpSpPr/>
+        <p:nvPr/>
+      </p:nvGrpSpPr>
+      <p:grpSpPr>
+        <a:xfrm>
+          <a:off x="0" y="0"/>
+          <a:ext cx="0" cy="0"/>
+          <a:chOff x="0" y="0"/>
+          <a:chExt cx="0" cy="0"/>
+        </a:xfrm>
+      </p:grpSpPr>
+      <p:grpSp>
+        <p:nvGrpSpPr>
+          <p:cNvPr id="46" name="Group 45">
+            <a:extLst>
+              <a:ext uri="{FF2B5EF4-FFF2-40B4-BE49-F238E27FC236}">
+                <a16:creationId xmlns:a16="http://schemas.microsoft.com/office/drawing/2014/main" id="{0B033E9A-5652-7E0C-D222-7D83A0343545}"/>
+              </a:ext>
+            </a:extLst>
+          </p:cNvPr>
+          <p:cNvGrpSpPr/>
+          <p:nvPr/>
+        </p:nvGrpSpPr>
+        <p:grpSpPr>
+          <a:xfrm>
+            <a:off x="971115" y="1240697"/>
+            <a:ext cx="10249770" cy="2633973"/>
+            <a:chOff x="2929202" y="1806754"/>
+            <a:chExt cx="10249770" cy="2633973"/>
+          </a:xfrm>
+        </p:grpSpPr>
+        <p:sp>
+          <p:nvSpPr>
+            <p:cNvPr id="45" name="Rectangle 44">
+              <a:extLst>
+                <a:ext uri="{FF2B5EF4-FFF2-40B4-BE49-F238E27FC236}">
+                  <a16:creationId xmlns:a16="http://schemas.microsoft.com/office/drawing/2014/main" id="{02744293-41EC-9694-2A74-B3E495932212}"/>
+                </a:ext>
+              </a:extLst>
+            </p:cNvPr>
+            <p:cNvSpPr/>
+            <p:nvPr/>
+          </p:nvSpPr>
+          <p:spPr>
+            <a:xfrm>
+              <a:off x="2929202" y="1806754"/>
+              <a:ext cx="10249770" cy="2633973"/>
+            </a:xfrm>
+            <a:prstGeom prst="rect">
+              <a:avLst/>
+            </a:prstGeom>
+            <a:solidFill>
+              <a:schemeClr val="bg1"/>
+            </a:solidFill>
+            <a:ln>
+              <a:noFill/>
+            </a:ln>
+          </p:spPr>
+          <p:style>
+            <a:lnRef idx="2">
+              <a:schemeClr val="accent1">
+                <a:shade val="50000"/>
+              </a:schemeClr>
+            </a:lnRef>
+            <a:fillRef idx="1">
+              <a:schemeClr val="accent1"/>
+            </a:fillRef>
+            <a:effectRef idx="0">
+              <a:schemeClr val="accent1"/>
+            </a:effectRef>
+            <a:fontRef idx="minor">
+              <a:schemeClr val="lt1"/>
+            </a:fontRef>
+          </p:style>
+          <p:txBody>
+            <a:bodyPr rtlCol="0" anchor="ctr"/>
+            <a:lstStyle/>
+            <a:p>
+              <a:pPr algn="ctr"/>
+              <a:endParaRPr lang="en-US" sz="1300"/>
+            </a:p>
+          </p:txBody>
+        </p:sp>
+        <p:grpSp>
+          <p:nvGrpSpPr>
+            <p:cNvPr id="2" name="Group 1">
+              <a:extLst>
+                <a:ext uri="{FF2B5EF4-FFF2-40B4-BE49-F238E27FC236}">
+                  <a16:creationId xmlns:a16="http://schemas.microsoft.com/office/drawing/2014/main" id="{20FF3839-DF58-5C02-79B5-E310F80008A2}"/>
+                </a:ext>
+              </a:extLst>
+            </p:cNvPr>
+            <p:cNvGrpSpPr/>
+            <p:nvPr/>
+          </p:nvGrpSpPr>
+          <p:grpSpPr>
+            <a:xfrm>
+              <a:off x="3205010" y="2026962"/>
+              <a:ext cx="6441911" cy="2264543"/>
+              <a:chOff x="633260" y="1506262"/>
+              <a:chExt cx="6441911" cy="2264543"/>
+            </a:xfrm>
+          </p:grpSpPr>
+          <p:sp>
+            <p:nvSpPr>
+              <p:cNvPr id="3" name="Right Brace 2">
+                <a:extLst>
+                  <a:ext uri="{FF2B5EF4-FFF2-40B4-BE49-F238E27FC236}">
+                    <a16:creationId xmlns:a16="http://schemas.microsoft.com/office/drawing/2014/main" id="{A4440643-5577-66EC-4741-E0A96986DBA4}"/>
+                  </a:ext>
+                </a:extLst>
+              </p:cNvPr>
+              <p:cNvSpPr/>
+              <p:nvPr/>
+            </p:nvSpPr>
+            <p:spPr>
+              <a:xfrm rot="5400000">
+                <a:off x="2974283" y="1037087"/>
+                <a:ext cx="274844" cy="4517365"/>
+              </a:xfrm>
+              <a:prstGeom prst="rightBrace">
+                <a:avLst>
+                  <a:gd name="adj1" fmla="val 55866"/>
+                  <a:gd name="adj2" fmla="val 50000"/>
+                </a:avLst>
+              </a:prstGeom>
+              <a:ln w="19050">
+                <a:solidFill>
+                  <a:schemeClr val="tx1"/>
+                </a:solidFill>
+              </a:ln>
+            </p:spPr>
+            <p:style>
+              <a:lnRef idx="1">
+                <a:schemeClr val="accent1"/>
+              </a:lnRef>
+              <a:fillRef idx="0">
+                <a:schemeClr val="accent1"/>
+              </a:fillRef>
+              <a:effectRef idx="0">
+                <a:schemeClr val="accent1"/>
+              </a:effectRef>
+              <a:fontRef idx="minor">
+                <a:schemeClr val="tx1"/>
+              </a:fontRef>
+            </p:style>
+            <p:txBody>
+              <a:bodyPr rtlCol="0" anchor="ctr"/>
+              <a:lstStyle/>
+              <a:p>
+                <a:pPr algn="ctr"/>
+                <a:endParaRPr lang="en-US" sz="2000"/>
+              </a:p>
+            </p:txBody>
+          </p:sp>
+          <mc:AlternateContent xmlns:mc="http://schemas.openxmlformats.org/markup-compatibility/2006" xmlns:a14="http://schemas.microsoft.com/office/drawing/2010/main">
+            <mc:Choice Requires="a14">
+              <p:sp>
+                <p:nvSpPr>
+                  <p:cNvPr id="4" name="Rectangle 3">
+                    <a:extLst>
+                      <a:ext uri="{FF2B5EF4-FFF2-40B4-BE49-F238E27FC236}">
+                        <a16:creationId xmlns:a16="http://schemas.microsoft.com/office/drawing/2014/main" id="{3F620A19-BF16-B3A5-37C2-7396333DB72F}"/>
+                      </a:ext>
+                    </a:extLst>
+                  </p:cNvPr>
+                  <p:cNvSpPr/>
+                  <p:nvPr/>
+                </p:nvSpPr>
+                <p:spPr>
+                  <a:xfrm>
+                    <a:off x="2179320" y="3363487"/>
+                    <a:ext cx="1874520" cy="407318"/>
+                  </a:xfrm>
+                  <a:prstGeom prst="rect">
+                    <a:avLst/>
+                  </a:prstGeom>
+                  <a:noFill/>
+                  <a:ln w="28575">
+                    <a:noFill/>
+                  </a:ln>
+                </p:spPr>
+                <p:style>
+                  <a:lnRef idx="2">
+                    <a:schemeClr val="accent1">
+                      <a:shade val="50000"/>
+                    </a:schemeClr>
+                  </a:lnRef>
+                  <a:fillRef idx="1">
+                    <a:schemeClr val="accent1"/>
+                  </a:fillRef>
+                  <a:effectRef idx="0">
+                    <a:schemeClr val="accent1"/>
+                  </a:effectRef>
+                  <a:fontRef idx="minor">
+                    <a:schemeClr val="lt1"/>
+                  </a:fontRef>
+                </p:style>
+                <p:txBody>
+                  <a:bodyPr lIns="91440" tIns="0" rIns="0" bIns="0" rtlCol="0" anchor="ctr"/>
+                  <a:lstStyle/>
+                  <a:p>
+                    <a:pPr algn="ctr"/>
+                    <a14:m>
+                      <m:oMath xmlns:m="http://schemas.openxmlformats.org/officeDocument/2006/math">
+                        <m:sSub>
+                          <m:sSubPr>
+                            <m:ctrlPr>
+                              <a:rPr lang="en-US" sz="2000" b="1" i="1" smtClean="0">
+                                <a:solidFill>
+                                  <a:schemeClr val="tx1"/>
+                                </a:solidFill>
+                                <a:latin typeface="Cambria Math" panose="02040503050406030204" pitchFamily="18" charset="0"/>
+                              </a:rPr>
+                            </m:ctrlPr>
+                          </m:sSubPr>
+                          <m:e>
+                            <m:acc>
+                              <m:accPr>
+                                <m:chr m:val="̈"/>
+                                <m:ctrlPr>
+                                  <a:rPr lang="en-US" sz="2000" b="1" i="1" smtClean="0">
+                                    <a:solidFill>
+                                      <a:schemeClr val="tx1"/>
+                                    </a:solidFill>
+                                    <a:latin typeface="Cambria Math" panose="02040503050406030204" pitchFamily="18" charset="0"/>
+                                  </a:rPr>
+                                </m:ctrlPr>
+                              </m:accPr>
+                              <m:e>
+                                <m:r>
+                                  <a:rPr lang="en-US" sz="2000" b="1" i="1" smtClean="0">
+                                    <a:solidFill>
+                                      <a:schemeClr val="tx1"/>
+                                    </a:solidFill>
+                                    <a:latin typeface="Cambria Math" panose="02040503050406030204" pitchFamily="18" charset="0"/>
+                                  </a:rPr>
+                                  <m:t>𝒖</m:t>
+                                </m:r>
+                              </m:e>
+                            </m:acc>
+                          </m:e>
+                          <m:sub>
+                            <m:r>
+                              <a:rPr lang="en-US" sz="2000" b="1" i="1" smtClean="0">
+                                <a:solidFill>
+                                  <a:schemeClr val="tx1"/>
+                                </a:solidFill>
+                                <a:latin typeface="Cambria Math" panose="02040503050406030204" pitchFamily="18" charset="0"/>
+                              </a:rPr>
+                              <m:t>𝒈</m:t>
+                            </m:r>
+                          </m:sub>
+                        </m:sSub>
+                        <m:d>
+                          <m:dPr>
+                            <m:ctrlPr>
+                              <a:rPr lang="en-US" sz="2000" b="0" i="1" smtClean="0">
+                                <a:solidFill>
+                                  <a:schemeClr val="tx1"/>
+                                </a:solidFill>
+                                <a:latin typeface="Cambria Math" panose="02040503050406030204" pitchFamily="18" charset="0"/>
+                              </a:rPr>
+                            </m:ctrlPr>
+                          </m:dPr>
+                          <m:e>
+                            <m:r>
+                              <a:rPr lang="en-US" sz="2000" b="0" i="1" smtClean="0">
+                                <a:solidFill>
+                                  <a:schemeClr val="tx1"/>
+                                </a:solidFill>
+                                <a:latin typeface="Cambria Math" panose="02040503050406030204" pitchFamily="18" charset="0"/>
+                              </a:rPr>
+                              <m:t>𝑡</m:t>
+                            </m:r>
+                          </m:e>
+                        </m:d>
+                      </m:oMath>
+                    </a14:m>
+                    <a:r>
+                      <a:rPr lang="en-US" sz="2000" dirty="0">
+                        <a:solidFill>
+                          <a:schemeClr val="tx1"/>
+                        </a:solidFill>
+                      </a:rPr>
+                      <a:t> (input)</a:t>
+                    </a:r>
+                  </a:p>
+                </p:txBody>
+              </p:sp>
+            </mc:Choice>
+            <mc:Fallback xmlns="">
+              <p:sp>
+                <p:nvSpPr>
+                  <p:cNvPr id="4" name="Rectangle 3">
+                    <a:extLst>
+                      <a:ext uri="{FF2B5EF4-FFF2-40B4-BE49-F238E27FC236}">
+                        <a16:creationId xmlns:a16="http://schemas.microsoft.com/office/drawing/2014/main" id="{3F620A19-BF16-B3A5-37C2-7396333DB72F}"/>
+                      </a:ext>
+                    </a:extLst>
+                  </p:cNvPr>
+                  <p:cNvSpPr>
+                    <a:spLocks noRot="1" noChangeAspect="1" noMove="1" noResize="1" noEditPoints="1" noAdjustHandles="1" noChangeArrowheads="1" noChangeShapeType="1" noTextEdit="1"/>
+                  </p:cNvSpPr>
+                  <p:nvPr/>
+                </p:nvSpPr>
+                <p:spPr>
+                  <a:xfrm>
+                    <a:off x="2179320" y="3363487"/>
+                    <a:ext cx="1874520" cy="407318"/>
+                  </a:xfrm>
+                  <a:prstGeom prst="rect">
+                    <a:avLst/>
+                  </a:prstGeom>
+                  <a:blipFill>
+                    <a:blip r:embed="rId2"/>
+                    <a:stretch>
+                      <a:fillRect t="-8955" b="-23881"/>
+                    </a:stretch>
+                  </a:blipFill>
+                  <a:ln w="28575">
+                    <a:noFill/>
+                  </a:ln>
+                </p:spPr>
+                <p:txBody>
+                  <a:bodyPr/>
+                  <a:lstStyle/>
+                  <a:p>
+                    <a:r>
+                      <a:rPr lang="en-US">
+                        <a:noFill/>
+                      </a:rPr>
+                      <a:t> </a:t>
+                    </a:r>
+                  </a:p>
+                </p:txBody>
+              </p:sp>
+            </mc:Fallback>
+          </mc:AlternateContent>
+          <mc:AlternateContent xmlns:mc="http://schemas.openxmlformats.org/markup-compatibility/2006" xmlns:a14="http://schemas.microsoft.com/office/drawing/2010/main">
+            <mc:Choice Requires="a14">
+              <p:sp>
+                <p:nvSpPr>
+                  <p:cNvPr id="5" name="Rectangle 4">
+                    <a:extLst>
+                      <a:ext uri="{FF2B5EF4-FFF2-40B4-BE49-F238E27FC236}">
+                        <a16:creationId xmlns:a16="http://schemas.microsoft.com/office/drawing/2014/main" id="{F56F3B05-1CDC-0976-3388-011863A877C0}"/>
+                      </a:ext>
+                    </a:extLst>
+                  </p:cNvPr>
+                  <p:cNvSpPr/>
+                  <p:nvPr/>
+                </p:nvSpPr>
+                <p:spPr>
+                  <a:xfrm>
+                    <a:off x="5688003" y="1894644"/>
+                    <a:ext cx="1387168" cy="708397"/>
+                  </a:xfrm>
+                  <a:prstGeom prst="rect">
+                    <a:avLst/>
+                  </a:prstGeom>
+                  <a:noFill/>
+                  <a:ln w="28575">
+                    <a:noFill/>
+                  </a:ln>
+                </p:spPr>
+                <p:style>
+                  <a:lnRef idx="2">
+                    <a:schemeClr val="accent1">
+                      <a:shade val="50000"/>
+                    </a:schemeClr>
+                  </a:lnRef>
+                  <a:fillRef idx="1">
+                    <a:schemeClr val="accent1"/>
+                  </a:fillRef>
+                  <a:effectRef idx="0">
+                    <a:schemeClr val="accent1"/>
+                  </a:effectRef>
+                  <a:fontRef idx="minor">
+                    <a:schemeClr val="lt1"/>
+                  </a:fontRef>
+                </p:style>
+                <p:txBody>
+                  <a:bodyPr lIns="91440" tIns="0" rIns="0" bIns="0" rtlCol="0" anchor="ctr"/>
+                  <a:lstStyle/>
+                  <a:p>
+                    <a:pPr algn="ctr"/>
+                    <a14:m>
+                      <m:oMath xmlns:m="http://schemas.openxmlformats.org/officeDocument/2006/math">
+                        <m:sSub>
+                          <m:sSubPr>
+                            <m:ctrlPr>
+                              <a:rPr lang="en-US" sz="2000" b="1" i="1" smtClean="0">
+                                <a:solidFill>
+                                  <a:schemeClr val="tx1"/>
+                                </a:solidFill>
+                                <a:latin typeface="Cambria Math" panose="02040503050406030204" pitchFamily="18" charset="0"/>
+                              </a:rPr>
+                            </m:ctrlPr>
+                          </m:sSubPr>
+                          <m:e>
+                            <m:acc>
+                              <m:accPr>
+                                <m:chr m:val="̈"/>
+                                <m:ctrlPr>
+                                  <a:rPr lang="en-US" sz="2000" b="1" i="1" smtClean="0">
+                                    <a:solidFill>
+                                      <a:schemeClr val="tx1"/>
+                                    </a:solidFill>
+                                    <a:latin typeface="Cambria Math" panose="02040503050406030204" pitchFamily="18" charset="0"/>
+                                  </a:rPr>
+                                </m:ctrlPr>
+                              </m:accPr>
+                              <m:e>
+                                <m:r>
+                                  <a:rPr lang="en-US" sz="2000" b="1" i="1" smtClean="0">
+                                    <a:solidFill>
+                                      <a:schemeClr val="tx1"/>
+                                    </a:solidFill>
+                                    <a:latin typeface="Cambria Math" panose="02040503050406030204" pitchFamily="18" charset="0"/>
+                                  </a:rPr>
+                                  <m:t>𝒖</m:t>
+                                </m:r>
+                              </m:e>
+                            </m:acc>
+                          </m:e>
+                          <m:sub>
+                            <m:r>
+                              <a:rPr lang="en-US" sz="2000" b="1" i="1" smtClean="0">
+                                <a:solidFill>
+                                  <a:schemeClr val="tx1"/>
+                                </a:solidFill>
+                                <a:latin typeface="Cambria Math" panose="02040503050406030204" pitchFamily="18" charset="0"/>
+                              </a:rPr>
+                              <m:t>𝒇</m:t>
+                            </m:r>
+                          </m:sub>
+                        </m:sSub>
+                        <m:d>
+                          <m:dPr>
+                            <m:ctrlPr>
+                              <a:rPr lang="en-US" sz="2000" b="0" i="1" smtClean="0">
+                                <a:solidFill>
+                                  <a:schemeClr val="tx1"/>
+                                </a:solidFill>
+                                <a:latin typeface="Cambria Math" panose="02040503050406030204" pitchFamily="18" charset="0"/>
+                              </a:rPr>
+                            </m:ctrlPr>
+                          </m:dPr>
+                          <m:e>
+                            <m:r>
+                              <a:rPr lang="en-US" sz="2000" b="0" i="1" smtClean="0">
+                                <a:solidFill>
+                                  <a:schemeClr val="tx1"/>
+                                </a:solidFill>
+                                <a:latin typeface="Cambria Math" panose="02040503050406030204" pitchFamily="18" charset="0"/>
+                              </a:rPr>
+                              <m:t>𝑡</m:t>
+                            </m:r>
+                          </m:e>
+                        </m:d>
+                      </m:oMath>
+                    </a14:m>
+                    <a:r>
+                      <a:rPr lang="en-US" sz="2000" dirty="0">
+                        <a:solidFill>
+                          <a:schemeClr val="tx1"/>
+                        </a:solidFill>
+                      </a:rPr>
+                      <a:t> (output)</a:t>
+                    </a:r>
+                  </a:p>
+                </p:txBody>
+              </p:sp>
+            </mc:Choice>
+            <mc:Fallback xmlns="">
+              <p:sp>
+                <p:nvSpPr>
+                  <p:cNvPr id="5" name="Rectangle 4">
+                    <a:extLst>
+                      <a:ext uri="{FF2B5EF4-FFF2-40B4-BE49-F238E27FC236}">
+                        <a16:creationId xmlns:a16="http://schemas.microsoft.com/office/drawing/2014/main" id="{F56F3B05-1CDC-0976-3388-011863A877C0}"/>
+                      </a:ext>
+                    </a:extLst>
+                  </p:cNvPr>
+                  <p:cNvSpPr>
+                    <a:spLocks noRot="1" noChangeAspect="1" noMove="1" noResize="1" noEditPoints="1" noAdjustHandles="1" noChangeArrowheads="1" noChangeShapeType="1" noTextEdit="1"/>
+                  </p:cNvSpPr>
+                  <p:nvPr/>
+                </p:nvSpPr>
+                <p:spPr>
+                  <a:xfrm>
+                    <a:off x="5688003" y="1894644"/>
+                    <a:ext cx="1387168" cy="708397"/>
+                  </a:xfrm>
+                  <a:prstGeom prst="rect">
+                    <a:avLst/>
+                  </a:prstGeom>
+                  <a:blipFill>
+                    <a:blip r:embed="rId3"/>
+                    <a:stretch>
+                      <a:fillRect t="-5128" b="-17094"/>
+                    </a:stretch>
+                  </a:blipFill>
+                  <a:ln w="28575">
+                    <a:noFill/>
+                  </a:ln>
+                </p:spPr>
+                <p:txBody>
+                  <a:bodyPr/>
+                  <a:lstStyle/>
+                  <a:p>
+                    <a:r>
+                      <a:rPr lang="en-US">
+                        <a:noFill/>
+                      </a:rPr>
+                      <a:t> </a:t>
+                    </a:r>
+                  </a:p>
+                </p:txBody>
+              </p:sp>
+            </mc:Fallback>
+          </mc:AlternateContent>
+          <p:sp>
+            <p:nvSpPr>
+              <p:cNvPr id="6" name="Right Brace 5">
+                <a:extLst>
+                  <a:ext uri="{FF2B5EF4-FFF2-40B4-BE49-F238E27FC236}">
+                    <a16:creationId xmlns:a16="http://schemas.microsoft.com/office/drawing/2014/main" id="{312FEDBF-1369-4091-CFFF-B22A1E1A2CDF}"/>
+                  </a:ext>
+                </a:extLst>
+              </p:cNvPr>
+              <p:cNvSpPr/>
+              <p:nvPr/>
+            </p:nvSpPr>
+            <p:spPr>
+              <a:xfrm>
+                <a:off x="5688002" y="1564696"/>
+                <a:ext cx="274844" cy="1300424"/>
+              </a:xfrm>
+              <a:prstGeom prst="rightBrace">
+                <a:avLst>
+                  <a:gd name="adj1" fmla="val 63006"/>
+                  <a:gd name="adj2" fmla="val 50000"/>
+                </a:avLst>
+              </a:prstGeom>
+              <a:ln w="19050">
+                <a:solidFill>
+                  <a:schemeClr val="tx1"/>
+                </a:solidFill>
+              </a:ln>
+            </p:spPr>
+            <p:style>
+              <a:lnRef idx="1">
+                <a:schemeClr val="accent1"/>
+              </a:lnRef>
+              <a:fillRef idx="0">
+                <a:schemeClr val="accent1"/>
+              </a:fillRef>
+              <a:effectRef idx="0">
+                <a:schemeClr val="accent1"/>
+              </a:effectRef>
+              <a:fontRef idx="minor">
+                <a:schemeClr val="tx1"/>
+              </a:fontRef>
+            </p:style>
+            <p:txBody>
+              <a:bodyPr rtlCol="0" anchor="ctr"/>
+              <a:lstStyle/>
+              <a:p>
+                <a:pPr algn="ctr"/>
+                <a:endParaRPr lang="en-US" sz="2000"/>
+              </a:p>
+            </p:txBody>
+          </p:sp>
+          <p:cxnSp>
+            <p:nvCxnSpPr>
+              <p:cNvPr id="7" name="Straight Connector 6">
+                <a:extLst>
+                  <a:ext uri="{FF2B5EF4-FFF2-40B4-BE49-F238E27FC236}">
+                    <a16:creationId xmlns:a16="http://schemas.microsoft.com/office/drawing/2014/main" id="{235D3164-7FA1-1082-F340-71D34E0E4E64}"/>
+                  </a:ext>
+                </a:extLst>
+              </p:cNvPr>
+              <p:cNvCxnSpPr>
+                <a:cxnSpLocks/>
+              </p:cNvCxnSpPr>
+              <p:nvPr/>
+            </p:nvCxnSpPr>
+            <p:spPr>
+              <a:xfrm>
+                <a:off x="853024" y="2387492"/>
+                <a:ext cx="0" cy="627897"/>
+              </a:xfrm>
+              <a:prstGeom prst="line">
+                <a:avLst/>
+              </a:prstGeom>
+              <a:ln w="19050">
+                <a:solidFill>
+                  <a:schemeClr val="tx1"/>
+                </a:solidFill>
+              </a:ln>
+            </p:spPr>
+            <p:style>
+              <a:lnRef idx="1">
+                <a:schemeClr val="accent1"/>
+              </a:lnRef>
+              <a:fillRef idx="0">
+                <a:schemeClr val="accent1"/>
+              </a:fillRef>
+              <a:effectRef idx="0">
+                <a:schemeClr val="accent1"/>
+              </a:effectRef>
+              <a:fontRef idx="minor">
+                <a:schemeClr val="tx1"/>
+              </a:fontRef>
+            </p:style>
+          </p:cxnSp>
+          <p:sp>
+            <p:nvSpPr>
+              <p:cNvPr id="8" name="Rectangle 7">
+                <a:extLst>
+                  <a:ext uri="{FF2B5EF4-FFF2-40B4-BE49-F238E27FC236}">
+                    <a16:creationId xmlns:a16="http://schemas.microsoft.com/office/drawing/2014/main" id="{6925C106-ACD9-85DE-A36B-848910561EA4}"/>
+                  </a:ext>
+                </a:extLst>
+              </p:cNvPr>
+              <p:cNvSpPr/>
+              <p:nvPr/>
+            </p:nvSpPr>
+            <p:spPr>
+              <a:xfrm>
+                <a:off x="790234" y="2263814"/>
+                <a:ext cx="125579" cy="125579"/>
+              </a:xfrm>
+              <a:prstGeom prst="rect">
+                <a:avLst/>
+              </a:prstGeom>
+              <a:solidFill>
+                <a:schemeClr val="bg1"/>
+              </a:solidFill>
+              <a:ln w="19050">
+                <a:solidFill>
+                  <a:schemeClr val="tx1"/>
+                </a:solidFill>
+              </a:ln>
+            </p:spPr>
+            <p:style>
+              <a:lnRef idx="2">
+                <a:schemeClr val="accent1">
+                  <a:shade val="50000"/>
+                </a:schemeClr>
+              </a:lnRef>
+              <a:fillRef idx="1">
+                <a:schemeClr val="accent1"/>
+              </a:fillRef>
+              <a:effectRef idx="0">
+                <a:schemeClr val="accent1"/>
+              </a:effectRef>
+              <a:fontRef idx="minor">
+                <a:schemeClr val="lt1"/>
+              </a:fontRef>
+            </p:style>
+            <p:txBody>
+              <a:bodyPr rtlCol="0" anchor="ctr"/>
+              <a:lstStyle/>
+              <a:p>
+                <a:pPr algn="ctr"/>
+                <a:endParaRPr lang="en-US" sz="2000"/>
+              </a:p>
+            </p:txBody>
+          </p:sp>
+          <p:cxnSp>
+            <p:nvCxnSpPr>
+              <p:cNvPr id="9" name="Straight Connector 8">
+                <a:extLst>
+                  <a:ext uri="{FF2B5EF4-FFF2-40B4-BE49-F238E27FC236}">
+                    <a16:creationId xmlns:a16="http://schemas.microsoft.com/office/drawing/2014/main" id="{4835C1F1-37F2-FFFC-8546-1724FCDA7D8F}"/>
+                  </a:ext>
+                </a:extLst>
+              </p:cNvPr>
+              <p:cNvCxnSpPr>
+                <a:cxnSpLocks/>
+              </p:cNvCxnSpPr>
+              <p:nvPr/>
+            </p:nvCxnSpPr>
+            <p:spPr>
+              <a:xfrm>
+                <a:off x="853024" y="1634015"/>
+                <a:ext cx="0" cy="627897"/>
+              </a:xfrm>
+              <a:prstGeom prst="line">
+                <a:avLst/>
+              </a:prstGeom>
+              <a:ln w="19050">
+                <a:solidFill>
+                  <a:schemeClr val="tx1"/>
+                </a:solidFill>
+              </a:ln>
+            </p:spPr>
+            <p:style>
+              <a:lnRef idx="1">
+                <a:schemeClr val="accent1"/>
+              </a:lnRef>
+              <a:fillRef idx="0">
+                <a:schemeClr val="accent1"/>
+              </a:fillRef>
+              <a:effectRef idx="0">
+                <a:schemeClr val="accent1"/>
+              </a:effectRef>
+              <a:fontRef idx="minor">
+                <a:schemeClr val="tx1"/>
+              </a:fontRef>
+            </p:style>
+          </p:cxnSp>
+          <p:sp>
+            <p:nvSpPr>
+              <p:cNvPr id="10" name="Rectangle 9">
+                <a:extLst>
+                  <a:ext uri="{FF2B5EF4-FFF2-40B4-BE49-F238E27FC236}">
+                    <a16:creationId xmlns:a16="http://schemas.microsoft.com/office/drawing/2014/main" id="{DD476FDD-DF4A-B84D-0739-72161A71792F}"/>
+                  </a:ext>
+                </a:extLst>
+              </p:cNvPr>
+              <p:cNvSpPr/>
+              <p:nvPr/>
+            </p:nvSpPr>
+            <p:spPr>
+              <a:xfrm>
+                <a:off x="790234" y="1506262"/>
+                <a:ext cx="125579" cy="125579"/>
+              </a:xfrm>
+              <a:prstGeom prst="rect">
+                <a:avLst/>
+              </a:prstGeom>
+              <a:solidFill>
+                <a:schemeClr val="bg1"/>
+              </a:solidFill>
+              <a:ln w="19050">
+                <a:solidFill>
+                  <a:schemeClr val="tx1"/>
+                </a:solidFill>
+              </a:ln>
+            </p:spPr>
+            <p:style>
+              <a:lnRef idx="2">
+                <a:schemeClr val="accent1">
+                  <a:shade val="50000"/>
+                </a:schemeClr>
+              </a:lnRef>
+              <a:fillRef idx="1">
+                <a:schemeClr val="accent1"/>
+              </a:fillRef>
+              <a:effectRef idx="0">
+                <a:schemeClr val="accent1"/>
+              </a:effectRef>
+              <a:fontRef idx="minor">
+                <a:schemeClr val="lt1"/>
+              </a:fontRef>
+            </p:style>
+            <p:txBody>
+              <a:bodyPr rtlCol="0" anchor="ctr"/>
+              <a:lstStyle/>
+              <a:p>
+                <a:pPr algn="ctr"/>
+                <a:endParaRPr lang="en-US" sz="2000"/>
+              </a:p>
+            </p:txBody>
+          </p:sp>
+          <p:cxnSp>
+            <p:nvCxnSpPr>
+              <p:cNvPr id="11" name="Straight Connector 10">
+                <a:extLst>
+                  <a:ext uri="{FF2B5EF4-FFF2-40B4-BE49-F238E27FC236}">
+                    <a16:creationId xmlns:a16="http://schemas.microsoft.com/office/drawing/2014/main" id="{BABD1C73-9807-4069-E9D5-38F30840D42B}"/>
+                  </a:ext>
+                </a:extLst>
+              </p:cNvPr>
+              <p:cNvCxnSpPr>
+                <a:cxnSpLocks/>
+              </p:cNvCxnSpPr>
+              <p:nvPr/>
+            </p:nvCxnSpPr>
+            <p:spPr>
+              <a:xfrm>
+                <a:off x="2421020" y="1569051"/>
+                <a:ext cx="627896" cy="0"/>
+              </a:xfrm>
+              <a:prstGeom prst="line">
+                <a:avLst/>
+              </a:prstGeom>
+              <a:ln w="19050">
+                <a:solidFill>
+                  <a:schemeClr val="tx1"/>
+                </a:solidFill>
+              </a:ln>
+            </p:spPr>
+            <p:style>
+              <a:lnRef idx="1">
+                <a:schemeClr val="accent1"/>
+              </a:lnRef>
+              <a:fillRef idx="0">
+                <a:schemeClr val="accent1"/>
+              </a:fillRef>
+              <a:effectRef idx="0">
+                <a:schemeClr val="accent1"/>
+              </a:effectRef>
+              <a:fontRef idx="minor">
+                <a:schemeClr val="tx1"/>
+              </a:fontRef>
+            </p:style>
+          </p:cxnSp>
+          <p:sp>
+            <p:nvSpPr>
+              <p:cNvPr id="12" name="Rectangle 11">
+                <a:extLst>
+                  <a:ext uri="{FF2B5EF4-FFF2-40B4-BE49-F238E27FC236}">
+                    <a16:creationId xmlns:a16="http://schemas.microsoft.com/office/drawing/2014/main" id="{6D5FCB22-8BDE-D124-D447-18A9E78EB474}"/>
+                  </a:ext>
+                </a:extLst>
+              </p:cNvPr>
+              <p:cNvSpPr/>
+              <p:nvPr/>
+            </p:nvSpPr>
+            <p:spPr>
+              <a:xfrm>
+                <a:off x="3048916" y="1506262"/>
+                <a:ext cx="125579" cy="125579"/>
+              </a:xfrm>
+              <a:prstGeom prst="rect">
+                <a:avLst/>
+              </a:prstGeom>
+              <a:solidFill>
+                <a:schemeClr val="bg1"/>
+              </a:solidFill>
+              <a:ln w="19050">
+                <a:solidFill>
+                  <a:schemeClr val="tx1"/>
+                </a:solidFill>
+              </a:ln>
+            </p:spPr>
+            <p:style>
+              <a:lnRef idx="2">
+                <a:schemeClr val="accent1">
+                  <a:shade val="50000"/>
+                </a:schemeClr>
+              </a:lnRef>
+              <a:fillRef idx="1">
+                <a:schemeClr val="accent1"/>
+              </a:fillRef>
+              <a:effectRef idx="0">
+                <a:schemeClr val="accent1"/>
+              </a:effectRef>
+              <a:fontRef idx="minor">
+                <a:schemeClr val="lt1"/>
+              </a:fontRef>
+            </p:style>
+            <p:txBody>
+              <a:bodyPr rtlCol="0" anchor="ctr"/>
+              <a:lstStyle/>
+              <a:p>
+                <a:pPr algn="ctr"/>
+                <a:endParaRPr lang="en-US" sz="2000"/>
+              </a:p>
+            </p:txBody>
+          </p:sp>
+          <p:cxnSp>
+            <p:nvCxnSpPr>
+              <p:cNvPr id="13" name="Straight Connector 12">
+                <a:extLst>
+                  <a:ext uri="{FF2B5EF4-FFF2-40B4-BE49-F238E27FC236}">
+                    <a16:creationId xmlns:a16="http://schemas.microsoft.com/office/drawing/2014/main" id="{2E05726A-2F3C-46B6-937F-D64B1BB8C101}"/>
+                  </a:ext>
+                </a:extLst>
+              </p:cNvPr>
+              <p:cNvCxnSpPr>
+                <a:cxnSpLocks/>
+              </p:cNvCxnSpPr>
+              <p:nvPr/>
+            </p:nvCxnSpPr>
+            <p:spPr>
+              <a:xfrm>
+                <a:off x="1667545" y="1569051"/>
+                <a:ext cx="627896" cy="0"/>
+              </a:xfrm>
+              <a:prstGeom prst="line">
+                <a:avLst/>
+              </a:prstGeom>
+              <a:ln w="19050">
+                <a:solidFill>
+                  <a:schemeClr val="tx1"/>
+                </a:solidFill>
+              </a:ln>
+            </p:spPr>
+            <p:style>
+              <a:lnRef idx="1">
+                <a:schemeClr val="accent1"/>
+              </a:lnRef>
+              <a:fillRef idx="0">
+                <a:schemeClr val="accent1"/>
+              </a:fillRef>
+              <a:effectRef idx="0">
+                <a:schemeClr val="accent1"/>
+              </a:effectRef>
+              <a:fontRef idx="minor">
+                <a:schemeClr val="tx1"/>
+              </a:fontRef>
+            </p:style>
+          </p:cxnSp>
+          <p:sp>
+            <p:nvSpPr>
+              <p:cNvPr id="14" name="Rectangle 13">
+                <a:extLst>
+                  <a:ext uri="{FF2B5EF4-FFF2-40B4-BE49-F238E27FC236}">
+                    <a16:creationId xmlns:a16="http://schemas.microsoft.com/office/drawing/2014/main" id="{BB355394-767D-AA0C-303F-FC346FC78AE3}"/>
+                  </a:ext>
+                </a:extLst>
+              </p:cNvPr>
+              <p:cNvSpPr/>
+              <p:nvPr/>
+            </p:nvSpPr>
+            <p:spPr>
+              <a:xfrm>
+                <a:off x="2295441" y="1506262"/>
+                <a:ext cx="125579" cy="125579"/>
+              </a:xfrm>
+              <a:prstGeom prst="rect">
+                <a:avLst/>
+              </a:prstGeom>
+              <a:solidFill>
+                <a:schemeClr val="bg1"/>
+              </a:solidFill>
+              <a:ln w="19050">
+                <a:solidFill>
+                  <a:schemeClr val="tx1"/>
+                </a:solidFill>
+              </a:ln>
+            </p:spPr>
+            <p:style>
+              <a:lnRef idx="2">
+                <a:schemeClr val="accent1">
+                  <a:shade val="50000"/>
+                </a:schemeClr>
+              </a:lnRef>
+              <a:fillRef idx="1">
+                <a:schemeClr val="accent1"/>
+              </a:fillRef>
+              <a:effectRef idx="0">
+                <a:schemeClr val="accent1"/>
+              </a:effectRef>
+              <a:fontRef idx="minor">
+                <a:schemeClr val="lt1"/>
+              </a:fontRef>
+            </p:style>
+            <p:txBody>
+              <a:bodyPr rtlCol="0" anchor="ctr"/>
+              <a:lstStyle/>
+              <a:p>
+                <a:pPr algn="ctr"/>
+                <a:endParaRPr lang="en-US" sz="2000"/>
+              </a:p>
+            </p:txBody>
+          </p:sp>
+          <p:cxnSp>
+            <p:nvCxnSpPr>
+              <p:cNvPr id="15" name="Straight Connector 14">
+                <a:extLst>
+                  <a:ext uri="{FF2B5EF4-FFF2-40B4-BE49-F238E27FC236}">
+                    <a16:creationId xmlns:a16="http://schemas.microsoft.com/office/drawing/2014/main" id="{44B218CE-8FA3-6D03-42B4-1AA0083DA244}"/>
+                  </a:ext>
+                </a:extLst>
+              </p:cNvPr>
+              <p:cNvCxnSpPr>
+                <a:cxnSpLocks/>
+              </p:cNvCxnSpPr>
+              <p:nvPr/>
+            </p:nvCxnSpPr>
+            <p:spPr>
+              <a:xfrm>
+                <a:off x="914069" y="1569051"/>
+                <a:ext cx="627896" cy="0"/>
+              </a:xfrm>
+              <a:prstGeom prst="line">
+                <a:avLst/>
+              </a:prstGeom>
+              <a:ln w="19050">
+                <a:solidFill>
+                  <a:schemeClr val="tx1"/>
+                </a:solidFill>
+              </a:ln>
+            </p:spPr>
+            <p:style>
+              <a:lnRef idx="1">
+                <a:schemeClr val="accent1"/>
+              </a:lnRef>
+              <a:fillRef idx="0">
+                <a:schemeClr val="accent1"/>
+              </a:fillRef>
+              <a:effectRef idx="0">
+                <a:schemeClr val="accent1"/>
+              </a:effectRef>
+              <a:fontRef idx="minor">
+                <a:schemeClr val="tx1"/>
+              </a:fontRef>
+            </p:style>
+          </p:cxnSp>
+          <p:sp>
+            <p:nvSpPr>
+              <p:cNvPr id="16" name="Rectangle 15">
+                <a:extLst>
+                  <a:ext uri="{FF2B5EF4-FFF2-40B4-BE49-F238E27FC236}">
+                    <a16:creationId xmlns:a16="http://schemas.microsoft.com/office/drawing/2014/main" id="{E8A76016-6D6D-23B6-DA76-D1CE742F3D0C}"/>
+                  </a:ext>
+                </a:extLst>
+              </p:cNvPr>
+              <p:cNvSpPr/>
+              <p:nvPr/>
+            </p:nvSpPr>
+            <p:spPr>
+              <a:xfrm>
+                <a:off x="1541965" y="1506262"/>
+                <a:ext cx="125579" cy="125579"/>
+              </a:xfrm>
+              <a:prstGeom prst="rect">
+                <a:avLst/>
+              </a:prstGeom>
+              <a:solidFill>
+                <a:schemeClr val="bg1"/>
+              </a:solidFill>
+              <a:ln w="19050">
+                <a:solidFill>
+                  <a:schemeClr val="tx1"/>
+                </a:solidFill>
+              </a:ln>
+            </p:spPr>
+            <p:style>
+              <a:lnRef idx="2">
+                <a:schemeClr val="accent1">
+                  <a:shade val="50000"/>
+                </a:schemeClr>
+              </a:lnRef>
+              <a:fillRef idx="1">
+                <a:schemeClr val="accent1"/>
+              </a:fillRef>
+              <a:effectRef idx="0">
+                <a:schemeClr val="accent1"/>
+              </a:effectRef>
+              <a:fontRef idx="minor">
+                <a:schemeClr val="lt1"/>
+              </a:fontRef>
+            </p:style>
+            <p:txBody>
+              <a:bodyPr rtlCol="0" anchor="ctr"/>
+              <a:lstStyle/>
+              <a:p>
+                <a:pPr algn="ctr"/>
+                <a:endParaRPr lang="en-US" sz="2000"/>
+              </a:p>
+            </p:txBody>
+          </p:sp>
+          <p:cxnSp>
+            <p:nvCxnSpPr>
+              <p:cNvPr id="17" name="Straight Connector 16">
+                <a:extLst>
+                  <a:ext uri="{FF2B5EF4-FFF2-40B4-BE49-F238E27FC236}">
+                    <a16:creationId xmlns:a16="http://schemas.microsoft.com/office/drawing/2014/main" id="{ADAC8E5C-AC92-3609-E279-2DC9D8BD7F60}"/>
+                  </a:ext>
+                </a:extLst>
+              </p:cNvPr>
+              <p:cNvCxnSpPr>
+                <a:cxnSpLocks/>
+              </p:cNvCxnSpPr>
+              <p:nvPr/>
+            </p:nvCxnSpPr>
+            <p:spPr>
+              <a:xfrm>
+                <a:off x="1606497" y="2393213"/>
+                <a:ext cx="0" cy="627897"/>
+              </a:xfrm>
+              <a:prstGeom prst="line">
+                <a:avLst/>
+              </a:prstGeom>
+              <a:ln w="19050">
+                <a:solidFill>
+                  <a:schemeClr val="tx1"/>
+                </a:solidFill>
+              </a:ln>
+            </p:spPr>
+            <p:style>
+              <a:lnRef idx="1">
+                <a:schemeClr val="accent1"/>
+              </a:lnRef>
+              <a:fillRef idx="0">
+                <a:schemeClr val="accent1"/>
+              </a:fillRef>
+              <a:effectRef idx="0">
+                <a:schemeClr val="accent1"/>
+              </a:effectRef>
+              <a:fontRef idx="minor">
+                <a:schemeClr val="tx1"/>
+              </a:fontRef>
+            </p:style>
+          </p:cxnSp>
+          <p:sp>
+            <p:nvSpPr>
+              <p:cNvPr id="18" name="Rectangle 17">
+                <a:extLst>
+                  <a:ext uri="{FF2B5EF4-FFF2-40B4-BE49-F238E27FC236}">
+                    <a16:creationId xmlns:a16="http://schemas.microsoft.com/office/drawing/2014/main" id="{A446A6EA-4E5C-D0F3-66EF-D0B94CB55DB1}"/>
+                  </a:ext>
+                </a:extLst>
+              </p:cNvPr>
+              <p:cNvSpPr/>
+              <p:nvPr/>
+            </p:nvSpPr>
+            <p:spPr>
+              <a:xfrm>
+                <a:off x="1543707" y="2263814"/>
+                <a:ext cx="125579" cy="125579"/>
+              </a:xfrm>
+              <a:prstGeom prst="rect">
+                <a:avLst/>
+              </a:prstGeom>
+              <a:solidFill>
+                <a:schemeClr val="bg1"/>
+              </a:solidFill>
+              <a:ln w="19050">
+                <a:solidFill>
+                  <a:schemeClr val="tx1"/>
+                </a:solidFill>
+              </a:ln>
+            </p:spPr>
+            <p:style>
+              <a:lnRef idx="2">
+                <a:schemeClr val="accent1">
+                  <a:shade val="50000"/>
+                </a:schemeClr>
+              </a:lnRef>
+              <a:fillRef idx="1">
+                <a:schemeClr val="accent1"/>
+              </a:fillRef>
+              <a:effectRef idx="0">
+                <a:schemeClr val="accent1"/>
+              </a:effectRef>
+              <a:fontRef idx="minor">
+                <a:schemeClr val="lt1"/>
+              </a:fontRef>
+            </p:style>
+            <p:txBody>
+              <a:bodyPr rtlCol="0" anchor="ctr"/>
+              <a:lstStyle/>
+              <a:p>
+                <a:pPr algn="ctr"/>
+                <a:endParaRPr lang="en-US" sz="2000"/>
+              </a:p>
+            </p:txBody>
+          </p:sp>
+          <p:cxnSp>
+            <p:nvCxnSpPr>
+              <p:cNvPr id="19" name="Straight Connector 18">
+                <a:extLst>
+                  <a:ext uri="{FF2B5EF4-FFF2-40B4-BE49-F238E27FC236}">
+                    <a16:creationId xmlns:a16="http://schemas.microsoft.com/office/drawing/2014/main" id="{778D0AAC-9032-C7FE-49AE-EB88C15F21DA}"/>
+                  </a:ext>
+                </a:extLst>
+              </p:cNvPr>
+              <p:cNvCxnSpPr>
+                <a:cxnSpLocks/>
+              </p:cNvCxnSpPr>
+              <p:nvPr/>
+            </p:nvCxnSpPr>
+            <p:spPr>
+              <a:xfrm>
+                <a:off x="1606497" y="1639737"/>
+                <a:ext cx="0" cy="627897"/>
+              </a:xfrm>
+              <a:prstGeom prst="line">
+                <a:avLst/>
+              </a:prstGeom>
+              <a:ln w="19050">
+                <a:solidFill>
+                  <a:schemeClr val="tx1"/>
+                </a:solidFill>
+              </a:ln>
+            </p:spPr>
+            <p:style>
+              <a:lnRef idx="1">
+                <a:schemeClr val="accent1"/>
+              </a:lnRef>
+              <a:fillRef idx="0">
+                <a:schemeClr val="accent1"/>
+              </a:fillRef>
+              <a:effectRef idx="0">
+                <a:schemeClr val="accent1"/>
+              </a:effectRef>
+              <a:fontRef idx="minor">
+                <a:schemeClr val="tx1"/>
+              </a:fontRef>
+            </p:style>
+          </p:cxnSp>
+          <p:cxnSp>
+            <p:nvCxnSpPr>
+              <p:cNvPr id="20" name="Straight Connector 19">
+                <a:extLst>
+                  <a:ext uri="{FF2B5EF4-FFF2-40B4-BE49-F238E27FC236}">
+                    <a16:creationId xmlns:a16="http://schemas.microsoft.com/office/drawing/2014/main" id="{A5369A07-64F7-526A-D0F0-B4A275232283}"/>
+                  </a:ext>
+                </a:extLst>
+              </p:cNvPr>
+              <p:cNvCxnSpPr>
+                <a:cxnSpLocks/>
+              </p:cNvCxnSpPr>
+              <p:nvPr/>
+            </p:nvCxnSpPr>
+            <p:spPr>
+              <a:xfrm>
+                <a:off x="4679702" y="1569051"/>
+                <a:ext cx="627896" cy="0"/>
+              </a:xfrm>
+              <a:prstGeom prst="line">
+                <a:avLst/>
+              </a:prstGeom>
+              <a:ln w="19050">
+                <a:solidFill>
+                  <a:schemeClr val="tx1"/>
+                </a:solidFill>
+              </a:ln>
+            </p:spPr>
+            <p:style>
+              <a:lnRef idx="1">
+                <a:schemeClr val="accent1"/>
+              </a:lnRef>
+              <a:fillRef idx="0">
+                <a:schemeClr val="accent1"/>
+              </a:fillRef>
+              <a:effectRef idx="0">
+                <a:schemeClr val="accent1"/>
+              </a:effectRef>
+              <a:fontRef idx="minor">
+                <a:schemeClr val="tx1"/>
+              </a:fontRef>
+            </p:style>
+          </p:cxnSp>
+          <p:sp>
+            <p:nvSpPr>
+              <p:cNvPr id="21" name="Rectangle 20">
+                <a:extLst>
+                  <a:ext uri="{FF2B5EF4-FFF2-40B4-BE49-F238E27FC236}">
+                    <a16:creationId xmlns:a16="http://schemas.microsoft.com/office/drawing/2014/main" id="{AAB37AEF-C1E2-27C3-A4ED-9F5CFD216650}"/>
+                  </a:ext>
+                </a:extLst>
+              </p:cNvPr>
+              <p:cNvSpPr/>
+              <p:nvPr/>
+            </p:nvSpPr>
+            <p:spPr>
+              <a:xfrm>
+                <a:off x="5307598" y="1506262"/>
+                <a:ext cx="125579" cy="125579"/>
+              </a:xfrm>
+              <a:prstGeom prst="rect">
+                <a:avLst/>
+              </a:prstGeom>
+              <a:solidFill>
+                <a:schemeClr val="bg1"/>
+              </a:solidFill>
+              <a:ln w="19050">
+                <a:solidFill>
+                  <a:schemeClr val="tx1"/>
+                </a:solidFill>
+              </a:ln>
+            </p:spPr>
+            <p:style>
+              <a:lnRef idx="2">
+                <a:schemeClr val="accent1">
+                  <a:shade val="50000"/>
+                </a:schemeClr>
+              </a:lnRef>
+              <a:fillRef idx="1">
+                <a:schemeClr val="accent1"/>
+              </a:fillRef>
+              <a:effectRef idx="0">
+                <a:schemeClr val="accent1"/>
+              </a:effectRef>
+              <a:fontRef idx="minor">
+                <a:schemeClr val="lt1"/>
+              </a:fontRef>
+            </p:style>
+            <p:txBody>
+              <a:bodyPr rtlCol="0" anchor="ctr"/>
+              <a:lstStyle/>
+              <a:p>
+                <a:pPr algn="ctr"/>
+                <a:endParaRPr lang="en-US" sz="2000"/>
+              </a:p>
+            </p:txBody>
+          </p:sp>
+          <p:cxnSp>
+            <p:nvCxnSpPr>
+              <p:cNvPr id="22" name="Straight Connector 21">
+                <a:extLst>
+                  <a:ext uri="{FF2B5EF4-FFF2-40B4-BE49-F238E27FC236}">
+                    <a16:creationId xmlns:a16="http://schemas.microsoft.com/office/drawing/2014/main" id="{32215BC4-3C38-73A2-AD4F-B7D177319C4D}"/>
+                  </a:ext>
+                </a:extLst>
+              </p:cNvPr>
+              <p:cNvCxnSpPr>
+                <a:cxnSpLocks/>
+              </p:cNvCxnSpPr>
+              <p:nvPr/>
+            </p:nvCxnSpPr>
+            <p:spPr>
+              <a:xfrm>
+                <a:off x="3926226" y="1569051"/>
+                <a:ext cx="627896" cy="0"/>
+              </a:xfrm>
+              <a:prstGeom prst="line">
+                <a:avLst/>
+              </a:prstGeom>
+              <a:ln w="19050">
+                <a:solidFill>
+                  <a:schemeClr val="tx1"/>
+                </a:solidFill>
+              </a:ln>
+            </p:spPr>
+            <p:style>
+              <a:lnRef idx="1">
+                <a:schemeClr val="accent1"/>
+              </a:lnRef>
+              <a:fillRef idx="0">
+                <a:schemeClr val="accent1"/>
+              </a:fillRef>
+              <a:effectRef idx="0">
+                <a:schemeClr val="accent1"/>
+              </a:effectRef>
+              <a:fontRef idx="minor">
+                <a:schemeClr val="tx1"/>
+              </a:fontRef>
+            </p:style>
+          </p:cxnSp>
+          <p:sp>
+            <p:nvSpPr>
+              <p:cNvPr id="23" name="Rectangle 22">
+                <a:extLst>
+                  <a:ext uri="{FF2B5EF4-FFF2-40B4-BE49-F238E27FC236}">
+                    <a16:creationId xmlns:a16="http://schemas.microsoft.com/office/drawing/2014/main" id="{A8E5AA92-5783-C347-9F85-BEC203F57F6A}"/>
+                  </a:ext>
+                </a:extLst>
+              </p:cNvPr>
+              <p:cNvSpPr/>
+              <p:nvPr/>
+            </p:nvSpPr>
+            <p:spPr>
+              <a:xfrm>
+                <a:off x="4554122" y="1506262"/>
+                <a:ext cx="125579" cy="125579"/>
+              </a:xfrm>
+              <a:prstGeom prst="rect">
+                <a:avLst/>
+              </a:prstGeom>
+              <a:solidFill>
+                <a:schemeClr val="bg1"/>
+              </a:solidFill>
+              <a:ln w="19050">
+                <a:solidFill>
+                  <a:schemeClr val="tx1"/>
+                </a:solidFill>
+              </a:ln>
+            </p:spPr>
+            <p:style>
+              <a:lnRef idx="2">
+                <a:schemeClr val="accent1">
+                  <a:shade val="50000"/>
+                </a:schemeClr>
+              </a:lnRef>
+              <a:fillRef idx="1">
+                <a:schemeClr val="accent1"/>
+              </a:fillRef>
+              <a:effectRef idx="0">
+                <a:schemeClr val="accent1"/>
+              </a:effectRef>
+              <a:fontRef idx="minor">
+                <a:schemeClr val="lt1"/>
+              </a:fontRef>
+            </p:style>
+            <p:txBody>
+              <a:bodyPr rtlCol="0" anchor="ctr"/>
+              <a:lstStyle/>
+              <a:p>
+                <a:pPr algn="ctr"/>
+                <a:endParaRPr lang="en-US" sz="2000"/>
+              </a:p>
+            </p:txBody>
+          </p:sp>
+          <p:cxnSp>
+            <p:nvCxnSpPr>
+              <p:cNvPr id="24" name="Straight Connector 23">
+                <a:extLst>
+                  <a:ext uri="{FF2B5EF4-FFF2-40B4-BE49-F238E27FC236}">
+                    <a16:creationId xmlns:a16="http://schemas.microsoft.com/office/drawing/2014/main" id="{5036066C-247B-DD36-30AE-F3D56D81D7C1}"/>
+                  </a:ext>
+                </a:extLst>
+              </p:cNvPr>
+              <p:cNvCxnSpPr>
+                <a:cxnSpLocks/>
+              </p:cNvCxnSpPr>
+              <p:nvPr/>
+            </p:nvCxnSpPr>
+            <p:spPr>
+              <a:xfrm>
+                <a:off x="3172751" y="1569051"/>
+                <a:ext cx="627896" cy="0"/>
+              </a:xfrm>
+              <a:prstGeom prst="line">
+                <a:avLst/>
+              </a:prstGeom>
+              <a:ln w="19050">
+                <a:solidFill>
+                  <a:schemeClr val="tx1"/>
+                </a:solidFill>
+              </a:ln>
+            </p:spPr>
+            <p:style>
+              <a:lnRef idx="1">
+                <a:schemeClr val="accent1"/>
+              </a:lnRef>
+              <a:fillRef idx="0">
+                <a:schemeClr val="accent1"/>
+              </a:fillRef>
+              <a:effectRef idx="0">
+                <a:schemeClr val="accent1"/>
+              </a:effectRef>
+              <a:fontRef idx="minor">
+                <a:schemeClr val="tx1"/>
+              </a:fontRef>
+            </p:style>
+          </p:cxnSp>
+          <p:sp>
+            <p:nvSpPr>
+              <p:cNvPr id="25" name="Rectangle 24">
+                <a:extLst>
+                  <a:ext uri="{FF2B5EF4-FFF2-40B4-BE49-F238E27FC236}">
+                    <a16:creationId xmlns:a16="http://schemas.microsoft.com/office/drawing/2014/main" id="{E29A00E0-1633-23A6-EBA2-D3A1B791BFF0}"/>
+                  </a:ext>
+                </a:extLst>
+              </p:cNvPr>
+              <p:cNvSpPr/>
+              <p:nvPr/>
+            </p:nvSpPr>
+            <p:spPr>
+              <a:xfrm>
+                <a:off x="3800647" y="1506262"/>
+                <a:ext cx="125579" cy="125579"/>
+              </a:xfrm>
+              <a:prstGeom prst="rect">
+                <a:avLst/>
+              </a:prstGeom>
+              <a:solidFill>
+                <a:schemeClr val="bg1"/>
+              </a:solidFill>
+              <a:ln w="19050">
+                <a:solidFill>
+                  <a:schemeClr val="tx1"/>
+                </a:solidFill>
+              </a:ln>
+            </p:spPr>
+            <p:style>
+              <a:lnRef idx="2">
+                <a:schemeClr val="accent1">
+                  <a:shade val="50000"/>
+                </a:schemeClr>
+              </a:lnRef>
+              <a:fillRef idx="1">
+                <a:schemeClr val="accent1"/>
+              </a:fillRef>
+              <a:effectRef idx="0">
+                <a:schemeClr val="accent1"/>
+              </a:effectRef>
+              <a:fontRef idx="minor">
+                <a:schemeClr val="lt1"/>
+              </a:fontRef>
+            </p:style>
+            <p:txBody>
+              <a:bodyPr rtlCol="0" anchor="ctr"/>
+              <a:lstStyle/>
+              <a:p>
+                <a:pPr algn="ctr"/>
+                <a:endParaRPr lang="en-US" sz="2000"/>
+              </a:p>
+            </p:txBody>
+          </p:sp>
+          <p:cxnSp>
+            <p:nvCxnSpPr>
+              <p:cNvPr id="26" name="Straight Connector 25">
+                <a:extLst>
+                  <a:ext uri="{FF2B5EF4-FFF2-40B4-BE49-F238E27FC236}">
+                    <a16:creationId xmlns:a16="http://schemas.microsoft.com/office/drawing/2014/main" id="{C3B8ECF4-C9DE-DE48-3E87-3D2CD31D1CF5}"/>
+                  </a:ext>
+                </a:extLst>
+              </p:cNvPr>
+              <p:cNvCxnSpPr>
+                <a:cxnSpLocks/>
+              </p:cNvCxnSpPr>
+              <p:nvPr/>
+            </p:nvCxnSpPr>
+            <p:spPr>
+              <a:xfrm>
+                <a:off x="5370387" y="2387492"/>
+                <a:ext cx="0" cy="627897"/>
+              </a:xfrm>
+              <a:prstGeom prst="line">
+                <a:avLst/>
+              </a:prstGeom>
+              <a:ln w="19050">
+                <a:solidFill>
+                  <a:schemeClr val="tx1"/>
+                </a:solidFill>
+              </a:ln>
+            </p:spPr>
+            <p:style>
+              <a:lnRef idx="1">
+                <a:schemeClr val="accent1"/>
+              </a:lnRef>
+              <a:fillRef idx="0">
+                <a:schemeClr val="accent1"/>
+              </a:fillRef>
+              <a:effectRef idx="0">
+                <a:schemeClr val="accent1"/>
+              </a:effectRef>
+              <a:fontRef idx="minor">
+                <a:schemeClr val="tx1"/>
+              </a:fontRef>
+            </p:style>
+          </p:cxnSp>
+          <p:sp>
+            <p:nvSpPr>
+              <p:cNvPr id="27" name="Rectangle 26">
+                <a:extLst>
+                  <a:ext uri="{FF2B5EF4-FFF2-40B4-BE49-F238E27FC236}">
+                    <a16:creationId xmlns:a16="http://schemas.microsoft.com/office/drawing/2014/main" id="{2306E526-1188-3A2C-2367-FF71DC5A8FB6}"/>
+                  </a:ext>
+                </a:extLst>
+              </p:cNvPr>
+              <p:cNvSpPr/>
+              <p:nvPr/>
+            </p:nvSpPr>
+            <p:spPr>
+              <a:xfrm>
+                <a:off x="5307598" y="2263814"/>
+                <a:ext cx="125579" cy="125579"/>
+              </a:xfrm>
+              <a:prstGeom prst="rect">
+                <a:avLst/>
+              </a:prstGeom>
+              <a:solidFill>
+                <a:schemeClr val="bg1"/>
+              </a:solidFill>
+              <a:ln w="19050">
+                <a:solidFill>
+                  <a:schemeClr val="tx1"/>
+                </a:solidFill>
+              </a:ln>
+            </p:spPr>
+            <p:style>
+              <a:lnRef idx="2">
+                <a:schemeClr val="accent1">
+                  <a:shade val="50000"/>
+                </a:schemeClr>
+              </a:lnRef>
+              <a:fillRef idx="1">
+                <a:schemeClr val="accent1"/>
+              </a:fillRef>
+              <a:effectRef idx="0">
+                <a:schemeClr val="accent1"/>
+              </a:effectRef>
+              <a:fontRef idx="minor">
+                <a:schemeClr val="lt1"/>
+              </a:fontRef>
+            </p:style>
+            <p:txBody>
+              <a:bodyPr rtlCol="0" anchor="ctr"/>
+              <a:lstStyle/>
+              <a:p>
+                <a:pPr algn="ctr"/>
+                <a:endParaRPr lang="en-US" sz="2000"/>
+              </a:p>
+            </p:txBody>
+          </p:sp>
+          <p:cxnSp>
+            <p:nvCxnSpPr>
+              <p:cNvPr id="28" name="Straight Connector 27">
+                <a:extLst>
+                  <a:ext uri="{FF2B5EF4-FFF2-40B4-BE49-F238E27FC236}">
+                    <a16:creationId xmlns:a16="http://schemas.microsoft.com/office/drawing/2014/main" id="{7DAA8A57-0826-E0FF-B574-478BB4531969}"/>
+                  </a:ext>
+                </a:extLst>
+              </p:cNvPr>
+              <p:cNvCxnSpPr>
+                <a:cxnSpLocks/>
+              </p:cNvCxnSpPr>
+              <p:nvPr/>
+            </p:nvCxnSpPr>
+            <p:spPr>
+              <a:xfrm>
+                <a:off x="5370387" y="1634015"/>
+                <a:ext cx="0" cy="627897"/>
+              </a:xfrm>
+              <a:prstGeom prst="line">
+                <a:avLst/>
+              </a:prstGeom>
+              <a:ln w="19050">
+                <a:solidFill>
+                  <a:schemeClr val="tx1"/>
+                </a:solidFill>
+              </a:ln>
+            </p:spPr>
+            <p:style>
+              <a:lnRef idx="1">
+                <a:schemeClr val="accent1"/>
+              </a:lnRef>
+              <a:fillRef idx="0">
+                <a:schemeClr val="accent1"/>
+              </a:fillRef>
+              <a:effectRef idx="0">
+                <a:schemeClr val="accent1"/>
+              </a:effectRef>
+              <a:fontRef idx="minor">
+                <a:schemeClr val="tx1"/>
+              </a:fontRef>
+            </p:style>
+          </p:cxnSp>
+          <p:grpSp>
+            <p:nvGrpSpPr>
+              <p:cNvPr id="29" name="Group 28">
+                <a:extLst>
+                  <a:ext uri="{FF2B5EF4-FFF2-40B4-BE49-F238E27FC236}">
+                    <a16:creationId xmlns:a16="http://schemas.microsoft.com/office/drawing/2014/main" id="{C3F18D43-2867-65C5-BE41-D311C922AB93}"/>
+                  </a:ext>
+                </a:extLst>
+              </p:cNvPr>
+              <p:cNvGrpSpPr/>
+              <p:nvPr/>
+            </p:nvGrpSpPr>
+            <p:grpSpPr>
+              <a:xfrm>
+                <a:off x="633260" y="2995997"/>
+                <a:ext cx="439527" cy="150232"/>
+                <a:chOff x="2465022" y="3568700"/>
+                <a:chExt cx="806450" cy="387348"/>
+              </a:xfrm>
+            </p:grpSpPr>
+            <p:sp>
+              <p:nvSpPr>
+                <p:cNvPr id="42" name="Rectangle 41">
+                  <a:extLst>
+                    <a:ext uri="{FF2B5EF4-FFF2-40B4-BE49-F238E27FC236}">
+                      <a16:creationId xmlns:a16="http://schemas.microsoft.com/office/drawing/2014/main" id="{4BA64EF6-40A1-75BC-6FAC-9769ACBEF32F}"/>
+                    </a:ext>
+                  </a:extLst>
+                </p:cNvPr>
+                <p:cNvSpPr/>
+                <p:nvPr/>
+              </p:nvSpPr>
+              <p:spPr>
+                <a:xfrm>
+                  <a:off x="2465022" y="3568700"/>
+                  <a:ext cx="806450" cy="387348"/>
+                </a:xfrm>
+                <a:prstGeom prst="rect">
+                  <a:avLst/>
+                </a:prstGeom>
+                <a:solidFill>
+                  <a:schemeClr val="bg2"/>
+                </a:solidFill>
+                <a:ln>
+                  <a:noFill/>
+                </a:ln>
+              </p:spPr>
+              <p:style>
+                <a:lnRef idx="2">
+                  <a:schemeClr val="accent1">
+                    <a:shade val="50000"/>
+                  </a:schemeClr>
+                </a:lnRef>
+                <a:fillRef idx="1">
+                  <a:schemeClr val="accent1"/>
+                </a:fillRef>
+                <a:effectRef idx="0">
+                  <a:schemeClr val="accent1"/>
+                </a:effectRef>
+                <a:fontRef idx="minor">
+                  <a:schemeClr val="lt1"/>
+                </a:fontRef>
+              </p:style>
+              <p:txBody>
+                <a:bodyPr rtlCol="0" anchor="ctr"/>
+                <a:lstStyle/>
+                <a:p>
+                  <a:pPr algn="ctr"/>
+                  <a:endParaRPr lang="en-US" sz="2000"/>
+                </a:p>
+              </p:txBody>
+            </p:sp>
+            <p:cxnSp>
+              <p:nvCxnSpPr>
+                <p:cNvPr id="43" name="Straight Connector 42">
+                  <a:extLst>
+                    <a:ext uri="{FF2B5EF4-FFF2-40B4-BE49-F238E27FC236}">
+                      <a16:creationId xmlns:a16="http://schemas.microsoft.com/office/drawing/2014/main" id="{0CEF30AD-29BF-DC2B-539D-2E32B5B4AFB1}"/>
+                    </a:ext>
+                  </a:extLst>
+                </p:cNvPr>
+                <p:cNvCxnSpPr>
+                  <a:cxnSpLocks/>
+                </p:cNvCxnSpPr>
+                <p:nvPr/>
+              </p:nvCxnSpPr>
+              <p:spPr>
+                <a:xfrm>
+                  <a:off x="2465022" y="3568700"/>
+                  <a:ext cx="806450" cy="0"/>
+                </a:xfrm>
+                <a:prstGeom prst="line">
+                  <a:avLst/>
+                </a:prstGeom>
+                <a:ln>
+                  <a:solidFill>
+                    <a:schemeClr val="tx1"/>
+                  </a:solidFill>
+                </a:ln>
+              </p:spPr>
+              <p:style>
+                <a:lnRef idx="1">
+                  <a:schemeClr val="accent1"/>
+                </a:lnRef>
+                <a:fillRef idx="0">
+                  <a:schemeClr val="accent1"/>
+                </a:fillRef>
+                <a:effectRef idx="0">
+                  <a:schemeClr val="accent1"/>
+                </a:effectRef>
+                <a:fontRef idx="minor">
+                  <a:schemeClr val="tx1"/>
+                </a:fontRef>
+              </p:style>
+            </p:cxnSp>
+          </p:grpSp>
+          <p:grpSp>
+            <p:nvGrpSpPr>
+              <p:cNvPr id="30" name="Group 29">
+                <a:extLst>
+                  <a:ext uri="{FF2B5EF4-FFF2-40B4-BE49-F238E27FC236}">
+                    <a16:creationId xmlns:a16="http://schemas.microsoft.com/office/drawing/2014/main" id="{45042D3D-9E3E-0B54-65A8-DBD8D20BE979}"/>
+                  </a:ext>
+                </a:extLst>
+              </p:cNvPr>
+              <p:cNvGrpSpPr/>
+              <p:nvPr/>
+            </p:nvGrpSpPr>
+            <p:grpSpPr>
+              <a:xfrm>
+                <a:off x="1386736" y="2995627"/>
+                <a:ext cx="439528" cy="150972"/>
+                <a:chOff x="2992549" y="3663553"/>
+                <a:chExt cx="806450" cy="389254"/>
+              </a:xfrm>
+            </p:grpSpPr>
+            <p:sp>
+              <p:nvSpPr>
+                <p:cNvPr id="40" name="Rectangle 39">
+                  <a:extLst>
+                    <a:ext uri="{FF2B5EF4-FFF2-40B4-BE49-F238E27FC236}">
+                      <a16:creationId xmlns:a16="http://schemas.microsoft.com/office/drawing/2014/main" id="{B7FB7518-7B58-68F4-84B8-91869077448E}"/>
+                    </a:ext>
+                  </a:extLst>
+                </p:cNvPr>
+                <p:cNvSpPr/>
+                <p:nvPr/>
+              </p:nvSpPr>
+              <p:spPr>
+                <a:xfrm>
+                  <a:off x="2992549" y="3665458"/>
+                  <a:ext cx="806448" cy="387349"/>
+                </a:xfrm>
+                <a:prstGeom prst="rect">
+                  <a:avLst/>
+                </a:prstGeom>
+                <a:solidFill>
+                  <a:schemeClr val="bg2"/>
+                </a:solidFill>
+                <a:ln>
+                  <a:noFill/>
+                </a:ln>
+              </p:spPr>
+              <p:style>
+                <a:lnRef idx="2">
+                  <a:schemeClr val="accent1">
+                    <a:shade val="50000"/>
+                  </a:schemeClr>
+                </a:lnRef>
+                <a:fillRef idx="1">
+                  <a:schemeClr val="accent1"/>
+                </a:fillRef>
+                <a:effectRef idx="0">
+                  <a:schemeClr val="accent1"/>
+                </a:effectRef>
+                <a:fontRef idx="minor">
+                  <a:schemeClr val="lt1"/>
+                </a:fontRef>
+              </p:style>
+              <p:txBody>
+                <a:bodyPr rtlCol="0" anchor="ctr"/>
+                <a:lstStyle/>
+                <a:p>
+                  <a:pPr algn="ctr"/>
+                  <a:endParaRPr lang="en-US" sz="2000"/>
+                </a:p>
+              </p:txBody>
+            </p:sp>
+            <p:cxnSp>
+              <p:nvCxnSpPr>
+                <p:cNvPr id="41" name="Straight Connector 40">
+                  <a:extLst>
+                    <a:ext uri="{FF2B5EF4-FFF2-40B4-BE49-F238E27FC236}">
+                      <a16:creationId xmlns:a16="http://schemas.microsoft.com/office/drawing/2014/main" id="{D487B1EB-2D2D-FA69-3E08-A0D07C88BC75}"/>
+                    </a:ext>
+                  </a:extLst>
+                </p:cNvPr>
+                <p:cNvCxnSpPr>
+                  <a:cxnSpLocks/>
+                </p:cNvCxnSpPr>
+                <p:nvPr/>
+              </p:nvCxnSpPr>
+              <p:spPr>
+                <a:xfrm>
+                  <a:off x="2992549" y="3663553"/>
+                  <a:ext cx="806450" cy="0"/>
+                </a:xfrm>
+                <a:prstGeom prst="line">
+                  <a:avLst/>
+                </a:prstGeom>
+                <a:ln>
+                  <a:solidFill>
+                    <a:schemeClr val="tx1"/>
+                  </a:solidFill>
+                </a:ln>
+              </p:spPr>
+              <p:style>
+                <a:lnRef idx="1">
+                  <a:schemeClr val="accent1"/>
+                </a:lnRef>
+                <a:fillRef idx="0">
+                  <a:schemeClr val="accent1"/>
+                </a:fillRef>
+                <a:effectRef idx="0">
+                  <a:schemeClr val="accent1"/>
+                </a:effectRef>
+                <a:fontRef idx="minor">
+                  <a:schemeClr val="tx1"/>
+                </a:fontRef>
+              </p:style>
+            </p:cxnSp>
+          </p:grpSp>
+          <p:grpSp>
+            <p:nvGrpSpPr>
+              <p:cNvPr id="31" name="Group 30">
+                <a:extLst>
+                  <a:ext uri="{FF2B5EF4-FFF2-40B4-BE49-F238E27FC236}">
+                    <a16:creationId xmlns:a16="http://schemas.microsoft.com/office/drawing/2014/main" id="{665F7AA9-7CEA-3065-88FE-7011DF74F802}"/>
+                  </a:ext>
+                </a:extLst>
+              </p:cNvPr>
+              <p:cNvGrpSpPr/>
+              <p:nvPr/>
+            </p:nvGrpSpPr>
+            <p:grpSpPr>
+              <a:xfrm>
+                <a:off x="5150622" y="2995997"/>
+                <a:ext cx="439527" cy="150232"/>
+                <a:chOff x="9043618" y="3627804"/>
+                <a:chExt cx="806450" cy="387348"/>
+              </a:xfrm>
+            </p:grpSpPr>
+            <p:sp>
+              <p:nvSpPr>
+                <p:cNvPr id="38" name="Rectangle 37">
+                  <a:extLst>
+                    <a:ext uri="{FF2B5EF4-FFF2-40B4-BE49-F238E27FC236}">
+                      <a16:creationId xmlns:a16="http://schemas.microsoft.com/office/drawing/2014/main" id="{C4C0A424-5534-2597-43FF-0EC11A33D627}"/>
+                    </a:ext>
+                  </a:extLst>
+                </p:cNvPr>
+                <p:cNvSpPr/>
+                <p:nvPr/>
+              </p:nvSpPr>
+              <p:spPr>
+                <a:xfrm>
+                  <a:off x="9043618" y="3627804"/>
+                  <a:ext cx="806450" cy="387348"/>
+                </a:xfrm>
+                <a:prstGeom prst="rect">
+                  <a:avLst/>
+                </a:prstGeom>
+                <a:solidFill>
+                  <a:schemeClr val="bg2"/>
+                </a:solidFill>
+                <a:ln>
+                  <a:noFill/>
+                </a:ln>
+              </p:spPr>
+              <p:style>
+                <a:lnRef idx="2">
+                  <a:schemeClr val="accent1">
+                    <a:shade val="50000"/>
+                  </a:schemeClr>
+                </a:lnRef>
+                <a:fillRef idx="1">
+                  <a:schemeClr val="accent1"/>
+                </a:fillRef>
+                <a:effectRef idx="0">
+                  <a:schemeClr val="accent1"/>
+                </a:effectRef>
+                <a:fontRef idx="minor">
+                  <a:schemeClr val="lt1"/>
+                </a:fontRef>
+              </p:style>
+              <p:txBody>
+                <a:bodyPr rtlCol="0" anchor="ctr"/>
+                <a:lstStyle/>
+                <a:p>
+                  <a:pPr algn="ctr"/>
+                  <a:endParaRPr lang="en-US" sz="2000"/>
+                </a:p>
+              </p:txBody>
+            </p:sp>
+            <p:cxnSp>
+              <p:nvCxnSpPr>
+                <p:cNvPr id="39" name="Straight Connector 38">
+                  <a:extLst>
+                    <a:ext uri="{FF2B5EF4-FFF2-40B4-BE49-F238E27FC236}">
+                      <a16:creationId xmlns:a16="http://schemas.microsoft.com/office/drawing/2014/main" id="{CB353064-327D-2EBE-E61B-C91EA725F2B5}"/>
+                    </a:ext>
+                  </a:extLst>
+                </p:cNvPr>
+                <p:cNvCxnSpPr>
+                  <a:cxnSpLocks/>
+                </p:cNvCxnSpPr>
+                <p:nvPr/>
+              </p:nvCxnSpPr>
+              <p:spPr>
+                <a:xfrm>
+                  <a:off x="9043618" y="3634154"/>
+                  <a:ext cx="806450" cy="0"/>
+                </a:xfrm>
+                <a:prstGeom prst="line">
+                  <a:avLst/>
+                </a:prstGeom>
+                <a:ln>
+                  <a:solidFill>
+                    <a:schemeClr val="tx1"/>
+                  </a:solidFill>
+                </a:ln>
+              </p:spPr>
+              <p:style>
+                <a:lnRef idx="1">
+                  <a:schemeClr val="accent1"/>
+                </a:lnRef>
+                <a:fillRef idx="0">
+                  <a:schemeClr val="accent1"/>
+                </a:fillRef>
+                <a:effectRef idx="0">
+                  <a:schemeClr val="accent1"/>
+                </a:effectRef>
+                <a:fontRef idx="minor">
+                  <a:schemeClr val="tx1"/>
+                </a:fontRef>
+              </p:style>
+            </p:cxnSp>
+          </p:grpSp>
+          <p:cxnSp>
+            <p:nvCxnSpPr>
+              <p:cNvPr id="32" name="Straight Connector 31">
+                <a:extLst>
+                  <a:ext uri="{FF2B5EF4-FFF2-40B4-BE49-F238E27FC236}">
+                    <a16:creationId xmlns:a16="http://schemas.microsoft.com/office/drawing/2014/main" id="{31ACB1ED-B1BA-1F14-0382-6E2403084CFA}"/>
+                  </a:ext>
+                </a:extLst>
+              </p:cNvPr>
+              <p:cNvCxnSpPr>
+                <a:cxnSpLocks/>
+              </p:cNvCxnSpPr>
+              <p:nvPr/>
+            </p:nvCxnSpPr>
+            <p:spPr>
+              <a:xfrm>
+                <a:off x="4606993" y="2385573"/>
+                <a:ext cx="0" cy="627897"/>
+              </a:xfrm>
+              <a:prstGeom prst="line">
+                <a:avLst/>
+              </a:prstGeom>
+              <a:ln w="19050">
+                <a:solidFill>
+                  <a:schemeClr val="tx1"/>
+                </a:solidFill>
+              </a:ln>
+            </p:spPr>
+            <p:style>
+              <a:lnRef idx="1">
+                <a:schemeClr val="accent1"/>
+              </a:lnRef>
+              <a:fillRef idx="0">
+                <a:schemeClr val="accent1"/>
+              </a:fillRef>
+              <a:effectRef idx="0">
+                <a:schemeClr val="accent1"/>
+              </a:effectRef>
+              <a:fontRef idx="minor">
+                <a:schemeClr val="tx1"/>
+              </a:fontRef>
+            </p:style>
+          </p:cxnSp>
+          <p:sp>
+            <p:nvSpPr>
+              <p:cNvPr id="33" name="Rectangle 32">
+                <a:extLst>
+                  <a:ext uri="{FF2B5EF4-FFF2-40B4-BE49-F238E27FC236}">
+                    <a16:creationId xmlns:a16="http://schemas.microsoft.com/office/drawing/2014/main" id="{C9DEA08F-A0EE-14B8-7C09-BD276F7B12ED}"/>
+                  </a:ext>
+                </a:extLst>
+              </p:cNvPr>
+              <p:cNvSpPr/>
+              <p:nvPr/>
+            </p:nvSpPr>
+            <p:spPr>
+              <a:xfrm>
+                <a:off x="4544203" y="2263814"/>
+                <a:ext cx="125579" cy="125579"/>
+              </a:xfrm>
+              <a:prstGeom prst="rect">
+                <a:avLst/>
+              </a:prstGeom>
+              <a:solidFill>
+                <a:schemeClr val="bg1"/>
+              </a:solidFill>
+              <a:ln w="19050">
+                <a:solidFill>
+                  <a:schemeClr val="tx1"/>
+                </a:solidFill>
+              </a:ln>
+            </p:spPr>
+            <p:style>
+              <a:lnRef idx="2">
+                <a:schemeClr val="accent1">
+                  <a:shade val="50000"/>
+                </a:schemeClr>
+              </a:lnRef>
+              <a:fillRef idx="1">
+                <a:schemeClr val="accent1"/>
+              </a:fillRef>
+              <a:effectRef idx="0">
+                <a:schemeClr val="accent1"/>
+              </a:effectRef>
+              <a:fontRef idx="minor">
+                <a:schemeClr val="lt1"/>
+              </a:fontRef>
+            </p:style>
+            <p:txBody>
+              <a:bodyPr rtlCol="0" anchor="ctr"/>
+              <a:lstStyle/>
+              <a:p>
+                <a:pPr algn="ctr"/>
+                <a:endParaRPr lang="en-US" sz="2000"/>
+              </a:p>
+            </p:txBody>
+          </p:sp>
+          <p:cxnSp>
+            <p:nvCxnSpPr>
+              <p:cNvPr id="34" name="Straight Connector 33">
+                <a:extLst>
+                  <a:ext uri="{FF2B5EF4-FFF2-40B4-BE49-F238E27FC236}">
+                    <a16:creationId xmlns:a16="http://schemas.microsoft.com/office/drawing/2014/main" id="{1291B4ED-E6B7-8C25-11D8-38B1124BBD81}"/>
+                  </a:ext>
+                </a:extLst>
+              </p:cNvPr>
+              <p:cNvCxnSpPr>
+                <a:cxnSpLocks/>
+              </p:cNvCxnSpPr>
+              <p:nvPr/>
+            </p:nvCxnSpPr>
+            <p:spPr>
+              <a:xfrm>
+                <a:off x="4606993" y="1632097"/>
+                <a:ext cx="0" cy="627897"/>
+              </a:xfrm>
+              <a:prstGeom prst="line">
+                <a:avLst/>
+              </a:prstGeom>
+              <a:ln w="19050">
+                <a:solidFill>
+                  <a:schemeClr val="tx1"/>
+                </a:solidFill>
+              </a:ln>
+            </p:spPr>
+            <p:style>
+              <a:lnRef idx="1">
+                <a:schemeClr val="accent1"/>
+              </a:lnRef>
+              <a:fillRef idx="0">
+                <a:schemeClr val="accent1"/>
+              </a:fillRef>
+              <a:effectRef idx="0">
+                <a:schemeClr val="accent1"/>
+              </a:effectRef>
+              <a:fontRef idx="minor">
+                <a:schemeClr val="tx1"/>
+              </a:fontRef>
+            </p:style>
+          </p:cxnSp>
+          <p:grpSp>
+            <p:nvGrpSpPr>
+              <p:cNvPr id="35" name="Group 34">
+                <a:extLst>
+                  <a:ext uri="{FF2B5EF4-FFF2-40B4-BE49-F238E27FC236}">
+                    <a16:creationId xmlns:a16="http://schemas.microsoft.com/office/drawing/2014/main" id="{6CF229EC-CA0A-400B-C0C6-4575F90384F5}"/>
+                  </a:ext>
+                </a:extLst>
+              </p:cNvPr>
+              <p:cNvGrpSpPr/>
+              <p:nvPr/>
+            </p:nvGrpSpPr>
+            <p:grpSpPr>
+              <a:xfrm>
+                <a:off x="4387228" y="2995627"/>
+                <a:ext cx="439527" cy="150972"/>
+                <a:chOff x="4387228" y="2988162"/>
+                <a:chExt cx="439527" cy="150972"/>
+              </a:xfrm>
+            </p:grpSpPr>
+            <p:sp>
+              <p:nvSpPr>
+                <p:cNvPr id="36" name="Rectangle 35">
+                  <a:extLst>
+                    <a:ext uri="{FF2B5EF4-FFF2-40B4-BE49-F238E27FC236}">
+                      <a16:creationId xmlns:a16="http://schemas.microsoft.com/office/drawing/2014/main" id="{3F97FD49-2C6A-9F5D-7CCB-C6157AFC3A03}"/>
+                    </a:ext>
+                  </a:extLst>
+                </p:cNvPr>
+                <p:cNvSpPr/>
+                <p:nvPr/>
+              </p:nvSpPr>
+              <p:spPr>
+                <a:xfrm>
+                  <a:off x="4387228" y="2988901"/>
+                  <a:ext cx="439527" cy="150233"/>
+                </a:xfrm>
+                <a:prstGeom prst="rect">
+                  <a:avLst/>
+                </a:prstGeom>
+                <a:solidFill>
+                  <a:schemeClr val="bg2"/>
+                </a:solidFill>
+                <a:ln>
+                  <a:noFill/>
+                </a:ln>
+              </p:spPr>
+              <p:style>
+                <a:lnRef idx="2">
+                  <a:schemeClr val="accent1">
+                    <a:shade val="50000"/>
+                  </a:schemeClr>
+                </a:lnRef>
+                <a:fillRef idx="1">
+                  <a:schemeClr val="accent1"/>
+                </a:fillRef>
+                <a:effectRef idx="0">
+                  <a:schemeClr val="accent1"/>
+                </a:effectRef>
+                <a:fontRef idx="minor">
+                  <a:schemeClr val="lt1"/>
+                </a:fontRef>
+              </p:style>
+              <p:txBody>
+                <a:bodyPr rtlCol="0" anchor="ctr"/>
+                <a:lstStyle/>
+                <a:p>
+                  <a:pPr algn="ctr"/>
+                  <a:endParaRPr lang="en-US" sz="2000"/>
+                </a:p>
+              </p:txBody>
+            </p:sp>
+            <p:cxnSp>
+              <p:nvCxnSpPr>
+                <p:cNvPr id="37" name="Straight Connector 36">
+                  <a:extLst>
+                    <a:ext uri="{FF2B5EF4-FFF2-40B4-BE49-F238E27FC236}">
+                      <a16:creationId xmlns:a16="http://schemas.microsoft.com/office/drawing/2014/main" id="{08F69EBA-C618-574D-AD41-8A4D81415696}"/>
+                    </a:ext>
+                  </a:extLst>
+                </p:cNvPr>
+                <p:cNvCxnSpPr>
+                  <a:cxnSpLocks/>
+                </p:cNvCxnSpPr>
+                <p:nvPr/>
+              </p:nvCxnSpPr>
+              <p:spPr>
+                <a:xfrm>
+                  <a:off x="4387228" y="2988162"/>
+                  <a:ext cx="439527" cy="0"/>
+                </a:xfrm>
+                <a:prstGeom prst="line">
+                  <a:avLst/>
+                </a:prstGeom>
+                <a:ln>
+                  <a:solidFill>
+                    <a:schemeClr val="tx1"/>
+                  </a:solidFill>
+                </a:ln>
+              </p:spPr>
+              <p:style>
+                <a:lnRef idx="1">
+                  <a:schemeClr val="accent1"/>
+                </a:lnRef>
+                <a:fillRef idx="0">
+                  <a:schemeClr val="accent1"/>
+                </a:fillRef>
+                <a:effectRef idx="0">
+                  <a:schemeClr val="accent1"/>
+                </a:effectRef>
+                <a:fontRef idx="minor">
+                  <a:schemeClr val="tx1"/>
+                </a:fontRef>
+              </p:style>
+            </p:cxnSp>
+          </p:grpSp>
+        </p:grpSp>
+        <mc:AlternateContent xmlns:mc="http://schemas.openxmlformats.org/markup-compatibility/2006" xmlns:a14="http://schemas.microsoft.com/office/drawing/2010/main">
+          <mc:Choice Requires="a14">
+            <p:sp>
+              <p:nvSpPr>
+                <p:cNvPr id="44" name="Rectangle 43">
+                  <a:extLst>
+                    <a:ext uri="{FF2B5EF4-FFF2-40B4-BE49-F238E27FC236}">
+                      <a16:creationId xmlns:a16="http://schemas.microsoft.com/office/drawing/2014/main" id="{4FCCEAF8-CBA0-484D-37C0-5873832A3CF7}"/>
+                    </a:ext>
+                  </a:extLst>
+                </p:cNvPr>
+                <p:cNvSpPr/>
+                <p:nvPr/>
+              </p:nvSpPr>
+              <p:spPr>
+                <a:xfrm>
+                  <a:off x="4835528" y="2536154"/>
+                  <a:ext cx="1694812" cy="736635"/>
+                </a:xfrm>
+                <a:prstGeom prst="rect">
+                  <a:avLst/>
+                </a:prstGeom>
+                <a:noFill/>
+                <a:ln w="28575">
+                  <a:noFill/>
+                </a:ln>
+              </p:spPr>
+              <p:style>
+                <a:lnRef idx="2">
+                  <a:schemeClr val="accent1">
+                    <a:shade val="50000"/>
+                  </a:schemeClr>
+                </a:lnRef>
+                <a:fillRef idx="1">
+                  <a:schemeClr val="accent1"/>
+                </a:fillRef>
+                <a:effectRef idx="0">
+                  <a:schemeClr val="accent1"/>
+                </a:effectRef>
+                <a:fontRef idx="minor">
+                  <a:schemeClr val="lt1"/>
+                </a:fontRef>
+              </p:style>
+              <p:txBody>
+                <a:bodyPr lIns="91440" tIns="0" rIns="0" bIns="0" rtlCol="0" anchor="ctr"/>
+                <a:lstStyle/>
+                <a:p>
+                  <a:pPr algn="ctr"/>
+                  <a14:m>
+                    <m:oMath xmlns:m="http://schemas.openxmlformats.org/officeDocument/2006/math">
+                      <m:r>
+                        <a:rPr lang="en-US" sz="2000" b="0" i="1" smtClean="0">
+                          <a:solidFill>
+                            <a:schemeClr val="tx1"/>
+                          </a:solidFill>
+                          <a:latin typeface="Cambria Math" panose="02040503050406030204" pitchFamily="18" charset="0"/>
+                        </a:rPr>
+                        <m:t>{</m:t>
+                      </m:r>
+                      <m:sSub>
+                        <m:sSubPr>
+                          <m:ctrlPr>
+                            <a:rPr lang="en-US" sz="2000" b="0" i="1" smtClean="0">
+                              <a:solidFill>
+                                <a:schemeClr val="tx1"/>
+                              </a:solidFill>
+                              <a:latin typeface="Cambria Math" panose="02040503050406030204" pitchFamily="18" charset="0"/>
+                            </a:rPr>
+                          </m:ctrlPr>
+                        </m:sSubPr>
+                        <m:e>
+                          <m:r>
+                            <a:rPr lang="en-US" sz="2000" b="0" i="1" smtClean="0">
+                              <a:solidFill>
+                                <a:schemeClr val="tx1"/>
+                              </a:solidFill>
+                              <a:latin typeface="Cambria Math" panose="02040503050406030204" pitchFamily="18" charset="0"/>
+                            </a:rPr>
+                            <m:t>𝜔</m:t>
+                          </m:r>
+                        </m:e>
+                        <m:sub>
+                          <m:r>
+                            <a:rPr lang="en-US" sz="2000" b="0" i="1" smtClean="0">
+                              <a:solidFill>
+                                <a:schemeClr val="tx1"/>
+                              </a:solidFill>
+                              <a:latin typeface="Cambria Math" panose="02040503050406030204" pitchFamily="18" charset="0"/>
+                            </a:rPr>
+                            <m:t>𝑖</m:t>
+                          </m:r>
+                        </m:sub>
+                      </m:sSub>
+                      <m:r>
+                        <a:rPr lang="en-US" sz="2000" b="0" i="1" smtClean="0">
+                          <a:solidFill>
+                            <a:schemeClr val="tx1"/>
+                          </a:solidFill>
+                          <a:latin typeface="Cambria Math" panose="02040503050406030204" pitchFamily="18" charset="0"/>
+                        </a:rPr>
+                        <m:t>,  </m:t>
+                      </m:r>
+                      <m:sSub>
+                        <m:sSubPr>
+                          <m:ctrlPr>
+                            <a:rPr lang="en-US" sz="2000" b="0" i="1" smtClean="0">
+                              <a:solidFill>
+                                <a:schemeClr val="tx1"/>
+                              </a:solidFill>
+                              <a:latin typeface="Cambria Math" panose="02040503050406030204" pitchFamily="18" charset="0"/>
+                            </a:rPr>
+                          </m:ctrlPr>
+                        </m:sSubPr>
+                        <m:e>
+                          <m:r>
+                            <a:rPr lang="en-US" sz="2000" b="0" i="1" smtClean="0">
+                              <a:solidFill>
+                                <a:schemeClr val="tx1"/>
+                              </a:solidFill>
+                              <a:latin typeface="Cambria Math" panose="02040503050406030204" pitchFamily="18" charset="0"/>
+                            </a:rPr>
+                            <m:t>𝜁</m:t>
+                          </m:r>
+                        </m:e>
+                        <m:sub>
+                          <m:r>
+                            <a:rPr lang="en-US" sz="2000" b="0" i="1" smtClean="0">
+                              <a:solidFill>
+                                <a:schemeClr val="tx1"/>
+                              </a:solidFill>
+                              <a:latin typeface="Cambria Math" panose="02040503050406030204" pitchFamily="18" charset="0"/>
+                            </a:rPr>
+                            <m:t>𝑖</m:t>
+                          </m:r>
+                        </m:sub>
+                      </m:sSub>
+                      <m:r>
+                        <a:rPr lang="en-US" sz="2000" b="0" i="1" smtClean="0">
+                          <a:solidFill>
+                            <a:schemeClr val="tx1"/>
+                          </a:solidFill>
+                          <a:latin typeface="Cambria Math" panose="02040503050406030204" pitchFamily="18" charset="0"/>
+                        </a:rPr>
+                        <m:t>}</m:t>
+                      </m:r>
+                    </m:oMath>
+                  </a14:m>
+                  <a:r>
+                    <a:rPr lang="en-US" sz="2800" dirty="0">
+                      <a:solidFill>
+                        <a:schemeClr val="tx1"/>
+                      </a:solidFill>
+                    </a:rPr>
+                    <a:t> </a:t>
+                  </a:r>
+                </a:p>
+              </p:txBody>
+            </p:sp>
+          </mc:Choice>
+          <mc:Fallback xmlns="">
+            <p:sp>
+              <p:nvSpPr>
+                <p:cNvPr id="44" name="Rectangle 43">
+                  <a:extLst>
+                    <a:ext uri="{FF2B5EF4-FFF2-40B4-BE49-F238E27FC236}">
+                      <a16:creationId xmlns:a16="http://schemas.microsoft.com/office/drawing/2014/main" id="{4FCCEAF8-CBA0-484D-37C0-5873832A3CF7}"/>
+                    </a:ext>
+                  </a:extLst>
+                </p:cNvPr>
+                <p:cNvSpPr>
+                  <a:spLocks noRot="1" noChangeAspect="1" noMove="1" noResize="1" noEditPoints="1" noAdjustHandles="1" noChangeArrowheads="1" noChangeShapeType="1" noTextEdit="1"/>
+                </p:cNvSpPr>
+                <p:nvPr/>
+              </p:nvSpPr>
+              <p:spPr>
+                <a:xfrm>
+                  <a:off x="4835528" y="2536154"/>
+                  <a:ext cx="1694812" cy="736635"/>
+                </a:xfrm>
+                <a:prstGeom prst="rect">
+                  <a:avLst/>
+                </a:prstGeom>
+                <a:blipFill>
+                  <a:blip r:embed="rId4"/>
+                  <a:stretch>
+                    <a:fillRect/>
+                  </a:stretch>
+                </a:blipFill>
+                <a:ln w="28575">
+                  <a:noFill/>
+                </a:ln>
+              </p:spPr>
+              <p:txBody>
+                <a:bodyPr/>
+                <a:lstStyle/>
+                <a:p>
+                  <a:r>
+                    <a:rPr lang="en-US">
+                      <a:noFill/>
+                    </a:rPr>
+                    <a:t> </a:t>
+                  </a:r>
+                </a:p>
+              </p:txBody>
+            </p:sp>
+          </mc:Fallback>
+        </mc:AlternateContent>
+      </p:grpSp>
+    </p:spTree>
+    <p:extLst>
+      <p:ext uri="{BB962C8B-B14F-4D97-AF65-F5344CB8AC3E}">
+        <p14:creationId xmlns:p14="http://schemas.microsoft.com/office/powerpoint/2010/main" val="2376323399"/>
+      </p:ext>
+    </p:extLst>
+  </p:cSld>
+  <p:clrMapOvr>
+    <a:masterClrMapping/>
+  </p:clrMapOvr>
+</p:sld>
+</file>
+
+<file path=ppt/slides/slide4.xml><?xml version="1.0" encoding="utf-8"?>
+<p:sld xmlns:a="http://schemas.openxmlformats.org/drawingml/2006/main" xmlns:r="http://schemas.openxmlformats.org/officeDocument/2006/relationships" xmlns:p="http://schemas.openxmlformats.org/presentationml/2006/main">
+  <p:cSld>
+    <p:spTree>
+      <p:nvGrpSpPr>
+        <p:cNvPr id="1" name=""/>
+        <p:cNvGrpSpPr/>
+        <p:nvPr/>
+      </p:nvGrpSpPr>
+      <p:grpSpPr>
+        <a:xfrm>
+          <a:off x="0" y="0"/>
+          <a:ext cx="0" cy="0"/>
+          <a:chOff x="0" y="0"/>
+          <a:chExt cx="0" cy="0"/>
+        </a:xfrm>
+      </p:grpSpPr>
+      <p:grpSp>
+        <p:nvGrpSpPr>
+          <p:cNvPr id="81" name="Group 80">
+            <a:extLst>
+              <a:ext uri="{FF2B5EF4-FFF2-40B4-BE49-F238E27FC236}">
+                <a16:creationId xmlns:a16="http://schemas.microsoft.com/office/drawing/2014/main" id="{B0642E36-89EB-5F52-1438-15F012F9D526}"/>
+              </a:ext>
+            </a:extLst>
+          </p:cNvPr>
+          <p:cNvGrpSpPr/>
+          <p:nvPr/>
+        </p:nvGrpSpPr>
+        <p:grpSpPr>
+          <a:xfrm>
+            <a:off x="971115" y="1593851"/>
+            <a:ext cx="10249770" cy="2849988"/>
+            <a:chOff x="1511884" y="1695451"/>
+            <a:chExt cx="10249770" cy="2849988"/>
+          </a:xfrm>
+        </p:grpSpPr>
+        <p:sp>
+          <p:nvSpPr>
+            <p:cNvPr id="80" name="Rectangle 79">
+              <a:extLst>
+                <a:ext uri="{FF2B5EF4-FFF2-40B4-BE49-F238E27FC236}">
+                  <a16:creationId xmlns:a16="http://schemas.microsoft.com/office/drawing/2014/main" id="{084D0428-6FCA-0BD7-AD4B-819FD3358E64}"/>
+                </a:ext>
+              </a:extLst>
+            </p:cNvPr>
+            <p:cNvSpPr/>
+            <p:nvPr/>
+          </p:nvSpPr>
+          <p:spPr>
+            <a:xfrm>
+              <a:off x="1511884" y="1695451"/>
+              <a:ext cx="10249770" cy="2849988"/>
+            </a:xfrm>
+            <a:prstGeom prst="rect">
+              <a:avLst/>
+            </a:prstGeom>
+            <a:solidFill>
+              <a:schemeClr val="bg1"/>
+            </a:solidFill>
+            <a:ln>
+              <a:noFill/>
+            </a:ln>
+          </p:spPr>
+          <p:style>
+            <a:lnRef idx="2">
+              <a:schemeClr val="accent1">
+                <a:shade val="50000"/>
+              </a:schemeClr>
+            </a:lnRef>
+            <a:fillRef idx="1">
+              <a:schemeClr val="accent1"/>
+            </a:fillRef>
+            <a:effectRef idx="0">
+              <a:schemeClr val="accent1"/>
+            </a:effectRef>
+            <a:fontRef idx="minor">
+              <a:schemeClr val="lt1"/>
+            </a:fontRef>
+          </p:style>
+          <p:txBody>
+            <a:bodyPr rtlCol="0" anchor="ctr"/>
+            <a:lstStyle/>
+            <a:p>
+              <a:pPr algn="ctr"/>
+              <a:endParaRPr lang="en-US" sz="1300" dirty="0"/>
+            </a:p>
+          </p:txBody>
+        </p:sp>
+        <p:grpSp>
+          <p:nvGrpSpPr>
+            <p:cNvPr id="79" name="Group 78">
+              <a:extLst>
+                <a:ext uri="{FF2B5EF4-FFF2-40B4-BE49-F238E27FC236}">
+                  <a16:creationId xmlns:a16="http://schemas.microsoft.com/office/drawing/2014/main" id="{D28D3610-DC97-1A39-4711-FF9DA6542FD6}"/>
+                </a:ext>
+              </a:extLst>
+            </p:cNvPr>
+            <p:cNvGrpSpPr/>
+            <p:nvPr/>
+          </p:nvGrpSpPr>
+          <p:grpSpPr>
+            <a:xfrm>
+              <a:off x="1910554" y="1883424"/>
+              <a:ext cx="2873279" cy="2533729"/>
+              <a:chOff x="7746204" y="2112013"/>
+              <a:chExt cx="2873279" cy="2533729"/>
+            </a:xfrm>
+          </p:grpSpPr>
+          <p:sp>
+            <p:nvSpPr>
+              <p:cNvPr id="48" name="Freeform: Shape 47">
+                <a:extLst>
+                  <a:ext uri="{FF2B5EF4-FFF2-40B4-BE49-F238E27FC236}">
+                    <a16:creationId xmlns:a16="http://schemas.microsoft.com/office/drawing/2014/main" id="{9106F326-34AF-888A-9468-4E4D7B730B72}"/>
+                  </a:ext>
+                </a:extLst>
+              </p:cNvPr>
+              <p:cNvSpPr/>
+              <p:nvPr/>
+            </p:nvSpPr>
+            <p:spPr>
+              <a:xfrm>
+                <a:off x="8100926" y="2112013"/>
+                <a:ext cx="1376659" cy="1976309"/>
+              </a:xfrm>
+              <a:custGeom>
+                <a:avLst/>
+                <a:gdLst>
+                  <a:gd name="connsiteX0" fmla="*/ 0 w 5189415"/>
+                  <a:gd name="connsiteY0" fmla="*/ 0 h 4509477"/>
+                  <a:gd name="connsiteX1" fmla="*/ 0 w 5189415"/>
+                  <a:gd name="connsiteY1" fmla="*/ 4509477 h 4509477"/>
+                  <a:gd name="connsiteX2" fmla="*/ 5189415 w 5189415"/>
+                  <a:gd name="connsiteY2" fmla="*/ 4509477 h 4509477"/>
+                </a:gdLst>
+                <a:ahLst/>
+                <a:cxnLst>
+                  <a:cxn ang="0">
+                    <a:pos x="connsiteX0" y="connsiteY0"/>
+                  </a:cxn>
+                  <a:cxn ang="0">
+                    <a:pos x="connsiteX1" y="connsiteY1"/>
+                  </a:cxn>
+                  <a:cxn ang="0">
+                    <a:pos x="connsiteX2" y="connsiteY2"/>
+                  </a:cxn>
+                </a:cxnLst>
+                <a:rect l="l" t="t" r="r" b="b"/>
+                <a:pathLst>
+                  <a:path w="5189415" h="4509477">
+                    <a:moveTo>
+                      <a:pt x="0" y="0"/>
+                    </a:moveTo>
+                    <a:lnTo>
+                      <a:pt x="0" y="4509477"/>
+                    </a:lnTo>
+                    <a:lnTo>
+                      <a:pt x="5189415" y="4509477"/>
+                    </a:lnTo>
+                  </a:path>
+                </a:pathLst>
+              </a:custGeom>
+              <a:noFill/>
+              <a:ln w="19050">
+                <a:solidFill>
+                  <a:schemeClr val="tx1"/>
+                </a:solidFill>
+              </a:ln>
+            </p:spPr>
+            <p:style>
+              <a:lnRef idx="2">
+                <a:schemeClr val="accent1">
+                  <a:shade val="50000"/>
+                </a:schemeClr>
+              </a:lnRef>
+              <a:fillRef idx="1">
+                <a:schemeClr val="accent1"/>
+              </a:fillRef>
+              <a:effectRef idx="0">
+                <a:schemeClr val="accent1"/>
+              </a:effectRef>
+              <a:fontRef idx="minor">
+                <a:schemeClr val="lt1"/>
+              </a:fontRef>
+            </p:style>
+            <p:txBody>
+              <a:bodyPr rtlCol="0" anchor="ctr"/>
+              <a:lstStyle/>
+              <a:p>
+                <a:pPr algn="ctr"/>
+                <a:endParaRPr lang="en-US"/>
+              </a:p>
+            </p:txBody>
+          </p:sp>
+          <mc:AlternateContent xmlns:mc="http://schemas.openxmlformats.org/markup-compatibility/2006" xmlns:a14="http://schemas.microsoft.com/office/drawing/2010/main">
+            <mc:Choice Requires="a14">
+              <p:sp>
+                <p:nvSpPr>
+                  <p:cNvPr id="49" name="Oval 48">
+                    <a:extLst>
+                      <a:ext uri="{FF2B5EF4-FFF2-40B4-BE49-F238E27FC236}">
+                        <a16:creationId xmlns:a16="http://schemas.microsoft.com/office/drawing/2014/main" id="{FA94DFA7-2626-936A-F5EC-A9FF98052023}"/>
+                      </a:ext>
+                    </a:extLst>
+                  </p:cNvPr>
+                  <p:cNvSpPr/>
+                  <p:nvPr/>
+                </p:nvSpPr>
+                <p:spPr>
+                  <a:xfrm>
+                    <a:off x="8776586" y="2196893"/>
+                    <a:ext cx="543485" cy="557420"/>
+                  </a:xfrm>
+                  <a:prstGeom prst="ellipse">
+                    <a:avLst/>
+                  </a:prstGeom>
+                  <a:noFill/>
+                  <a:ln w="19050">
+                    <a:solidFill>
+                      <a:schemeClr val="tx1"/>
+                    </a:solidFill>
+                  </a:ln>
+                </p:spPr>
+                <p:style>
+                  <a:lnRef idx="2">
+                    <a:schemeClr val="accent1">
+                      <a:shade val="50000"/>
+                    </a:schemeClr>
+                  </a:lnRef>
+                  <a:fillRef idx="1">
+                    <a:schemeClr val="accent1"/>
+                  </a:fillRef>
+                  <a:effectRef idx="0">
+                    <a:schemeClr val="accent1"/>
+                  </a:effectRef>
+                  <a:fontRef idx="minor">
+                    <a:schemeClr val="lt1"/>
+                  </a:fontRef>
+                </p:style>
+                <p:txBody>
+                  <a:bodyPr lIns="91440" tIns="0" rIns="0" bIns="0" rtlCol="0" anchor="ctr"/>
+                  <a:lstStyle/>
+                  <a:p>
+                    <a:pPr algn="ctr"/>
+                    <a14:m>
+                      <m:oMathPara xmlns:m="http://schemas.openxmlformats.org/officeDocument/2006/math">
+                        <m:oMathParaPr>
+                          <m:jc m:val="center"/>
+                        </m:oMathParaPr>
+                        <m:oMath xmlns:m="http://schemas.openxmlformats.org/officeDocument/2006/math">
+                          <m:sSub>
+                            <m:sSubPr>
+                              <m:ctrlPr>
+                                <a:rPr lang="en-US" b="0" i="1" dirty="0" smtClean="0">
+                                  <a:solidFill>
+                                    <a:schemeClr val="tx1"/>
+                                  </a:solidFill>
+                                  <a:latin typeface="Cambria Math" panose="02040503050406030204" pitchFamily="18" charset="0"/>
+                                </a:rPr>
+                              </m:ctrlPr>
+                            </m:sSubPr>
+                            <m:e>
+                              <m:r>
+                                <a:rPr lang="en-US" i="1" dirty="0" smtClean="0">
+                                  <a:solidFill>
+                                    <a:schemeClr val="tx1"/>
+                                  </a:solidFill>
+                                  <a:latin typeface="Cambria Math" panose="02040503050406030204" pitchFamily="18" charset="0"/>
+                                </a:rPr>
+                                <m:t>𝑚</m:t>
+                              </m:r>
+                            </m:e>
+                            <m:sub>
+                              <m:r>
+                                <a:rPr lang="en-US" b="0" i="1" dirty="0" smtClean="0">
+                                  <a:solidFill>
+                                    <a:schemeClr val="tx1"/>
+                                  </a:solidFill>
+                                  <a:latin typeface="Cambria Math" panose="02040503050406030204" pitchFamily="18" charset="0"/>
+                                </a:rPr>
+                                <m:t>2</m:t>
+                              </m:r>
+                            </m:sub>
+                          </m:sSub>
+                        </m:oMath>
+                      </m:oMathPara>
+                    </a14:m>
+                    <a:endParaRPr lang="en-US" dirty="0"/>
+                  </a:p>
+                </p:txBody>
+              </p:sp>
+            </mc:Choice>
+            <mc:Fallback xmlns="">
+              <p:sp>
+                <p:nvSpPr>
+                  <p:cNvPr id="49" name="Oval 48">
+                    <a:extLst>
+                      <a:ext uri="{FF2B5EF4-FFF2-40B4-BE49-F238E27FC236}">
+                        <a16:creationId xmlns:a16="http://schemas.microsoft.com/office/drawing/2014/main" id="{FA94DFA7-2626-936A-F5EC-A9FF98052023}"/>
+                      </a:ext>
+                    </a:extLst>
+                  </p:cNvPr>
+                  <p:cNvSpPr>
+                    <a:spLocks noRot="1" noChangeAspect="1" noMove="1" noResize="1" noEditPoints="1" noAdjustHandles="1" noChangeArrowheads="1" noChangeShapeType="1" noTextEdit="1"/>
+                  </p:cNvSpPr>
+                  <p:nvPr/>
+                </p:nvSpPr>
+                <p:spPr>
+                  <a:xfrm>
+                    <a:off x="8776586" y="2196893"/>
+                    <a:ext cx="543485" cy="557420"/>
+                  </a:xfrm>
+                  <a:prstGeom prst="ellipse">
+                    <a:avLst/>
+                  </a:prstGeom>
+                  <a:blipFill>
+                    <a:blip r:embed="rId2"/>
+                    <a:stretch>
+                      <a:fillRect/>
+                    </a:stretch>
+                  </a:blipFill>
+                  <a:ln w="19050">
+                    <a:solidFill>
+                      <a:schemeClr val="tx1"/>
+                    </a:solidFill>
+                  </a:ln>
+                </p:spPr>
+                <p:txBody>
+                  <a:bodyPr/>
+                  <a:lstStyle/>
+                  <a:p>
+                    <a:r>
+                      <a:rPr lang="en-US">
+                        <a:noFill/>
+                      </a:rPr>
+                      <a:t> </a:t>
+                    </a:r>
+                  </a:p>
+                </p:txBody>
+              </p:sp>
+            </mc:Fallback>
+          </mc:AlternateContent>
+          <p:cxnSp>
+            <p:nvCxnSpPr>
+              <p:cNvPr id="50" name="Straight Connector 49">
+                <a:extLst>
+                  <a:ext uri="{FF2B5EF4-FFF2-40B4-BE49-F238E27FC236}">
+                    <a16:creationId xmlns:a16="http://schemas.microsoft.com/office/drawing/2014/main" id="{563FB16F-13DE-AE96-1E09-6B8B15DFD272}"/>
+                  </a:ext>
+                </a:extLst>
+              </p:cNvPr>
+              <p:cNvCxnSpPr>
+                <a:cxnSpLocks/>
+              </p:cNvCxnSpPr>
+              <p:nvPr/>
+            </p:nvCxnSpPr>
+            <p:spPr>
+              <a:xfrm>
+                <a:off x="9055296" y="2754313"/>
+                <a:ext cx="0" cy="1334008"/>
+              </a:xfrm>
+              <a:prstGeom prst="line">
+                <a:avLst/>
+              </a:prstGeom>
+              <a:ln w="19050">
+                <a:solidFill>
+                  <a:schemeClr val="tx1"/>
+                </a:solidFill>
+              </a:ln>
+            </p:spPr>
+            <p:style>
+              <a:lnRef idx="1">
+                <a:schemeClr val="accent1"/>
+              </a:lnRef>
+              <a:fillRef idx="0">
+                <a:schemeClr val="accent1"/>
+              </a:fillRef>
+              <a:effectRef idx="0">
+                <a:schemeClr val="accent1"/>
+              </a:effectRef>
+              <a:fontRef idx="minor">
+                <a:schemeClr val="tx1"/>
+              </a:fontRef>
+            </p:style>
+          </p:cxnSp>
+          <p:grpSp>
+            <p:nvGrpSpPr>
+              <p:cNvPr id="51" name="Group 50">
+                <a:extLst>
+                  <a:ext uri="{FF2B5EF4-FFF2-40B4-BE49-F238E27FC236}">
+                    <a16:creationId xmlns:a16="http://schemas.microsoft.com/office/drawing/2014/main" id="{9C284D52-1F92-9AF7-3743-7293D2CBF9E5}"/>
+                  </a:ext>
+                </a:extLst>
+              </p:cNvPr>
+              <p:cNvGrpSpPr/>
+              <p:nvPr/>
+            </p:nvGrpSpPr>
+            <p:grpSpPr>
+              <a:xfrm>
+                <a:off x="8104131" y="2387404"/>
+                <a:ext cx="672456" cy="179474"/>
+                <a:chOff x="5150339" y="2959413"/>
+                <a:chExt cx="1766275" cy="395012"/>
+              </a:xfrm>
+            </p:grpSpPr>
+            <p:cxnSp>
+              <p:nvCxnSpPr>
+                <p:cNvPr id="75" name="Straight Connector 74">
+                  <a:extLst>
+                    <a:ext uri="{FF2B5EF4-FFF2-40B4-BE49-F238E27FC236}">
+                      <a16:creationId xmlns:a16="http://schemas.microsoft.com/office/drawing/2014/main" id="{B92CAA3F-266E-FEB5-2364-6CC5954747BA}"/>
+                    </a:ext>
+                  </a:extLst>
+                </p:cNvPr>
+                <p:cNvCxnSpPr>
+                  <a:cxnSpLocks/>
+                </p:cNvCxnSpPr>
+                <p:nvPr/>
+              </p:nvCxnSpPr>
+              <p:spPr>
+                <a:xfrm>
+                  <a:off x="5150339" y="3156920"/>
+                  <a:ext cx="743927" cy="0"/>
+                </a:xfrm>
+                <a:prstGeom prst="line">
+                  <a:avLst/>
+                </a:prstGeom>
+                <a:ln w="19050">
+                  <a:solidFill>
+                    <a:schemeClr val="tx1"/>
+                  </a:solidFill>
+                </a:ln>
+              </p:spPr>
+              <p:style>
+                <a:lnRef idx="1">
+                  <a:schemeClr val="accent1"/>
+                </a:lnRef>
+                <a:fillRef idx="0">
+                  <a:schemeClr val="accent1"/>
+                </a:fillRef>
+                <a:effectRef idx="0">
+                  <a:schemeClr val="accent1"/>
+                </a:effectRef>
+                <a:fontRef idx="minor">
+                  <a:schemeClr val="tx1"/>
+                </a:fontRef>
+              </p:style>
+            </p:cxnSp>
+            <p:cxnSp>
+              <p:nvCxnSpPr>
+                <p:cNvPr id="76" name="Straight Connector 75">
+                  <a:extLst>
+                    <a:ext uri="{FF2B5EF4-FFF2-40B4-BE49-F238E27FC236}">
+                      <a16:creationId xmlns:a16="http://schemas.microsoft.com/office/drawing/2014/main" id="{670C19D4-EFAC-A97A-5E74-888C8B735D05}"/>
+                    </a:ext>
+                  </a:extLst>
+                </p:cNvPr>
+                <p:cNvCxnSpPr>
+                  <a:cxnSpLocks/>
+                </p:cNvCxnSpPr>
+                <p:nvPr/>
+              </p:nvCxnSpPr>
+              <p:spPr>
+                <a:xfrm>
+                  <a:off x="5894266" y="3039819"/>
+                  <a:ext cx="0" cy="229761"/>
+                </a:xfrm>
+                <a:prstGeom prst="line">
+                  <a:avLst/>
+                </a:prstGeom>
+                <a:ln w="19050">
+                  <a:solidFill>
+                    <a:schemeClr val="tx1"/>
+                  </a:solidFill>
+                </a:ln>
+              </p:spPr>
+              <p:style>
+                <a:lnRef idx="1">
+                  <a:schemeClr val="accent1"/>
+                </a:lnRef>
+                <a:fillRef idx="0">
+                  <a:schemeClr val="accent1"/>
+                </a:fillRef>
+                <a:effectRef idx="0">
+                  <a:schemeClr val="accent1"/>
+                </a:effectRef>
+                <a:fontRef idx="minor">
+                  <a:schemeClr val="tx1"/>
+                </a:fontRef>
+              </p:style>
+            </p:cxnSp>
+            <p:sp>
+              <p:nvSpPr>
+                <p:cNvPr id="77" name="Freeform: Shape 76">
+                  <a:extLst>
+                    <a:ext uri="{FF2B5EF4-FFF2-40B4-BE49-F238E27FC236}">
+                      <a16:creationId xmlns:a16="http://schemas.microsoft.com/office/drawing/2014/main" id="{6B65E83C-8456-2F04-7844-B0D4F12CE121}"/>
+                    </a:ext>
+                  </a:extLst>
+                </p:cNvPr>
+                <p:cNvSpPr/>
+                <p:nvPr/>
+              </p:nvSpPr>
+              <p:spPr>
+                <a:xfrm>
+                  <a:off x="5779111" y="2959413"/>
+                  <a:ext cx="336550" cy="395012"/>
+                </a:xfrm>
+                <a:custGeom>
+                  <a:avLst/>
+                  <a:gdLst>
+                    <a:gd name="connsiteX0" fmla="*/ 9525 w 685800"/>
+                    <a:gd name="connsiteY0" fmla="*/ 0 h 1127125"/>
+                    <a:gd name="connsiteX1" fmla="*/ 685800 w 685800"/>
+                    <a:gd name="connsiteY1" fmla="*/ 0 h 1127125"/>
+                    <a:gd name="connsiteX2" fmla="*/ 685800 w 685800"/>
+                    <a:gd name="connsiteY2" fmla="*/ 1127125 h 1127125"/>
+                    <a:gd name="connsiteX3" fmla="*/ 0 w 685800"/>
+                    <a:gd name="connsiteY3" fmla="*/ 1127125 h 1127125"/>
+                  </a:gdLst>
+                  <a:ahLst/>
+                  <a:cxnLst>
+                    <a:cxn ang="0">
+                      <a:pos x="connsiteX0" y="connsiteY0"/>
+                    </a:cxn>
+                    <a:cxn ang="0">
+                      <a:pos x="connsiteX1" y="connsiteY1"/>
+                    </a:cxn>
+                    <a:cxn ang="0">
+                      <a:pos x="connsiteX2" y="connsiteY2"/>
+                    </a:cxn>
+                    <a:cxn ang="0">
+                      <a:pos x="connsiteX3" y="connsiteY3"/>
+                    </a:cxn>
+                  </a:cxnLst>
+                  <a:rect l="l" t="t" r="r" b="b"/>
+                  <a:pathLst>
+                    <a:path w="685800" h="1127125">
+                      <a:moveTo>
+                        <a:pt x="9525" y="0"/>
+                      </a:moveTo>
+                      <a:lnTo>
+                        <a:pt x="685800" y="0"/>
+                      </a:lnTo>
+                      <a:lnTo>
+                        <a:pt x="685800" y="1127125"/>
+                      </a:lnTo>
+                      <a:lnTo>
+                        <a:pt x="0" y="1127125"/>
+                      </a:lnTo>
+                    </a:path>
+                  </a:pathLst>
+                </a:custGeom>
+                <a:noFill/>
+                <a:ln w="19050">
+                  <a:solidFill>
+                    <a:schemeClr val="tx1"/>
+                  </a:solidFill>
+                </a:ln>
+              </p:spPr>
+              <p:style>
+                <a:lnRef idx="2">
+                  <a:schemeClr val="accent1">
+                    <a:shade val="50000"/>
+                  </a:schemeClr>
+                </a:lnRef>
+                <a:fillRef idx="1">
+                  <a:schemeClr val="accent1"/>
+                </a:fillRef>
+                <a:effectRef idx="0">
+                  <a:schemeClr val="accent1"/>
+                </a:effectRef>
+                <a:fontRef idx="minor">
+                  <a:schemeClr val="lt1"/>
+                </a:fontRef>
+              </p:style>
+              <p:txBody>
+                <a:bodyPr rtlCol="0" anchor="ctr"/>
+                <a:lstStyle/>
+                <a:p>
+                  <a:pPr algn="ctr"/>
+                  <a:endParaRPr lang="en-US"/>
+                </a:p>
+              </p:txBody>
+            </p:sp>
+            <p:cxnSp>
+              <p:nvCxnSpPr>
+                <p:cNvPr id="78" name="Straight Connector 77">
+                  <a:extLst>
+                    <a:ext uri="{FF2B5EF4-FFF2-40B4-BE49-F238E27FC236}">
+                      <a16:creationId xmlns:a16="http://schemas.microsoft.com/office/drawing/2014/main" id="{59D8094D-D9F1-D4C9-D806-154AAA024805}"/>
+                    </a:ext>
+                  </a:extLst>
+                </p:cNvPr>
+                <p:cNvCxnSpPr>
+                  <a:cxnSpLocks/>
+                </p:cNvCxnSpPr>
+                <p:nvPr/>
+              </p:nvCxnSpPr>
+              <p:spPr>
+                <a:xfrm>
+                  <a:off x="6115661" y="3156920"/>
+                  <a:ext cx="800953" cy="0"/>
+                </a:xfrm>
+                <a:prstGeom prst="line">
+                  <a:avLst/>
+                </a:prstGeom>
+                <a:ln w="19050">
+                  <a:solidFill>
+                    <a:schemeClr val="tx1"/>
+                  </a:solidFill>
+                </a:ln>
+              </p:spPr>
+              <p:style>
+                <a:lnRef idx="1">
+                  <a:schemeClr val="accent1"/>
+                </a:lnRef>
+                <a:fillRef idx="0">
+                  <a:schemeClr val="accent1"/>
+                </a:fillRef>
+                <a:effectRef idx="0">
+                  <a:schemeClr val="accent1"/>
+                </a:effectRef>
+                <a:fontRef idx="minor">
+                  <a:schemeClr val="tx1"/>
+                </a:fontRef>
+              </p:style>
+            </p:cxnSp>
+          </p:grpSp>
+          <p:sp>
+            <p:nvSpPr>
+              <p:cNvPr id="52" name="Freeform: Shape 51">
+                <a:extLst>
+                  <a:ext uri="{FF2B5EF4-FFF2-40B4-BE49-F238E27FC236}">
+                    <a16:creationId xmlns:a16="http://schemas.microsoft.com/office/drawing/2014/main" id="{D28E6AFC-0DB9-FE12-691D-47F0CE76A1A3}"/>
+                  </a:ext>
+                </a:extLst>
+              </p:cNvPr>
+              <p:cNvSpPr/>
+              <p:nvPr/>
+            </p:nvSpPr>
+            <p:spPr>
+              <a:xfrm>
+                <a:off x="7746204" y="2112013"/>
+                <a:ext cx="1731381" cy="2278245"/>
+              </a:xfrm>
+              <a:custGeom>
+                <a:avLst/>
+                <a:gdLst>
+                  <a:gd name="connsiteX0" fmla="*/ 0 w 3204307"/>
+                  <a:gd name="connsiteY0" fmla="*/ 0 h 4216400"/>
+                  <a:gd name="connsiteX1" fmla="*/ 655302 w 3204307"/>
+                  <a:gd name="connsiteY1" fmla="*/ 0 h 4216400"/>
+                  <a:gd name="connsiteX2" fmla="*/ 655302 w 3204307"/>
+                  <a:gd name="connsiteY2" fmla="*/ 3657600 h 4216400"/>
+                  <a:gd name="connsiteX3" fmla="*/ 3204307 w 3204307"/>
+                  <a:gd name="connsiteY3" fmla="*/ 3657600 h 4216400"/>
+                  <a:gd name="connsiteX4" fmla="*/ 3204307 w 3204307"/>
+                  <a:gd name="connsiteY4" fmla="*/ 4216400 h 4216400"/>
+                  <a:gd name="connsiteX5" fmla="*/ 0 w 3204307"/>
+                  <a:gd name="connsiteY5" fmla="*/ 4216400 h 4216400"/>
+                </a:gdLst>
+                <a:ahLst/>
+                <a:cxnLst>
+                  <a:cxn ang="0">
+                    <a:pos x="connsiteX0" y="connsiteY0"/>
+                  </a:cxn>
+                  <a:cxn ang="0">
+                    <a:pos x="connsiteX1" y="connsiteY1"/>
+                  </a:cxn>
+                  <a:cxn ang="0">
+                    <a:pos x="connsiteX2" y="connsiteY2"/>
+                  </a:cxn>
+                  <a:cxn ang="0">
+                    <a:pos x="connsiteX3" y="connsiteY3"/>
+                  </a:cxn>
+                  <a:cxn ang="0">
+                    <a:pos x="connsiteX4" y="connsiteY4"/>
+                  </a:cxn>
+                  <a:cxn ang="0">
+                    <a:pos x="connsiteX5" y="connsiteY5"/>
+                  </a:cxn>
+                </a:cxnLst>
+                <a:rect l="l" t="t" r="r" b="b"/>
+                <a:pathLst>
+                  <a:path w="3204307" h="4216400">
+                    <a:moveTo>
+                      <a:pt x="0" y="0"/>
+                    </a:moveTo>
+                    <a:lnTo>
+                      <a:pt x="655302" y="0"/>
+                    </a:lnTo>
+                    <a:lnTo>
+                      <a:pt x="655302" y="3657600"/>
+                    </a:lnTo>
+                    <a:lnTo>
+                      <a:pt x="3204307" y="3657600"/>
+                    </a:lnTo>
+                    <a:lnTo>
+                      <a:pt x="3204307" y="4216400"/>
+                    </a:lnTo>
+                    <a:lnTo>
+                      <a:pt x="0" y="4216400"/>
+                    </a:lnTo>
+                    <a:close/>
+                  </a:path>
+                </a:pathLst>
+              </a:custGeom>
+              <a:solidFill>
+                <a:schemeClr val="bg2"/>
+              </a:solidFill>
+              <a:ln>
+                <a:noFill/>
+              </a:ln>
+            </p:spPr>
+            <p:style>
+              <a:lnRef idx="2">
+                <a:schemeClr val="accent1">
+                  <a:shade val="50000"/>
+                </a:schemeClr>
+              </a:lnRef>
+              <a:fillRef idx="1">
+                <a:schemeClr val="accent1"/>
+              </a:fillRef>
+              <a:effectRef idx="0">
+                <a:schemeClr val="accent1"/>
+              </a:effectRef>
+              <a:fontRef idx="minor">
+                <a:schemeClr val="lt1"/>
+              </a:fontRef>
+            </p:style>
+            <p:txBody>
+              <a:bodyPr wrap="square" rtlCol="0" anchor="ctr">
+                <a:noAutofit/>
+              </a:bodyPr>
+              <a:lstStyle/>
+              <a:p>
+                <a:pPr algn="ctr"/>
+                <a:endParaRPr lang="en-US"/>
+              </a:p>
+            </p:txBody>
+          </p:sp>
+          <mc:AlternateContent xmlns:mc="http://schemas.openxmlformats.org/markup-compatibility/2006" xmlns:a14="http://schemas.microsoft.com/office/drawing/2010/main">
+            <mc:Choice Requires="a14">
+              <p:sp>
+                <p:nvSpPr>
+                  <p:cNvPr id="53" name="Oval 52">
+                    <a:extLst>
+                      <a:ext uri="{FF2B5EF4-FFF2-40B4-BE49-F238E27FC236}">
+                        <a16:creationId xmlns:a16="http://schemas.microsoft.com/office/drawing/2014/main" id="{38A5177D-5EA5-AC2E-C381-5B0792F50933}"/>
+                      </a:ext>
+                    </a:extLst>
+                  </p:cNvPr>
+                  <p:cNvSpPr/>
+                  <p:nvPr/>
+                </p:nvSpPr>
+                <p:spPr>
+                  <a:xfrm>
+                    <a:off x="8148811" y="2410750"/>
+                    <a:ext cx="543485" cy="557420"/>
+                  </a:xfrm>
+                  <a:prstGeom prst="ellipse">
+                    <a:avLst/>
+                  </a:prstGeom>
+                  <a:noFill/>
+                  <a:ln w="28575">
+                    <a:noFill/>
+                  </a:ln>
+                </p:spPr>
+                <p:style>
+                  <a:lnRef idx="2">
+                    <a:schemeClr val="accent1">
+                      <a:shade val="50000"/>
+                    </a:schemeClr>
+                  </a:lnRef>
+                  <a:fillRef idx="1">
+                    <a:schemeClr val="accent1"/>
+                  </a:fillRef>
+                  <a:effectRef idx="0">
+                    <a:schemeClr val="accent1"/>
+                  </a:effectRef>
+                  <a:fontRef idx="minor">
+                    <a:schemeClr val="lt1"/>
+                  </a:fontRef>
+                </p:style>
+                <p:txBody>
+                  <a:bodyPr lIns="91440" tIns="0" rIns="0" bIns="0" rtlCol="0" anchor="ctr"/>
+                  <a:lstStyle/>
+                  <a:p>
+                    <a:pPr algn="ctr"/>
+                    <a14:m>
+                      <m:oMathPara xmlns:m="http://schemas.openxmlformats.org/officeDocument/2006/math">
+                        <m:oMathParaPr>
+                          <m:jc m:val="center"/>
+                        </m:oMathParaPr>
+                        <m:oMath xmlns:m="http://schemas.openxmlformats.org/officeDocument/2006/math">
+                          <m:sSub>
+                            <m:sSubPr>
+                              <m:ctrlPr>
+                                <a:rPr lang="en-US" b="0" i="1" dirty="0" smtClean="0">
+                                  <a:solidFill>
+                                    <a:schemeClr val="tx1"/>
+                                  </a:solidFill>
+                                  <a:latin typeface="Cambria Math" panose="02040503050406030204" pitchFamily="18" charset="0"/>
+                                </a:rPr>
+                              </m:ctrlPr>
+                            </m:sSubPr>
+                            <m:e>
+                              <m:r>
+                                <a:rPr lang="en-US" b="0" i="1" dirty="0" smtClean="0">
+                                  <a:solidFill>
+                                    <a:schemeClr val="tx1"/>
+                                  </a:solidFill>
+                                  <a:latin typeface="Cambria Math" panose="02040503050406030204" pitchFamily="18" charset="0"/>
+                                </a:rPr>
+                                <m:t>𝑐</m:t>
+                              </m:r>
+                            </m:e>
+                            <m:sub>
+                              <m:r>
+                                <a:rPr lang="en-US" b="0" i="1" dirty="0" smtClean="0">
+                                  <a:solidFill>
+                                    <a:schemeClr val="tx1"/>
+                                  </a:solidFill>
+                                  <a:latin typeface="Cambria Math" panose="02040503050406030204" pitchFamily="18" charset="0"/>
+                                </a:rPr>
+                                <m:t>2</m:t>
+                              </m:r>
+                            </m:sub>
+                          </m:sSub>
+                        </m:oMath>
+                      </m:oMathPara>
+                    </a14:m>
+                    <a:endParaRPr lang="en-US" dirty="0"/>
+                  </a:p>
+                </p:txBody>
+              </p:sp>
+            </mc:Choice>
+            <mc:Fallback xmlns="">
+              <p:sp>
+                <p:nvSpPr>
+                  <p:cNvPr id="53" name="Oval 52">
+                    <a:extLst>
+                      <a:ext uri="{FF2B5EF4-FFF2-40B4-BE49-F238E27FC236}">
+                        <a16:creationId xmlns:a16="http://schemas.microsoft.com/office/drawing/2014/main" id="{38A5177D-5EA5-AC2E-C381-5B0792F50933}"/>
+                      </a:ext>
+                    </a:extLst>
+                  </p:cNvPr>
+                  <p:cNvSpPr>
+                    <a:spLocks noRot="1" noChangeAspect="1" noMove="1" noResize="1" noEditPoints="1" noAdjustHandles="1" noChangeArrowheads="1" noChangeShapeType="1" noTextEdit="1"/>
+                  </p:cNvSpPr>
+                  <p:nvPr/>
+                </p:nvSpPr>
+                <p:spPr>
+                  <a:xfrm>
+                    <a:off x="8148811" y="2410750"/>
+                    <a:ext cx="543485" cy="557420"/>
+                  </a:xfrm>
+                  <a:prstGeom prst="ellipse">
+                    <a:avLst/>
+                  </a:prstGeom>
+                  <a:blipFill>
+                    <a:blip r:embed="rId3"/>
+                    <a:stretch>
+                      <a:fillRect/>
+                    </a:stretch>
+                  </a:blipFill>
+                  <a:ln w="28575">
+                    <a:noFill/>
+                  </a:ln>
+                </p:spPr>
+                <p:txBody>
+                  <a:bodyPr/>
+                  <a:lstStyle/>
+                  <a:p>
+                    <a:r>
+                      <a:rPr lang="en-US">
+                        <a:noFill/>
+                      </a:rPr>
+                      <a:t> </a:t>
+                    </a:r>
+                  </a:p>
+                </p:txBody>
+              </p:sp>
+            </mc:Fallback>
+          </mc:AlternateContent>
+          <mc:AlternateContent xmlns:mc="http://schemas.openxmlformats.org/markup-compatibility/2006" xmlns:a14="http://schemas.microsoft.com/office/drawing/2010/main">
+            <mc:Choice Requires="a14">
+              <p:sp>
+                <p:nvSpPr>
+                  <p:cNvPr id="54" name="Oval 53">
+                    <a:extLst>
+                      <a:ext uri="{FF2B5EF4-FFF2-40B4-BE49-F238E27FC236}">
+                        <a16:creationId xmlns:a16="http://schemas.microsoft.com/office/drawing/2014/main" id="{653016E4-7F7E-FBD7-C50E-94AEB3FB499E}"/>
+                      </a:ext>
+                    </a:extLst>
+                  </p:cNvPr>
+                  <p:cNvSpPr/>
+                  <p:nvPr/>
+                </p:nvSpPr>
+                <p:spPr>
+                  <a:xfrm>
+                    <a:off x="8934101" y="2626571"/>
+                    <a:ext cx="543485" cy="557420"/>
+                  </a:xfrm>
+                  <a:prstGeom prst="ellipse">
+                    <a:avLst/>
+                  </a:prstGeom>
+                  <a:noFill/>
+                  <a:ln w="28575">
+                    <a:noFill/>
+                  </a:ln>
+                </p:spPr>
+                <p:style>
+                  <a:lnRef idx="2">
+                    <a:schemeClr val="accent1">
+                      <a:shade val="50000"/>
+                    </a:schemeClr>
+                  </a:lnRef>
+                  <a:fillRef idx="1">
+                    <a:schemeClr val="accent1"/>
+                  </a:fillRef>
+                  <a:effectRef idx="0">
+                    <a:schemeClr val="accent1"/>
+                  </a:effectRef>
+                  <a:fontRef idx="minor">
+                    <a:schemeClr val="lt1"/>
+                  </a:fontRef>
+                </p:style>
+                <p:txBody>
+                  <a:bodyPr lIns="91440" tIns="0" rIns="0" bIns="0" rtlCol="0" anchor="ctr"/>
+                  <a:lstStyle/>
+                  <a:p>
+                    <a:pPr algn="ctr"/>
+                    <a14:m>
+                      <m:oMathPara xmlns:m="http://schemas.openxmlformats.org/officeDocument/2006/math">
+                        <m:oMathParaPr>
+                          <m:jc m:val="center"/>
+                        </m:oMathParaPr>
+                        <m:oMath xmlns:m="http://schemas.openxmlformats.org/officeDocument/2006/math">
+                          <m:sSub>
+                            <m:sSubPr>
+                              <m:ctrlPr>
+                                <a:rPr lang="en-US" b="0" i="1" dirty="0" smtClean="0">
+                                  <a:solidFill>
+                                    <a:schemeClr val="tx1"/>
+                                  </a:solidFill>
+                                  <a:latin typeface="Cambria Math" panose="02040503050406030204" pitchFamily="18" charset="0"/>
+                                </a:rPr>
+                              </m:ctrlPr>
+                            </m:sSubPr>
+                            <m:e>
+                              <m:r>
+                                <a:rPr lang="en-US" b="0" i="1" dirty="0" smtClean="0">
+                                  <a:solidFill>
+                                    <a:schemeClr val="tx1"/>
+                                  </a:solidFill>
+                                  <a:latin typeface="Cambria Math" panose="02040503050406030204" pitchFamily="18" charset="0"/>
+                                </a:rPr>
+                                <m:t>𝑘</m:t>
+                              </m:r>
+                            </m:e>
+                            <m:sub>
+                              <m:r>
+                                <a:rPr lang="en-US" b="0" i="0" dirty="0" smtClean="0">
+                                  <a:solidFill>
+                                    <a:schemeClr val="tx1"/>
+                                  </a:solidFill>
+                                  <a:latin typeface="Cambria Math" panose="02040503050406030204" pitchFamily="18" charset="0"/>
+                                </a:rPr>
+                                <m:t>2</m:t>
+                              </m:r>
+                            </m:sub>
+                          </m:sSub>
+                        </m:oMath>
+                      </m:oMathPara>
+                    </a14:m>
+                    <a:endParaRPr lang="en-US" dirty="0"/>
+                  </a:p>
+                </p:txBody>
+              </p:sp>
+            </mc:Choice>
+            <mc:Fallback xmlns="">
+              <p:sp>
+                <p:nvSpPr>
+                  <p:cNvPr id="54" name="Oval 53">
+                    <a:extLst>
+                      <a:ext uri="{FF2B5EF4-FFF2-40B4-BE49-F238E27FC236}">
+                        <a16:creationId xmlns:a16="http://schemas.microsoft.com/office/drawing/2014/main" id="{653016E4-7F7E-FBD7-C50E-94AEB3FB499E}"/>
+                      </a:ext>
+                    </a:extLst>
+                  </p:cNvPr>
+                  <p:cNvSpPr>
+                    <a:spLocks noRot="1" noChangeAspect="1" noMove="1" noResize="1" noEditPoints="1" noAdjustHandles="1" noChangeArrowheads="1" noChangeShapeType="1" noTextEdit="1"/>
+                  </p:cNvSpPr>
+                  <p:nvPr/>
+                </p:nvSpPr>
+                <p:spPr>
+                  <a:xfrm>
+                    <a:off x="8934101" y="2626571"/>
+                    <a:ext cx="543485" cy="557420"/>
+                  </a:xfrm>
+                  <a:prstGeom prst="ellipse">
+                    <a:avLst/>
+                  </a:prstGeom>
+                  <a:blipFill>
+                    <a:blip r:embed="rId4"/>
+                    <a:stretch>
+                      <a:fillRect/>
+                    </a:stretch>
+                  </a:blipFill>
+                  <a:ln w="28575">
+                    <a:noFill/>
+                  </a:ln>
+                </p:spPr>
+                <p:txBody>
+                  <a:bodyPr/>
+                  <a:lstStyle/>
+                  <a:p>
+                    <a:r>
+                      <a:rPr lang="en-US">
+                        <a:noFill/>
+                      </a:rPr>
+                      <a:t> </a:t>
+                    </a:r>
+                  </a:p>
+                </p:txBody>
+              </p:sp>
+            </mc:Fallback>
+          </mc:AlternateContent>
+          <mc:AlternateContent xmlns:mc="http://schemas.openxmlformats.org/markup-compatibility/2006" xmlns:a14="http://schemas.microsoft.com/office/drawing/2010/main">
+            <mc:Choice Requires="a14">
+              <p:sp>
+                <p:nvSpPr>
+                  <p:cNvPr id="55" name="Oval 54">
+                    <a:extLst>
+                      <a:ext uri="{FF2B5EF4-FFF2-40B4-BE49-F238E27FC236}">
+                        <a16:creationId xmlns:a16="http://schemas.microsoft.com/office/drawing/2014/main" id="{8C21BCCD-64ED-6953-7AD2-97A9C73CDE77}"/>
+                      </a:ext>
+                    </a:extLst>
+                  </p:cNvPr>
+                  <p:cNvSpPr/>
+                  <p:nvPr/>
+                </p:nvSpPr>
+                <p:spPr>
+                  <a:xfrm>
+                    <a:off x="8776586" y="3103604"/>
+                    <a:ext cx="543485" cy="557420"/>
+                  </a:xfrm>
+                  <a:prstGeom prst="ellipse">
+                    <a:avLst/>
+                  </a:prstGeom>
+                  <a:solidFill>
+                    <a:schemeClr val="bg1"/>
+                  </a:solidFill>
+                  <a:ln w="19050">
+                    <a:solidFill>
+                      <a:schemeClr val="tx1"/>
+                    </a:solidFill>
+                  </a:ln>
+                </p:spPr>
+                <p:style>
+                  <a:lnRef idx="2">
+                    <a:schemeClr val="accent1">
+                      <a:shade val="50000"/>
+                    </a:schemeClr>
+                  </a:lnRef>
+                  <a:fillRef idx="1">
+                    <a:schemeClr val="accent1"/>
+                  </a:fillRef>
+                  <a:effectRef idx="0">
+                    <a:schemeClr val="accent1"/>
+                  </a:effectRef>
+                  <a:fontRef idx="minor">
+                    <a:schemeClr val="lt1"/>
+                  </a:fontRef>
+                </p:style>
+                <p:txBody>
+                  <a:bodyPr lIns="91440" tIns="0" rIns="0" bIns="0" rtlCol="0" anchor="ctr"/>
+                  <a:lstStyle/>
+                  <a:p>
+                    <a:pPr algn="ctr"/>
+                    <a14:m>
+                      <m:oMathPara xmlns:m="http://schemas.openxmlformats.org/officeDocument/2006/math">
+                        <m:oMathParaPr>
+                          <m:jc m:val="center"/>
+                        </m:oMathParaPr>
+                        <m:oMath xmlns:m="http://schemas.openxmlformats.org/officeDocument/2006/math">
+                          <m:sSub>
+                            <m:sSubPr>
+                              <m:ctrlPr>
+                                <a:rPr lang="en-US" b="0" i="1" dirty="0" smtClean="0">
+                                  <a:solidFill>
+                                    <a:schemeClr val="tx1"/>
+                                  </a:solidFill>
+                                  <a:latin typeface="Cambria Math" panose="02040503050406030204" pitchFamily="18" charset="0"/>
+                                </a:rPr>
+                              </m:ctrlPr>
+                            </m:sSubPr>
+                            <m:e>
+                              <m:r>
+                                <a:rPr lang="en-US" i="1" dirty="0" smtClean="0">
+                                  <a:solidFill>
+                                    <a:schemeClr val="tx1"/>
+                                  </a:solidFill>
+                                  <a:latin typeface="Cambria Math" panose="02040503050406030204" pitchFamily="18" charset="0"/>
+                                </a:rPr>
+                                <m:t>𝑚</m:t>
+                              </m:r>
+                            </m:e>
+                            <m:sub>
+                              <m:r>
+                                <a:rPr lang="en-US" b="0" i="1" dirty="0" smtClean="0">
+                                  <a:solidFill>
+                                    <a:schemeClr val="tx1"/>
+                                  </a:solidFill>
+                                  <a:latin typeface="Cambria Math" panose="02040503050406030204" pitchFamily="18" charset="0"/>
+                                </a:rPr>
+                                <m:t>1</m:t>
+                              </m:r>
+                            </m:sub>
+                          </m:sSub>
+                        </m:oMath>
+                      </m:oMathPara>
+                    </a14:m>
+                    <a:endParaRPr lang="en-US" dirty="0"/>
+                  </a:p>
+                </p:txBody>
+              </p:sp>
+            </mc:Choice>
+            <mc:Fallback xmlns="">
+              <p:sp>
+                <p:nvSpPr>
+                  <p:cNvPr id="55" name="Oval 54">
+                    <a:extLst>
+                      <a:ext uri="{FF2B5EF4-FFF2-40B4-BE49-F238E27FC236}">
+                        <a16:creationId xmlns:a16="http://schemas.microsoft.com/office/drawing/2014/main" id="{8C21BCCD-64ED-6953-7AD2-97A9C73CDE77}"/>
+                      </a:ext>
+                    </a:extLst>
+                  </p:cNvPr>
+                  <p:cNvSpPr>
+                    <a:spLocks noRot="1" noChangeAspect="1" noMove="1" noResize="1" noEditPoints="1" noAdjustHandles="1" noChangeArrowheads="1" noChangeShapeType="1" noTextEdit="1"/>
+                  </p:cNvSpPr>
+                  <p:nvPr/>
+                </p:nvSpPr>
+                <p:spPr>
+                  <a:xfrm>
+                    <a:off x="8776586" y="3103604"/>
+                    <a:ext cx="543485" cy="557420"/>
+                  </a:xfrm>
+                  <a:prstGeom prst="ellipse">
+                    <a:avLst/>
+                  </a:prstGeom>
+                  <a:blipFill>
+                    <a:blip r:embed="rId5"/>
+                    <a:stretch>
+                      <a:fillRect/>
+                    </a:stretch>
+                  </a:blipFill>
+                  <a:ln w="19050">
+                    <a:solidFill>
+                      <a:schemeClr val="tx1"/>
+                    </a:solidFill>
+                  </a:ln>
+                </p:spPr>
+                <p:txBody>
+                  <a:bodyPr/>
+                  <a:lstStyle/>
+                  <a:p>
+                    <a:r>
+                      <a:rPr lang="en-US">
+                        <a:noFill/>
+                      </a:rPr>
+                      <a:t> </a:t>
+                    </a:r>
+                  </a:p>
+                </p:txBody>
+              </p:sp>
+            </mc:Fallback>
+          </mc:AlternateContent>
+          <mc:AlternateContent xmlns:mc="http://schemas.openxmlformats.org/markup-compatibility/2006" xmlns:a14="http://schemas.microsoft.com/office/drawing/2010/main">
+            <mc:Choice Requires="a14">
+              <p:sp>
+                <p:nvSpPr>
+                  <p:cNvPr id="56" name="Oval 55">
+                    <a:extLst>
+                      <a:ext uri="{FF2B5EF4-FFF2-40B4-BE49-F238E27FC236}">
+                        <a16:creationId xmlns:a16="http://schemas.microsoft.com/office/drawing/2014/main" id="{D5984E19-701A-B9FA-EAA5-5504EEA8AB44}"/>
+                      </a:ext>
+                    </a:extLst>
+                  </p:cNvPr>
+                  <p:cNvSpPr/>
+                  <p:nvPr/>
+                </p:nvSpPr>
+                <p:spPr>
+                  <a:xfrm>
+                    <a:off x="8934101" y="3533374"/>
+                    <a:ext cx="543485" cy="557420"/>
+                  </a:xfrm>
+                  <a:prstGeom prst="ellipse">
+                    <a:avLst/>
+                  </a:prstGeom>
+                  <a:noFill/>
+                  <a:ln w="28575">
+                    <a:noFill/>
+                  </a:ln>
+                </p:spPr>
+                <p:style>
+                  <a:lnRef idx="2">
+                    <a:schemeClr val="accent1">
+                      <a:shade val="50000"/>
+                    </a:schemeClr>
+                  </a:lnRef>
+                  <a:fillRef idx="1">
+                    <a:schemeClr val="accent1"/>
+                  </a:fillRef>
+                  <a:effectRef idx="0">
+                    <a:schemeClr val="accent1"/>
+                  </a:effectRef>
+                  <a:fontRef idx="minor">
+                    <a:schemeClr val="lt1"/>
+                  </a:fontRef>
+                </p:style>
+                <p:txBody>
+                  <a:bodyPr lIns="91440" tIns="0" rIns="0" bIns="0" rtlCol="0" anchor="ctr"/>
+                  <a:lstStyle/>
+                  <a:p>
+                    <a:pPr algn="ctr"/>
+                    <a14:m>
+                      <m:oMathPara xmlns:m="http://schemas.openxmlformats.org/officeDocument/2006/math">
+                        <m:oMathParaPr>
+                          <m:jc m:val="center"/>
+                        </m:oMathParaPr>
+                        <m:oMath xmlns:m="http://schemas.openxmlformats.org/officeDocument/2006/math">
+                          <m:sSub>
+                            <m:sSubPr>
+                              <m:ctrlPr>
+                                <a:rPr lang="en-US" b="0" i="1" dirty="0" smtClean="0">
+                                  <a:solidFill>
+                                    <a:schemeClr val="tx1"/>
+                                  </a:solidFill>
+                                  <a:latin typeface="Cambria Math" panose="02040503050406030204" pitchFamily="18" charset="0"/>
+                                </a:rPr>
+                              </m:ctrlPr>
+                            </m:sSubPr>
+                            <m:e>
+                              <m:r>
+                                <a:rPr lang="en-US" b="0" i="1" dirty="0" smtClean="0">
+                                  <a:solidFill>
+                                    <a:schemeClr val="tx1"/>
+                                  </a:solidFill>
+                                  <a:latin typeface="Cambria Math" panose="02040503050406030204" pitchFamily="18" charset="0"/>
+                                </a:rPr>
+                                <m:t>𝑘</m:t>
+                              </m:r>
+                            </m:e>
+                            <m:sub>
+                              <m:r>
+                                <a:rPr lang="en-US" b="0" i="1" dirty="0" smtClean="0">
+                                  <a:solidFill>
+                                    <a:schemeClr val="tx1"/>
+                                  </a:solidFill>
+                                  <a:latin typeface="Cambria Math" panose="02040503050406030204" pitchFamily="18" charset="0"/>
+                                </a:rPr>
+                                <m:t>1</m:t>
+                              </m:r>
+                            </m:sub>
+                          </m:sSub>
+                        </m:oMath>
+                      </m:oMathPara>
+                    </a14:m>
+                    <a:endParaRPr lang="en-US" dirty="0"/>
+                  </a:p>
+                </p:txBody>
+              </p:sp>
+            </mc:Choice>
+            <mc:Fallback xmlns="">
+              <p:sp>
+                <p:nvSpPr>
+                  <p:cNvPr id="56" name="Oval 55">
+                    <a:extLst>
+                      <a:ext uri="{FF2B5EF4-FFF2-40B4-BE49-F238E27FC236}">
+                        <a16:creationId xmlns:a16="http://schemas.microsoft.com/office/drawing/2014/main" id="{D5984E19-701A-B9FA-EAA5-5504EEA8AB44}"/>
+                      </a:ext>
+                    </a:extLst>
+                  </p:cNvPr>
+                  <p:cNvSpPr>
+                    <a:spLocks noRot="1" noChangeAspect="1" noMove="1" noResize="1" noEditPoints="1" noAdjustHandles="1" noChangeArrowheads="1" noChangeShapeType="1" noTextEdit="1"/>
+                  </p:cNvSpPr>
+                  <p:nvPr/>
+                </p:nvSpPr>
+                <p:spPr>
+                  <a:xfrm>
+                    <a:off x="8934101" y="3533374"/>
+                    <a:ext cx="543485" cy="557420"/>
+                  </a:xfrm>
+                  <a:prstGeom prst="ellipse">
+                    <a:avLst/>
+                  </a:prstGeom>
+                  <a:blipFill>
+                    <a:blip r:embed="rId6"/>
+                    <a:stretch>
+                      <a:fillRect/>
+                    </a:stretch>
+                  </a:blipFill>
+                  <a:ln w="28575">
+                    <a:noFill/>
+                  </a:ln>
+                </p:spPr>
+                <p:txBody>
+                  <a:bodyPr/>
+                  <a:lstStyle/>
+                  <a:p>
+                    <a:r>
+                      <a:rPr lang="en-US">
+                        <a:noFill/>
+                      </a:rPr>
+                      <a:t> </a:t>
+                    </a:r>
+                  </a:p>
+                </p:txBody>
+              </p:sp>
+            </mc:Fallback>
+          </mc:AlternateContent>
+          <p:grpSp>
+            <p:nvGrpSpPr>
+              <p:cNvPr id="57" name="Group 56">
+                <a:extLst>
+                  <a:ext uri="{FF2B5EF4-FFF2-40B4-BE49-F238E27FC236}">
+                    <a16:creationId xmlns:a16="http://schemas.microsoft.com/office/drawing/2014/main" id="{1321E28C-A93B-C082-3C92-72400509E2C5}"/>
+                  </a:ext>
+                </a:extLst>
+              </p:cNvPr>
+              <p:cNvGrpSpPr/>
+              <p:nvPr/>
+            </p:nvGrpSpPr>
+            <p:grpSpPr>
+              <a:xfrm>
+                <a:off x="8099145" y="3285431"/>
+                <a:ext cx="672456" cy="179474"/>
+                <a:chOff x="5150339" y="2959413"/>
+                <a:chExt cx="1766275" cy="395012"/>
+              </a:xfrm>
+            </p:grpSpPr>
+            <p:cxnSp>
+              <p:nvCxnSpPr>
+                <p:cNvPr id="71" name="Straight Connector 70">
+                  <a:extLst>
+                    <a:ext uri="{FF2B5EF4-FFF2-40B4-BE49-F238E27FC236}">
+                      <a16:creationId xmlns:a16="http://schemas.microsoft.com/office/drawing/2014/main" id="{636C254C-AED5-12F2-336F-565100D7F941}"/>
+                    </a:ext>
+                  </a:extLst>
+                </p:cNvPr>
+                <p:cNvCxnSpPr>
+                  <a:cxnSpLocks/>
+                </p:cNvCxnSpPr>
+                <p:nvPr/>
+              </p:nvCxnSpPr>
+              <p:spPr>
+                <a:xfrm>
+                  <a:off x="5150339" y="3156920"/>
+                  <a:ext cx="743927" cy="0"/>
+                </a:xfrm>
+                <a:prstGeom prst="line">
+                  <a:avLst/>
+                </a:prstGeom>
+                <a:ln w="19050">
+                  <a:solidFill>
+                    <a:schemeClr val="tx1"/>
+                  </a:solidFill>
+                </a:ln>
+              </p:spPr>
+              <p:style>
+                <a:lnRef idx="1">
+                  <a:schemeClr val="accent1"/>
+                </a:lnRef>
+                <a:fillRef idx="0">
+                  <a:schemeClr val="accent1"/>
+                </a:fillRef>
+                <a:effectRef idx="0">
+                  <a:schemeClr val="accent1"/>
+                </a:effectRef>
+                <a:fontRef idx="minor">
+                  <a:schemeClr val="tx1"/>
+                </a:fontRef>
+              </p:style>
+            </p:cxnSp>
+            <p:cxnSp>
+              <p:nvCxnSpPr>
+                <p:cNvPr id="72" name="Straight Connector 71">
+                  <a:extLst>
+                    <a:ext uri="{FF2B5EF4-FFF2-40B4-BE49-F238E27FC236}">
+                      <a16:creationId xmlns:a16="http://schemas.microsoft.com/office/drawing/2014/main" id="{E052CBDB-F9CF-CA49-5721-3172840730C3}"/>
+                    </a:ext>
+                  </a:extLst>
+                </p:cNvPr>
+                <p:cNvCxnSpPr>
+                  <a:cxnSpLocks/>
+                </p:cNvCxnSpPr>
+                <p:nvPr/>
+              </p:nvCxnSpPr>
+              <p:spPr>
+                <a:xfrm>
+                  <a:off x="5894266" y="3039819"/>
+                  <a:ext cx="0" cy="229761"/>
+                </a:xfrm>
+                <a:prstGeom prst="line">
+                  <a:avLst/>
+                </a:prstGeom>
+                <a:ln w="19050">
+                  <a:solidFill>
+                    <a:schemeClr val="tx1"/>
+                  </a:solidFill>
+                </a:ln>
+              </p:spPr>
+              <p:style>
+                <a:lnRef idx="1">
+                  <a:schemeClr val="accent1"/>
+                </a:lnRef>
+                <a:fillRef idx="0">
+                  <a:schemeClr val="accent1"/>
+                </a:fillRef>
+                <a:effectRef idx="0">
+                  <a:schemeClr val="accent1"/>
+                </a:effectRef>
+                <a:fontRef idx="minor">
+                  <a:schemeClr val="tx1"/>
+                </a:fontRef>
+              </p:style>
+            </p:cxnSp>
+            <p:sp>
+              <p:nvSpPr>
+                <p:cNvPr id="73" name="Freeform: Shape 72">
+                  <a:extLst>
+                    <a:ext uri="{FF2B5EF4-FFF2-40B4-BE49-F238E27FC236}">
+                      <a16:creationId xmlns:a16="http://schemas.microsoft.com/office/drawing/2014/main" id="{5757191C-4B73-3BDE-5926-F4B5F06C30D9}"/>
+                    </a:ext>
+                  </a:extLst>
+                </p:cNvPr>
+                <p:cNvSpPr/>
+                <p:nvPr/>
+              </p:nvSpPr>
+              <p:spPr>
+                <a:xfrm>
+                  <a:off x="5779111" y="2959413"/>
+                  <a:ext cx="336550" cy="395012"/>
+                </a:xfrm>
+                <a:custGeom>
+                  <a:avLst/>
+                  <a:gdLst>
+                    <a:gd name="connsiteX0" fmla="*/ 9525 w 685800"/>
+                    <a:gd name="connsiteY0" fmla="*/ 0 h 1127125"/>
+                    <a:gd name="connsiteX1" fmla="*/ 685800 w 685800"/>
+                    <a:gd name="connsiteY1" fmla="*/ 0 h 1127125"/>
+                    <a:gd name="connsiteX2" fmla="*/ 685800 w 685800"/>
+                    <a:gd name="connsiteY2" fmla="*/ 1127125 h 1127125"/>
+                    <a:gd name="connsiteX3" fmla="*/ 0 w 685800"/>
+                    <a:gd name="connsiteY3" fmla="*/ 1127125 h 1127125"/>
+                  </a:gdLst>
+                  <a:ahLst/>
+                  <a:cxnLst>
+                    <a:cxn ang="0">
+                      <a:pos x="connsiteX0" y="connsiteY0"/>
+                    </a:cxn>
+                    <a:cxn ang="0">
+                      <a:pos x="connsiteX1" y="connsiteY1"/>
+                    </a:cxn>
+                    <a:cxn ang="0">
+                      <a:pos x="connsiteX2" y="connsiteY2"/>
+                    </a:cxn>
+                    <a:cxn ang="0">
+                      <a:pos x="connsiteX3" y="connsiteY3"/>
+                    </a:cxn>
+                  </a:cxnLst>
+                  <a:rect l="l" t="t" r="r" b="b"/>
+                  <a:pathLst>
+                    <a:path w="685800" h="1127125">
+                      <a:moveTo>
+                        <a:pt x="9525" y="0"/>
+                      </a:moveTo>
+                      <a:lnTo>
+                        <a:pt x="685800" y="0"/>
+                      </a:lnTo>
+                      <a:lnTo>
+                        <a:pt x="685800" y="1127125"/>
+                      </a:lnTo>
+                      <a:lnTo>
+                        <a:pt x="0" y="1127125"/>
+                      </a:lnTo>
+                    </a:path>
+                  </a:pathLst>
+                </a:custGeom>
+                <a:noFill/>
+                <a:ln w="19050">
+                  <a:solidFill>
+                    <a:schemeClr val="tx1"/>
+                  </a:solidFill>
+                </a:ln>
+              </p:spPr>
+              <p:style>
+                <a:lnRef idx="2">
+                  <a:schemeClr val="accent1">
+                    <a:shade val="50000"/>
+                  </a:schemeClr>
+                </a:lnRef>
+                <a:fillRef idx="1">
+                  <a:schemeClr val="accent1"/>
+                </a:fillRef>
+                <a:effectRef idx="0">
+                  <a:schemeClr val="accent1"/>
+                </a:effectRef>
+                <a:fontRef idx="minor">
+                  <a:schemeClr val="lt1"/>
+                </a:fontRef>
+              </p:style>
+              <p:txBody>
+                <a:bodyPr rtlCol="0" anchor="ctr"/>
+                <a:lstStyle/>
+                <a:p>
+                  <a:pPr algn="ctr"/>
+                  <a:endParaRPr lang="en-US"/>
+                </a:p>
+              </p:txBody>
+            </p:sp>
+            <p:cxnSp>
+              <p:nvCxnSpPr>
+                <p:cNvPr id="74" name="Straight Connector 73">
+                  <a:extLst>
+                    <a:ext uri="{FF2B5EF4-FFF2-40B4-BE49-F238E27FC236}">
+                      <a16:creationId xmlns:a16="http://schemas.microsoft.com/office/drawing/2014/main" id="{AC48513F-FA63-2429-F28B-FCB0DB0FF2C8}"/>
+                    </a:ext>
+                  </a:extLst>
+                </p:cNvPr>
+                <p:cNvCxnSpPr>
+                  <a:cxnSpLocks/>
+                </p:cNvCxnSpPr>
+                <p:nvPr/>
+              </p:nvCxnSpPr>
+              <p:spPr>
+                <a:xfrm>
+                  <a:off x="6115661" y="3156920"/>
+                  <a:ext cx="800953" cy="0"/>
+                </a:xfrm>
+                <a:prstGeom prst="line">
+                  <a:avLst/>
+                </a:prstGeom>
+                <a:ln w="19050">
+                  <a:solidFill>
+                    <a:schemeClr val="tx1"/>
+                  </a:solidFill>
+                </a:ln>
+              </p:spPr>
+              <p:style>
+                <a:lnRef idx="1">
+                  <a:schemeClr val="accent1"/>
+                </a:lnRef>
+                <a:fillRef idx="0">
+                  <a:schemeClr val="accent1"/>
+                </a:fillRef>
+                <a:effectRef idx="0">
+                  <a:schemeClr val="accent1"/>
+                </a:effectRef>
+                <a:fontRef idx="minor">
+                  <a:schemeClr val="tx1"/>
+                </a:fontRef>
+              </p:style>
+            </p:cxnSp>
+          </p:grpSp>
+          <mc:AlternateContent xmlns:mc="http://schemas.openxmlformats.org/markup-compatibility/2006" xmlns:a14="http://schemas.microsoft.com/office/drawing/2010/main">
+            <mc:Choice Requires="a14">
+              <p:sp>
+                <p:nvSpPr>
+                  <p:cNvPr id="58" name="Oval 57">
+                    <a:extLst>
+                      <a:ext uri="{FF2B5EF4-FFF2-40B4-BE49-F238E27FC236}">
+                        <a16:creationId xmlns:a16="http://schemas.microsoft.com/office/drawing/2014/main" id="{AFC5EB3F-1319-4397-C281-202B5745A54E}"/>
+                      </a:ext>
+                    </a:extLst>
+                  </p:cNvPr>
+                  <p:cNvSpPr/>
+                  <p:nvPr/>
+                </p:nvSpPr>
+                <p:spPr>
+                  <a:xfrm>
+                    <a:off x="8143826" y="3308777"/>
+                    <a:ext cx="543485" cy="557420"/>
+                  </a:xfrm>
+                  <a:prstGeom prst="ellipse">
+                    <a:avLst/>
+                  </a:prstGeom>
+                  <a:noFill/>
+                  <a:ln w="28575">
+                    <a:noFill/>
+                  </a:ln>
+                </p:spPr>
+                <p:style>
+                  <a:lnRef idx="2">
+                    <a:schemeClr val="accent1">
+                      <a:shade val="50000"/>
+                    </a:schemeClr>
+                  </a:lnRef>
+                  <a:fillRef idx="1">
+                    <a:schemeClr val="accent1"/>
+                  </a:fillRef>
+                  <a:effectRef idx="0">
+                    <a:schemeClr val="accent1"/>
+                  </a:effectRef>
+                  <a:fontRef idx="minor">
+                    <a:schemeClr val="lt1"/>
+                  </a:fontRef>
+                </p:style>
+                <p:txBody>
+                  <a:bodyPr lIns="91440" tIns="0" rIns="0" bIns="0" rtlCol="0" anchor="ctr"/>
+                  <a:lstStyle/>
+                  <a:p>
+                    <a:pPr algn="ctr"/>
+                    <a14:m>
+                      <m:oMathPara xmlns:m="http://schemas.openxmlformats.org/officeDocument/2006/math">
+                        <m:oMathParaPr>
+                          <m:jc m:val="center"/>
+                        </m:oMathParaPr>
+                        <m:oMath xmlns:m="http://schemas.openxmlformats.org/officeDocument/2006/math">
+                          <m:sSub>
+                            <m:sSubPr>
+                              <m:ctrlPr>
+                                <a:rPr lang="en-US" b="0" i="1" dirty="0" smtClean="0">
+                                  <a:solidFill>
+                                    <a:schemeClr val="tx1"/>
+                                  </a:solidFill>
+                                  <a:latin typeface="Cambria Math" panose="02040503050406030204" pitchFamily="18" charset="0"/>
+                                </a:rPr>
+                              </m:ctrlPr>
+                            </m:sSubPr>
+                            <m:e>
+                              <m:r>
+                                <a:rPr lang="en-US" b="0" i="1" dirty="0" smtClean="0">
+                                  <a:solidFill>
+                                    <a:schemeClr val="tx1"/>
+                                  </a:solidFill>
+                                  <a:latin typeface="Cambria Math" panose="02040503050406030204" pitchFamily="18" charset="0"/>
+                                </a:rPr>
+                                <m:t>𝑐</m:t>
+                              </m:r>
+                            </m:e>
+                            <m:sub>
+                              <m:r>
+                                <a:rPr lang="en-US" b="0" i="1" dirty="0" smtClean="0">
+                                  <a:solidFill>
+                                    <a:schemeClr val="tx1"/>
+                                  </a:solidFill>
+                                  <a:latin typeface="Cambria Math" panose="02040503050406030204" pitchFamily="18" charset="0"/>
+                                </a:rPr>
+                                <m:t>1</m:t>
+                              </m:r>
+                            </m:sub>
+                          </m:sSub>
+                        </m:oMath>
+                      </m:oMathPara>
+                    </a14:m>
+                    <a:endParaRPr lang="en-US" dirty="0"/>
+                  </a:p>
+                </p:txBody>
+              </p:sp>
+            </mc:Choice>
+            <mc:Fallback xmlns="">
+              <p:sp>
+                <p:nvSpPr>
+                  <p:cNvPr id="58" name="Oval 57">
+                    <a:extLst>
+                      <a:ext uri="{FF2B5EF4-FFF2-40B4-BE49-F238E27FC236}">
+                        <a16:creationId xmlns:a16="http://schemas.microsoft.com/office/drawing/2014/main" id="{AFC5EB3F-1319-4397-C281-202B5745A54E}"/>
+                      </a:ext>
+                    </a:extLst>
+                  </p:cNvPr>
+                  <p:cNvSpPr>
+                    <a:spLocks noRot="1" noChangeAspect="1" noMove="1" noResize="1" noEditPoints="1" noAdjustHandles="1" noChangeArrowheads="1" noChangeShapeType="1" noTextEdit="1"/>
+                  </p:cNvSpPr>
+                  <p:nvPr/>
+                </p:nvSpPr>
+                <p:spPr>
+                  <a:xfrm>
+                    <a:off x="8143826" y="3308777"/>
+                    <a:ext cx="543485" cy="557420"/>
+                  </a:xfrm>
+                  <a:prstGeom prst="ellipse">
+                    <a:avLst/>
+                  </a:prstGeom>
+                  <a:blipFill>
+                    <a:blip r:embed="rId7"/>
+                    <a:stretch>
+                      <a:fillRect/>
+                    </a:stretch>
+                  </a:blipFill>
+                  <a:ln w="28575">
+                    <a:noFill/>
+                  </a:ln>
+                </p:spPr>
+                <p:txBody>
+                  <a:bodyPr/>
+                  <a:lstStyle/>
+                  <a:p>
+                    <a:r>
+                      <a:rPr lang="en-US">
+                        <a:noFill/>
+                      </a:rPr>
+                      <a:t> </a:t>
+                    </a:r>
+                  </a:p>
+                </p:txBody>
+              </p:sp>
+            </mc:Fallback>
+          </mc:AlternateContent>
+          <mc:AlternateContent xmlns:mc="http://schemas.openxmlformats.org/markup-compatibility/2006" xmlns:a14="http://schemas.microsoft.com/office/drawing/2010/main">
+            <mc:Choice Requires="a14">
+              <p:sp>
+                <p:nvSpPr>
+                  <p:cNvPr id="59" name="Oval 58">
+                    <a:extLst>
+                      <a:ext uri="{FF2B5EF4-FFF2-40B4-BE49-F238E27FC236}">
+                        <a16:creationId xmlns:a16="http://schemas.microsoft.com/office/drawing/2014/main" id="{23AD7BE5-F321-13DA-FDAA-4509581A8C13}"/>
+                      </a:ext>
+                    </a:extLst>
+                  </p:cNvPr>
+                  <p:cNvSpPr/>
+                  <p:nvPr/>
+                </p:nvSpPr>
+                <p:spPr>
+                  <a:xfrm>
+                    <a:off x="9144700" y="4088322"/>
+                    <a:ext cx="1073865" cy="557420"/>
+                  </a:xfrm>
+                  <a:prstGeom prst="ellipse">
+                    <a:avLst/>
+                  </a:prstGeom>
+                  <a:noFill/>
+                  <a:ln w="28575">
+                    <a:noFill/>
+                  </a:ln>
+                </p:spPr>
+                <p:style>
+                  <a:lnRef idx="2">
+                    <a:schemeClr val="accent1">
+                      <a:shade val="50000"/>
+                    </a:schemeClr>
+                  </a:lnRef>
+                  <a:fillRef idx="1">
+                    <a:schemeClr val="accent1"/>
+                  </a:fillRef>
+                  <a:effectRef idx="0">
+                    <a:schemeClr val="accent1"/>
+                  </a:effectRef>
+                  <a:fontRef idx="minor">
+                    <a:schemeClr val="lt1"/>
+                  </a:fontRef>
+                </p:style>
+                <p:txBody>
+                  <a:bodyPr lIns="91440" tIns="0" rIns="0" bIns="0" rtlCol="0" anchor="ctr"/>
+                  <a:lstStyle/>
+                  <a:p>
+                    <a:pPr algn="ctr"/>
+                    <a14:m>
+                      <m:oMath xmlns:m="http://schemas.openxmlformats.org/officeDocument/2006/math">
+                        <m:r>
+                          <a:rPr lang="en-US" b="0" i="1" smtClean="0">
+                            <a:solidFill>
+                              <a:schemeClr val="tx1"/>
+                            </a:solidFill>
+                            <a:latin typeface="Cambria Math" panose="02040503050406030204" pitchFamily="18" charset="0"/>
+                          </a:rPr>
+                          <m:t>𝑢</m:t>
+                        </m:r>
+                        <m:d>
+                          <m:dPr>
+                            <m:ctrlPr>
+                              <a:rPr lang="en-US" b="0" i="1" smtClean="0">
+                                <a:solidFill>
+                                  <a:schemeClr val="tx1"/>
+                                </a:solidFill>
+                                <a:latin typeface="Cambria Math" panose="02040503050406030204" pitchFamily="18" charset="0"/>
+                              </a:rPr>
+                            </m:ctrlPr>
+                          </m:dPr>
+                          <m:e>
+                            <m:r>
+                              <a:rPr lang="en-US" b="0" i="1" smtClean="0">
+                                <a:solidFill>
+                                  <a:schemeClr val="tx1"/>
+                                </a:solidFill>
+                                <a:latin typeface="Cambria Math" panose="02040503050406030204" pitchFamily="18" charset="0"/>
+                              </a:rPr>
+                              <m:t>𝑡</m:t>
+                            </m:r>
+                          </m:e>
+                        </m:d>
+                      </m:oMath>
+                    </a14:m>
+                    <a:r>
+                      <a:rPr lang="en-US" dirty="0">
+                        <a:solidFill>
+                          <a:schemeClr val="tx1"/>
+                        </a:solidFill>
+                      </a:rPr>
+                      <a:t>  (input)</a:t>
+                    </a:r>
+                  </a:p>
+                </p:txBody>
+              </p:sp>
+            </mc:Choice>
+            <mc:Fallback xmlns="">
+              <p:sp>
+                <p:nvSpPr>
+                  <p:cNvPr id="59" name="Oval 58">
+                    <a:extLst>
+                      <a:ext uri="{FF2B5EF4-FFF2-40B4-BE49-F238E27FC236}">
+                        <a16:creationId xmlns:a16="http://schemas.microsoft.com/office/drawing/2014/main" id="{23AD7BE5-F321-13DA-FDAA-4509581A8C13}"/>
+                      </a:ext>
+                    </a:extLst>
+                  </p:cNvPr>
+                  <p:cNvSpPr>
+                    <a:spLocks noRot="1" noChangeAspect="1" noMove="1" noResize="1" noEditPoints="1" noAdjustHandles="1" noChangeArrowheads="1" noChangeShapeType="1" noTextEdit="1"/>
+                  </p:cNvSpPr>
+                  <p:nvPr/>
+                </p:nvSpPr>
+                <p:spPr>
+                  <a:xfrm>
+                    <a:off x="9144700" y="4088322"/>
+                    <a:ext cx="1073865" cy="557420"/>
+                  </a:xfrm>
+                  <a:prstGeom prst="ellipse">
+                    <a:avLst/>
+                  </a:prstGeom>
+                  <a:blipFill>
+                    <a:blip r:embed="rId8"/>
+                    <a:stretch>
+                      <a:fillRect b="-25000"/>
+                    </a:stretch>
+                  </a:blipFill>
+                  <a:ln w="28575">
+                    <a:noFill/>
+                  </a:ln>
+                </p:spPr>
+                <p:txBody>
+                  <a:bodyPr/>
+                  <a:lstStyle/>
+                  <a:p>
+                    <a:r>
+                      <a:rPr lang="en-US">
+                        <a:noFill/>
+                      </a:rPr>
+                      <a:t> </a:t>
+                    </a:r>
+                  </a:p>
+                </p:txBody>
+              </p:sp>
+            </mc:Fallback>
+          </mc:AlternateContent>
+          <p:grpSp>
+            <p:nvGrpSpPr>
+              <p:cNvPr id="60" name="Group 59">
+                <a:extLst>
+                  <a:ext uri="{FF2B5EF4-FFF2-40B4-BE49-F238E27FC236}">
+                    <a16:creationId xmlns:a16="http://schemas.microsoft.com/office/drawing/2014/main" id="{E77F26BC-CF91-6189-B4A7-177B615714CA}"/>
+                  </a:ext>
+                </a:extLst>
+              </p:cNvPr>
+              <p:cNvGrpSpPr/>
+              <p:nvPr/>
+            </p:nvGrpSpPr>
+            <p:grpSpPr>
+              <a:xfrm>
+                <a:off x="9055295" y="4268735"/>
+                <a:ext cx="262263" cy="243045"/>
+                <a:chOff x="8305941" y="1473456"/>
+                <a:chExt cx="933868" cy="193200"/>
+              </a:xfrm>
+            </p:grpSpPr>
+            <p:cxnSp>
+              <p:nvCxnSpPr>
+                <p:cNvPr id="69" name="Straight Connector 68">
+                  <a:extLst>
+                    <a:ext uri="{FF2B5EF4-FFF2-40B4-BE49-F238E27FC236}">
+                      <a16:creationId xmlns:a16="http://schemas.microsoft.com/office/drawing/2014/main" id="{874201A8-1600-0A40-085B-D49DCB7C5058}"/>
+                    </a:ext>
+                  </a:extLst>
+                </p:cNvPr>
+                <p:cNvCxnSpPr>
+                  <a:cxnSpLocks/>
+                </p:cNvCxnSpPr>
+                <p:nvPr/>
+              </p:nvCxnSpPr>
+              <p:spPr>
+                <a:xfrm rot="10800000">
+                  <a:off x="8305941" y="1568188"/>
+                  <a:ext cx="933868" cy="0"/>
+                </a:xfrm>
+                <a:prstGeom prst="line">
+                  <a:avLst/>
+                </a:prstGeom>
+                <a:ln w="19050">
+                  <a:solidFill>
+                    <a:schemeClr val="tx1"/>
+                  </a:solidFill>
+                  <a:headEnd type="triangle" w="lg" len="lg"/>
+                  <a:tailEnd type="none" w="lg" len="lg"/>
+                </a:ln>
+              </p:spPr>
+              <p:style>
+                <a:lnRef idx="1">
+                  <a:schemeClr val="accent1"/>
+                </a:lnRef>
+                <a:fillRef idx="0">
+                  <a:schemeClr val="accent1"/>
+                </a:fillRef>
+                <a:effectRef idx="0">
+                  <a:schemeClr val="accent1"/>
+                </a:effectRef>
+                <a:fontRef idx="minor">
+                  <a:schemeClr val="tx1"/>
+                </a:fontRef>
+              </p:style>
+            </p:cxnSp>
+            <p:cxnSp>
+              <p:nvCxnSpPr>
+                <p:cNvPr id="70" name="Straight Connector 69">
+                  <a:extLst>
+                    <a:ext uri="{FF2B5EF4-FFF2-40B4-BE49-F238E27FC236}">
+                      <a16:creationId xmlns:a16="http://schemas.microsoft.com/office/drawing/2014/main" id="{C5EF2C90-1348-260E-205E-E2A6AD4FC7C0}"/>
+                    </a:ext>
+                  </a:extLst>
+                </p:cNvPr>
+                <p:cNvCxnSpPr>
+                  <a:cxnSpLocks/>
+                </p:cNvCxnSpPr>
+                <p:nvPr/>
+              </p:nvCxnSpPr>
+              <p:spPr>
+                <a:xfrm rot="10800000">
+                  <a:off x="8305941" y="1473456"/>
+                  <a:ext cx="0" cy="193200"/>
+                </a:xfrm>
+                <a:prstGeom prst="line">
+                  <a:avLst/>
+                </a:prstGeom>
+                <a:ln w="19050">
+                  <a:solidFill>
+                    <a:schemeClr val="tx1"/>
+                  </a:solidFill>
+                  <a:tailEnd w="med" len="lg"/>
+                </a:ln>
+              </p:spPr>
+              <p:style>
+                <a:lnRef idx="1">
+                  <a:schemeClr val="accent1"/>
+                </a:lnRef>
+                <a:fillRef idx="0">
+                  <a:schemeClr val="accent1"/>
+                </a:fillRef>
+                <a:effectRef idx="0">
+                  <a:schemeClr val="accent1"/>
+                </a:effectRef>
+                <a:fontRef idx="minor">
+                  <a:schemeClr val="tx1"/>
+                </a:fontRef>
+              </p:style>
+            </p:cxnSp>
+          </p:grpSp>
+          <p:grpSp>
+            <p:nvGrpSpPr>
+              <p:cNvPr id="61" name="Group 60">
+                <a:extLst>
+                  <a:ext uri="{FF2B5EF4-FFF2-40B4-BE49-F238E27FC236}">
+                    <a16:creationId xmlns:a16="http://schemas.microsoft.com/office/drawing/2014/main" id="{52D51E68-49D9-F33B-BB84-8E77DB47497C}"/>
+                  </a:ext>
+                </a:extLst>
+              </p:cNvPr>
+              <p:cNvGrpSpPr/>
+              <p:nvPr/>
+            </p:nvGrpSpPr>
+            <p:grpSpPr>
+              <a:xfrm>
+                <a:off x="9320070" y="2354080"/>
+                <a:ext cx="244313" cy="243045"/>
+                <a:chOff x="8305941" y="1473456"/>
+                <a:chExt cx="933868" cy="193200"/>
+              </a:xfrm>
+            </p:grpSpPr>
+            <p:cxnSp>
+              <p:nvCxnSpPr>
+                <p:cNvPr id="67" name="Straight Connector 66">
+                  <a:extLst>
+                    <a:ext uri="{FF2B5EF4-FFF2-40B4-BE49-F238E27FC236}">
+                      <a16:creationId xmlns:a16="http://schemas.microsoft.com/office/drawing/2014/main" id="{42BC8F47-888C-6204-22B1-0888B444888E}"/>
+                    </a:ext>
+                  </a:extLst>
+                </p:cNvPr>
+                <p:cNvCxnSpPr>
+                  <a:cxnSpLocks/>
+                </p:cNvCxnSpPr>
+                <p:nvPr/>
+              </p:nvCxnSpPr>
+              <p:spPr>
+                <a:xfrm rot="10800000">
+                  <a:off x="8305941" y="1568188"/>
+                  <a:ext cx="933868" cy="0"/>
+                </a:xfrm>
+                <a:prstGeom prst="line">
+                  <a:avLst/>
+                </a:prstGeom>
+                <a:ln w="19050">
+                  <a:solidFill>
+                    <a:schemeClr val="tx1"/>
+                  </a:solidFill>
+                  <a:headEnd type="triangle" w="lg" len="lg"/>
+                  <a:tailEnd type="none" w="lg" len="lg"/>
+                </a:ln>
+              </p:spPr>
+              <p:style>
+                <a:lnRef idx="1">
+                  <a:schemeClr val="accent1"/>
+                </a:lnRef>
+                <a:fillRef idx="0">
+                  <a:schemeClr val="accent1"/>
+                </a:fillRef>
+                <a:effectRef idx="0">
+                  <a:schemeClr val="accent1"/>
+                </a:effectRef>
+                <a:fontRef idx="minor">
+                  <a:schemeClr val="tx1"/>
+                </a:fontRef>
+              </p:style>
+            </p:cxnSp>
+            <p:cxnSp>
+              <p:nvCxnSpPr>
+                <p:cNvPr id="68" name="Straight Connector 67">
+                  <a:extLst>
+                    <a:ext uri="{FF2B5EF4-FFF2-40B4-BE49-F238E27FC236}">
+                      <a16:creationId xmlns:a16="http://schemas.microsoft.com/office/drawing/2014/main" id="{7F2C011E-234C-7DF3-ED24-6FB201CC78D9}"/>
+                    </a:ext>
+                  </a:extLst>
+                </p:cNvPr>
+                <p:cNvCxnSpPr>
+                  <a:cxnSpLocks/>
+                </p:cNvCxnSpPr>
+                <p:nvPr/>
+              </p:nvCxnSpPr>
+              <p:spPr>
+                <a:xfrm rot="10800000">
+                  <a:off x="8305941" y="1473456"/>
+                  <a:ext cx="0" cy="193200"/>
+                </a:xfrm>
+                <a:prstGeom prst="line">
+                  <a:avLst/>
+                </a:prstGeom>
+                <a:ln w="19050">
+                  <a:solidFill>
+                    <a:schemeClr val="tx1"/>
+                  </a:solidFill>
+                  <a:tailEnd w="med" len="lg"/>
+                </a:ln>
+              </p:spPr>
+              <p:style>
+                <a:lnRef idx="1">
+                  <a:schemeClr val="accent1"/>
+                </a:lnRef>
+                <a:fillRef idx="0">
+                  <a:schemeClr val="accent1"/>
+                </a:fillRef>
+                <a:effectRef idx="0">
+                  <a:schemeClr val="accent1"/>
+                </a:effectRef>
+                <a:fontRef idx="minor">
+                  <a:schemeClr val="tx1"/>
+                </a:fontRef>
+              </p:style>
+            </p:cxnSp>
+          </p:grpSp>
+          <mc:AlternateContent xmlns:mc="http://schemas.openxmlformats.org/markup-compatibility/2006" xmlns:a14="http://schemas.microsoft.com/office/drawing/2010/main">
+            <mc:Choice Requires="a14">
+              <p:sp>
+                <p:nvSpPr>
+                  <p:cNvPr id="62" name="Oval 61">
+                    <a:extLst>
+                      <a:ext uri="{FF2B5EF4-FFF2-40B4-BE49-F238E27FC236}">
+                        <a16:creationId xmlns:a16="http://schemas.microsoft.com/office/drawing/2014/main" id="{D01A026C-9C03-764B-0B8D-0C16B1B483DC}"/>
+                      </a:ext>
+                    </a:extLst>
+                  </p:cNvPr>
+                  <p:cNvSpPr/>
+                  <p:nvPr/>
+                </p:nvSpPr>
+                <p:spPr>
+                  <a:xfrm>
+                    <a:off x="9321821" y="2156442"/>
+                    <a:ext cx="1255532" cy="557420"/>
+                  </a:xfrm>
+                  <a:prstGeom prst="ellipse">
+                    <a:avLst/>
+                  </a:prstGeom>
+                  <a:noFill/>
+                  <a:ln w="28575">
+                    <a:noFill/>
+                  </a:ln>
+                </p:spPr>
+                <p:style>
+                  <a:lnRef idx="2">
+                    <a:schemeClr val="accent1">
+                      <a:shade val="50000"/>
+                    </a:schemeClr>
+                  </a:lnRef>
+                  <a:fillRef idx="1">
+                    <a:schemeClr val="accent1"/>
+                  </a:fillRef>
+                  <a:effectRef idx="0">
+                    <a:schemeClr val="accent1"/>
+                  </a:effectRef>
+                  <a:fontRef idx="minor">
+                    <a:schemeClr val="lt1"/>
+                  </a:fontRef>
+                </p:style>
+                <p:txBody>
+                  <a:bodyPr lIns="91440" tIns="0" rIns="0" bIns="0" rtlCol="0" anchor="ctr"/>
+                  <a:lstStyle/>
+                  <a:p>
+                    <a:pPr algn="ctr"/>
+                    <a14:m>
+                      <m:oMath xmlns:m="http://schemas.openxmlformats.org/officeDocument/2006/math">
+                        <m:sSub>
+                          <m:sSubPr>
+                            <m:ctrlPr>
+                              <a:rPr lang="en-US" b="0" i="1" smtClean="0">
+                                <a:solidFill>
+                                  <a:schemeClr val="tx1"/>
+                                </a:solidFill>
+                                <a:latin typeface="Cambria Math" panose="02040503050406030204" pitchFamily="18" charset="0"/>
+                              </a:rPr>
+                            </m:ctrlPr>
+                          </m:sSubPr>
+                          <m:e>
+                            <m:r>
+                              <a:rPr lang="en-US" b="0" i="1" smtClean="0">
+                                <a:solidFill>
+                                  <a:schemeClr val="tx1"/>
+                                </a:solidFill>
+                                <a:latin typeface="Cambria Math" panose="02040503050406030204" pitchFamily="18" charset="0"/>
+                              </a:rPr>
+                              <m:t>𝑦</m:t>
+                            </m:r>
+                          </m:e>
+                          <m:sub>
+                            <m:r>
+                              <a:rPr lang="en-US" b="0" i="1" smtClean="0">
+                                <a:solidFill>
+                                  <a:schemeClr val="tx1"/>
+                                </a:solidFill>
+                                <a:latin typeface="Cambria Math" panose="02040503050406030204" pitchFamily="18" charset="0"/>
+                              </a:rPr>
+                              <m:t>2</m:t>
+                            </m:r>
+                          </m:sub>
+                        </m:sSub>
+                        <m:d>
+                          <m:dPr>
+                            <m:ctrlPr>
+                              <a:rPr lang="en-US" b="0" i="1" smtClean="0">
+                                <a:solidFill>
+                                  <a:schemeClr val="tx1"/>
+                                </a:solidFill>
+                                <a:latin typeface="Cambria Math" panose="02040503050406030204" pitchFamily="18" charset="0"/>
+                              </a:rPr>
+                            </m:ctrlPr>
+                          </m:dPr>
+                          <m:e>
+                            <m:r>
+                              <a:rPr lang="en-US" b="0" i="1" smtClean="0">
+                                <a:solidFill>
+                                  <a:schemeClr val="tx1"/>
+                                </a:solidFill>
+                                <a:latin typeface="Cambria Math" panose="02040503050406030204" pitchFamily="18" charset="0"/>
+                              </a:rPr>
+                              <m:t>𝑡</m:t>
+                            </m:r>
+                          </m:e>
+                        </m:d>
+                      </m:oMath>
+                    </a14:m>
+                    <a:r>
+                      <a:rPr lang="en-US" dirty="0">
+                        <a:solidFill>
+                          <a:schemeClr val="tx1"/>
+                        </a:solidFill>
+                      </a:rPr>
+                      <a:t>  (output)</a:t>
+                    </a:r>
+                  </a:p>
+                </p:txBody>
+              </p:sp>
+            </mc:Choice>
+            <mc:Fallback xmlns="">
+              <p:sp>
+                <p:nvSpPr>
+                  <p:cNvPr id="62" name="Oval 61">
+                    <a:extLst>
+                      <a:ext uri="{FF2B5EF4-FFF2-40B4-BE49-F238E27FC236}">
+                        <a16:creationId xmlns:a16="http://schemas.microsoft.com/office/drawing/2014/main" id="{D01A026C-9C03-764B-0B8D-0C16B1B483DC}"/>
+                      </a:ext>
+                    </a:extLst>
+                  </p:cNvPr>
+                  <p:cNvSpPr>
+                    <a:spLocks noRot="1" noChangeAspect="1" noMove="1" noResize="1" noEditPoints="1" noAdjustHandles="1" noChangeArrowheads="1" noChangeShapeType="1" noTextEdit="1"/>
+                  </p:cNvSpPr>
+                  <p:nvPr/>
+                </p:nvSpPr>
+                <p:spPr>
+                  <a:xfrm>
+                    <a:off x="9321821" y="2156442"/>
+                    <a:ext cx="1255532" cy="557420"/>
+                  </a:xfrm>
+                  <a:prstGeom prst="ellipse">
+                    <a:avLst/>
+                  </a:prstGeom>
+                  <a:blipFill>
+                    <a:blip r:embed="rId9"/>
+                    <a:stretch>
+                      <a:fillRect b="-25275"/>
+                    </a:stretch>
+                  </a:blipFill>
+                  <a:ln w="28575">
+                    <a:noFill/>
+                  </a:ln>
+                </p:spPr>
+                <p:txBody>
+                  <a:bodyPr/>
+                  <a:lstStyle/>
+                  <a:p>
+                    <a:r>
+                      <a:rPr lang="en-US">
+                        <a:noFill/>
+                      </a:rPr>
+                      <a:t> </a:t>
+                    </a:r>
+                  </a:p>
+                </p:txBody>
+              </p:sp>
+            </mc:Fallback>
+          </mc:AlternateContent>
+          <p:grpSp>
+            <p:nvGrpSpPr>
+              <p:cNvPr id="63" name="Group 62">
+                <a:extLst>
+                  <a:ext uri="{FF2B5EF4-FFF2-40B4-BE49-F238E27FC236}">
+                    <a16:creationId xmlns:a16="http://schemas.microsoft.com/office/drawing/2014/main" id="{6E25567B-8F12-0F0C-84D7-4C535D4EFC8A}"/>
+                  </a:ext>
+                </a:extLst>
+              </p:cNvPr>
+              <p:cNvGrpSpPr/>
+              <p:nvPr/>
+            </p:nvGrpSpPr>
+            <p:grpSpPr>
+              <a:xfrm>
+                <a:off x="9317559" y="3260670"/>
+                <a:ext cx="244313" cy="243045"/>
+                <a:chOff x="8305941" y="1473456"/>
+                <a:chExt cx="933868" cy="193200"/>
+              </a:xfrm>
+            </p:grpSpPr>
+            <p:cxnSp>
+              <p:nvCxnSpPr>
+                <p:cNvPr id="65" name="Straight Connector 64">
+                  <a:extLst>
+                    <a:ext uri="{FF2B5EF4-FFF2-40B4-BE49-F238E27FC236}">
+                      <a16:creationId xmlns:a16="http://schemas.microsoft.com/office/drawing/2014/main" id="{ACD2740E-6291-3640-3045-71EA590F84FE}"/>
+                    </a:ext>
+                  </a:extLst>
+                </p:cNvPr>
+                <p:cNvCxnSpPr>
+                  <a:cxnSpLocks/>
+                </p:cNvCxnSpPr>
+                <p:nvPr/>
+              </p:nvCxnSpPr>
+              <p:spPr>
+                <a:xfrm rot="10800000">
+                  <a:off x="8305941" y="1568188"/>
+                  <a:ext cx="933868" cy="0"/>
+                </a:xfrm>
+                <a:prstGeom prst="line">
+                  <a:avLst/>
+                </a:prstGeom>
+                <a:ln w="19050">
+                  <a:solidFill>
+                    <a:schemeClr val="tx1"/>
+                  </a:solidFill>
+                  <a:headEnd type="triangle" w="lg" len="lg"/>
+                  <a:tailEnd type="none" w="lg" len="lg"/>
+                </a:ln>
+              </p:spPr>
+              <p:style>
+                <a:lnRef idx="1">
+                  <a:schemeClr val="accent1"/>
+                </a:lnRef>
+                <a:fillRef idx="0">
+                  <a:schemeClr val="accent1"/>
+                </a:fillRef>
+                <a:effectRef idx="0">
+                  <a:schemeClr val="accent1"/>
+                </a:effectRef>
+                <a:fontRef idx="minor">
+                  <a:schemeClr val="tx1"/>
+                </a:fontRef>
+              </p:style>
+            </p:cxnSp>
+            <p:cxnSp>
+              <p:nvCxnSpPr>
+                <p:cNvPr id="66" name="Straight Connector 65">
+                  <a:extLst>
+                    <a:ext uri="{FF2B5EF4-FFF2-40B4-BE49-F238E27FC236}">
+                      <a16:creationId xmlns:a16="http://schemas.microsoft.com/office/drawing/2014/main" id="{9AD73516-9F44-63F5-A07A-E4788630A98D}"/>
+                    </a:ext>
+                  </a:extLst>
+                </p:cNvPr>
+                <p:cNvCxnSpPr>
+                  <a:cxnSpLocks/>
+                </p:cNvCxnSpPr>
+                <p:nvPr/>
+              </p:nvCxnSpPr>
+              <p:spPr>
+                <a:xfrm rot="10800000">
+                  <a:off x="8305941" y="1473456"/>
+                  <a:ext cx="0" cy="193200"/>
+                </a:xfrm>
+                <a:prstGeom prst="line">
+                  <a:avLst/>
+                </a:prstGeom>
+                <a:ln w="19050">
+                  <a:solidFill>
+                    <a:schemeClr val="tx1"/>
+                  </a:solidFill>
+                  <a:tailEnd w="med" len="lg"/>
+                </a:ln>
+              </p:spPr>
+              <p:style>
+                <a:lnRef idx="1">
+                  <a:schemeClr val="accent1"/>
+                </a:lnRef>
+                <a:fillRef idx="0">
+                  <a:schemeClr val="accent1"/>
+                </a:fillRef>
+                <a:effectRef idx="0">
+                  <a:schemeClr val="accent1"/>
+                </a:effectRef>
+                <a:fontRef idx="minor">
+                  <a:schemeClr val="tx1"/>
+                </a:fontRef>
+              </p:style>
+            </p:cxnSp>
+          </p:grpSp>
+          <mc:AlternateContent xmlns:mc="http://schemas.openxmlformats.org/markup-compatibility/2006" xmlns:a14="http://schemas.microsoft.com/office/drawing/2010/main">
+            <mc:Choice Requires="a14">
+              <p:sp>
+                <p:nvSpPr>
+                  <p:cNvPr id="64" name="Oval 63">
+                    <a:extLst>
+                      <a:ext uri="{FF2B5EF4-FFF2-40B4-BE49-F238E27FC236}">
+                        <a16:creationId xmlns:a16="http://schemas.microsoft.com/office/drawing/2014/main" id="{52E86DA5-B18C-EAAB-14A9-387C791591A7}"/>
+                      </a:ext>
+                    </a:extLst>
+                  </p:cNvPr>
+                  <p:cNvSpPr/>
+                  <p:nvPr/>
+                </p:nvSpPr>
+                <p:spPr>
+                  <a:xfrm>
+                    <a:off x="9319311" y="3063032"/>
+                    <a:ext cx="1300172" cy="557420"/>
+                  </a:xfrm>
+                  <a:prstGeom prst="ellipse">
+                    <a:avLst/>
+                  </a:prstGeom>
+                  <a:noFill/>
+                  <a:ln w="28575">
+                    <a:noFill/>
+                  </a:ln>
+                </p:spPr>
+                <p:style>
+                  <a:lnRef idx="2">
+                    <a:schemeClr val="accent1">
+                      <a:shade val="50000"/>
+                    </a:schemeClr>
+                  </a:lnRef>
+                  <a:fillRef idx="1">
+                    <a:schemeClr val="accent1"/>
+                  </a:fillRef>
+                  <a:effectRef idx="0">
+                    <a:schemeClr val="accent1"/>
+                  </a:effectRef>
+                  <a:fontRef idx="minor">
+                    <a:schemeClr val="lt1"/>
+                  </a:fontRef>
+                </p:style>
+                <p:txBody>
+                  <a:bodyPr lIns="91440" tIns="0" rIns="0" bIns="0" rtlCol="0" anchor="ctr"/>
+                  <a:lstStyle/>
+                  <a:p>
+                    <a:pPr algn="ctr"/>
+                    <a14:m>
+                      <m:oMath xmlns:m="http://schemas.openxmlformats.org/officeDocument/2006/math">
+                        <m:sSub>
+                          <m:sSubPr>
+                            <m:ctrlPr>
+                              <a:rPr lang="en-US" b="0" i="1" smtClean="0">
+                                <a:solidFill>
+                                  <a:schemeClr val="tx1"/>
+                                </a:solidFill>
+                                <a:latin typeface="Cambria Math" panose="02040503050406030204" pitchFamily="18" charset="0"/>
+                              </a:rPr>
+                            </m:ctrlPr>
+                          </m:sSubPr>
+                          <m:e>
+                            <m:r>
+                              <a:rPr lang="en-US" b="0" i="1" smtClean="0">
+                                <a:solidFill>
+                                  <a:schemeClr val="tx1"/>
+                                </a:solidFill>
+                                <a:latin typeface="Cambria Math" panose="02040503050406030204" pitchFamily="18" charset="0"/>
+                              </a:rPr>
+                              <m:t>𝑦</m:t>
+                            </m:r>
+                          </m:e>
+                          <m:sub>
+                            <m:r>
+                              <a:rPr lang="en-US" b="0" i="1" smtClean="0">
+                                <a:solidFill>
+                                  <a:schemeClr val="tx1"/>
+                                </a:solidFill>
+                                <a:latin typeface="Cambria Math" panose="02040503050406030204" pitchFamily="18" charset="0"/>
+                              </a:rPr>
+                              <m:t>1</m:t>
+                            </m:r>
+                          </m:sub>
+                        </m:sSub>
+                        <m:d>
+                          <m:dPr>
+                            <m:ctrlPr>
+                              <a:rPr lang="en-US" b="0" i="1" smtClean="0">
+                                <a:solidFill>
+                                  <a:schemeClr val="tx1"/>
+                                </a:solidFill>
+                                <a:latin typeface="Cambria Math" panose="02040503050406030204" pitchFamily="18" charset="0"/>
+                              </a:rPr>
+                            </m:ctrlPr>
+                          </m:dPr>
+                          <m:e>
+                            <m:r>
+                              <a:rPr lang="en-US" b="0" i="1" smtClean="0">
+                                <a:solidFill>
+                                  <a:schemeClr val="tx1"/>
+                                </a:solidFill>
+                                <a:latin typeface="Cambria Math" panose="02040503050406030204" pitchFamily="18" charset="0"/>
+                              </a:rPr>
+                              <m:t>𝑡</m:t>
+                            </m:r>
+                          </m:e>
+                        </m:d>
+                      </m:oMath>
+                    </a14:m>
+                    <a:r>
+                      <a:rPr lang="en-US" dirty="0">
+                        <a:solidFill>
+                          <a:schemeClr val="tx1"/>
+                        </a:solidFill>
+                      </a:rPr>
+                      <a:t> (output)</a:t>
+                    </a:r>
+                  </a:p>
+                </p:txBody>
+              </p:sp>
+            </mc:Choice>
+            <mc:Fallback xmlns="">
+              <p:sp>
+                <p:nvSpPr>
+                  <p:cNvPr id="64" name="Oval 63">
+                    <a:extLst>
+                      <a:ext uri="{FF2B5EF4-FFF2-40B4-BE49-F238E27FC236}">
+                        <a16:creationId xmlns:a16="http://schemas.microsoft.com/office/drawing/2014/main" id="{52E86DA5-B18C-EAAB-14A9-387C791591A7}"/>
+                      </a:ext>
+                    </a:extLst>
+                  </p:cNvPr>
+                  <p:cNvSpPr>
+                    <a:spLocks noRot="1" noChangeAspect="1" noMove="1" noResize="1" noEditPoints="1" noAdjustHandles="1" noChangeArrowheads="1" noChangeShapeType="1" noTextEdit="1"/>
+                  </p:cNvSpPr>
+                  <p:nvPr/>
+                </p:nvSpPr>
+                <p:spPr>
+                  <a:xfrm>
+                    <a:off x="9319311" y="3063032"/>
+                    <a:ext cx="1300172" cy="557420"/>
+                  </a:xfrm>
+                  <a:prstGeom prst="ellipse">
+                    <a:avLst/>
+                  </a:prstGeom>
+                  <a:blipFill>
+                    <a:blip r:embed="rId10"/>
+                    <a:stretch>
+                      <a:fillRect b="-25000"/>
+                    </a:stretch>
+                  </a:blipFill>
+                  <a:ln w="28575">
+                    <a:noFill/>
+                  </a:ln>
+                </p:spPr>
+                <p:txBody>
+                  <a:bodyPr/>
+                  <a:lstStyle/>
+                  <a:p>
+                    <a:r>
+                      <a:rPr lang="en-US">
+                        <a:noFill/>
+                      </a:rPr>
+                      <a:t> </a:t>
+                    </a:r>
+                  </a:p>
+                </p:txBody>
+              </p:sp>
+            </mc:Fallback>
+          </mc:AlternateContent>
+        </p:grpSp>
+      </p:grpSp>
+    </p:spTree>
+    <p:extLst>
+      <p:ext uri="{BB962C8B-B14F-4D97-AF65-F5344CB8AC3E}">
+        <p14:creationId xmlns:p14="http://schemas.microsoft.com/office/powerpoint/2010/main" val="3976915038"/>
+      </p:ext>
+    </p:extLst>
+  </p:cSld>
+  <p:clrMapOvr>
+    <a:masterClrMapping/>
+  </p:clrMapOvr>
+</p:sld>
+</file>
+
+<file path=ppt/slides/slide5.xml><?xml version="1.0" encoding="utf-8"?>
+<p:sld xmlns:a="http://schemas.openxmlformats.org/drawingml/2006/main" xmlns:r="http://schemas.openxmlformats.org/officeDocument/2006/relationships" xmlns:p="http://schemas.openxmlformats.org/presentationml/2006/main">
+  <p:cSld>
+    <p:spTree>
+      <p:nvGrpSpPr>
+        <p:cNvPr id="1" name=""/>
+        <p:cNvGrpSpPr/>
+        <p:nvPr/>
+      </p:nvGrpSpPr>
+      <p:grpSpPr>
+        <a:xfrm>
+          <a:off x="0" y="0"/>
+          <a:ext cx="0" cy="0"/>
+          <a:chOff x="0" y="0"/>
+          <a:chExt cx="0" cy="0"/>
+        </a:xfrm>
+      </p:grpSpPr>
+      <p:sp>
+        <p:nvSpPr>
+          <p:cNvPr id="2" name="TextBox 1">
+            <a:extLst>
+              <a:ext uri="{FF2B5EF4-FFF2-40B4-BE49-F238E27FC236}">
+                <a16:creationId xmlns:a16="http://schemas.microsoft.com/office/drawing/2014/main" id="{22BE6719-3A58-86E9-BEAC-725D7853466C}"/>
+              </a:ext>
+            </a:extLst>
+          </p:cNvPr>
+          <p:cNvSpPr txBox="1"/>
+          <p:nvPr/>
+        </p:nvSpPr>
+        <p:spPr>
+          <a:xfrm>
+            <a:off x="52466" y="82446"/>
+            <a:ext cx="1491521" cy="369332"/>
+          </a:xfrm>
+          <a:prstGeom prst="rect">
+            <a:avLst/>
+          </a:prstGeom>
+          <a:noFill/>
+        </p:spPr>
+        <p:txBody>
+          <a:bodyPr wrap="square" rtlCol="0">
+            <a:spAutoFit/>
+          </a:bodyPr>
+          <a:lstStyle/>
+          <a:p>
+            <a:r>
+              <a:rPr lang="en-US" dirty="0"/>
+              <a:t>2dof</a:t>
+            </a:r>
+          </a:p>
+        </p:txBody>
+      </p:sp>
+      <p:grpSp>
+        <p:nvGrpSpPr>
+          <p:cNvPr id="27" name="Group 26">
+            <a:extLst>
+              <a:ext uri="{FF2B5EF4-FFF2-40B4-BE49-F238E27FC236}">
+                <a16:creationId xmlns:a16="http://schemas.microsoft.com/office/drawing/2014/main" id="{38226DBC-7578-5FA8-3011-3FA95619EB0E}"/>
+              </a:ext>
+            </a:extLst>
+          </p:cNvPr>
+          <p:cNvGrpSpPr/>
+          <p:nvPr/>
+        </p:nvGrpSpPr>
+        <p:grpSpPr>
+          <a:xfrm>
+            <a:off x="4493847" y="1320800"/>
+            <a:ext cx="4227426" cy="4689231"/>
+            <a:chOff x="4493847" y="1320800"/>
+            <a:chExt cx="4227426" cy="4689231"/>
+          </a:xfrm>
+        </p:grpSpPr>
+        <p:sp>
+          <p:nvSpPr>
+            <p:cNvPr id="9" name="Freeform: Shape 8">
+              <a:extLst>
+                <a:ext uri="{FF2B5EF4-FFF2-40B4-BE49-F238E27FC236}">
+                  <a16:creationId xmlns:a16="http://schemas.microsoft.com/office/drawing/2014/main" id="{32B0BC7A-99B4-0E43-7EED-304DC69E0E32}"/>
+                </a:ext>
+              </a:extLst>
+            </p:cNvPr>
+            <p:cNvSpPr/>
+            <p:nvPr/>
+          </p:nvSpPr>
+          <p:spPr>
+            <a:xfrm>
+              <a:off x="5150339" y="1320800"/>
+              <a:ext cx="2547815" cy="3657600"/>
+            </a:xfrm>
+            <a:custGeom>
+              <a:avLst/>
+              <a:gdLst>
+                <a:gd name="connsiteX0" fmla="*/ 0 w 5189415"/>
+                <a:gd name="connsiteY0" fmla="*/ 0 h 4509477"/>
+                <a:gd name="connsiteX1" fmla="*/ 0 w 5189415"/>
+                <a:gd name="connsiteY1" fmla="*/ 4509477 h 4509477"/>
+                <a:gd name="connsiteX2" fmla="*/ 5189415 w 5189415"/>
+                <a:gd name="connsiteY2" fmla="*/ 4509477 h 4509477"/>
+              </a:gdLst>
+              <a:ahLst/>
+              <a:cxnLst>
+                <a:cxn ang="0">
+                  <a:pos x="connsiteX0" y="connsiteY0"/>
+                </a:cxn>
+                <a:cxn ang="0">
+                  <a:pos x="connsiteX1" y="connsiteY1"/>
+                </a:cxn>
+                <a:cxn ang="0">
+                  <a:pos x="connsiteX2" y="connsiteY2"/>
+                </a:cxn>
+              </a:cxnLst>
+              <a:rect l="l" t="t" r="r" b="b"/>
+              <a:pathLst>
+                <a:path w="5189415" h="4509477">
+                  <a:moveTo>
+                    <a:pt x="0" y="0"/>
+                  </a:moveTo>
+                  <a:lnTo>
+                    <a:pt x="0" y="4509477"/>
+                  </a:lnTo>
+                  <a:lnTo>
+                    <a:pt x="5189415" y="4509477"/>
+                  </a:lnTo>
+                </a:path>
+              </a:pathLst>
+            </a:custGeom>
+            <a:noFill/>
+            <a:ln w="28575">
+              <a:solidFill>
+                <a:schemeClr val="tx1"/>
+              </a:solidFill>
+            </a:ln>
+          </p:spPr>
+          <p:style>
+            <a:lnRef idx="2">
+              <a:schemeClr val="accent1">
+                <a:shade val="50000"/>
+              </a:schemeClr>
+            </a:lnRef>
+            <a:fillRef idx="1">
+              <a:schemeClr val="accent1"/>
+            </a:fillRef>
+            <a:effectRef idx="0">
+              <a:schemeClr val="accent1"/>
+            </a:effectRef>
+            <a:fontRef idx="minor">
+              <a:schemeClr val="lt1"/>
+            </a:fontRef>
+          </p:style>
+          <p:txBody>
+            <a:bodyPr rtlCol="0" anchor="ctr"/>
+            <a:lstStyle/>
+            <a:p>
+              <a:pPr algn="ctr"/>
+              <a:endParaRPr lang="en-US"/>
+            </a:p>
+          </p:txBody>
+        </p:sp>
+        <mc:AlternateContent xmlns:mc="http://schemas.openxmlformats.org/markup-compatibility/2006" xmlns:a14="http://schemas.microsoft.com/office/drawing/2010/main">
+          <mc:Choice Requires="a14">
+            <p:sp>
+              <p:nvSpPr>
+                <p:cNvPr id="16" name="Oval 15">
+                  <a:extLst>
+                    <a:ext uri="{FF2B5EF4-FFF2-40B4-BE49-F238E27FC236}">
+                      <a16:creationId xmlns:a16="http://schemas.microsoft.com/office/drawing/2014/main" id="{C6AFCD2E-7BAE-A743-0AAB-9C2BD0AEE620}"/>
+                    </a:ext>
+                  </a:extLst>
+                </p:cNvPr>
+                <p:cNvSpPr/>
+                <p:nvPr/>
+              </p:nvSpPr>
+              <p:spPr>
+                <a:xfrm>
+                  <a:off x="6400799" y="1477889"/>
+                  <a:ext cx="1005840" cy="1031631"/>
+                </a:xfrm>
+                <a:prstGeom prst="ellipse">
+                  <a:avLst/>
+                </a:prstGeom>
+                <a:noFill/>
+                <a:ln w="28575">
+                  <a:solidFill>
+                    <a:schemeClr val="tx1"/>
+                  </a:solidFill>
+                </a:ln>
+              </p:spPr>
+              <p:style>
+                <a:lnRef idx="2">
+                  <a:schemeClr val="accent1">
+                    <a:shade val="50000"/>
+                  </a:schemeClr>
+                </a:lnRef>
+                <a:fillRef idx="1">
+                  <a:schemeClr val="accent1"/>
+                </a:fillRef>
+                <a:effectRef idx="0">
+                  <a:schemeClr val="accent1"/>
+                </a:effectRef>
+                <a:fontRef idx="minor">
+                  <a:schemeClr val="lt1"/>
+                </a:fontRef>
+              </p:style>
+              <p:txBody>
+                <a:bodyPr lIns="91440" tIns="0" rIns="0" bIns="0" rtlCol="0" anchor="ctr"/>
+                <a:lstStyle/>
+                <a:p>
+                  <a:pPr algn="ctr"/>
+                  <a14:m>
+                    <m:oMathPara xmlns:m="http://schemas.openxmlformats.org/officeDocument/2006/math">
+                      <m:oMathParaPr>
+                        <m:jc m:val="center"/>
+                      </m:oMathParaPr>
+                      <m:oMath xmlns:m="http://schemas.openxmlformats.org/officeDocument/2006/math">
+                        <m:sSub>
+                          <m:sSubPr>
+                            <m:ctrlPr>
+                              <a:rPr lang="en-US" sz="3200" b="0" i="1" dirty="0" smtClean="0">
+                                <a:solidFill>
+                                  <a:schemeClr val="tx1"/>
+                                </a:solidFill>
+                                <a:latin typeface="Cambria Math" panose="02040503050406030204" pitchFamily="18" charset="0"/>
+                              </a:rPr>
+                            </m:ctrlPr>
+                          </m:sSubPr>
+                          <m:e>
+                            <m:r>
+                              <a:rPr lang="en-US" sz="3200" i="1" dirty="0" smtClean="0">
+                                <a:solidFill>
+                                  <a:schemeClr val="tx1"/>
+                                </a:solidFill>
+                                <a:latin typeface="Cambria Math" panose="02040503050406030204" pitchFamily="18" charset="0"/>
+                              </a:rPr>
+                              <m:t>𝑚</m:t>
+                            </m:r>
+                          </m:e>
+                          <m:sub>
+                            <m:r>
+                              <a:rPr lang="en-US" sz="3200" b="0" i="1" dirty="0" smtClean="0">
+                                <a:solidFill>
+                                  <a:schemeClr val="tx1"/>
+                                </a:solidFill>
+                                <a:latin typeface="Cambria Math" panose="02040503050406030204" pitchFamily="18" charset="0"/>
+                              </a:rPr>
+                              <m:t>2</m:t>
+                            </m:r>
+                          </m:sub>
+                        </m:sSub>
+                      </m:oMath>
+                    </m:oMathPara>
+                  </a14:m>
+                  <a:endParaRPr lang="en-US" sz="3200" dirty="0"/>
+                </a:p>
+              </p:txBody>
+            </p:sp>
+          </mc:Choice>
+          <mc:Fallback xmlns="">
+            <p:sp>
+              <p:nvSpPr>
+                <p:cNvPr id="16" name="Oval 15">
+                  <a:extLst>
+                    <a:ext uri="{FF2B5EF4-FFF2-40B4-BE49-F238E27FC236}">
+                      <a16:creationId xmlns:a16="http://schemas.microsoft.com/office/drawing/2014/main" id="{C6AFCD2E-7BAE-A743-0AAB-9C2BD0AEE620}"/>
+                    </a:ext>
+                  </a:extLst>
+                </p:cNvPr>
+                <p:cNvSpPr>
+                  <a:spLocks noRot="1" noChangeAspect="1" noMove="1" noResize="1" noEditPoints="1" noAdjustHandles="1" noChangeArrowheads="1" noChangeShapeType="1" noTextEdit="1"/>
+                </p:cNvSpPr>
+                <p:nvPr/>
+              </p:nvSpPr>
+              <p:spPr>
+                <a:xfrm>
+                  <a:off x="6400799" y="1477889"/>
+                  <a:ext cx="1005840" cy="1031631"/>
+                </a:xfrm>
+                <a:prstGeom prst="ellipse">
+                  <a:avLst/>
+                </a:prstGeom>
+                <a:blipFill>
+                  <a:blip r:embed="rId2"/>
+                  <a:stretch>
+                    <a:fillRect/>
+                  </a:stretch>
+                </a:blipFill>
+                <a:ln w="28575">
+                  <a:solidFill>
+                    <a:schemeClr val="tx1"/>
+                  </a:solidFill>
+                </a:ln>
+              </p:spPr>
+              <p:txBody>
+                <a:bodyPr/>
+                <a:lstStyle/>
+                <a:p>
+                  <a:r>
+                    <a:rPr lang="en-US">
+                      <a:noFill/>
+                    </a:rPr>
+                    <a:t> </a:t>
+                  </a:r>
+                </a:p>
+              </p:txBody>
+            </p:sp>
+          </mc:Fallback>
+        </mc:AlternateContent>
+        <p:cxnSp>
+          <p:nvCxnSpPr>
+            <p:cNvPr id="18" name="Straight Connector 17">
+              <a:extLst>
+                <a:ext uri="{FF2B5EF4-FFF2-40B4-BE49-F238E27FC236}">
+                  <a16:creationId xmlns:a16="http://schemas.microsoft.com/office/drawing/2014/main" id="{B18986DF-AA39-41A2-29C2-16A33C992155}"/>
+                </a:ext>
+              </a:extLst>
+            </p:cNvPr>
+            <p:cNvCxnSpPr>
+              <a:cxnSpLocks/>
+            </p:cNvCxnSpPr>
+            <p:nvPr/>
+          </p:nvCxnSpPr>
+          <p:spPr>
+            <a:xfrm>
+              <a:off x="6916615" y="2509520"/>
+              <a:ext cx="0" cy="2468880"/>
+            </a:xfrm>
+            <a:prstGeom prst="line">
+              <a:avLst/>
+            </a:prstGeom>
+            <a:ln w="38100">
+              <a:solidFill>
+                <a:schemeClr val="tx1"/>
+              </a:solidFill>
+            </a:ln>
+          </p:spPr>
+          <p:style>
+            <a:lnRef idx="1">
+              <a:schemeClr val="accent1"/>
+            </a:lnRef>
+            <a:fillRef idx="0">
+              <a:schemeClr val="accent1"/>
+            </a:fillRef>
+            <a:effectRef idx="0">
+              <a:schemeClr val="accent1"/>
+            </a:effectRef>
+            <a:fontRef idx="minor">
+              <a:schemeClr val="tx1"/>
+            </a:fontRef>
+          </p:style>
+        </p:cxnSp>
+        <p:grpSp>
+          <p:nvGrpSpPr>
+            <p:cNvPr id="97" name="Group 96">
+              <a:extLst>
+                <a:ext uri="{FF2B5EF4-FFF2-40B4-BE49-F238E27FC236}">
+                  <a16:creationId xmlns:a16="http://schemas.microsoft.com/office/drawing/2014/main" id="{C3089AE8-0DEB-1504-2D12-D4F5BE3E0DC2}"/>
+                </a:ext>
+              </a:extLst>
+            </p:cNvPr>
+            <p:cNvGrpSpPr/>
+            <p:nvPr/>
+          </p:nvGrpSpPr>
+          <p:grpSpPr>
+            <a:xfrm>
+              <a:off x="5156270" y="1830473"/>
+              <a:ext cx="1244530" cy="332156"/>
+              <a:chOff x="5150339" y="2959413"/>
+              <a:chExt cx="1766275" cy="395012"/>
+            </a:xfrm>
+          </p:grpSpPr>
+          <p:cxnSp>
+            <p:nvCxnSpPr>
+              <p:cNvPr id="26" name="Straight Connector 25">
+                <a:extLst>
+                  <a:ext uri="{FF2B5EF4-FFF2-40B4-BE49-F238E27FC236}">
+                    <a16:creationId xmlns:a16="http://schemas.microsoft.com/office/drawing/2014/main" id="{D0EE9035-5E6D-A34F-362B-A534BC730C3B}"/>
+                  </a:ext>
+                </a:extLst>
+              </p:cNvPr>
+              <p:cNvCxnSpPr>
+                <a:cxnSpLocks/>
+              </p:cNvCxnSpPr>
+              <p:nvPr/>
+            </p:nvCxnSpPr>
+            <p:spPr>
+              <a:xfrm>
+                <a:off x="5150339" y="3156920"/>
+                <a:ext cx="743927" cy="0"/>
+              </a:xfrm>
+              <a:prstGeom prst="line">
+                <a:avLst/>
+              </a:prstGeom>
+              <a:ln w="28575">
+                <a:solidFill>
+                  <a:schemeClr val="tx1"/>
+                </a:solidFill>
+              </a:ln>
+            </p:spPr>
+            <p:style>
+              <a:lnRef idx="1">
+                <a:schemeClr val="accent1"/>
+              </a:lnRef>
+              <a:fillRef idx="0">
+                <a:schemeClr val="accent1"/>
+              </a:fillRef>
+              <a:effectRef idx="0">
+                <a:schemeClr val="accent1"/>
+              </a:effectRef>
+              <a:fontRef idx="minor">
+                <a:schemeClr val="tx1"/>
+              </a:fontRef>
+            </p:style>
+          </p:cxnSp>
+          <p:cxnSp>
+            <p:nvCxnSpPr>
+              <p:cNvPr id="29" name="Straight Connector 28">
+                <a:extLst>
+                  <a:ext uri="{FF2B5EF4-FFF2-40B4-BE49-F238E27FC236}">
+                    <a16:creationId xmlns:a16="http://schemas.microsoft.com/office/drawing/2014/main" id="{A916850C-FD3C-6F17-82D4-9E2AF3FB0F2F}"/>
+                  </a:ext>
+                </a:extLst>
+              </p:cNvPr>
+              <p:cNvCxnSpPr>
+                <a:cxnSpLocks/>
+              </p:cNvCxnSpPr>
+              <p:nvPr/>
+            </p:nvCxnSpPr>
+            <p:spPr>
+              <a:xfrm>
+                <a:off x="5894266" y="3039819"/>
+                <a:ext cx="0" cy="229761"/>
+              </a:xfrm>
+              <a:prstGeom prst="line">
+                <a:avLst/>
+              </a:prstGeom>
+              <a:ln w="28575">
+                <a:solidFill>
+                  <a:schemeClr val="tx1"/>
+                </a:solidFill>
+              </a:ln>
+            </p:spPr>
+            <p:style>
+              <a:lnRef idx="1">
+                <a:schemeClr val="accent1"/>
+              </a:lnRef>
+              <a:fillRef idx="0">
+                <a:schemeClr val="accent1"/>
+              </a:fillRef>
+              <a:effectRef idx="0">
+                <a:schemeClr val="accent1"/>
+              </a:effectRef>
+              <a:fontRef idx="minor">
+                <a:schemeClr val="tx1"/>
+              </a:fontRef>
+            </p:style>
+          </p:cxnSp>
+          <p:sp>
+            <p:nvSpPr>
+              <p:cNvPr id="32" name="Freeform: Shape 31">
+                <a:extLst>
+                  <a:ext uri="{FF2B5EF4-FFF2-40B4-BE49-F238E27FC236}">
+                    <a16:creationId xmlns:a16="http://schemas.microsoft.com/office/drawing/2014/main" id="{D808188E-A06F-2CDC-88A3-1B4B24226EB2}"/>
+                  </a:ext>
+                </a:extLst>
+              </p:cNvPr>
+              <p:cNvSpPr/>
+              <p:nvPr/>
+            </p:nvSpPr>
+            <p:spPr>
+              <a:xfrm>
+                <a:off x="5779111" y="2959413"/>
+                <a:ext cx="336550" cy="395012"/>
+              </a:xfrm>
+              <a:custGeom>
+                <a:avLst/>
+                <a:gdLst>
+                  <a:gd name="connsiteX0" fmla="*/ 9525 w 685800"/>
+                  <a:gd name="connsiteY0" fmla="*/ 0 h 1127125"/>
+                  <a:gd name="connsiteX1" fmla="*/ 685800 w 685800"/>
+                  <a:gd name="connsiteY1" fmla="*/ 0 h 1127125"/>
+                  <a:gd name="connsiteX2" fmla="*/ 685800 w 685800"/>
+                  <a:gd name="connsiteY2" fmla="*/ 1127125 h 1127125"/>
+                  <a:gd name="connsiteX3" fmla="*/ 0 w 685800"/>
+                  <a:gd name="connsiteY3" fmla="*/ 1127125 h 1127125"/>
+                </a:gdLst>
+                <a:ahLst/>
+                <a:cxnLst>
+                  <a:cxn ang="0">
+                    <a:pos x="connsiteX0" y="connsiteY0"/>
+                  </a:cxn>
+                  <a:cxn ang="0">
+                    <a:pos x="connsiteX1" y="connsiteY1"/>
+                  </a:cxn>
+                  <a:cxn ang="0">
+                    <a:pos x="connsiteX2" y="connsiteY2"/>
+                  </a:cxn>
+                  <a:cxn ang="0">
+                    <a:pos x="connsiteX3" y="connsiteY3"/>
+                  </a:cxn>
+                </a:cxnLst>
+                <a:rect l="l" t="t" r="r" b="b"/>
+                <a:pathLst>
+                  <a:path w="685800" h="1127125">
+                    <a:moveTo>
+                      <a:pt x="9525" y="0"/>
+                    </a:moveTo>
+                    <a:lnTo>
+                      <a:pt x="685800" y="0"/>
+                    </a:lnTo>
+                    <a:lnTo>
+                      <a:pt x="685800" y="1127125"/>
+                    </a:lnTo>
+                    <a:lnTo>
+                      <a:pt x="0" y="1127125"/>
+                    </a:lnTo>
+                  </a:path>
+                </a:pathLst>
+              </a:custGeom>
+              <a:noFill/>
+              <a:ln w="28575">
+                <a:solidFill>
+                  <a:schemeClr val="tx1"/>
+                </a:solidFill>
+              </a:ln>
+            </p:spPr>
+            <p:style>
+              <a:lnRef idx="2">
+                <a:schemeClr val="accent1">
+                  <a:shade val="50000"/>
+                </a:schemeClr>
+              </a:lnRef>
+              <a:fillRef idx="1">
+                <a:schemeClr val="accent1"/>
+              </a:fillRef>
+              <a:effectRef idx="0">
+                <a:schemeClr val="accent1"/>
+              </a:effectRef>
+              <a:fontRef idx="minor">
+                <a:schemeClr val="lt1"/>
+              </a:fontRef>
+            </p:style>
+            <p:txBody>
+              <a:bodyPr rtlCol="0" anchor="ctr"/>
+              <a:lstStyle/>
+              <a:p>
+                <a:pPr algn="ctr"/>
+                <a:endParaRPr lang="en-US"/>
+              </a:p>
+            </p:txBody>
+          </p:sp>
+          <p:cxnSp>
+            <p:nvCxnSpPr>
+              <p:cNvPr id="42" name="Straight Connector 41">
+                <a:extLst>
+                  <a:ext uri="{FF2B5EF4-FFF2-40B4-BE49-F238E27FC236}">
+                    <a16:creationId xmlns:a16="http://schemas.microsoft.com/office/drawing/2014/main" id="{A28BBB1C-D730-C911-A54E-C1C82551CE10}"/>
+                  </a:ext>
+                </a:extLst>
+              </p:cNvPr>
+              <p:cNvCxnSpPr>
+                <a:cxnSpLocks/>
+              </p:cNvCxnSpPr>
+              <p:nvPr/>
+            </p:nvCxnSpPr>
+            <p:spPr>
+              <a:xfrm>
+                <a:off x="6115661" y="3156920"/>
+                <a:ext cx="800953" cy="0"/>
+              </a:xfrm>
+              <a:prstGeom prst="line">
+                <a:avLst/>
+              </a:prstGeom>
+              <a:ln w="28575">
+                <a:solidFill>
+                  <a:schemeClr val="tx1"/>
+                </a:solidFill>
+              </a:ln>
+            </p:spPr>
+            <p:style>
+              <a:lnRef idx="1">
+                <a:schemeClr val="accent1"/>
+              </a:lnRef>
+              <a:fillRef idx="0">
+                <a:schemeClr val="accent1"/>
+              </a:fillRef>
+              <a:effectRef idx="0">
+                <a:schemeClr val="accent1"/>
+              </a:effectRef>
+              <a:fontRef idx="minor">
+                <a:schemeClr val="tx1"/>
+              </a:fontRef>
+            </p:style>
+          </p:cxnSp>
+        </p:grpSp>
+        <p:sp>
+          <p:nvSpPr>
+            <p:cNvPr id="91" name="Freeform: Shape 90">
+              <a:extLst>
+                <a:ext uri="{FF2B5EF4-FFF2-40B4-BE49-F238E27FC236}">
+                  <a16:creationId xmlns:a16="http://schemas.microsoft.com/office/drawing/2014/main" id="{BFAD5D8D-DAFB-A271-9520-428AB8A4D814}"/>
+                </a:ext>
+              </a:extLst>
+            </p:cNvPr>
+            <p:cNvSpPr/>
+            <p:nvPr/>
+          </p:nvSpPr>
+          <p:spPr>
+            <a:xfrm>
+              <a:off x="4493847" y="1320800"/>
+              <a:ext cx="3204307" cy="4216400"/>
+            </a:xfrm>
+            <a:custGeom>
+              <a:avLst/>
+              <a:gdLst>
+                <a:gd name="connsiteX0" fmla="*/ 0 w 3204307"/>
+                <a:gd name="connsiteY0" fmla="*/ 0 h 4216400"/>
+                <a:gd name="connsiteX1" fmla="*/ 655302 w 3204307"/>
+                <a:gd name="connsiteY1" fmla="*/ 0 h 4216400"/>
+                <a:gd name="connsiteX2" fmla="*/ 655302 w 3204307"/>
+                <a:gd name="connsiteY2" fmla="*/ 3657600 h 4216400"/>
+                <a:gd name="connsiteX3" fmla="*/ 3204307 w 3204307"/>
+                <a:gd name="connsiteY3" fmla="*/ 3657600 h 4216400"/>
+                <a:gd name="connsiteX4" fmla="*/ 3204307 w 3204307"/>
+                <a:gd name="connsiteY4" fmla="*/ 4216400 h 4216400"/>
+                <a:gd name="connsiteX5" fmla="*/ 0 w 3204307"/>
+                <a:gd name="connsiteY5" fmla="*/ 4216400 h 4216400"/>
+              </a:gdLst>
+              <a:ahLst/>
+              <a:cxnLst>
+                <a:cxn ang="0">
+                  <a:pos x="connsiteX0" y="connsiteY0"/>
+                </a:cxn>
+                <a:cxn ang="0">
+                  <a:pos x="connsiteX1" y="connsiteY1"/>
+                </a:cxn>
+                <a:cxn ang="0">
+                  <a:pos x="connsiteX2" y="connsiteY2"/>
+                </a:cxn>
+                <a:cxn ang="0">
+                  <a:pos x="connsiteX3" y="connsiteY3"/>
+                </a:cxn>
+                <a:cxn ang="0">
+                  <a:pos x="connsiteX4" y="connsiteY4"/>
+                </a:cxn>
+                <a:cxn ang="0">
+                  <a:pos x="connsiteX5" y="connsiteY5"/>
+                </a:cxn>
+              </a:cxnLst>
+              <a:rect l="l" t="t" r="r" b="b"/>
+              <a:pathLst>
+                <a:path w="3204307" h="4216400">
+                  <a:moveTo>
+                    <a:pt x="0" y="0"/>
+                  </a:moveTo>
+                  <a:lnTo>
+                    <a:pt x="655302" y="0"/>
+                  </a:lnTo>
+                  <a:lnTo>
+                    <a:pt x="655302" y="3657600"/>
+                  </a:lnTo>
+                  <a:lnTo>
+                    <a:pt x="3204307" y="3657600"/>
+                  </a:lnTo>
+                  <a:lnTo>
+                    <a:pt x="3204307" y="4216400"/>
+                  </a:lnTo>
+                  <a:lnTo>
+                    <a:pt x="0" y="4216400"/>
+                  </a:lnTo>
+                  <a:close/>
+                </a:path>
+              </a:pathLst>
+            </a:custGeom>
+            <a:solidFill>
+              <a:schemeClr val="bg2"/>
+            </a:solidFill>
+            <a:ln>
+              <a:noFill/>
+            </a:ln>
+          </p:spPr>
+          <p:style>
+            <a:lnRef idx="2">
+              <a:schemeClr val="accent1">
+                <a:shade val="50000"/>
+              </a:schemeClr>
+            </a:lnRef>
+            <a:fillRef idx="1">
+              <a:schemeClr val="accent1"/>
+            </a:fillRef>
+            <a:effectRef idx="0">
+              <a:schemeClr val="accent1"/>
+            </a:effectRef>
+            <a:fontRef idx="minor">
+              <a:schemeClr val="lt1"/>
+            </a:fontRef>
+          </p:style>
+          <p:txBody>
+            <a:bodyPr wrap="square" rtlCol="0" anchor="ctr">
+              <a:noAutofit/>
+            </a:bodyPr>
+            <a:lstStyle/>
+            <a:p>
+              <a:pPr algn="ctr"/>
+              <a:endParaRPr lang="en-US"/>
+            </a:p>
+          </p:txBody>
+        </p:sp>
+        <mc:AlternateContent xmlns:mc="http://schemas.openxmlformats.org/markup-compatibility/2006" xmlns:a14="http://schemas.microsoft.com/office/drawing/2010/main">
+          <mc:Choice Requires="a14">
+            <p:sp>
+              <p:nvSpPr>
+                <p:cNvPr id="99" name="Oval 98">
+                  <a:extLst>
+                    <a:ext uri="{FF2B5EF4-FFF2-40B4-BE49-F238E27FC236}">
+                      <a16:creationId xmlns:a16="http://schemas.microsoft.com/office/drawing/2014/main" id="{863DCD57-FA05-31F0-80C2-9D97BCC5FEF7}"/>
+                    </a:ext>
+                  </a:extLst>
+                </p:cNvPr>
+                <p:cNvSpPr/>
+                <p:nvPr/>
+              </p:nvSpPr>
+              <p:spPr>
+                <a:xfrm>
+                  <a:off x="5238962" y="1873680"/>
+                  <a:ext cx="1005840" cy="1031631"/>
+                </a:xfrm>
+                <a:prstGeom prst="ellipse">
+                  <a:avLst/>
+                </a:prstGeom>
+                <a:noFill/>
+                <a:ln w="28575">
+                  <a:noFill/>
+                </a:ln>
+              </p:spPr>
+              <p:style>
+                <a:lnRef idx="2">
+                  <a:schemeClr val="accent1">
+                    <a:shade val="50000"/>
+                  </a:schemeClr>
+                </a:lnRef>
+                <a:fillRef idx="1">
+                  <a:schemeClr val="accent1"/>
+                </a:fillRef>
+                <a:effectRef idx="0">
+                  <a:schemeClr val="accent1"/>
+                </a:effectRef>
+                <a:fontRef idx="minor">
+                  <a:schemeClr val="lt1"/>
+                </a:fontRef>
+              </p:style>
+              <p:txBody>
+                <a:bodyPr lIns="91440" tIns="0" rIns="0" bIns="0" rtlCol="0" anchor="ctr"/>
+                <a:lstStyle/>
+                <a:p>
+                  <a:pPr algn="ctr"/>
+                  <a14:m>
+                    <m:oMathPara xmlns:m="http://schemas.openxmlformats.org/officeDocument/2006/math">
+                      <m:oMathParaPr>
+                        <m:jc m:val="center"/>
+                      </m:oMathParaPr>
+                      <m:oMath xmlns:m="http://schemas.openxmlformats.org/officeDocument/2006/math">
+                        <m:sSub>
+                          <m:sSubPr>
+                            <m:ctrlPr>
+                              <a:rPr lang="en-US" sz="3200" b="0" i="1" dirty="0" smtClean="0">
+                                <a:solidFill>
+                                  <a:schemeClr val="tx1"/>
+                                </a:solidFill>
+                                <a:latin typeface="Cambria Math" panose="02040503050406030204" pitchFamily="18" charset="0"/>
+                              </a:rPr>
+                            </m:ctrlPr>
+                          </m:sSubPr>
+                          <m:e>
+                            <m:r>
+                              <a:rPr lang="en-US" sz="3200" b="0" i="1" dirty="0" smtClean="0">
+                                <a:solidFill>
+                                  <a:schemeClr val="tx1"/>
+                                </a:solidFill>
+                                <a:latin typeface="Cambria Math" panose="02040503050406030204" pitchFamily="18" charset="0"/>
+                              </a:rPr>
+                              <m:t>𝑐</m:t>
+                            </m:r>
+                          </m:e>
+                          <m:sub>
+                            <m:r>
+                              <a:rPr lang="en-US" sz="3200" b="0" i="1" dirty="0" smtClean="0">
+                                <a:solidFill>
+                                  <a:schemeClr val="tx1"/>
+                                </a:solidFill>
+                                <a:latin typeface="Cambria Math" panose="02040503050406030204" pitchFamily="18" charset="0"/>
+                              </a:rPr>
+                              <m:t>2</m:t>
+                            </m:r>
+                          </m:sub>
+                        </m:sSub>
+                      </m:oMath>
+                    </m:oMathPara>
+                  </a14:m>
+                  <a:endParaRPr lang="en-US" sz="3200" dirty="0"/>
+                </a:p>
+              </p:txBody>
+            </p:sp>
+          </mc:Choice>
+          <mc:Fallback xmlns="">
+            <p:sp>
+              <p:nvSpPr>
+                <p:cNvPr id="99" name="Oval 98">
+                  <a:extLst>
+                    <a:ext uri="{FF2B5EF4-FFF2-40B4-BE49-F238E27FC236}">
+                      <a16:creationId xmlns:a16="http://schemas.microsoft.com/office/drawing/2014/main" id="{863DCD57-FA05-31F0-80C2-9D97BCC5FEF7}"/>
+                    </a:ext>
+                  </a:extLst>
+                </p:cNvPr>
+                <p:cNvSpPr>
+                  <a:spLocks noRot="1" noChangeAspect="1" noMove="1" noResize="1" noEditPoints="1" noAdjustHandles="1" noChangeArrowheads="1" noChangeShapeType="1" noTextEdit="1"/>
+                </p:cNvSpPr>
+                <p:nvPr/>
+              </p:nvSpPr>
+              <p:spPr>
+                <a:xfrm>
+                  <a:off x="5238962" y="1873680"/>
+                  <a:ext cx="1005840" cy="1031631"/>
+                </a:xfrm>
+                <a:prstGeom prst="ellipse">
+                  <a:avLst/>
+                </a:prstGeom>
+                <a:blipFill>
+                  <a:blip r:embed="rId3"/>
+                  <a:stretch>
+                    <a:fillRect/>
+                  </a:stretch>
+                </a:blipFill>
+                <a:ln w="28575">
+                  <a:noFill/>
+                </a:ln>
+              </p:spPr>
+              <p:txBody>
+                <a:bodyPr/>
+                <a:lstStyle/>
+                <a:p>
+                  <a:r>
+                    <a:rPr lang="en-US">
+                      <a:noFill/>
+                    </a:rPr>
+                    <a:t> </a:t>
+                  </a:r>
+                </a:p>
+              </p:txBody>
+            </p:sp>
+          </mc:Fallback>
+        </mc:AlternateContent>
+        <mc:AlternateContent xmlns:mc="http://schemas.openxmlformats.org/markup-compatibility/2006" xmlns:a14="http://schemas.microsoft.com/office/drawing/2010/main">
+          <mc:Choice Requires="a14">
+            <p:sp>
+              <p:nvSpPr>
+                <p:cNvPr id="100" name="Oval 99">
+                  <a:extLst>
+                    <a:ext uri="{FF2B5EF4-FFF2-40B4-BE49-F238E27FC236}">
+                      <a16:creationId xmlns:a16="http://schemas.microsoft.com/office/drawing/2014/main" id="{0CE5E18F-83AB-EDB0-D00B-102B7A4CCB0C}"/>
+                    </a:ext>
+                  </a:extLst>
+                </p:cNvPr>
+                <p:cNvSpPr/>
+                <p:nvPr/>
+              </p:nvSpPr>
+              <p:spPr>
+                <a:xfrm>
+                  <a:off x="6692315" y="2273105"/>
+                  <a:ext cx="1005840" cy="1031631"/>
+                </a:xfrm>
+                <a:prstGeom prst="ellipse">
+                  <a:avLst/>
+                </a:prstGeom>
+                <a:noFill/>
+                <a:ln w="28575">
+                  <a:noFill/>
+                </a:ln>
+              </p:spPr>
+              <p:style>
+                <a:lnRef idx="2">
+                  <a:schemeClr val="accent1">
+                    <a:shade val="50000"/>
+                  </a:schemeClr>
+                </a:lnRef>
+                <a:fillRef idx="1">
+                  <a:schemeClr val="accent1"/>
+                </a:fillRef>
+                <a:effectRef idx="0">
+                  <a:schemeClr val="accent1"/>
+                </a:effectRef>
+                <a:fontRef idx="minor">
+                  <a:schemeClr val="lt1"/>
+                </a:fontRef>
+              </p:style>
+              <p:txBody>
+                <a:bodyPr lIns="91440" tIns="0" rIns="0" bIns="0" rtlCol="0" anchor="ctr"/>
+                <a:lstStyle/>
+                <a:p>
+                  <a:pPr algn="ctr"/>
+                  <a14:m>
+                    <m:oMathPara xmlns:m="http://schemas.openxmlformats.org/officeDocument/2006/math">
+                      <m:oMathParaPr>
+                        <m:jc m:val="center"/>
+                      </m:oMathParaPr>
+                      <m:oMath xmlns:m="http://schemas.openxmlformats.org/officeDocument/2006/math">
+                        <m:sSub>
+                          <m:sSubPr>
+                            <m:ctrlPr>
+                              <a:rPr lang="en-US" sz="3200" b="0" i="1" dirty="0" smtClean="0">
+                                <a:solidFill>
+                                  <a:schemeClr val="tx1"/>
+                                </a:solidFill>
+                                <a:latin typeface="Cambria Math" panose="02040503050406030204" pitchFamily="18" charset="0"/>
+                              </a:rPr>
+                            </m:ctrlPr>
+                          </m:sSubPr>
+                          <m:e>
+                            <m:r>
+                              <a:rPr lang="en-US" sz="3200" b="0" i="1" dirty="0" smtClean="0">
+                                <a:solidFill>
+                                  <a:schemeClr val="tx1"/>
+                                </a:solidFill>
+                                <a:latin typeface="Cambria Math" panose="02040503050406030204" pitchFamily="18" charset="0"/>
+                              </a:rPr>
+                              <m:t>𝑘</m:t>
+                            </m:r>
+                          </m:e>
+                          <m:sub>
+                            <m:r>
+                              <a:rPr lang="en-US" sz="3200" b="0" i="0" dirty="0" smtClean="0">
+                                <a:solidFill>
+                                  <a:schemeClr val="tx1"/>
+                                </a:solidFill>
+                                <a:latin typeface="Cambria Math" panose="02040503050406030204" pitchFamily="18" charset="0"/>
+                              </a:rPr>
+                              <m:t>2</m:t>
+                            </m:r>
+                          </m:sub>
+                        </m:sSub>
+                      </m:oMath>
+                    </m:oMathPara>
+                  </a14:m>
+                  <a:endParaRPr lang="en-US" sz="3200" dirty="0"/>
+                </a:p>
+              </p:txBody>
+            </p:sp>
+          </mc:Choice>
+          <mc:Fallback xmlns="">
+            <p:sp>
+              <p:nvSpPr>
+                <p:cNvPr id="100" name="Oval 99">
+                  <a:extLst>
+                    <a:ext uri="{FF2B5EF4-FFF2-40B4-BE49-F238E27FC236}">
+                      <a16:creationId xmlns:a16="http://schemas.microsoft.com/office/drawing/2014/main" id="{0CE5E18F-83AB-EDB0-D00B-102B7A4CCB0C}"/>
+                    </a:ext>
+                  </a:extLst>
+                </p:cNvPr>
+                <p:cNvSpPr>
+                  <a:spLocks noRot="1" noChangeAspect="1" noMove="1" noResize="1" noEditPoints="1" noAdjustHandles="1" noChangeArrowheads="1" noChangeShapeType="1" noTextEdit="1"/>
+                </p:cNvSpPr>
+                <p:nvPr/>
+              </p:nvSpPr>
+              <p:spPr>
+                <a:xfrm>
+                  <a:off x="6692315" y="2273105"/>
+                  <a:ext cx="1005840" cy="1031631"/>
+                </a:xfrm>
+                <a:prstGeom prst="ellipse">
+                  <a:avLst/>
+                </a:prstGeom>
+                <a:blipFill>
+                  <a:blip r:embed="rId4"/>
+                  <a:stretch>
+                    <a:fillRect/>
+                  </a:stretch>
+                </a:blipFill>
+                <a:ln w="28575">
+                  <a:noFill/>
+                </a:ln>
+              </p:spPr>
+              <p:txBody>
+                <a:bodyPr/>
+                <a:lstStyle/>
+                <a:p>
+                  <a:r>
+                    <a:rPr lang="en-US">
+                      <a:noFill/>
+                    </a:rPr>
+                    <a:t> </a:t>
+                  </a:r>
+                </a:p>
+              </p:txBody>
+            </p:sp>
+          </mc:Fallback>
+        </mc:AlternateContent>
+        <mc:AlternateContent xmlns:mc="http://schemas.openxmlformats.org/markup-compatibility/2006" xmlns:a14="http://schemas.microsoft.com/office/drawing/2010/main">
+          <mc:Choice Requires="a14">
+            <p:sp>
+              <p:nvSpPr>
+                <p:cNvPr id="3" name="Oval 2">
+                  <a:extLst>
+                    <a:ext uri="{FF2B5EF4-FFF2-40B4-BE49-F238E27FC236}">
+                      <a16:creationId xmlns:a16="http://schemas.microsoft.com/office/drawing/2014/main" id="{6D8A06B0-1D62-E5F7-35DA-B26F3D4794E0}"/>
+                    </a:ext>
+                  </a:extLst>
+                </p:cNvPr>
+                <p:cNvSpPr/>
+                <p:nvPr/>
+              </p:nvSpPr>
+              <p:spPr>
+                <a:xfrm>
+                  <a:off x="6400799" y="3155961"/>
+                  <a:ext cx="1005840" cy="1031631"/>
+                </a:xfrm>
+                <a:prstGeom prst="ellipse">
+                  <a:avLst/>
+                </a:prstGeom>
+                <a:solidFill>
+                  <a:schemeClr val="bg1"/>
+                </a:solidFill>
+                <a:ln w="28575">
+                  <a:solidFill>
+                    <a:schemeClr val="tx1"/>
+                  </a:solidFill>
+                </a:ln>
+              </p:spPr>
+              <p:style>
+                <a:lnRef idx="2">
+                  <a:schemeClr val="accent1">
+                    <a:shade val="50000"/>
+                  </a:schemeClr>
+                </a:lnRef>
+                <a:fillRef idx="1">
+                  <a:schemeClr val="accent1"/>
+                </a:fillRef>
+                <a:effectRef idx="0">
+                  <a:schemeClr val="accent1"/>
+                </a:effectRef>
+                <a:fontRef idx="minor">
+                  <a:schemeClr val="lt1"/>
+                </a:fontRef>
+              </p:style>
+              <p:txBody>
+                <a:bodyPr lIns="91440" tIns="0" rIns="0" bIns="0" rtlCol="0" anchor="ctr"/>
+                <a:lstStyle/>
+                <a:p>
+                  <a:pPr algn="ctr"/>
+                  <a14:m>
+                    <m:oMathPara xmlns:m="http://schemas.openxmlformats.org/officeDocument/2006/math">
+                      <m:oMathParaPr>
+                        <m:jc m:val="center"/>
+                      </m:oMathParaPr>
+                      <m:oMath xmlns:m="http://schemas.openxmlformats.org/officeDocument/2006/math">
+                        <m:sSub>
+                          <m:sSubPr>
+                            <m:ctrlPr>
+                              <a:rPr lang="en-US" sz="3200" b="0" i="1" dirty="0" smtClean="0">
+                                <a:solidFill>
+                                  <a:schemeClr val="tx1"/>
+                                </a:solidFill>
+                                <a:latin typeface="Cambria Math" panose="02040503050406030204" pitchFamily="18" charset="0"/>
+                              </a:rPr>
+                            </m:ctrlPr>
+                          </m:sSubPr>
+                          <m:e>
+                            <m:r>
+                              <a:rPr lang="en-US" sz="3200" i="1" dirty="0" smtClean="0">
+                                <a:solidFill>
+                                  <a:schemeClr val="tx1"/>
+                                </a:solidFill>
+                                <a:latin typeface="Cambria Math" panose="02040503050406030204" pitchFamily="18" charset="0"/>
+                              </a:rPr>
+                              <m:t>𝑚</m:t>
+                            </m:r>
+                          </m:e>
+                          <m:sub>
+                            <m:r>
+                              <a:rPr lang="en-US" sz="3200" b="0" i="1" dirty="0" smtClean="0">
+                                <a:solidFill>
+                                  <a:schemeClr val="tx1"/>
+                                </a:solidFill>
+                                <a:latin typeface="Cambria Math" panose="02040503050406030204" pitchFamily="18" charset="0"/>
+                              </a:rPr>
+                              <m:t>1</m:t>
+                            </m:r>
+                          </m:sub>
+                        </m:sSub>
+                      </m:oMath>
+                    </m:oMathPara>
+                  </a14:m>
+                  <a:endParaRPr lang="en-US" sz="3200" dirty="0"/>
+                </a:p>
+              </p:txBody>
+            </p:sp>
+          </mc:Choice>
+          <mc:Fallback xmlns="">
+            <p:sp>
+              <p:nvSpPr>
+                <p:cNvPr id="3" name="Oval 2">
+                  <a:extLst>
+                    <a:ext uri="{FF2B5EF4-FFF2-40B4-BE49-F238E27FC236}">
+                      <a16:creationId xmlns:a16="http://schemas.microsoft.com/office/drawing/2014/main" id="{6D8A06B0-1D62-E5F7-35DA-B26F3D4794E0}"/>
+                    </a:ext>
+                  </a:extLst>
+                </p:cNvPr>
+                <p:cNvSpPr>
+                  <a:spLocks noRot="1" noChangeAspect="1" noMove="1" noResize="1" noEditPoints="1" noAdjustHandles="1" noChangeArrowheads="1" noChangeShapeType="1" noTextEdit="1"/>
+                </p:cNvSpPr>
+                <p:nvPr/>
+              </p:nvSpPr>
+              <p:spPr>
+                <a:xfrm>
+                  <a:off x="6400799" y="3155961"/>
+                  <a:ext cx="1005840" cy="1031631"/>
+                </a:xfrm>
+                <a:prstGeom prst="ellipse">
+                  <a:avLst/>
+                </a:prstGeom>
+                <a:blipFill>
+                  <a:blip r:embed="rId5"/>
+                  <a:stretch>
+                    <a:fillRect/>
+                  </a:stretch>
+                </a:blipFill>
+                <a:ln w="28575">
+                  <a:solidFill>
+                    <a:schemeClr val="tx1"/>
+                  </a:solidFill>
+                </a:ln>
+              </p:spPr>
+              <p:txBody>
+                <a:bodyPr/>
+                <a:lstStyle/>
+                <a:p>
+                  <a:r>
+                    <a:rPr lang="en-US">
+                      <a:noFill/>
+                    </a:rPr>
+                    <a:t> </a:t>
+                  </a:r>
+                </a:p>
+              </p:txBody>
+            </p:sp>
+          </mc:Fallback>
+        </mc:AlternateContent>
+        <mc:AlternateContent xmlns:mc="http://schemas.openxmlformats.org/markup-compatibility/2006" xmlns:a14="http://schemas.microsoft.com/office/drawing/2010/main">
+          <mc:Choice Requires="a14">
+            <p:sp>
+              <p:nvSpPr>
+                <p:cNvPr id="5" name="Oval 4">
+                  <a:extLst>
+                    <a:ext uri="{FF2B5EF4-FFF2-40B4-BE49-F238E27FC236}">
+                      <a16:creationId xmlns:a16="http://schemas.microsoft.com/office/drawing/2014/main" id="{5255C4C5-EBE2-9C4B-A39F-48B6BBC81870}"/>
+                    </a:ext>
+                  </a:extLst>
+                </p:cNvPr>
+                <p:cNvSpPr/>
+                <p:nvPr/>
+              </p:nvSpPr>
+              <p:spPr>
+                <a:xfrm>
+                  <a:off x="6692315" y="3951345"/>
+                  <a:ext cx="1005840" cy="1031631"/>
+                </a:xfrm>
+                <a:prstGeom prst="ellipse">
+                  <a:avLst/>
+                </a:prstGeom>
+                <a:noFill/>
+                <a:ln w="28575">
+                  <a:noFill/>
+                </a:ln>
+              </p:spPr>
+              <p:style>
+                <a:lnRef idx="2">
+                  <a:schemeClr val="accent1">
+                    <a:shade val="50000"/>
+                  </a:schemeClr>
+                </a:lnRef>
+                <a:fillRef idx="1">
+                  <a:schemeClr val="accent1"/>
+                </a:fillRef>
+                <a:effectRef idx="0">
+                  <a:schemeClr val="accent1"/>
+                </a:effectRef>
+                <a:fontRef idx="minor">
+                  <a:schemeClr val="lt1"/>
+                </a:fontRef>
+              </p:style>
+              <p:txBody>
+                <a:bodyPr lIns="91440" tIns="0" rIns="0" bIns="0" rtlCol="0" anchor="ctr"/>
+                <a:lstStyle/>
+                <a:p>
+                  <a:pPr algn="ctr"/>
+                  <a14:m>
+                    <m:oMathPara xmlns:m="http://schemas.openxmlformats.org/officeDocument/2006/math">
+                      <m:oMathParaPr>
+                        <m:jc m:val="center"/>
+                      </m:oMathParaPr>
+                      <m:oMath xmlns:m="http://schemas.openxmlformats.org/officeDocument/2006/math">
+                        <m:sSub>
+                          <m:sSubPr>
+                            <m:ctrlPr>
+                              <a:rPr lang="en-US" sz="3200" b="0" i="1" dirty="0" smtClean="0">
+                                <a:solidFill>
+                                  <a:schemeClr val="tx1"/>
+                                </a:solidFill>
+                                <a:latin typeface="Cambria Math" panose="02040503050406030204" pitchFamily="18" charset="0"/>
+                              </a:rPr>
+                            </m:ctrlPr>
+                          </m:sSubPr>
+                          <m:e>
+                            <m:r>
+                              <a:rPr lang="en-US" sz="3200" b="0" i="1" dirty="0" smtClean="0">
+                                <a:solidFill>
+                                  <a:schemeClr val="tx1"/>
+                                </a:solidFill>
+                                <a:latin typeface="Cambria Math" panose="02040503050406030204" pitchFamily="18" charset="0"/>
+                              </a:rPr>
+                              <m:t>𝑘</m:t>
+                            </m:r>
+                          </m:e>
+                          <m:sub>
+                            <m:r>
+                              <a:rPr lang="en-US" sz="3200" b="0" i="1" dirty="0" smtClean="0">
+                                <a:solidFill>
+                                  <a:schemeClr val="tx1"/>
+                                </a:solidFill>
+                                <a:latin typeface="Cambria Math" panose="02040503050406030204" pitchFamily="18" charset="0"/>
+                              </a:rPr>
+                              <m:t>1</m:t>
+                            </m:r>
+                          </m:sub>
+                        </m:sSub>
+                      </m:oMath>
+                    </m:oMathPara>
+                  </a14:m>
+                  <a:endParaRPr lang="en-US" sz="3200" dirty="0"/>
+                </a:p>
+              </p:txBody>
+            </p:sp>
+          </mc:Choice>
+          <mc:Fallback xmlns="">
+            <p:sp>
+              <p:nvSpPr>
+                <p:cNvPr id="5" name="Oval 4">
+                  <a:extLst>
+                    <a:ext uri="{FF2B5EF4-FFF2-40B4-BE49-F238E27FC236}">
+                      <a16:creationId xmlns:a16="http://schemas.microsoft.com/office/drawing/2014/main" id="{5255C4C5-EBE2-9C4B-A39F-48B6BBC81870}"/>
+                    </a:ext>
+                  </a:extLst>
+                </p:cNvPr>
+                <p:cNvSpPr>
+                  <a:spLocks noRot="1" noChangeAspect="1" noMove="1" noResize="1" noEditPoints="1" noAdjustHandles="1" noChangeArrowheads="1" noChangeShapeType="1" noTextEdit="1"/>
+                </p:cNvSpPr>
+                <p:nvPr/>
+              </p:nvSpPr>
+              <p:spPr>
+                <a:xfrm>
+                  <a:off x="6692315" y="3951345"/>
+                  <a:ext cx="1005840" cy="1031631"/>
+                </a:xfrm>
+                <a:prstGeom prst="ellipse">
+                  <a:avLst/>
+                </a:prstGeom>
+                <a:blipFill>
+                  <a:blip r:embed="rId6"/>
+                  <a:stretch>
+                    <a:fillRect/>
+                  </a:stretch>
+                </a:blipFill>
+                <a:ln w="28575">
+                  <a:noFill/>
+                </a:ln>
+              </p:spPr>
+              <p:txBody>
+                <a:bodyPr/>
+                <a:lstStyle/>
+                <a:p>
+                  <a:r>
+                    <a:rPr lang="en-US">
+                      <a:noFill/>
+                    </a:rPr>
+                    <a:t> </a:t>
+                  </a:r>
+                </a:p>
+              </p:txBody>
+            </p:sp>
+          </mc:Fallback>
+        </mc:AlternateContent>
+        <p:grpSp>
+          <p:nvGrpSpPr>
+            <p:cNvPr id="6" name="Group 5">
+              <a:extLst>
+                <a:ext uri="{FF2B5EF4-FFF2-40B4-BE49-F238E27FC236}">
+                  <a16:creationId xmlns:a16="http://schemas.microsoft.com/office/drawing/2014/main" id="{A6904A33-ACC2-25EC-7C8F-5876C3B7BEEC}"/>
+                </a:ext>
+              </a:extLst>
+            </p:cNvPr>
+            <p:cNvGrpSpPr/>
+            <p:nvPr/>
+          </p:nvGrpSpPr>
+          <p:grpSpPr>
+            <a:xfrm>
+              <a:off x="5147044" y="3492471"/>
+              <a:ext cx="1244530" cy="332156"/>
+              <a:chOff x="5150339" y="2959413"/>
+              <a:chExt cx="1766275" cy="395012"/>
+            </a:xfrm>
+          </p:grpSpPr>
+          <p:cxnSp>
+            <p:nvCxnSpPr>
+              <p:cNvPr id="7" name="Straight Connector 6">
+                <a:extLst>
+                  <a:ext uri="{FF2B5EF4-FFF2-40B4-BE49-F238E27FC236}">
+                    <a16:creationId xmlns:a16="http://schemas.microsoft.com/office/drawing/2014/main" id="{31E6CF69-AE86-DD2D-25A5-99299B416E7B}"/>
+                  </a:ext>
+                </a:extLst>
+              </p:cNvPr>
+              <p:cNvCxnSpPr>
+                <a:cxnSpLocks/>
+              </p:cNvCxnSpPr>
+              <p:nvPr/>
+            </p:nvCxnSpPr>
+            <p:spPr>
+              <a:xfrm>
+                <a:off x="5150339" y="3156920"/>
+                <a:ext cx="743927" cy="0"/>
+              </a:xfrm>
+              <a:prstGeom prst="line">
+                <a:avLst/>
+              </a:prstGeom>
+              <a:ln w="28575">
+                <a:solidFill>
+                  <a:schemeClr val="tx1"/>
+                </a:solidFill>
+              </a:ln>
+            </p:spPr>
+            <p:style>
+              <a:lnRef idx="1">
+                <a:schemeClr val="accent1"/>
+              </a:lnRef>
+              <a:fillRef idx="0">
+                <a:schemeClr val="accent1"/>
+              </a:fillRef>
+              <a:effectRef idx="0">
+                <a:schemeClr val="accent1"/>
+              </a:effectRef>
+              <a:fontRef idx="minor">
+                <a:schemeClr val="tx1"/>
+              </a:fontRef>
+            </p:style>
+          </p:cxnSp>
+          <p:cxnSp>
+            <p:nvCxnSpPr>
+              <p:cNvPr id="8" name="Straight Connector 7">
+                <a:extLst>
+                  <a:ext uri="{FF2B5EF4-FFF2-40B4-BE49-F238E27FC236}">
+                    <a16:creationId xmlns:a16="http://schemas.microsoft.com/office/drawing/2014/main" id="{B14CD68B-A930-BB03-7D47-8A9CAC93D995}"/>
+                  </a:ext>
+                </a:extLst>
+              </p:cNvPr>
+              <p:cNvCxnSpPr>
+                <a:cxnSpLocks/>
+              </p:cNvCxnSpPr>
+              <p:nvPr/>
+            </p:nvCxnSpPr>
+            <p:spPr>
+              <a:xfrm>
+                <a:off x="5894266" y="3039819"/>
+                <a:ext cx="0" cy="229761"/>
+              </a:xfrm>
+              <a:prstGeom prst="line">
+                <a:avLst/>
+              </a:prstGeom>
+              <a:ln w="28575">
+                <a:solidFill>
+                  <a:schemeClr val="tx1"/>
+                </a:solidFill>
+              </a:ln>
+            </p:spPr>
+            <p:style>
+              <a:lnRef idx="1">
+                <a:schemeClr val="accent1"/>
+              </a:lnRef>
+              <a:fillRef idx="0">
+                <a:schemeClr val="accent1"/>
+              </a:fillRef>
+              <a:effectRef idx="0">
+                <a:schemeClr val="accent1"/>
+              </a:effectRef>
+              <a:fontRef idx="minor">
+                <a:schemeClr val="tx1"/>
+              </a:fontRef>
+            </p:style>
+          </p:cxnSp>
+          <p:sp>
+            <p:nvSpPr>
+              <p:cNvPr id="10" name="Freeform: Shape 9">
+                <a:extLst>
+                  <a:ext uri="{FF2B5EF4-FFF2-40B4-BE49-F238E27FC236}">
+                    <a16:creationId xmlns:a16="http://schemas.microsoft.com/office/drawing/2014/main" id="{2DCC1333-6121-3940-181D-F0DD14A9565B}"/>
+                  </a:ext>
+                </a:extLst>
+              </p:cNvPr>
+              <p:cNvSpPr/>
+              <p:nvPr/>
+            </p:nvSpPr>
+            <p:spPr>
+              <a:xfrm>
+                <a:off x="5779111" y="2959413"/>
+                <a:ext cx="336550" cy="395012"/>
+              </a:xfrm>
+              <a:custGeom>
+                <a:avLst/>
+                <a:gdLst>
+                  <a:gd name="connsiteX0" fmla="*/ 9525 w 685800"/>
+                  <a:gd name="connsiteY0" fmla="*/ 0 h 1127125"/>
+                  <a:gd name="connsiteX1" fmla="*/ 685800 w 685800"/>
+                  <a:gd name="connsiteY1" fmla="*/ 0 h 1127125"/>
+                  <a:gd name="connsiteX2" fmla="*/ 685800 w 685800"/>
+                  <a:gd name="connsiteY2" fmla="*/ 1127125 h 1127125"/>
+                  <a:gd name="connsiteX3" fmla="*/ 0 w 685800"/>
+                  <a:gd name="connsiteY3" fmla="*/ 1127125 h 1127125"/>
+                </a:gdLst>
+                <a:ahLst/>
+                <a:cxnLst>
+                  <a:cxn ang="0">
+                    <a:pos x="connsiteX0" y="connsiteY0"/>
+                  </a:cxn>
+                  <a:cxn ang="0">
+                    <a:pos x="connsiteX1" y="connsiteY1"/>
+                  </a:cxn>
+                  <a:cxn ang="0">
+                    <a:pos x="connsiteX2" y="connsiteY2"/>
+                  </a:cxn>
+                  <a:cxn ang="0">
+                    <a:pos x="connsiteX3" y="connsiteY3"/>
+                  </a:cxn>
+                </a:cxnLst>
+                <a:rect l="l" t="t" r="r" b="b"/>
+                <a:pathLst>
+                  <a:path w="685800" h="1127125">
+                    <a:moveTo>
+                      <a:pt x="9525" y="0"/>
+                    </a:moveTo>
+                    <a:lnTo>
+                      <a:pt x="685800" y="0"/>
+                    </a:lnTo>
+                    <a:lnTo>
+                      <a:pt x="685800" y="1127125"/>
+                    </a:lnTo>
+                    <a:lnTo>
+                      <a:pt x="0" y="1127125"/>
+                    </a:lnTo>
+                  </a:path>
+                </a:pathLst>
+              </a:custGeom>
+              <a:noFill/>
+              <a:ln w="28575">
+                <a:solidFill>
+                  <a:schemeClr val="tx1"/>
+                </a:solidFill>
+              </a:ln>
+            </p:spPr>
+            <p:style>
+              <a:lnRef idx="2">
+                <a:schemeClr val="accent1">
+                  <a:shade val="50000"/>
+                </a:schemeClr>
+              </a:lnRef>
+              <a:fillRef idx="1">
+                <a:schemeClr val="accent1"/>
+              </a:fillRef>
+              <a:effectRef idx="0">
+                <a:schemeClr val="accent1"/>
+              </a:effectRef>
+              <a:fontRef idx="minor">
+                <a:schemeClr val="lt1"/>
+              </a:fontRef>
+            </p:style>
+            <p:txBody>
+              <a:bodyPr rtlCol="0" anchor="ctr"/>
+              <a:lstStyle/>
+              <a:p>
+                <a:pPr algn="ctr"/>
+                <a:endParaRPr lang="en-US"/>
+              </a:p>
+            </p:txBody>
+          </p:sp>
+          <p:cxnSp>
+            <p:nvCxnSpPr>
+              <p:cNvPr id="11" name="Straight Connector 10">
+                <a:extLst>
+                  <a:ext uri="{FF2B5EF4-FFF2-40B4-BE49-F238E27FC236}">
+                    <a16:creationId xmlns:a16="http://schemas.microsoft.com/office/drawing/2014/main" id="{F543FF16-66F9-3FC5-192C-DB11FD0D3EAD}"/>
+                  </a:ext>
+                </a:extLst>
+              </p:cNvPr>
+              <p:cNvCxnSpPr>
+                <a:cxnSpLocks/>
+              </p:cNvCxnSpPr>
+              <p:nvPr/>
+            </p:nvCxnSpPr>
+            <p:spPr>
+              <a:xfrm>
+                <a:off x="6115661" y="3156920"/>
+                <a:ext cx="800953" cy="0"/>
+              </a:xfrm>
+              <a:prstGeom prst="line">
+                <a:avLst/>
+              </a:prstGeom>
+              <a:ln w="28575">
+                <a:solidFill>
+                  <a:schemeClr val="tx1"/>
+                </a:solidFill>
+              </a:ln>
+            </p:spPr>
+            <p:style>
+              <a:lnRef idx="1">
+                <a:schemeClr val="accent1"/>
+              </a:lnRef>
+              <a:fillRef idx="0">
+                <a:schemeClr val="accent1"/>
+              </a:fillRef>
+              <a:effectRef idx="0">
+                <a:schemeClr val="accent1"/>
+              </a:effectRef>
+              <a:fontRef idx="minor">
+                <a:schemeClr val="tx1"/>
+              </a:fontRef>
+            </p:style>
+          </p:cxnSp>
+        </p:grpSp>
+        <mc:AlternateContent xmlns:mc="http://schemas.openxmlformats.org/markup-compatibility/2006" xmlns:a14="http://schemas.microsoft.com/office/drawing/2010/main">
+          <mc:Choice Requires="a14">
+            <p:sp>
+              <p:nvSpPr>
+                <p:cNvPr id="12" name="Oval 11">
+                  <a:extLst>
+                    <a:ext uri="{FF2B5EF4-FFF2-40B4-BE49-F238E27FC236}">
+                      <a16:creationId xmlns:a16="http://schemas.microsoft.com/office/drawing/2014/main" id="{5D94156A-3E6E-69E5-10B8-1A232254F4D1}"/>
+                    </a:ext>
+                  </a:extLst>
+                </p:cNvPr>
+                <p:cNvSpPr/>
+                <p:nvPr/>
+              </p:nvSpPr>
+              <p:spPr>
+                <a:xfrm>
+                  <a:off x="5229736" y="3535678"/>
+                  <a:ext cx="1005840" cy="1031631"/>
+                </a:xfrm>
+                <a:prstGeom prst="ellipse">
+                  <a:avLst/>
+                </a:prstGeom>
+                <a:noFill/>
+                <a:ln w="28575">
+                  <a:noFill/>
+                </a:ln>
+              </p:spPr>
+              <p:style>
+                <a:lnRef idx="2">
+                  <a:schemeClr val="accent1">
+                    <a:shade val="50000"/>
+                  </a:schemeClr>
+                </a:lnRef>
+                <a:fillRef idx="1">
+                  <a:schemeClr val="accent1"/>
+                </a:fillRef>
+                <a:effectRef idx="0">
+                  <a:schemeClr val="accent1"/>
+                </a:effectRef>
+                <a:fontRef idx="minor">
+                  <a:schemeClr val="lt1"/>
+                </a:fontRef>
+              </p:style>
+              <p:txBody>
+                <a:bodyPr lIns="91440" tIns="0" rIns="0" bIns="0" rtlCol="0" anchor="ctr"/>
+                <a:lstStyle/>
+                <a:p>
+                  <a:pPr algn="ctr"/>
+                  <a14:m>
+                    <m:oMathPara xmlns:m="http://schemas.openxmlformats.org/officeDocument/2006/math">
+                      <m:oMathParaPr>
+                        <m:jc m:val="center"/>
+                      </m:oMathParaPr>
+                      <m:oMath xmlns:m="http://schemas.openxmlformats.org/officeDocument/2006/math">
+                        <m:sSub>
+                          <m:sSubPr>
+                            <m:ctrlPr>
+                              <a:rPr lang="en-US" sz="3200" b="0" i="1" dirty="0" smtClean="0">
+                                <a:solidFill>
+                                  <a:schemeClr val="tx1"/>
+                                </a:solidFill>
+                                <a:latin typeface="Cambria Math" panose="02040503050406030204" pitchFamily="18" charset="0"/>
+                              </a:rPr>
+                            </m:ctrlPr>
+                          </m:sSubPr>
+                          <m:e>
+                            <m:r>
+                              <a:rPr lang="en-US" sz="3200" b="0" i="1" dirty="0" smtClean="0">
+                                <a:solidFill>
+                                  <a:schemeClr val="tx1"/>
+                                </a:solidFill>
+                                <a:latin typeface="Cambria Math" panose="02040503050406030204" pitchFamily="18" charset="0"/>
+                              </a:rPr>
+                              <m:t>𝑐</m:t>
+                            </m:r>
+                          </m:e>
+                          <m:sub>
+                            <m:r>
+                              <a:rPr lang="en-US" sz="3200" b="0" i="1" dirty="0" smtClean="0">
+                                <a:solidFill>
+                                  <a:schemeClr val="tx1"/>
+                                </a:solidFill>
+                                <a:latin typeface="Cambria Math" panose="02040503050406030204" pitchFamily="18" charset="0"/>
+                              </a:rPr>
+                              <m:t>1</m:t>
+                            </m:r>
+                          </m:sub>
+                        </m:sSub>
+                      </m:oMath>
+                    </m:oMathPara>
+                  </a14:m>
+                  <a:endParaRPr lang="en-US" sz="3200" dirty="0"/>
+                </a:p>
+              </p:txBody>
+            </p:sp>
+          </mc:Choice>
+          <mc:Fallback xmlns="">
+            <p:sp>
+              <p:nvSpPr>
+                <p:cNvPr id="12" name="Oval 11">
+                  <a:extLst>
+                    <a:ext uri="{FF2B5EF4-FFF2-40B4-BE49-F238E27FC236}">
+                      <a16:creationId xmlns:a16="http://schemas.microsoft.com/office/drawing/2014/main" id="{5D94156A-3E6E-69E5-10B8-1A232254F4D1}"/>
+                    </a:ext>
+                  </a:extLst>
+                </p:cNvPr>
+                <p:cNvSpPr>
+                  <a:spLocks noRot="1" noChangeAspect="1" noMove="1" noResize="1" noEditPoints="1" noAdjustHandles="1" noChangeArrowheads="1" noChangeShapeType="1" noTextEdit="1"/>
+                </p:cNvSpPr>
+                <p:nvPr/>
+              </p:nvSpPr>
+              <p:spPr>
+                <a:xfrm>
+                  <a:off x="5229736" y="3535678"/>
+                  <a:ext cx="1005840" cy="1031631"/>
+                </a:xfrm>
+                <a:prstGeom prst="ellipse">
+                  <a:avLst/>
+                </a:prstGeom>
+                <a:blipFill>
+                  <a:blip r:embed="rId7"/>
+                  <a:stretch>
+                    <a:fillRect/>
+                  </a:stretch>
+                </a:blipFill>
+                <a:ln w="28575">
+                  <a:noFill/>
+                </a:ln>
+              </p:spPr>
+              <p:txBody>
+                <a:bodyPr/>
+                <a:lstStyle/>
+                <a:p>
+                  <a:r>
+                    <a:rPr lang="en-US">
+                      <a:noFill/>
+                    </a:rPr>
+                    <a:t> </a:t>
+                  </a:r>
+                </a:p>
+              </p:txBody>
+            </p:sp>
+          </mc:Fallback>
+        </mc:AlternateContent>
+        <mc:AlternateContent xmlns:mc="http://schemas.openxmlformats.org/markup-compatibility/2006" xmlns:a14="http://schemas.microsoft.com/office/drawing/2010/main">
+          <mc:Choice Requires="a14">
+            <p:sp>
+              <p:nvSpPr>
+                <p:cNvPr id="4" name="Oval 3">
+                  <a:extLst>
+                    <a:ext uri="{FF2B5EF4-FFF2-40B4-BE49-F238E27FC236}">
+                      <a16:creationId xmlns:a16="http://schemas.microsoft.com/office/drawing/2014/main" id="{679136E3-DB79-3559-36AD-5B8FD408747A}"/>
+                    </a:ext>
+                  </a:extLst>
+                </p:cNvPr>
+                <p:cNvSpPr/>
+                <p:nvPr/>
+              </p:nvSpPr>
+              <p:spPr>
+                <a:xfrm>
+                  <a:off x="7364127" y="4978400"/>
+                  <a:ext cx="1005840" cy="1031631"/>
+                </a:xfrm>
+                <a:prstGeom prst="ellipse">
+                  <a:avLst/>
+                </a:prstGeom>
+                <a:noFill/>
+                <a:ln w="28575">
+                  <a:noFill/>
+                </a:ln>
+              </p:spPr>
+              <p:style>
+                <a:lnRef idx="2">
+                  <a:schemeClr val="accent1">
+                    <a:shade val="50000"/>
+                  </a:schemeClr>
+                </a:lnRef>
+                <a:fillRef idx="1">
+                  <a:schemeClr val="accent1"/>
+                </a:fillRef>
+                <a:effectRef idx="0">
+                  <a:schemeClr val="accent1"/>
+                </a:effectRef>
+                <a:fontRef idx="minor">
+                  <a:schemeClr val="lt1"/>
+                </a:fontRef>
+              </p:style>
+              <p:txBody>
+                <a:bodyPr lIns="91440" tIns="0" rIns="0" bIns="0" rtlCol="0" anchor="ctr"/>
+                <a:lstStyle/>
+                <a:p>
+                  <a:pPr algn="ctr"/>
+                  <a14:m>
+                    <m:oMathPara xmlns:m="http://schemas.openxmlformats.org/officeDocument/2006/math">
+                      <m:oMathParaPr>
+                        <m:jc m:val="center"/>
+                      </m:oMathParaPr>
+                      <m:oMath xmlns:m="http://schemas.openxmlformats.org/officeDocument/2006/math">
+                        <m:sSub>
+                          <m:sSubPr>
+                            <m:ctrlPr>
+                              <a:rPr lang="en-US" sz="3200" b="0" i="1" smtClean="0">
+                                <a:solidFill>
+                                  <a:schemeClr val="tx1"/>
+                                </a:solidFill>
+                                <a:latin typeface="Cambria Math" panose="02040503050406030204" pitchFamily="18" charset="0"/>
+                              </a:rPr>
+                            </m:ctrlPr>
+                          </m:sSubPr>
+                          <m:e>
+                            <m:r>
+                              <a:rPr lang="en-US" sz="3200" b="0" i="1" smtClean="0">
+                                <a:solidFill>
+                                  <a:schemeClr val="tx1"/>
+                                </a:solidFill>
+                                <a:latin typeface="Cambria Math" panose="02040503050406030204" pitchFamily="18" charset="0"/>
+                              </a:rPr>
+                              <m:t>𝑢</m:t>
+                            </m:r>
+                          </m:e>
+                          <m:sub>
+                            <m:r>
+                              <a:rPr lang="en-US" sz="3200" b="0" i="1" smtClean="0">
+                                <a:solidFill>
+                                  <a:schemeClr val="tx1"/>
+                                </a:solidFill>
+                                <a:latin typeface="Cambria Math" panose="02040503050406030204" pitchFamily="18" charset="0"/>
+                              </a:rPr>
+                              <m:t>𝑔</m:t>
+                            </m:r>
+                          </m:sub>
+                        </m:sSub>
+                        <m:d>
+                          <m:dPr>
+                            <m:ctrlPr>
+                              <a:rPr lang="en-US" sz="3200" b="0" i="1" smtClean="0">
+                                <a:solidFill>
+                                  <a:schemeClr val="tx1"/>
+                                </a:solidFill>
+                                <a:latin typeface="Cambria Math" panose="02040503050406030204" pitchFamily="18" charset="0"/>
+                              </a:rPr>
+                            </m:ctrlPr>
+                          </m:dPr>
+                          <m:e>
+                            <m:r>
+                              <a:rPr lang="en-US" sz="3200" b="0" i="1" smtClean="0">
+                                <a:solidFill>
+                                  <a:schemeClr val="tx1"/>
+                                </a:solidFill>
+                                <a:latin typeface="Cambria Math" panose="02040503050406030204" pitchFamily="18" charset="0"/>
+                              </a:rPr>
+                              <m:t>𝑡</m:t>
+                            </m:r>
+                          </m:e>
+                        </m:d>
+                      </m:oMath>
+                    </m:oMathPara>
+                  </a14:m>
+                  <a:endParaRPr lang="en-US" sz="3200" dirty="0">
+                    <a:solidFill>
+                      <a:schemeClr val="tx1"/>
+                    </a:solidFill>
+                  </a:endParaRPr>
+                </a:p>
+              </p:txBody>
+            </p:sp>
+          </mc:Choice>
+          <mc:Fallback xmlns="">
+            <p:sp>
+              <p:nvSpPr>
+                <p:cNvPr id="4" name="Oval 3">
+                  <a:extLst>
+                    <a:ext uri="{FF2B5EF4-FFF2-40B4-BE49-F238E27FC236}">
+                      <a16:creationId xmlns:a16="http://schemas.microsoft.com/office/drawing/2014/main" id="{679136E3-DB79-3559-36AD-5B8FD408747A}"/>
+                    </a:ext>
+                  </a:extLst>
+                </p:cNvPr>
+                <p:cNvSpPr>
+                  <a:spLocks noRot="1" noChangeAspect="1" noMove="1" noResize="1" noEditPoints="1" noAdjustHandles="1" noChangeArrowheads="1" noChangeShapeType="1" noTextEdit="1"/>
+                </p:cNvSpPr>
+                <p:nvPr/>
+              </p:nvSpPr>
+              <p:spPr>
+                <a:xfrm>
+                  <a:off x="7364127" y="4978400"/>
+                  <a:ext cx="1005840" cy="1031631"/>
+                </a:xfrm>
+                <a:prstGeom prst="ellipse">
+                  <a:avLst/>
+                </a:prstGeom>
+                <a:blipFill>
+                  <a:blip r:embed="rId8"/>
+                  <a:stretch>
+                    <a:fillRect/>
+                  </a:stretch>
+                </a:blipFill>
+                <a:ln w="28575">
+                  <a:noFill/>
+                </a:ln>
+              </p:spPr>
+              <p:txBody>
+                <a:bodyPr/>
+                <a:lstStyle/>
+                <a:p>
+                  <a:r>
+                    <a:rPr lang="en-US">
+                      <a:noFill/>
+                    </a:rPr>
+                    <a:t> </a:t>
+                  </a:r>
+                </a:p>
+              </p:txBody>
+            </p:sp>
+          </mc:Fallback>
+        </mc:AlternateContent>
+        <p:grpSp>
+          <p:nvGrpSpPr>
+            <p:cNvPr id="13" name="Group 12">
+              <a:extLst>
+                <a:ext uri="{FF2B5EF4-FFF2-40B4-BE49-F238E27FC236}">
+                  <a16:creationId xmlns:a16="http://schemas.microsoft.com/office/drawing/2014/main" id="{12C0201C-4EFB-1626-BED5-E4A39572619E}"/>
+                </a:ext>
+              </a:extLst>
+            </p:cNvPr>
+            <p:cNvGrpSpPr/>
+            <p:nvPr/>
+          </p:nvGrpSpPr>
+          <p:grpSpPr>
+            <a:xfrm>
+              <a:off x="6916615" y="5312295"/>
+              <a:ext cx="291515" cy="449809"/>
+              <a:chOff x="8305941" y="1473456"/>
+              <a:chExt cx="933868" cy="193200"/>
+            </a:xfrm>
+          </p:grpSpPr>
+          <p:cxnSp>
+            <p:nvCxnSpPr>
+              <p:cNvPr id="14" name="Straight Connector 13">
+                <a:extLst>
+                  <a:ext uri="{FF2B5EF4-FFF2-40B4-BE49-F238E27FC236}">
+                    <a16:creationId xmlns:a16="http://schemas.microsoft.com/office/drawing/2014/main" id="{B09E11AC-C778-0C92-AD53-6694F926F7B2}"/>
+                  </a:ext>
+                </a:extLst>
+              </p:cNvPr>
+              <p:cNvCxnSpPr>
+                <a:cxnSpLocks/>
+              </p:cNvCxnSpPr>
+              <p:nvPr/>
+            </p:nvCxnSpPr>
+            <p:spPr>
+              <a:xfrm rot="10800000">
+                <a:off x="8305941" y="1568188"/>
+                <a:ext cx="933868" cy="0"/>
+              </a:xfrm>
+              <a:prstGeom prst="line">
+                <a:avLst/>
+              </a:prstGeom>
+              <a:ln w="28575">
+                <a:solidFill>
+                  <a:schemeClr val="tx1"/>
+                </a:solidFill>
+                <a:headEnd type="triangle" w="lg" len="lg"/>
+                <a:tailEnd type="none" w="lg" len="lg"/>
+              </a:ln>
+            </p:spPr>
+            <p:style>
+              <a:lnRef idx="1">
+                <a:schemeClr val="accent1"/>
+              </a:lnRef>
+              <a:fillRef idx="0">
+                <a:schemeClr val="accent1"/>
+              </a:fillRef>
+              <a:effectRef idx="0">
+                <a:schemeClr val="accent1"/>
+              </a:effectRef>
+              <a:fontRef idx="minor">
+                <a:schemeClr val="tx1"/>
+              </a:fontRef>
+            </p:style>
+          </p:cxnSp>
+          <p:cxnSp>
+            <p:nvCxnSpPr>
+              <p:cNvPr id="15" name="Straight Connector 14">
+                <a:extLst>
+                  <a:ext uri="{FF2B5EF4-FFF2-40B4-BE49-F238E27FC236}">
+                    <a16:creationId xmlns:a16="http://schemas.microsoft.com/office/drawing/2014/main" id="{C8A1519E-EB37-3BCD-0AA6-61ECFD3A0058}"/>
+                  </a:ext>
+                </a:extLst>
+              </p:cNvPr>
+              <p:cNvCxnSpPr>
+                <a:cxnSpLocks/>
+              </p:cNvCxnSpPr>
+              <p:nvPr/>
+            </p:nvCxnSpPr>
+            <p:spPr>
+              <a:xfrm rot="10800000">
+                <a:off x="8305941" y="1473456"/>
+                <a:ext cx="0" cy="193200"/>
+              </a:xfrm>
+              <a:prstGeom prst="line">
+                <a:avLst/>
+              </a:prstGeom>
+              <a:ln w="28575">
+                <a:solidFill>
+                  <a:schemeClr val="tx1"/>
+                </a:solidFill>
+                <a:tailEnd w="med" len="lg"/>
+              </a:ln>
+            </p:spPr>
+            <p:style>
+              <a:lnRef idx="1">
+                <a:schemeClr val="accent1"/>
+              </a:lnRef>
+              <a:fillRef idx="0">
+                <a:schemeClr val="accent1"/>
+              </a:fillRef>
+              <a:effectRef idx="0">
+                <a:schemeClr val="accent1"/>
+              </a:effectRef>
+              <a:fontRef idx="minor">
+                <a:schemeClr val="tx1"/>
+              </a:fontRef>
+            </p:style>
+          </p:cxnSp>
+        </p:grpSp>
+        <p:grpSp>
+          <p:nvGrpSpPr>
+            <p:cNvPr id="17" name="Group 16">
+              <a:extLst>
+                <a:ext uri="{FF2B5EF4-FFF2-40B4-BE49-F238E27FC236}">
+                  <a16:creationId xmlns:a16="http://schemas.microsoft.com/office/drawing/2014/main" id="{947BB387-3F4F-D0A7-2CE0-19352077B636}"/>
+                </a:ext>
+              </a:extLst>
+            </p:cNvPr>
+            <p:cNvGrpSpPr/>
+            <p:nvPr/>
+          </p:nvGrpSpPr>
+          <p:grpSpPr>
+            <a:xfrm>
+              <a:off x="7406639" y="1768799"/>
+              <a:ext cx="291515" cy="449809"/>
+              <a:chOff x="8305941" y="1473456"/>
+              <a:chExt cx="933868" cy="193200"/>
+            </a:xfrm>
+          </p:grpSpPr>
+          <p:cxnSp>
+            <p:nvCxnSpPr>
+              <p:cNvPr id="19" name="Straight Connector 18">
+                <a:extLst>
+                  <a:ext uri="{FF2B5EF4-FFF2-40B4-BE49-F238E27FC236}">
+                    <a16:creationId xmlns:a16="http://schemas.microsoft.com/office/drawing/2014/main" id="{9B55FA85-E6D1-F6F5-BF81-047A800038FE}"/>
+                  </a:ext>
+                </a:extLst>
+              </p:cNvPr>
+              <p:cNvCxnSpPr>
+                <a:cxnSpLocks/>
+              </p:cNvCxnSpPr>
+              <p:nvPr/>
+            </p:nvCxnSpPr>
+            <p:spPr>
+              <a:xfrm rot="10800000">
+                <a:off x="8305941" y="1568188"/>
+                <a:ext cx="933868" cy="0"/>
+              </a:xfrm>
+              <a:prstGeom prst="line">
+                <a:avLst/>
+              </a:prstGeom>
+              <a:ln w="28575">
+                <a:solidFill>
+                  <a:schemeClr val="tx1"/>
+                </a:solidFill>
+                <a:headEnd type="triangle" w="lg" len="lg"/>
+                <a:tailEnd type="none" w="lg" len="lg"/>
+              </a:ln>
+            </p:spPr>
+            <p:style>
+              <a:lnRef idx="1">
+                <a:schemeClr val="accent1"/>
+              </a:lnRef>
+              <a:fillRef idx="0">
+                <a:schemeClr val="accent1"/>
+              </a:fillRef>
+              <a:effectRef idx="0">
+                <a:schemeClr val="accent1"/>
+              </a:effectRef>
+              <a:fontRef idx="minor">
+                <a:schemeClr val="tx1"/>
+              </a:fontRef>
+            </p:style>
+          </p:cxnSp>
+          <p:cxnSp>
+            <p:nvCxnSpPr>
+              <p:cNvPr id="20" name="Straight Connector 19">
+                <a:extLst>
+                  <a:ext uri="{FF2B5EF4-FFF2-40B4-BE49-F238E27FC236}">
+                    <a16:creationId xmlns:a16="http://schemas.microsoft.com/office/drawing/2014/main" id="{5D6DC47D-3949-5E6D-21C3-5D00F6726924}"/>
+                  </a:ext>
+                </a:extLst>
+              </p:cNvPr>
+              <p:cNvCxnSpPr>
+                <a:cxnSpLocks/>
+              </p:cNvCxnSpPr>
+              <p:nvPr/>
+            </p:nvCxnSpPr>
+            <p:spPr>
+              <a:xfrm rot="10800000">
+                <a:off x="8305941" y="1473456"/>
+                <a:ext cx="0" cy="193200"/>
+              </a:xfrm>
+              <a:prstGeom prst="line">
+                <a:avLst/>
+              </a:prstGeom>
+              <a:ln w="28575">
+                <a:solidFill>
+                  <a:schemeClr val="tx1"/>
+                </a:solidFill>
+                <a:tailEnd w="med" len="lg"/>
+              </a:ln>
+            </p:spPr>
+            <p:style>
+              <a:lnRef idx="1">
+                <a:schemeClr val="accent1"/>
+              </a:lnRef>
+              <a:fillRef idx="0">
+                <a:schemeClr val="accent1"/>
+              </a:fillRef>
+              <a:effectRef idx="0">
+                <a:schemeClr val="accent1"/>
+              </a:effectRef>
+              <a:fontRef idx="minor">
+                <a:schemeClr val="tx1"/>
+              </a:fontRef>
+            </p:style>
+          </p:cxnSp>
+        </p:grpSp>
+        <mc:AlternateContent xmlns:mc="http://schemas.openxmlformats.org/markup-compatibility/2006" xmlns:a14="http://schemas.microsoft.com/office/drawing/2010/main">
+          <mc:Choice Requires="a14">
+            <p:sp>
+              <p:nvSpPr>
+                <p:cNvPr id="21" name="Oval 20">
+                  <a:extLst>
+                    <a:ext uri="{FF2B5EF4-FFF2-40B4-BE49-F238E27FC236}">
+                      <a16:creationId xmlns:a16="http://schemas.microsoft.com/office/drawing/2014/main" id="{185DC62F-6552-D010-6E07-3F06CEC48332}"/>
+                    </a:ext>
+                  </a:extLst>
+                </p:cNvPr>
+                <p:cNvSpPr/>
+                <p:nvPr/>
+              </p:nvSpPr>
+              <p:spPr>
+                <a:xfrm>
+                  <a:off x="7715433" y="1473538"/>
+                  <a:ext cx="1005840" cy="1031631"/>
+                </a:xfrm>
+                <a:prstGeom prst="ellipse">
+                  <a:avLst/>
+                </a:prstGeom>
+                <a:noFill/>
+                <a:ln w="28575">
+                  <a:noFill/>
+                </a:ln>
+              </p:spPr>
+              <p:style>
+                <a:lnRef idx="2">
+                  <a:schemeClr val="accent1">
+                    <a:shade val="50000"/>
+                  </a:schemeClr>
+                </a:lnRef>
+                <a:fillRef idx="1">
+                  <a:schemeClr val="accent1"/>
+                </a:fillRef>
+                <a:effectRef idx="0">
+                  <a:schemeClr val="accent1"/>
+                </a:effectRef>
+                <a:fontRef idx="minor">
+                  <a:schemeClr val="lt1"/>
+                </a:fontRef>
+              </p:style>
+              <p:txBody>
+                <a:bodyPr lIns="91440" tIns="0" rIns="0" bIns="0" rtlCol="0" anchor="ctr"/>
+                <a:lstStyle/>
+                <a:p>
+                  <a:pPr algn="ctr"/>
+                  <a14:m>
+                    <m:oMathPara xmlns:m="http://schemas.openxmlformats.org/officeDocument/2006/math">
+                      <m:oMathParaPr>
+                        <m:jc m:val="center"/>
+                      </m:oMathParaPr>
+                      <m:oMath xmlns:m="http://schemas.openxmlformats.org/officeDocument/2006/math">
+                        <m:sSub>
+                          <m:sSubPr>
+                            <m:ctrlPr>
+                              <a:rPr lang="en-US" sz="3200" b="0" i="1" smtClean="0">
+                                <a:solidFill>
+                                  <a:schemeClr val="tx1"/>
+                                </a:solidFill>
+                                <a:latin typeface="Cambria Math" panose="02040503050406030204" pitchFamily="18" charset="0"/>
+                              </a:rPr>
+                            </m:ctrlPr>
+                          </m:sSubPr>
+                          <m:e>
+                            <m:r>
+                              <a:rPr lang="en-US" sz="3200" b="0" i="1" smtClean="0">
+                                <a:solidFill>
+                                  <a:schemeClr val="tx1"/>
+                                </a:solidFill>
+                                <a:latin typeface="Cambria Math" panose="02040503050406030204" pitchFamily="18" charset="0"/>
+                              </a:rPr>
+                              <m:t>𝑢</m:t>
+                            </m:r>
+                          </m:e>
+                          <m:sub>
+                            <m:r>
+                              <a:rPr lang="en-US" sz="3200" b="0" i="1" smtClean="0">
+                                <a:solidFill>
+                                  <a:schemeClr val="tx1"/>
+                                </a:solidFill>
+                                <a:latin typeface="Cambria Math" panose="02040503050406030204" pitchFamily="18" charset="0"/>
+                              </a:rPr>
+                              <m:t>𝑓</m:t>
+                            </m:r>
+                            <m:r>
+                              <a:rPr lang="en-US" sz="3200" b="0" i="1" smtClean="0">
+                                <a:solidFill>
+                                  <a:schemeClr val="tx1"/>
+                                </a:solidFill>
+                                <a:latin typeface="Cambria Math" panose="02040503050406030204" pitchFamily="18" charset="0"/>
+                              </a:rPr>
+                              <m:t>2</m:t>
+                            </m:r>
+                          </m:sub>
+                        </m:sSub>
+                        <m:d>
+                          <m:dPr>
+                            <m:ctrlPr>
+                              <a:rPr lang="en-US" sz="3200" b="0" i="1" smtClean="0">
+                                <a:solidFill>
+                                  <a:schemeClr val="tx1"/>
+                                </a:solidFill>
+                                <a:latin typeface="Cambria Math" panose="02040503050406030204" pitchFamily="18" charset="0"/>
+                              </a:rPr>
+                            </m:ctrlPr>
+                          </m:dPr>
+                          <m:e>
+                            <m:r>
+                              <a:rPr lang="en-US" sz="3200" b="0" i="1" smtClean="0">
+                                <a:solidFill>
+                                  <a:schemeClr val="tx1"/>
+                                </a:solidFill>
+                                <a:latin typeface="Cambria Math" panose="02040503050406030204" pitchFamily="18" charset="0"/>
+                              </a:rPr>
+                              <m:t>𝑡</m:t>
+                            </m:r>
+                          </m:e>
+                        </m:d>
+                      </m:oMath>
+                    </m:oMathPara>
+                  </a14:m>
+                  <a:endParaRPr lang="en-US" sz="3200" dirty="0">
+                    <a:solidFill>
+                      <a:schemeClr val="tx1"/>
+                    </a:solidFill>
+                  </a:endParaRPr>
+                </a:p>
+              </p:txBody>
+            </p:sp>
+          </mc:Choice>
+          <mc:Fallback xmlns="">
+            <p:sp>
+              <p:nvSpPr>
+                <p:cNvPr id="21" name="Oval 20">
+                  <a:extLst>
+                    <a:ext uri="{FF2B5EF4-FFF2-40B4-BE49-F238E27FC236}">
+                      <a16:creationId xmlns:a16="http://schemas.microsoft.com/office/drawing/2014/main" id="{185DC62F-6552-D010-6E07-3F06CEC48332}"/>
+                    </a:ext>
+                  </a:extLst>
+                </p:cNvPr>
+                <p:cNvSpPr>
+                  <a:spLocks noRot="1" noChangeAspect="1" noMove="1" noResize="1" noEditPoints="1" noAdjustHandles="1" noChangeArrowheads="1" noChangeShapeType="1" noTextEdit="1"/>
+                </p:cNvSpPr>
+                <p:nvPr/>
+              </p:nvSpPr>
+              <p:spPr>
+                <a:xfrm>
+                  <a:off x="7715433" y="1473538"/>
+                  <a:ext cx="1005840" cy="1031631"/>
+                </a:xfrm>
+                <a:prstGeom prst="ellipse">
+                  <a:avLst/>
+                </a:prstGeom>
+                <a:blipFill>
+                  <a:blip r:embed="rId9"/>
+                  <a:stretch>
+                    <a:fillRect l="-3636" r="-606"/>
+                  </a:stretch>
+                </a:blipFill>
+                <a:ln w="28575">
+                  <a:noFill/>
+                </a:ln>
+              </p:spPr>
+              <p:txBody>
+                <a:bodyPr/>
+                <a:lstStyle/>
+                <a:p>
+                  <a:r>
+                    <a:rPr lang="en-US">
+                      <a:noFill/>
+                    </a:rPr>
+                    <a:t> </a:t>
+                  </a:r>
+                </a:p>
+              </p:txBody>
+            </p:sp>
+          </mc:Fallback>
+        </mc:AlternateContent>
+        <p:grpSp>
+          <p:nvGrpSpPr>
+            <p:cNvPr id="22" name="Group 21">
+              <a:extLst>
+                <a:ext uri="{FF2B5EF4-FFF2-40B4-BE49-F238E27FC236}">
+                  <a16:creationId xmlns:a16="http://schemas.microsoft.com/office/drawing/2014/main" id="{701905EE-F164-E7E7-8A03-DEF4C3695829}"/>
+                </a:ext>
+              </a:extLst>
+            </p:cNvPr>
+            <p:cNvGrpSpPr/>
+            <p:nvPr/>
+          </p:nvGrpSpPr>
+          <p:grpSpPr>
+            <a:xfrm>
+              <a:off x="7401993" y="3446646"/>
+              <a:ext cx="291515" cy="449809"/>
+              <a:chOff x="8305941" y="1473456"/>
+              <a:chExt cx="933868" cy="193200"/>
+            </a:xfrm>
+          </p:grpSpPr>
+          <p:cxnSp>
+            <p:nvCxnSpPr>
+              <p:cNvPr id="23" name="Straight Connector 22">
+                <a:extLst>
+                  <a:ext uri="{FF2B5EF4-FFF2-40B4-BE49-F238E27FC236}">
+                    <a16:creationId xmlns:a16="http://schemas.microsoft.com/office/drawing/2014/main" id="{0B576F84-157A-06C7-0545-0A6D5D9F0C14}"/>
+                  </a:ext>
+                </a:extLst>
+              </p:cNvPr>
+              <p:cNvCxnSpPr>
+                <a:cxnSpLocks/>
+              </p:cNvCxnSpPr>
+              <p:nvPr/>
+            </p:nvCxnSpPr>
+            <p:spPr>
+              <a:xfrm rot="10800000">
+                <a:off x="8305941" y="1568188"/>
+                <a:ext cx="933868" cy="0"/>
+              </a:xfrm>
+              <a:prstGeom prst="line">
+                <a:avLst/>
+              </a:prstGeom>
+              <a:ln w="28575">
+                <a:solidFill>
+                  <a:schemeClr val="tx1"/>
+                </a:solidFill>
+                <a:headEnd type="triangle" w="lg" len="lg"/>
+                <a:tailEnd type="none" w="lg" len="lg"/>
+              </a:ln>
+            </p:spPr>
+            <p:style>
+              <a:lnRef idx="1">
+                <a:schemeClr val="accent1"/>
+              </a:lnRef>
+              <a:fillRef idx="0">
+                <a:schemeClr val="accent1"/>
+              </a:fillRef>
+              <a:effectRef idx="0">
+                <a:schemeClr val="accent1"/>
+              </a:effectRef>
+              <a:fontRef idx="minor">
+                <a:schemeClr val="tx1"/>
+              </a:fontRef>
+            </p:style>
+          </p:cxnSp>
+          <p:cxnSp>
+            <p:nvCxnSpPr>
+              <p:cNvPr id="24" name="Straight Connector 23">
+                <a:extLst>
+                  <a:ext uri="{FF2B5EF4-FFF2-40B4-BE49-F238E27FC236}">
+                    <a16:creationId xmlns:a16="http://schemas.microsoft.com/office/drawing/2014/main" id="{FC0623B2-084B-7F7D-3683-4370DC48E6EE}"/>
+                  </a:ext>
+                </a:extLst>
+              </p:cNvPr>
+              <p:cNvCxnSpPr>
+                <a:cxnSpLocks/>
+              </p:cNvCxnSpPr>
+              <p:nvPr/>
+            </p:nvCxnSpPr>
+            <p:spPr>
+              <a:xfrm rot="10800000">
+                <a:off x="8305941" y="1473456"/>
+                <a:ext cx="0" cy="193200"/>
+              </a:xfrm>
+              <a:prstGeom prst="line">
+                <a:avLst/>
+              </a:prstGeom>
+              <a:ln w="28575">
+                <a:solidFill>
+                  <a:schemeClr val="tx1"/>
+                </a:solidFill>
+                <a:tailEnd w="med" len="lg"/>
+              </a:ln>
+            </p:spPr>
+            <p:style>
+              <a:lnRef idx="1">
+                <a:schemeClr val="accent1"/>
+              </a:lnRef>
+              <a:fillRef idx="0">
+                <a:schemeClr val="accent1"/>
+              </a:fillRef>
+              <a:effectRef idx="0">
+                <a:schemeClr val="accent1"/>
+              </a:effectRef>
+              <a:fontRef idx="minor">
+                <a:schemeClr val="tx1"/>
+              </a:fontRef>
+            </p:style>
+          </p:cxnSp>
+        </p:grpSp>
+        <mc:AlternateContent xmlns:mc="http://schemas.openxmlformats.org/markup-compatibility/2006" xmlns:a14="http://schemas.microsoft.com/office/drawing/2010/main">
+          <mc:Choice Requires="a14">
+            <p:sp>
+              <p:nvSpPr>
+                <p:cNvPr id="25" name="Oval 24">
+                  <a:extLst>
+                    <a:ext uri="{FF2B5EF4-FFF2-40B4-BE49-F238E27FC236}">
+                      <a16:creationId xmlns:a16="http://schemas.microsoft.com/office/drawing/2014/main" id="{F138F2A0-C239-D66C-0DDF-FA3335A73CCB}"/>
+                    </a:ext>
+                  </a:extLst>
+                </p:cNvPr>
+                <p:cNvSpPr/>
+                <p:nvPr/>
+              </p:nvSpPr>
+              <p:spPr>
+                <a:xfrm>
+                  <a:off x="7710787" y="3151385"/>
+                  <a:ext cx="1005840" cy="1031631"/>
+                </a:xfrm>
+                <a:prstGeom prst="ellipse">
+                  <a:avLst/>
+                </a:prstGeom>
+                <a:noFill/>
+                <a:ln w="28575">
+                  <a:noFill/>
+                </a:ln>
+              </p:spPr>
+              <p:style>
+                <a:lnRef idx="2">
+                  <a:schemeClr val="accent1">
+                    <a:shade val="50000"/>
+                  </a:schemeClr>
+                </a:lnRef>
+                <a:fillRef idx="1">
+                  <a:schemeClr val="accent1"/>
+                </a:fillRef>
+                <a:effectRef idx="0">
+                  <a:schemeClr val="accent1"/>
+                </a:effectRef>
+                <a:fontRef idx="minor">
+                  <a:schemeClr val="lt1"/>
+                </a:fontRef>
+              </p:style>
+              <p:txBody>
+                <a:bodyPr lIns="91440" tIns="0" rIns="0" bIns="0" rtlCol="0" anchor="ctr"/>
+                <a:lstStyle/>
+                <a:p>
+                  <a:pPr algn="ctr"/>
+                  <a14:m>
+                    <m:oMathPara xmlns:m="http://schemas.openxmlformats.org/officeDocument/2006/math">
+                      <m:oMathParaPr>
+                        <m:jc m:val="center"/>
+                      </m:oMathParaPr>
+                      <m:oMath xmlns:m="http://schemas.openxmlformats.org/officeDocument/2006/math">
+                        <m:sSub>
+                          <m:sSubPr>
+                            <m:ctrlPr>
+                              <a:rPr lang="en-US" sz="3200" b="0" i="1" smtClean="0">
+                                <a:solidFill>
+                                  <a:schemeClr val="tx1"/>
+                                </a:solidFill>
+                                <a:latin typeface="Cambria Math" panose="02040503050406030204" pitchFamily="18" charset="0"/>
+                              </a:rPr>
+                            </m:ctrlPr>
+                          </m:sSubPr>
+                          <m:e>
+                            <m:r>
+                              <a:rPr lang="en-US" sz="3200" b="0" i="1" smtClean="0">
+                                <a:solidFill>
+                                  <a:schemeClr val="tx1"/>
+                                </a:solidFill>
+                                <a:latin typeface="Cambria Math" panose="02040503050406030204" pitchFamily="18" charset="0"/>
+                              </a:rPr>
+                              <m:t>𝑢</m:t>
+                            </m:r>
+                          </m:e>
+                          <m:sub>
+                            <m:r>
+                              <a:rPr lang="en-US" sz="3200" b="0" i="1" smtClean="0">
+                                <a:solidFill>
+                                  <a:schemeClr val="tx1"/>
+                                </a:solidFill>
+                                <a:latin typeface="Cambria Math" panose="02040503050406030204" pitchFamily="18" charset="0"/>
+                              </a:rPr>
+                              <m:t>𝑓</m:t>
+                            </m:r>
+                            <m:r>
+                              <a:rPr lang="en-US" sz="3200" b="0" i="1" smtClean="0">
+                                <a:solidFill>
+                                  <a:schemeClr val="tx1"/>
+                                </a:solidFill>
+                                <a:latin typeface="Cambria Math" panose="02040503050406030204" pitchFamily="18" charset="0"/>
+                              </a:rPr>
+                              <m:t>1</m:t>
+                            </m:r>
+                          </m:sub>
+                        </m:sSub>
+                        <m:d>
+                          <m:dPr>
+                            <m:ctrlPr>
+                              <a:rPr lang="en-US" sz="3200" b="0" i="1" smtClean="0">
+                                <a:solidFill>
+                                  <a:schemeClr val="tx1"/>
+                                </a:solidFill>
+                                <a:latin typeface="Cambria Math" panose="02040503050406030204" pitchFamily="18" charset="0"/>
+                              </a:rPr>
+                            </m:ctrlPr>
+                          </m:dPr>
+                          <m:e>
+                            <m:r>
+                              <a:rPr lang="en-US" sz="3200" b="0" i="1" smtClean="0">
+                                <a:solidFill>
+                                  <a:schemeClr val="tx1"/>
+                                </a:solidFill>
+                                <a:latin typeface="Cambria Math" panose="02040503050406030204" pitchFamily="18" charset="0"/>
+                              </a:rPr>
+                              <m:t>𝑡</m:t>
+                            </m:r>
+                          </m:e>
+                        </m:d>
+                      </m:oMath>
+                    </m:oMathPara>
+                  </a14:m>
+                  <a:endParaRPr lang="en-US" sz="3200" dirty="0">
+                    <a:solidFill>
+                      <a:schemeClr val="tx1"/>
+                    </a:solidFill>
+                  </a:endParaRPr>
+                </a:p>
+              </p:txBody>
+            </p:sp>
+          </mc:Choice>
+          <mc:Fallback xmlns="">
+            <p:sp>
+              <p:nvSpPr>
+                <p:cNvPr id="25" name="Oval 24">
+                  <a:extLst>
+                    <a:ext uri="{FF2B5EF4-FFF2-40B4-BE49-F238E27FC236}">
+                      <a16:creationId xmlns:a16="http://schemas.microsoft.com/office/drawing/2014/main" id="{F138F2A0-C239-D66C-0DDF-FA3335A73CCB}"/>
+                    </a:ext>
+                  </a:extLst>
+                </p:cNvPr>
+                <p:cNvSpPr>
+                  <a:spLocks noRot="1" noChangeAspect="1" noMove="1" noResize="1" noEditPoints="1" noAdjustHandles="1" noChangeArrowheads="1" noChangeShapeType="1" noTextEdit="1"/>
+                </p:cNvSpPr>
+                <p:nvPr/>
+              </p:nvSpPr>
+              <p:spPr>
+                <a:xfrm>
+                  <a:off x="7710787" y="3151385"/>
+                  <a:ext cx="1005840" cy="1031631"/>
+                </a:xfrm>
+                <a:prstGeom prst="ellipse">
+                  <a:avLst/>
+                </a:prstGeom>
+                <a:blipFill>
+                  <a:blip r:embed="rId10"/>
+                  <a:stretch>
+                    <a:fillRect l="-3636" r="-606"/>
+                  </a:stretch>
+                </a:blipFill>
+                <a:ln w="28575">
+                  <a:noFill/>
+                </a:ln>
+              </p:spPr>
+              <p:txBody>
+                <a:bodyPr/>
+                <a:lstStyle/>
+                <a:p>
+                  <a:r>
+                    <a:rPr lang="en-US">
+                      <a:noFill/>
+                    </a:rPr>
+                    <a:t> </a:t>
+                  </a:r>
+                </a:p>
+              </p:txBody>
+            </p:sp>
+          </mc:Fallback>
+        </mc:AlternateContent>
+      </p:grpSp>
+    </p:spTree>
+    <p:extLst>
+      <p:ext uri="{BB962C8B-B14F-4D97-AF65-F5344CB8AC3E}">
+        <p14:creationId xmlns:p14="http://schemas.microsoft.com/office/powerpoint/2010/main" val="3444691039"/>
+      </p:ext>
+    </p:extLst>
+  </p:cSld>
+  <p:clrMapOvr>
+    <a:masterClrMapping/>
+  </p:clrMapOvr>
+</p:sld>
+</file>
+
 <file path=ppt/theme/theme1.xml><?xml version="1.0" encoding="utf-8"?>
 <a:theme xmlns:a="http://schemas.openxmlformats.org/drawingml/2006/main" name="Office Theme">
   <a:themeElements>

--- a/notebooks/figures/figures.pptx
+++ b/notebooks/figures/figures.pptx
@@ -9,7 +9,9 @@
     <p:sldId id="257" r:id="rId3"/>
     <p:sldId id="258" r:id="rId4"/>
     <p:sldId id="259" r:id="rId5"/>
-    <p:sldId id="275" r:id="rId6"/>
+    <p:sldId id="277" r:id="rId6"/>
+    <p:sldId id="275" r:id="rId7"/>
+    <p:sldId id="276" r:id="rId8"/>
   </p:sldIdLst>
   <p:sldSz cx="12192000" cy="6858000"/>
   <p:notesSz cx="6858000" cy="9144000"/>
@@ -263,7 +265,7 @@
           <a:p>
             <a:fld id="{7B7E3A87-DBF6-40F8-9BE1-04D2400D4D51}" type="datetimeFigureOut">
               <a:rPr lang="en-US" smtClean="0"/>
-              <a:t>8/22/2023</a:t>
+              <a:t>9/20/2023</a:t>
             </a:fld>
             <a:endParaRPr lang="en-US"/>
           </a:p>
@@ -461,7 +463,7 @@
           <a:p>
             <a:fld id="{7B7E3A87-DBF6-40F8-9BE1-04D2400D4D51}" type="datetimeFigureOut">
               <a:rPr lang="en-US" smtClean="0"/>
-              <a:t>8/22/2023</a:t>
+              <a:t>9/20/2023</a:t>
             </a:fld>
             <a:endParaRPr lang="en-US"/>
           </a:p>
@@ -669,7 +671,7 @@
           <a:p>
             <a:fld id="{7B7E3A87-DBF6-40F8-9BE1-04D2400D4D51}" type="datetimeFigureOut">
               <a:rPr lang="en-US" smtClean="0"/>
-              <a:t>8/22/2023</a:t>
+              <a:t>9/20/2023</a:t>
             </a:fld>
             <a:endParaRPr lang="en-US"/>
           </a:p>
@@ -867,7 +869,7 @@
           <a:p>
             <a:fld id="{7B7E3A87-DBF6-40F8-9BE1-04D2400D4D51}" type="datetimeFigureOut">
               <a:rPr lang="en-US" smtClean="0"/>
-              <a:t>8/22/2023</a:t>
+              <a:t>9/20/2023</a:t>
             </a:fld>
             <a:endParaRPr lang="en-US"/>
           </a:p>
@@ -1142,7 +1144,7 @@
           <a:p>
             <a:fld id="{7B7E3A87-DBF6-40F8-9BE1-04D2400D4D51}" type="datetimeFigureOut">
               <a:rPr lang="en-US" smtClean="0"/>
-              <a:t>8/22/2023</a:t>
+              <a:t>9/20/2023</a:t>
             </a:fld>
             <a:endParaRPr lang="en-US"/>
           </a:p>
@@ -1407,7 +1409,7 @@
           <a:p>
             <a:fld id="{7B7E3A87-DBF6-40F8-9BE1-04D2400D4D51}" type="datetimeFigureOut">
               <a:rPr lang="en-US" smtClean="0"/>
-              <a:t>8/22/2023</a:t>
+              <a:t>9/20/2023</a:t>
             </a:fld>
             <a:endParaRPr lang="en-US"/>
           </a:p>
@@ -1819,7 +1821,7 @@
           <a:p>
             <a:fld id="{7B7E3A87-DBF6-40F8-9BE1-04D2400D4D51}" type="datetimeFigureOut">
               <a:rPr lang="en-US" smtClean="0"/>
-              <a:t>8/22/2023</a:t>
+              <a:t>9/20/2023</a:t>
             </a:fld>
             <a:endParaRPr lang="en-US"/>
           </a:p>
@@ -1960,7 +1962,7 @@
           <a:p>
             <a:fld id="{7B7E3A87-DBF6-40F8-9BE1-04D2400D4D51}" type="datetimeFigureOut">
               <a:rPr lang="en-US" smtClean="0"/>
-              <a:t>8/22/2023</a:t>
+              <a:t>9/20/2023</a:t>
             </a:fld>
             <a:endParaRPr lang="en-US"/>
           </a:p>
@@ -2073,7 +2075,7 @@
           <a:p>
             <a:fld id="{7B7E3A87-DBF6-40F8-9BE1-04D2400D4D51}" type="datetimeFigureOut">
               <a:rPr lang="en-US" smtClean="0"/>
-              <a:t>8/22/2023</a:t>
+              <a:t>9/20/2023</a:t>
             </a:fld>
             <a:endParaRPr lang="en-US"/>
           </a:p>
@@ -2384,7 +2386,7 @@
           <a:p>
             <a:fld id="{7B7E3A87-DBF6-40F8-9BE1-04D2400D4D51}" type="datetimeFigureOut">
               <a:rPr lang="en-US" smtClean="0"/>
-              <a:t>8/22/2023</a:t>
+              <a:t>9/20/2023</a:t>
             </a:fld>
             <a:endParaRPr lang="en-US"/>
           </a:p>
@@ -2672,7 +2674,7 @@
           <a:p>
             <a:fld id="{7B7E3A87-DBF6-40F8-9BE1-04D2400D4D51}" type="datetimeFigureOut">
               <a:rPr lang="en-US" smtClean="0"/>
-              <a:t>8/22/2023</a:t>
+              <a:t>9/20/2023</a:t>
             </a:fld>
             <a:endParaRPr lang="en-US"/>
           </a:p>
@@ -2913,7 +2915,7 @@
           <a:p>
             <a:fld id="{7B7E3A87-DBF6-40F8-9BE1-04D2400D4D51}" type="datetimeFigureOut">
               <a:rPr lang="en-US" smtClean="0"/>
-              <a:t>8/22/2023</a:t>
+              <a:t>9/20/2023</a:t>
             </a:fld>
             <a:endParaRPr lang="en-US"/>
           </a:p>
@@ -10452,6 +10454,1671 @@
           <a:chExt cx="0" cy="0"/>
         </a:xfrm>
       </p:grpSpPr>
+      <p:grpSp>
+        <p:nvGrpSpPr>
+          <p:cNvPr id="26" name="Group 25">
+            <a:extLst>
+              <a:ext uri="{FF2B5EF4-FFF2-40B4-BE49-F238E27FC236}">
+                <a16:creationId xmlns:a16="http://schemas.microsoft.com/office/drawing/2014/main" id="{AE3FD9E7-9C20-80FE-2693-D245D12B8C34}"/>
+              </a:ext>
+            </a:extLst>
+          </p:cNvPr>
+          <p:cNvGrpSpPr/>
+          <p:nvPr/>
+        </p:nvGrpSpPr>
+        <p:grpSpPr>
+          <a:xfrm>
+            <a:off x="471581" y="1462292"/>
+            <a:ext cx="10249770" cy="3303032"/>
+            <a:chOff x="1280148" y="1246392"/>
+            <a:chExt cx="10249770" cy="3303032"/>
+          </a:xfrm>
+        </p:grpSpPr>
+        <p:sp>
+          <p:nvSpPr>
+            <p:cNvPr id="80" name="Rectangle 79">
+              <a:extLst>
+                <a:ext uri="{FF2B5EF4-FFF2-40B4-BE49-F238E27FC236}">
+                  <a16:creationId xmlns:a16="http://schemas.microsoft.com/office/drawing/2014/main" id="{084D0428-6FCA-0BD7-AD4B-819FD3358E64}"/>
+                </a:ext>
+              </a:extLst>
+            </p:cNvPr>
+            <p:cNvSpPr/>
+            <p:nvPr/>
+          </p:nvSpPr>
+          <p:spPr>
+            <a:xfrm>
+              <a:off x="1280148" y="1246392"/>
+              <a:ext cx="10249770" cy="3303032"/>
+            </a:xfrm>
+            <a:prstGeom prst="rect">
+              <a:avLst/>
+            </a:prstGeom>
+            <a:solidFill>
+              <a:schemeClr val="bg1"/>
+            </a:solidFill>
+            <a:ln>
+              <a:noFill/>
+            </a:ln>
+          </p:spPr>
+          <p:style>
+            <a:lnRef idx="2">
+              <a:schemeClr val="accent1">
+                <a:shade val="50000"/>
+              </a:schemeClr>
+            </a:lnRef>
+            <a:fillRef idx="1">
+              <a:schemeClr val="accent1"/>
+            </a:fillRef>
+            <a:effectRef idx="0">
+              <a:schemeClr val="accent1"/>
+            </a:effectRef>
+            <a:fontRef idx="minor">
+              <a:schemeClr val="lt1"/>
+            </a:fontRef>
+          </p:style>
+          <p:txBody>
+            <a:bodyPr rtlCol="0" anchor="ctr"/>
+            <a:lstStyle/>
+            <a:p>
+              <a:pPr algn="ctr"/>
+              <a:endParaRPr lang="en-US" sz="1300" dirty="0"/>
+            </a:p>
+          </p:txBody>
+        </p:sp>
+        <p:grpSp>
+          <p:nvGrpSpPr>
+            <p:cNvPr id="25" name="Group 24">
+              <a:extLst>
+                <a:ext uri="{FF2B5EF4-FFF2-40B4-BE49-F238E27FC236}">
+                  <a16:creationId xmlns:a16="http://schemas.microsoft.com/office/drawing/2014/main" id="{1B56C136-DE17-C619-D7E4-3B09B1558007}"/>
+                </a:ext>
+              </a:extLst>
+            </p:cNvPr>
+            <p:cNvGrpSpPr/>
+            <p:nvPr/>
+          </p:nvGrpSpPr>
+          <p:grpSpPr>
+            <a:xfrm>
+              <a:off x="1747715" y="1524078"/>
+              <a:ext cx="2562954" cy="2839643"/>
+              <a:chOff x="5824415" y="2469805"/>
+              <a:chExt cx="2562954" cy="2839643"/>
+            </a:xfrm>
+          </p:grpSpPr>
+          <p:sp>
+            <p:nvSpPr>
+              <p:cNvPr id="3" name="Rectangle 2">
+                <a:extLst>
+                  <a:ext uri="{FF2B5EF4-FFF2-40B4-BE49-F238E27FC236}">
+                    <a16:creationId xmlns:a16="http://schemas.microsoft.com/office/drawing/2014/main" id="{DEE01C91-E4A5-670D-9CB1-0DCF86C29769}"/>
+                  </a:ext>
+                </a:extLst>
+              </p:cNvPr>
+              <p:cNvSpPr/>
+              <p:nvPr/>
+            </p:nvSpPr>
+            <p:spPr>
+              <a:xfrm>
+                <a:off x="5824415" y="4516006"/>
+                <a:ext cx="2054609" cy="536996"/>
+              </a:xfrm>
+              <a:prstGeom prst="rect">
+                <a:avLst/>
+              </a:prstGeom>
+              <a:solidFill>
+                <a:schemeClr val="bg2"/>
+              </a:solidFill>
+              <a:ln>
+                <a:noFill/>
+              </a:ln>
+            </p:spPr>
+            <p:style>
+              <a:lnRef idx="2">
+                <a:schemeClr val="accent1">
+                  <a:shade val="50000"/>
+                </a:schemeClr>
+              </a:lnRef>
+              <a:fillRef idx="1">
+                <a:schemeClr val="accent1"/>
+              </a:fillRef>
+              <a:effectRef idx="0">
+                <a:schemeClr val="accent1"/>
+              </a:effectRef>
+              <a:fontRef idx="minor">
+                <a:schemeClr val="lt1"/>
+              </a:fontRef>
+            </p:style>
+            <p:txBody>
+              <a:bodyPr wrap="square" rtlCol="0" anchor="ctr">
+                <a:noAutofit/>
+              </a:bodyPr>
+              <a:lstStyle/>
+              <a:p>
+                <a:pPr algn="ctr"/>
+                <a:endParaRPr lang="en-US"/>
+              </a:p>
+            </p:txBody>
+          </p:sp>
+          <p:cxnSp>
+            <p:nvCxnSpPr>
+              <p:cNvPr id="4" name="Straight Connector 3">
+                <a:extLst>
+                  <a:ext uri="{FF2B5EF4-FFF2-40B4-BE49-F238E27FC236}">
+                    <a16:creationId xmlns:a16="http://schemas.microsoft.com/office/drawing/2014/main" id="{3DACECA0-31D0-7276-CD05-B7CD31821D0A}"/>
+                  </a:ext>
+                </a:extLst>
+              </p:cNvPr>
+              <p:cNvCxnSpPr>
+                <a:cxnSpLocks/>
+              </p:cNvCxnSpPr>
+              <p:nvPr/>
+            </p:nvCxnSpPr>
+            <p:spPr>
+              <a:xfrm>
+                <a:off x="5824415" y="4526634"/>
+                <a:ext cx="2054609" cy="0"/>
+              </a:xfrm>
+              <a:prstGeom prst="line">
+                <a:avLst/>
+              </a:prstGeom>
+              <a:noFill/>
+              <a:ln w="19050">
+                <a:solidFill>
+                  <a:schemeClr val="tx1"/>
+                </a:solidFill>
+              </a:ln>
+            </p:spPr>
+            <p:style>
+              <a:lnRef idx="2">
+                <a:schemeClr val="accent1">
+                  <a:shade val="50000"/>
+                </a:schemeClr>
+              </a:lnRef>
+              <a:fillRef idx="1">
+                <a:schemeClr val="accent1"/>
+              </a:fillRef>
+              <a:effectRef idx="0">
+                <a:schemeClr val="accent1"/>
+              </a:effectRef>
+              <a:fontRef idx="minor">
+                <a:schemeClr val="lt1"/>
+              </a:fontRef>
+            </p:style>
+          </p:cxnSp>
+          <mc:AlternateContent xmlns:mc="http://schemas.openxmlformats.org/markup-compatibility/2006">
+            <mc:Choice xmlns:a14="http://schemas.microsoft.com/office/drawing/2010/main" Requires="a14">
+              <p:sp>
+                <p:nvSpPr>
+                  <p:cNvPr id="5" name="Oval 4">
+                    <a:extLst>
+                      <a:ext uri="{FF2B5EF4-FFF2-40B4-BE49-F238E27FC236}">
+                        <a16:creationId xmlns:a16="http://schemas.microsoft.com/office/drawing/2014/main" id="{97F2065A-65F3-9D88-D2D0-013B197D4594}"/>
+                      </a:ext>
+                    </a:extLst>
+                  </p:cNvPr>
+                  <p:cNvSpPr/>
+                  <p:nvPr/>
+                </p:nvSpPr>
+                <p:spPr>
+                  <a:xfrm>
+                    <a:off x="6548637" y="2469805"/>
+                    <a:ext cx="591011" cy="606166"/>
+                  </a:xfrm>
+                  <a:prstGeom prst="ellipse">
+                    <a:avLst/>
+                  </a:prstGeom>
+                  <a:noFill/>
+                  <a:ln w="19050">
+                    <a:solidFill>
+                      <a:schemeClr val="tx1"/>
+                    </a:solidFill>
+                  </a:ln>
+                </p:spPr>
+                <p:style>
+                  <a:lnRef idx="2">
+                    <a:schemeClr val="accent1">
+                      <a:shade val="50000"/>
+                    </a:schemeClr>
+                  </a:lnRef>
+                  <a:fillRef idx="1">
+                    <a:schemeClr val="accent1"/>
+                  </a:fillRef>
+                  <a:effectRef idx="0">
+                    <a:schemeClr val="accent1"/>
+                  </a:effectRef>
+                  <a:fontRef idx="minor">
+                    <a:schemeClr val="lt1"/>
+                  </a:fontRef>
+                </p:style>
+                <p:txBody>
+                  <a:bodyPr lIns="91440" tIns="0" rIns="0" bIns="0" rtlCol="0" anchor="ctr"/>
+                  <a:lstStyle/>
+                  <a:p>
+                    <a:pPr algn="ctr"/>
+                    <a14:m>
+                      <m:oMathPara xmlns:m="http://schemas.openxmlformats.org/officeDocument/2006/math">
+                        <m:oMathParaPr>
+                          <m:jc m:val="center"/>
+                        </m:oMathParaPr>
+                        <m:oMath xmlns:m="http://schemas.openxmlformats.org/officeDocument/2006/math">
+                          <m:sSub>
+                            <m:sSubPr>
+                              <m:ctrlPr>
+                                <a:rPr lang="en-US" b="0" i="1" dirty="0" smtClean="0">
+                                  <a:solidFill>
+                                    <a:schemeClr val="tx1"/>
+                                  </a:solidFill>
+                                  <a:latin typeface="Cambria Math" panose="02040503050406030204" pitchFamily="18" charset="0"/>
+                                </a:rPr>
+                              </m:ctrlPr>
+                            </m:sSubPr>
+                            <m:e>
+                              <m:r>
+                                <a:rPr lang="en-US" i="1" dirty="0" smtClean="0">
+                                  <a:solidFill>
+                                    <a:schemeClr val="tx1"/>
+                                  </a:solidFill>
+                                  <a:latin typeface="Cambria Math" panose="02040503050406030204" pitchFamily="18" charset="0"/>
+                                </a:rPr>
+                                <m:t>𝑚</m:t>
+                              </m:r>
+                            </m:e>
+                            <m:sub>
+                              <m:r>
+                                <a:rPr lang="en-US" b="0" i="1" dirty="0" smtClean="0">
+                                  <a:solidFill>
+                                    <a:schemeClr val="tx1"/>
+                                  </a:solidFill>
+                                  <a:latin typeface="Cambria Math" panose="02040503050406030204" pitchFamily="18" charset="0"/>
+                                </a:rPr>
+                                <m:t>2</m:t>
+                              </m:r>
+                            </m:sub>
+                          </m:sSub>
+                        </m:oMath>
+                      </m:oMathPara>
+                    </a14:m>
+                    <a:endParaRPr lang="en-US" dirty="0"/>
+                  </a:p>
+                </p:txBody>
+              </p:sp>
+            </mc:Choice>
+            <mc:Fallback>
+              <p:sp>
+                <p:nvSpPr>
+                  <p:cNvPr id="5" name="Oval 4">
+                    <a:extLst>
+                      <a:ext uri="{FF2B5EF4-FFF2-40B4-BE49-F238E27FC236}">
+                        <a16:creationId xmlns:a16="http://schemas.microsoft.com/office/drawing/2014/main" id="{97F2065A-65F3-9D88-D2D0-013B197D4594}"/>
+                      </a:ext>
+                    </a:extLst>
+                  </p:cNvPr>
+                  <p:cNvSpPr>
+                    <a:spLocks noRot="1" noChangeAspect="1" noMove="1" noResize="1" noEditPoints="1" noAdjustHandles="1" noChangeArrowheads="1" noChangeShapeType="1" noTextEdit="1"/>
+                  </p:cNvSpPr>
+                  <p:nvPr/>
+                </p:nvSpPr>
+                <p:spPr>
+                  <a:xfrm>
+                    <a:off x="6548637" y="2469805"/>
+                    <a:ext cx="591011" cy="606166"/>
+                  </a:xfrm>
+                  <a:prstGeom prst="ellipse">
+                    <a:avLst/>
+                  </a:prstGeom>
+                  <a:blipFill>
+                    <a:blip r:embed="rId2"/>
+                    <a:stretch>
+                      <a:fillRect/>
+                    </a:stretch>
+                  </a:blipFill>
+                  <a:ln w="19050">
+                    <a:solidFill>
+                      <a:schemeClr val="tx1"/>
+                    </a:solidFill>
+                  </a:ln>
+                </p:spPr>
+                <p:txBody>
+                  <a:bodyPr/>
+                  <a:lstStyle/>
+                  <a:p>
+                    <a:r>
+                      <a:rPr lang="en-US">
+                        <a:noFill/>
+                      </a:rPr>
+                      <a:t> </a:t>
+                    </a:r>
+                  </a:p>
+                </p:txBody>
+              </p:sp>
+            </mc:Fallback>
+          </mc:AlternateContent>
+          <p:cxnSp>
+            <p:nvCxnSpPr>
+              <p:cNvPr id="6" name="Straight Connector 5">
+                <a:extLst>
+                  <a:ext uri="{FF2B5EF4-FFF2-40B4-BE49-F238E27FC236}">
+                    <a16:creationId xmlns:a16="http://schemas.microsoft.com/office/drawing/2014/main" id="{57273B70-5814-0E09-62B5-7A2318198754}"/>
+                  </a:ext>
+                </a:extLst>
+              </p:cNvPr>
+              <p:cNvCxnSpPr>
+                <a:cxnSpLocks/>
+              </p:cNvCxnSpPr>
+              <p:nvPr/>
+            </p:nvCxnSpPr>
+            <p:spPr>
+              <a:xfrm>
+                <a:off x="6851720" y="3075970"/>
+                <a:ext cx="0" cy="1450664"/>
+              </a:xfrm>
+              <a:prstGeom prst="line">
+                <a:avLst/>
+              </a:prstGeom>
+              <a:ln w="19050">
+                <a:solidFill>
+                  <a:schemeClr val="tx1"/>
+                </a:solidFill>
+              </a:ln>
+            </p:spPr>
+            <p:style>
+              <a:lnRef idx="1">
+                <a:schemeClr val="accent1"/>
+              </a:lnRef>
+              <a:fillRef idx="0">
+                <a:schemeClr val="accent1"/>
+              </a:fillRef>
+              <a:effectRef idx="0">
+                <a:schemeClr val="accent1"/>
+              </a:effectRef>
+              <a:fontRef idx="minor">
+                <a:schemeClr val="tx1"/>
+              </a:fontRef>
+            </p:style>
+          </p:cxnSp>
+          <mc:AlternateContent xmlns:mc="http://schemas.openxmlformats.org/markup-compatibility/2006">
+            <mc:Choice xmlns:a14="http://schemas.microsoft.com/office/drawing/2010/main" Requires="a14">
+              <p:sp>
+                <p:nvSpPr>
+                  <p:cNvPr id="7" name="Oval 6">
+                    <a:extLst>
+                      <a:ext uri="{FF2B5EF4-FFF2-40B4-BE49-F238E27FC236}">
+                        <a16:creationId xmlns:a16="http://schemas.microsoft.com/office/drawing/2014/main" id="{7BFCC3E2-6F65-2B13-18C7-3D1F8CE2F24E}"/>
+                      </a:ext>
+                    </a:extLst>
+                  </p:cNvPr>
+                  <p:cNvSpPr/>
+                  <p:nvPr/>
+                </p:nvSpPr>
+                <p:spPr>
+                  <a:xfrm>
+                    <a:off x="6719926" y="2937057"/>
+                    <a:ext cx="591011" cy="606166"/>
+                  </a:xfrm>
+                  <a:prstGeom prst="ellipse">
+                    <a:avLst/>
+                  </a:prstGeom>
+                  <a:noFill/>
+                  <a:ln w="28575">
+                    <a:noFill/>
+                  </a:ln>
+                </p:spPr>
+                <p:style>
+                  <a:lnRef idx="2">
+                    <a:schemeClr val="accent1">
+                      <a:shade val="50000"/>
+                    </a:schemeClr>
+                  </a:lnRef>
+                  <a:fillRef idx="1">
+                    <a:schemeClr val="accent1"/>
+                  </a:fillRef>
+                  <a:effectRef idx="0">
+                    <a:schemeClr val="accent1"/>
+                  </a:effectRef>
+                  <a:fontRef idx="minor">
+                    <a:schemeClr val="lt1"/>
+                  </a:fontRef>
+                </p:style>
+                <p:txBody>
+                  <a:bodyPr lIns="91440" tIns="0" rIns="0" bIns="0" rtlCol="0" anchor="ctr"/>
+                  <a:lstStyle/>
+                  <a:p>
+                    <a:pPr algn="ctr"/>
+                    <a14:m>
+                      <m:oMathPara xmlns:m="http://schemas.openxmlformats.org/officeDocument/2006/math">
+                        <m:oMathParaPr>
+                          <m:jc m:val="center"/>
+                        </m:oMathParaPr>
+                        <m:oMath xmlns:m="http://schemas.openxmlformats.org/officeDocument/2006/math">
+                          <m:sSub>
+                            <m:sSubPr>
+                              <m:ctrlPr>
+                                <a:rPr lang="en-US" b="0" i="1" dirty="0" smtClean="0">
+                                  <a:solidFill>
+                                    <a:schemeClr val="tx1"/>
+                                  </a:solidFill>
+                                  <a:latin typeface="Cambria Math" panose="02040503050406030204" pitchFamily="18" charset="0"/>
+                                </a:rPr>
+                              </m:ctrlPr>
+                            </m:sSubPr>
+                            <m:e>
+                              <m:r>
+                                <a:rPr lang="en-US" b="0" i="1" dirty="0" smtClean="0">
+                                  <a:solidFill>
+                                    <a:schemeClr val="tx1"/>
+                                  </a:solidFill>
+                                  <a:latin typeface="Cambria Math" panose="02040503050406030204" pitchFamily="18" charset="0"/>
+                                </a:rPr>
+                                <m:t>𝑘</m:t>
+                              </m:r>
+                            </m:e>
+                            <m:sub>
+                              <m:r>
+                                <a:rPr lang="en-US" b="0" i="0" dirty="0" smtClean="0">
+                                  <a:solidFill>
+                                    <a:schemeClr val="tx1"/>
+                                  </a:solidFill>
+                                  <a:latin typeface="Cambria Math" panose="02040503050406030204" pitchFamily="18" charset="0"/>
+                                </a:rPr>
+                                <m:t>2</m:t>
+                              </m:r>
+                            </m:sub>
+                          </m:sSub>
+                        </m:oMath>
+                      </m:oMathPara>
+                    </a14:m>
+                    <a:endParaRPr lang="en-US" dirty="0"/>
+                  </a:p>
+                </p:txBody>
+              </p:sp>
+            </mc:Choice>
+            <mc:Fallback>
+              <p:sp>
+                <p:nvSpPr>
+                  <p:cNvPr id="7" name="Oval 6">
+                    <a:extLst>
+                      <a:ext uri="{FF2B5EF4-FFF2-40B4-BE49-F238E27FC236}">
+                        <a16:creationId xmlns:a16="http://schemas.microsoft.com/office/drawing/2014/main" id="{7BFCC3E2-6F65-2B13-18C7-3D1F8CE2F24E}"/>
+                      </a:ext>
+                    </a:extLst>
+                  </p:cNvPr>
+                  <p:cNvSpPr>
+                    <a:spLocks noRot="1" noChangeAspect="1" noMove="1" noResize="1" noEditPoints="1" noAdjustHandles="1" noChangeArrowheads="1" noChangeShapeType="1" noTextEdit="1"/>
+                  </p:cNvSpPr>
+                  <p:nvPr/>
+                </p:nvSpPr>
+                <p:spPr>
+                  <a:xfrm>
+                    <a:off x="6719926" y="2937057"/>
+                    <a:ext cx="591011" cy="606166"/>
+                  </a:xfrm>
+                  <a:prstGeom prst="ellipse">
+                    <a:avLst/>
+                  </a:prstGeom>
+                  <a:blipFill>
+                    <a:blip r:embed="rId3"/>
+                    <a:stretch>
+                      <a:fillRect/>
+                    </a:stretch>
+                  </a:blipFill>
+                  <a:ln w="28575">
+                    <a:noFill/>
+                  </a:ln>
+                </p:spPr>
+                <p:txBody>
+                  <a:bodyPr/>
+                  <a:lstStyle/>
+                  <a:p>
+                    <a:r>
+                      <a:rPr lang="en-US">
+                        <a:noFill/>
+                      </a:rPr>
+                      <a:t> </a:t>
+                    </a:r>
+                  </a:p>
+                </p:txBody>
+              </p:sp>
+            </mc:Fallback>
+          </mc:AlternateContent>
+          <mc:AlternateContent xmlns:mc="http://schemas.openxmlformats.org/markup-compatibility/2006">
+            <mc:Choice xmlns:a14="http://schemas.microsoft.com/office/drawing/2010/main" Requires="a14">
+              <p:sp>
+                <p:nvSpPr>
+                  <p:cNvPr id="8" name="Oval 7">
+                    <a:extLst>
+                      <a:ext uri="{FF2B5EF4-FFF2-40B4-BE49-F238E27FC236}">
+                        <a16:creationId xmlns:a16="http://schemas.microsoft.com/office/drawing/2014/main" id="{8F9C3715-FCA8-2EE9-8CCE-CBF7CD2267BD}"/>
+                      </a:ext>
+                    </a:extLst>
+                  </p:cNvPr>
+                  <p:cNvSpPr/>
+                  <p:nvPr/>
+                </p:nvSpPr>
+                <p:spPr>
+                  <a:xfrm>
+                    <a:off x="6548637" y="3455806"/>
+                    <a:ext cx="591011" cy="606166"/>
+                  </a:xfrm>
+                  <a:prstGeom prst="ellipse">
+                    <a:avLst/>
+                  </a:prstGeom>
+                  <a:solidFill>
+                    <a:schemeClr val="bg1"/>
+                  </a:solidFill>
+                  <a:ln w="19050">
+                    <a:solidFill>
+                      <a:schemeClr val="tx1"/>
+                    </a:solidFill>
+                  </a:ln>
+                </p:spPr>
+                <p:style>
+                  <a:lnRef idx="2">
+                    <a:schemeClr val="accent1">
+                      <a:shade val="50000"/>
+                    </a:schemeClr>
+                  </a:lnRef>
+                  <a:fillRef idx="1">
+                    <a:schemeClr val="accent1"/>
+                  </a:fillRef>
+                  <a:effectRef idx="0">
+                    <a:schemeClr val="accent1"/>
+                  </a:effectRef>
+                  <a:fontRef idx="minor">
+                    <a:schemeClr val="lt1"/>
+                  </a:fontRef>
+                </p:style>
+                <p:txBody>
+                  <a:bodyPr lIns="91440" tIns="0" rIns="0" bIns="0" rtlCol="0" anchor="ctr"/>
+                  <a:lstStyle/>
+                  <a:p>
+                    <a:pPr algn="ctr"/>
+                    <a14:m>
+                      <m:oMathPara xmlns:m="http://schemas.openxmlformats.org/officeDocument/2006/math">
+                        <m:oMathParaPr>
+                          <m:jc m:val="center"/>
+                        </m:oMathParaPr>
+                        <m:oMath xmlns:m="http://schemas.openxmlformats.org/officeDocument/2006/math">
+                          <m:sSub>
+                            <m:sSubPr>
+                              <m:ctrlPr>
+                                <a:rPr lang="en-US" b="0" i="1" dirty="0" smtClean="0">
+                                  <a:solidFill>
+                                    <a:schemeClr val="tx1"/>
+                                  </a:solidFill>
+                                  <a:latin typeface="Cambria Math" panose="02040503050406030204" pitchFamily="18" charset="0"/>
+                                </a:rPr>
+                              </m:ctrlPr>
+                            </m:sSubPr>
+                            <m:e>
+                              <m:r>
+                                <a:rPr lang="en-US" i="1" dirty="0" smtClean="0">
+                                  <a:solidFill>
+                                    <a:schemeClr val="tx1"/>
+                                  </a:solidFill>
+                                  <a:latin typeface="Cambria Math" panose="02040503050406030204" pitchFamily="18" charset="0"/>
+                                </a:rPr>
+                                <m:t>𝑚</m:t>
+                              </m:r>
+                            </m:e>
+                            <m:sub>
+                              <m:r>
+                                <a:rPr lang="en-US" b="0" i="1" dirty="0" smtClean="0">
+                                  <a:solidFill>
+                                    <a:schemeClr val="tx1"/>
+                                  </a:solidFill>
+                                  <a:latin typeface="Cambria Math" panose="02040503050406030204" pitchFamily="18" charset="0"/>
+                                </a:rPr>
+                                <m:t>1</m:t>
+                              </m:r>
+                            </m:sub>
+                          </m:sSub>
+                        </m:oMath>
+                      </m:oMathPara>
+                    </a14:m>
+                    <a:endParaRPr lang="en-US" dirty="0"/>
+                  </a:p>
+                </p:txBody>
+              </p:sp>
+            </mc:Choice>
+            <mc:Fallback>
+              <p:sp>
+                <p:nvSpPr>
+                  <p:cNvPr id="8" name="Oval 7">
+                    <a:extLst>
+                      <a:ext uri="{FF2B5EF4-FFF2-40B4-BE49-F238E27FC236}">
+                        <a16:creationId xmlns:a16="http://schemas.microsoft.com/office/drawing/2014/main" id="{8F9C3715-FCA8-2EE9-8CCE-CBF7CD2267BD}"/>
+                      </a:ext>
+                    </a:extLst>
+                  </p:cNvPr>
+                  <p:cNvSpPr>
+                    <a:spLocks noRot="1" noChangeAspect="1" noMove="1" noResize="1" noEditPoints="1" noAdjustHandles="1" noChangeArrowheads="1" noChangeShapeType="1" noTextEdit="1"/>
+                  </p:cNvSpPr>
+                  <p:nvPr/>
+                </p:nvSpPr>
+                <p:spPr>
+                  <a:xfrm>
+                    <a:off x="6548637" y="3455806"/>
+                    <a:ext cx="591011" cy="606166"/>
+                  </a:xfrm>
+                  <a:prstGeom prst="ellipse">
+                    <a:avLst/>
+                  </a:prstGeom>
+                  <a:blipFill>
+                    <a:blip r:embed="rId4"/>
+                    <a:stretch>
+                      <a:fillRect/>
+                    </a:stretch>
+                  </a:blipFill>
+                  <a:ln w="19050">
+                    <a:solidFill>
+                      <a:schemeClr val="tx1"/>
+                    </a:solidFill>
+                  </a:ln>
+                </p:spPr>
+                <p:txBody>
+                  <a:bodyPr/>
+                  <a:lstStyle/>
+                  <a:p>
+                    <a:r>
+                      <a:rPr lang="en-US">
+                        <a:noFill/>
+                      </a:rPr>
+                      <a:t> </a:t>
+                    </a:r>
+                  </a:p>
+                </p:txBody>
+              </p:sp>
+            </mc:Fallback>
+          </mc:AlternateContent>
+          <mc:AlternateContent xmlns:mc="http://schemas.openxmlformats.org/markup-compatibility/2006">
+            <mc:Choice xmlns:a14="http://schemas.microsoft.com/office/drawing/2010/main" Requires="a14">
+              <p:sp>
+                <p:nvSpPr>
+                  <p:cNvPr id="9" name="Oval 8">
+                    <a:extLst>
+                      <a:ext uri="{FF2B5EF4-FFF2-40B4-BE49-F238E27FC236}">
+                        <a16:creationId xmlns:a16="http://schemas.microsoft.com/office/drawing/2014/main" id="{C9CA123E-7486-5574-1439-705EF5EF4C86}"/>
+                      </a:ext>
+                    </a:extLst>
+                  </p:cNvPr>
+                  <p:cNvSpPr/>
+                  <p:nvPr/>
+                </p:nvSpPr>
+                <p:spPr>
+                  <a:xfrm>
+                    <a:off x="6719926" y="3923157"/>
+                    <a:ext cx="591011" cy="606166"/>
+                  </a:xfrm>
+                  <a:prstGeom prst="ellipse">
+                    <a:avLst/>
+                  </a:prstGeom>
+                  <a:noFill/>
+                  <a:ln w="28575">
+                    <a:noFill/>
+                  </a:ln>
+                </p:spPr>
+                <p:style>
+                  <a:lnRef idx="2">
+                    <a:schemeClr val="accent1">
+                      <a:shade val="50000"/>
+                    </a:schemeClr>
+                  </a:lnRef>
+                  <a:fillRef idx="1">
+                    <a:schemeClr val="accent1"/>
+                  </a:fillRef>
+                  <a:effectRef idx="0">
+                    <a:schemeClr val="accent1"/>
+                  </a:effectRef>
+                  <a:fontRef idx="minor">
+                    <a:schemeClr val="lt1"/>
+                  </a:fontRef>
+                </p:style>
+                <p:txBody>
+                  <a:bodyPr lIns="91440" tIns="0" rIns="0" bIns="0" rtlCol="0" anchor="ctr"/>
+                  <a:lstStyle/>
+                  <a:p>
+                    <a:pPr algn="ctr"/>
+                    <a14:m>
+                      <m:oMathPara xmlns:m="http://schemas.openxmlformats.org/officeDocument/2006/math">
+                        <m:oMathParaPr>
+                          <m:jc m:val="center"/>
+                        </m:oMathParaPr>
+                        <m:oMath xmlns:m="http://schemas.openxmlformats.org/officeDocument/2006/math">
+                          <m:sSub>
+                            <m:sSubPr>
+                              <m:ctrlPr>
+                                <a:rPr lang="en-US" b="0" i="1" dirty="0" smtClean="0">
+                                  <a:solidFill>
+                                    <a:schemeClr val="tx1"/>
+                                  </a:solidFill>
+                                  <a:latin typeface="Cambria Math" panose="02040503050406030204" pitchFamily="18" charset="0"/>
+                                </a:rPr>
+                              </m:ctrlPr>
+                            </m:sSubPr>
+                            <m:e>
+                              <m:r>
+                                <a:rPr lang="en-US" b="0" i="1" dirty="0" smtClean="0">
+                                  <a:solidFill>
+                                    <a:schemeClr val="tx1"/>
+                                  </a:solidFill>
+                                  <a:latin typeface="Cambria Math" panose="02040503050406030204" pitchFamily="18" charset="0"/>
+                                </a:rPr>
+                                <m:t>𝑘</m:t>
+                              </m:r>
+                            </m:e>
+                            <m:sub>
+                              <m:r>
+                                <a:rPr lang="en-US" b="0" i="1" dirty="0" smtClean="0">
+                                  <a:solidFill>
+                                    <a:schemeClr val="tx1"/>
+                                  </a:solidFill>
+                                  <a:latin typeface="Cambria Math" panose="02040503050406030204" pitchFamily="18" charset="0"/>
+                                </a:rPr>
+                                <m:t>1</m:t>
+                              </m:r>
+                            </m:sub>
+                          </m:sSub>
+                        </m:oMath>
+                      </m:oMathPara>
+                    </a14:m>
+                    <a:endParaRPr lang="en-US" dirty="0"/>
+                  </a:p>
+                </p:txBody>
+              </p:sp>
+            </mc:Choice>
+            <mc:Fallback>
+              <p:sp>
+                <p:nvSpPr>
+                  <p:cNvPr id="9" name="Oval 8">
+                    <a:extLst>
+                      <a:ext uri="{FF2B5EF4-FFF2-40B4-BE49-F238E27FC236}">
+                        <a16:creationId xmlns:a16="http://schemas.microsoft.com/office/drawing/2014/main" id="{C9CA123E-7486-5574-1439-705EF5EF4C86}"/>
+                      </a:ext>
+                    </a:extLst>
+                  </p:cNvPr>
+                  <p:cNvSpPr>
+                    <a:spLocks noRot="1" noChangeAspect="1" noMove="1" noResize="1" noEditPoints="1" noAdjustHandles="1" noChangeArrowheads="1" noChangeShapeType="1" noTextEdit="1"/>
+                  </p:cNvSpPr>
+                  <p:nvPr/>
+                </p:nvSpPr>
+                <p:spPr>
+                  <a:xfrm>
+                    <a:off x="6719926" y="3923157"/>
+                    <a:ext cx="591011" cy="606166"/>
+                  </a:xfrm>
+                  <a:prstGeom prst="ellipse">
+                    <a:avLst/>
+                  </a:prstGeom>
+                  <a:blipFill>
+                    <a:blip r:embed="rId5"/>
+                    <a:stretch>
+                      <a:fillRect/>
+                    </a:stretch>
+                  </a:blipFill>
+                  <a:ln w="28575">
+                    <a:noFill/>
+                  </a:ln>
+                </p:spPr>
+                <p:txBody>
+                  <a:bodyPr/>
+                  <a:lstStyle/>
+                  <a:p>
+                    <a:r>
+                      <a:rPr lang="en-US">
+                        <a:noFill/>
+                      </a:rPr>
+                      <a:t> </a:t>
+                    </a:r>
+                  </a:p>
+                </p:txBody>
+              </p:sp>
+            </mc:Fallback>
+          </mc:AlternateContent>
+          <p:grpSp>
+            <p:nvGrpSpPr>
+              <p:cNvPr id="11" name="Group 10">
+                <a:extLst>
+                  <a:ext uri="{FF2B5EF4-FFF2-40B4-BE49-F238E27FC236}">
+                    <a16:creationId xmlns:a16="http://schemas.microsoft.com/office/drawing/2014/main" id="{896B9AAB-5D13-CC95-9B36-04FF29226FBD}"/>
+                  </a:ext>
+                </a:extLst>
+              </p:cNvPr>
+              <p:cNvGrpSpPr/>
+              <p:nvPr/>
+            </p:nvGrpSpPr>
+            <p:grpSpPr>
+              <a:xfrm>
+                <a:off x="6851720" y="4834793"/>
+                <a:ext cx="171288" cy="428236"/>
+                <a:chOff x="8305941" y="1353619"/>
+                <a:chExt cx="933868" cy="313037"/>
+              </a:xfrm>
+            </p:grpSpPr>
+            <p:cxnSp>
+              <p:nvCxnSpPr>
+                <p:cNvPr id="20" name="Straight Connector 19">
+                  <a:extLst>
+                    <a:ext uri="{FF2B5EF4-FFF2-40B4-BE49-F238E27FC236}">
+                      <a16:creationId xmlns:a16="http://schemas.microsoft.com/office/drawing/2014/main" id="{5DFB0A6A-9E1E-5F1E-E39E-0D68AE77A978}"/>
+                    </a:ext>
+                  </a:extLst>
+                </p:cNvPr>
+                <p:cNvCxnSpPr>
+                  <a:cxnSpLocks/>
+                </p:cNvCxnSpPr>
+                <p:nvPr/>
+              </p:nvCxnSpPr>
+              <p:spPr>
+                <a:xfrm rot="10800000">
+                  <a:off x="8305941" y="1511821"/>
+                  <a:ext cx="933868" cy="0"/>
+                </a:xfrm>
+                <a:prstGeom prst="line">
+                  <a:avLst/>
+                </a:prstGeom>
+                <a:ln w="19050">
+                  <a:solidFill>
+                    <a:schemeClr val="tx1"/>
+                  </a:solidFill>
+                  <a:headEnd type="triangle" w="lg" len="lg"/>
+                  <a:tailEnd type="none" w="lg" len="lg"/>
+                </a:ln>
+              </p:spPr>
+              <p:style>
+                <a:lnRef idx="1">
+                  <a:schemeClr val="accent1"/>
+                </a:lnRef>
+                <a:fillRef idx="0">
+                  <a:schemeClr val="accent1"/>
+                </a:fillRef>
+                <a:effectRef idx="0">
+                  <a:schemeClr val="accent1"/>
+                </a:effectRef>
+                <a:fontRef idx="minor">
+                  <a:schemeClr val="tx1"/>
+                </a:fontRef>
+              </p:style>
+            </p:cxnSp>
+            <p:cxnSp>
+              <p:nvCxnSpPr>
+                <p:cNvPr id="21" name="Straight Connector 20">
+                  <a:extLst>
+                    <a:ext uri="{FF2B5EF4-FFF2-40B4-BE49-F238E27FC236}">
+                      <a16:creationId xmlns:a16="http://schemas.microsoft.com/office/drawing/2014/main" id="{6264C4E8-E52A-A914-7358-DAEED1B5B80A}"/>
+                    </a:ext>
+                  </a:extLst>
+                </p:cNvPr>
+                <p:cNvCxnSpPr>
+                  <a:cxnSpLocks/>
+                </p:cNvCxnSpPr>
+                <p:nvPr/>
+              </p:nvCxnSpPr>
+              <p:spPr>
+                <a:xfrm flipV="1">
+                  <a:off x="8305941" y="1353619"/>
+                  <a:ext cx="0" cy="313037"/>
+                </a:xfrm>
+                <a:prstGeom prst="line">
+                  <a:avLst/>
+                </a:prstGeom>
+                <a:ln w="19050">
+                  <a:solidFill>
+                    <a:schemeClr val="tx1"/>
+                  </a:solidFill>
+                  <a:tailEnd w="med" len="lg"/>
+                </a:ln>
+              </p:spPr>
+              <p:style>
+                <a:lnRef idx="1">
+                  <a:schemeClr val="accent1"/>
+                </a:lnRef>
+                <a:fillRef idx="0">
+                  <a:schemeClr val="accent1"/>
+                </a:fillRef>
+                <a:effectRef idx="0">
+                  <a:schemeClr val="accent1"/>
+                </a:effectRef>
+                <a:fontRef idx="minor">
+                  <a:schemeClr val="tx1"/>
+                </a:fontRef>
+              </p:style>
+            </p:cxnSp>
+          </p:grpSp>
+          <p:grpSp>
+            <p:nvGrpSpPr>
+              <p:cNvPr id="12" name="Group 11">
+                <a:extLst>
+                  <a:ext uri="{FF2B5EF4-FFF2-40B4-BE49-F238E27FC236}">
+                    <a16:creationId xmlns:a16="http://schemas.microsoft.com/office/drawing/2014/main" id="{ED0B5D8B-85D8-900B-4DCA-B802039DCFB0}"/>
+                  </a:ext>
+                </a:extLst>
+              </p:cNvPr>
+              <p:cNvGrpSpPr/>
+              <p:nvPr/>
+            </p:nvGrpSpPr>
+            <p:grpSpPr>
+              <a:xfrm>
+                <a:off x="7139648" y="2640737"/>
+                <a:ext cx="257387" cy="264299"/>
+                <a:chOff x="8305941" y="1473456"/>
+                <a:chExt cx="933868" cy="193200"/>
+              </a:xfrm>
+            </p:grpSpPr>
+            <p:cxnSp>
+              <p:nvCxnSpPr>
+                <p:cNvPr id="18" name="Straight Connector 17">
+                  <a:extLst>
+                    <a:ext uri="{FF2B5EF4-FFF2-40B4-BE49-F238E27FC236}">
+                      <a16:creationId xmlns:a16="http://schemas.microsoft.com/office/drawing/2014/main" id="{C74BF101-8134-75AE-8E8B-0202D2F69A09}"/>
+                    </a:ext>
+                  </a:extLst>
+                </p:cNvPr>
+                <p:cNvCxnSpPr>
+                  <a:cxnSpLocks/>
+                </p:cNvCxnSpPr>
+                <p:nvPr/>
+              </p:nvCxnSpPr>
+              <p:spPr>
+                <a:xfrm rot="10800000">
+                  <a:off x="8305941" y="1568188"/>
+                  <a:ext cx="933868" cy="0"/>
+                </a:xfrm>
+                <a:prstGeom prst="line">
+                  <a:avLst/>
+                </a:prstGeom>
+                <a:ln w="19050">
+                  <a:solidFill>
+                    <a:schemeClr val="tx1"/>
+                  </a:solidFill>
+                  <a:headEnd type="triangle" w="lg" len="lg"/>
+                  <a:tailEnd type="none" w="lg" len="lg"/>
+                </a:ln>
+              </p:spPr>
+              <p:style>
+                <a:lnRef idx="1">
+                  <a:schemeClr val="accent1"/>
+                </a:lnRef>
+                <a:fillRef idx="0">
+                  <a:schemeClr val="accent1"/>
+                </a:fillRef>
+                <a:effectRef idx="0">
+                  <a:schemeClr val="accent1"/>
+                </a:effectRef>
+                <a:fontRef idx="minor">
+                  <a:schemeClr val="tx1"/>
+                </a:fontRef>
+              </p:style>
+            </p:cxnSp>
+            <p:cxnSp>
+              <p:nvCxnSpPr>
+                <p:cNvPr id="19" name="Straight Connector 18">
+                  <a:extLst>
+                    <a:ext uri="{FF2B5EF4-FFF2-40B4-BE49-F238E27FC236}">
+                      <a16:creationId xmlns:a16="http://schemas.microsoft.com/office/drawing/2014/main" id="{D345A0C4-42BC-AFC6-2C17-71F0BA551188}"/>
+                    </a:ext>
+                  </a:extLst>
+                </p:cNvPr>
+                <p:cNvCxnSpPr>
+                  <a:cxnSpLocks/>
+                </p:cNvCxnSpPr>
+                <p:nvPr/>
+              </p:nvCxnSpPr>
+              <p:spPr>
+                <a:xfrm rot="10800000">
+                  <a:off x="8305941" y="1473456"/>
+                  <a:ext cx="0" cy="193200"/>
+                </a:xfrm>
+                <a:prstGeom prst="line">
+                  <a:avLst/>
+                </a:prstGeom>
+                <a:ln w="19050">
+                  <a:solidFill>
+                    <a:schemeClr val="tx1"/>
+                  </a:solidFill>
+                  <a:tailEnd w="med" len="lg"/>
+                </a:ln>
+              </p:spPr>
+              <p:style>
+                <a:lnRef idx="1">
+                  <a:schemeClr val="accent1"/>
+                </a:lnRef>
+                <a:fillRef idx="0">
+                  <a:schemeClr val="accent1"/>
+                </a:fillRef>
+                <a:effectRef idx="0">
+                  <a:schemeClr val="accent1"/>
+                </a:effectRef>
+                <a:fontRef idx="minor">
+                  <a:schemeClr val="tx1"/>
+                </a:fontRef>
+              </p:style>
+            </p:cxnSp>
+          </p:grpSp>
+          <p:grpSp>
+            <p:nvGrpSpPr>
+              <p:cNvPr id="14" name="Group 13">
+                <a:extLst>
+                  <a:ext uri="{FF2B5EF4-FFF2-40B4-BE49-F238E27FC236}">
+                    <a16:creationId xmlns:a16="http://schemas.microsoft.com/office/drawing/2014/main" id="{4050E5EB-1A54-F2F0-9C5D-0E18DA07F818}"/>
+                  </a:ext>
+                </a:extLst>
+              </p:cNvPr>
+              <p:cNvGrpSpPr/>
+              <p:nvPr/>
+            </p:nvGrpSpPr>
+            <p:grpSpPr>
+              <a:xfrm>
+                <a:off x="7136918" y="3626606"/>
+                <a:ext cx="257387" cy="264299"/>
+                <a:chOff x="8305941" y="1473456"/>
+                <a:chExt cx="933868" cy="193200"/>
+              </a:xfrm>
+            </p:grpSpPr>
+            <p:cxnSp>
+              <p:nvCxnSpPr>
+                <p:cNvPr id="16" name="Straight Connector 15">
+                  <a:extLst>
+                    <a:ext uri="{FF2B5EF4-FFF2-40B4-BE49-F238E27FC236}">
+                      <a16:creationId xmlns:a16="http://schemas.microsoft.com/office/drawing/2014/main" id="{D99EDC1E-A778-AD65-2D3F-B3D58256DF2C}"/>
+                    </a:ext>
+                  </a:extLst>
+                </p:cNvPr>
+                <p:cNvCxnSpPr>
+                  <a:cxnSpLocks/>
+                </p:cNvCxnSpPr>
+                <p:nvPr/>
+              </p:nvCxnSpPr>
+              <p:spPr>
+                <a:xfrm rot="10800000">
+                  <a:off x="8305941" y="1568188"/>
+                  <a:ext cx="933868" cy="0"/>
+                </a:xfrm>
+                <a:prstGeom prst="line">
+                  <a:avLst/>
+                </a:prstGeom>
+                <a:ln w="19050">
+                  <a:solidFill>
+                    <a:schemeClr val="tx1"/>
+                  </a:solidFill>
+                  <a:headEnd type="triangle" w="lg" len="lg"/>
+                  <a:tailEnd type="none" w="lg" len="lg"/>
+                </a:ln>
+              </p:spPr>
+              <p:style>
+                <a:lnRef idx="1">
+                  <a:schemeClr val="accent1"/>
+                </a:lnRef>
+                <a:fillRef idx="0">
+                  <a:schemeClr val="accent1"/>
+                </a:fillRef>
+                <a:effectRef idx="0">
+                  <a:schemeClr val="accent1"/>
+                </a:effectRef>
+                <a:fontRef idx="minor">
+                  <a:schemeClr val="tx1"/>
+                </a:fontRef>
+              </p:style>
+            </p:cxnSp>
+            <p:cxnSp>
+              <p:nvCxnSpPr>
+                <p:cNvPr id="17" name="Straight Connector 16">
+                  <a:extLst>
+                    <a:ext uri="{FF2B5EF4-FFF2-40B4-BE49-F238E27FC236}">
+                      <a16:creationId xmlns:a16="http://schemas.microsoft.com/office/drawing/2014/main" id="{533A17DF-84DD-8695-14FA-65E4B2ABCD3F}"/>
+                    </a:ext>
+                  </a:extLst>
+                </p:cNvPr>
+                <p:cNvCxnSpPr>
+                  <a:cxnSpLocks/>
+                </p:cNvCxnSpPr>
+                <p:nvPr/>
+              </p:nvCxnSpPr>
+              <p:spPr>
+                <a:xfrm rot="10800000">
+                  <a:off x="8305941" y="1473456"/>
+                  <a:ext cx="0" cy="193200"/>
+                </a:xfrm>
+                <a:prstGeom prst="line">
+                  <a:avLst/>
+                </a:prstGeom>
+                <a:ln w="19050">
+                  <a:solidFill>
+                    <a:schemeClr val="tx1"/>
+                  </a:solidFill>
+                  <a:tailEnd w="med" len="lg"/>
+                </a:ln>
+              </p:spPr>
+              <p:style>
+                <a:lnRef idx="1">
+                  <a:schemeClr val="accent1"/>
+                </a:lnRef>
+                <a:fillRef idx="0">
+                  <a:schemeClr val="accent1"/>
+                </a:fillRef>
+                <a:effectRef idx="0">
+                  <a:schemeClr val="accent1"/>
+                </a:effectRef>
+                <a:fontRef idx="minor">
+                  <a:schemeClr val="tx1"/>
+                </a:fontRef>
+              </p:style>
+            </p:cxnSp>
+          </p:grpSp>
+          <mc:AlternateContent xmlns:mc="http://schemas.openxmlformats.org/markup-compatibility/2006">
+            <mc:Choice xmlns:a14="http://schemas.microsoft.com/office/drawing/2010/main" Requires="a14">
+              <p:sp>
+                <p:nvSpPr>
+                  <p:cNvPr id="22" name="Oval 21">
+                    <a:extLst>
+                      <a:ext uri="{FF2B5EF4-FFF2-40B4-BE49-F238E27FC236}">
+                        <a16:creationId xmlns:a16="http://schemas.microsoft.com/office/drawing/2014/main" id="{6704461F-F93E-EA27-704A-D8041FA8E817}"/>
+                      </a:ext>
+                    </a:extLst>
+                  </p:cNvPr>
+                  <p:cNvSpPr/>
+                  <p:nvPr/>
+                </p:nvSpPr>
+                <p:spPr>
+                  <a:xfrm>
+                    <a:off x="6912586" y="4752028"/>
+                    <a:ext cx="1073865" cy="557420"/>
+                  </a:xfrm>
+                  <a:prstGeom prst="ellipse">
+                    <a:avLst/>
+                  </a:prstGeom>
+                  <a:noFill/>
+                  <a:ln w="28575">
+                    <a:noFill/>
+                  </a:ln>
+                </p:spPr>
+                <p:style>
+                  <a:lnRef idx="2">
+                    <a:schemeClr val="accent1">
+                      <a:shade val="50000"/>
+                    </a:schemeClr>
+                  </a:lnRef>
+                  <a:fillRef idx="1">
+                    <a:schemeClr val="accent1"/>
+                  </a:fillRef>
+                  <a:effectRef idx="0">
+                    <a:schemeClr val="accent1"/>
+                  </a:effectRef>
+                  <a:fontRef idx="minor">
+                    <a:schemeClr val="lt1"/>
+                  </a:fontRef>
+                </p:style>
+                <p:txBody>
+                  <a:bodyPr lIns="91440" tIns="0" rIns="0" bIns="0" rtlCol="0" anchor="ctr"/>
+                  <a:lstStyle/>
+                  <a:p>
+                    <a:pPr algn="ctr"/>
+                    <a14:m>
+                      <m:oMath xmlns:m="http://schemas.openxmlformats.org/officeDocument/2006/math">
+                        <m:r>
+                          <a:rPr lang="en-US" b="0" i="1" smtClean="0">
+                            <a:solidFill>
+                              <a:schemeClr val="tx1"/>
+                            </a:solidFill>
+                            <a:latin typeface="Cambria Math" panose="02040503050406030204" pitchFamily="18" charset="0"/>
+                          </a:rPr>
+                          <m:t>𝑢</m:t>
+                        </m:r>
+                        <m:d>
+                          <m:dPr>
+                            <m:ctrlPr>
+                              <a:rPr lang="en-US" b="0" i="1" smtClean="0">
+                                <a:solidFill>
+                                  <a:schemeClr val="tx1"/>
+                                </a:solidFill>
+                                <a:latin typeface="Cambria Math" panose="02040503050406030204" pitchFamily="18" charset="0"/>
+                              </a:rPr>
+                            </m:ctrlPr>
+                          </m:dPr>
+                          <m:e>
+                            <m:r>
+                              <a:rPr lang="en-US" b="0" i="1" smtClean="0">
+                                <a:solidFill>
+                                  <a:schemeClr val="tx1"/>
+                                </a:solidFill>
+                                <a:latin typeface="Cambria Math" panose="02040503050406030204" pitchFamily="18" charset="0"/>
+                              </a:rPr>
+                              <m:t>𝑡</m:t>
+                            </m:r>
+                          </m:e>
+                        </m:d>
+                      </m:oMath>
+                    </a14:m>
+                    <a:r>
+                      <a:rPr lang="en-US" dirty="0">
+                        <a:solidFill>
+                          <a:schemeClr val="tx1"/>
+                        </a:solidFill>
+                      </a:rPr>
+                      <a:t>  (input)</a:t>
+                    </a:r>
+                  </a:p>
+                </p:txBody>
+              </p:sp>
+            </mc:Choice>
+            <mc:Fallback>
+              <p:sp>
+                <p:nvSpPr>
+                  <p:cNvPr id="22" name="Oval 21">
+                    <a:extLst>
+                      <a:ext uri="{FF2B5EF4-FFF2-40B4-BE49-F238E27FC236}">
+                        <a16:creationId xmlns:a16="http://schemas.microsoft.com/office/drawing/2014/main" id="{6704461F-F93E-EA27-704A-D8041FA8E817}"/>
+                      </a:ext>
+                    </a:extLst>
+                  </p:cNvPr>
+                  <p:cNvSpPr>
+                    <a:spLocks noRot="1" noChangeAspect="1" noMove="1" noResize="1" noEditPoints="1" noAdjustHandles="1" noChangeArrowheads="1" noChangeShapeType="1" noTextEdit="1"/>
+                  </p:cNvSpPr>
+                  <p:nvPr/>
+                </p:nvSpPr>
+                <p:spPr>
+                  <a:xfrm>
+                    <a:off x="6912586" y="4752028"/>
+                    <a:ext cx="1073865" cy="557420"/>
+                  </a:xfrm>
+                  <a:prstGeom prst="ellipse">
+                    <a:avLst/>
+                  </a:prstGeom>
+                  <a:blipFill>
+                    <a:blip r:embed="rId6"/>
+                    <a:stretch>
+                      <a:fillRect b="-25275"/>
+                    </a:stretch>
+                  </a:blipFill>
+                  <a:ln w="28575">
+                    <a:noFill/>
+                  </a:ln>
+                </p:spPr>
+                <p:txBody>
+                  <a:bodyPr/>
+                  <a:lstStyle/>
+                  <a:p>
+                    <a:r>
+                      <a:rPr lang="en-US">
+                        <a:noFill/>
+                      </a:rPr>
+                      <a:t> </a:t>
+                    </a:r>
+                  </a:p>
+                </p:txBody>
+              </p:sp>
+            </mc:Fallback>
+          </mc:AlternateContent>
+          <mc:AlternateContent xmlns:mc="http://schemas.openxmlformats.org/markup-compatibility/2006">
+            <mc:Choice xmlns:a14="http://schemas.microsoft.com/office/drawing/2010/main" Requires="a14">
+              <p:sp>
+                <p:nvSpPr>
+                  <p:cNvPr id="23" name="Oval 22">
+                    <a:extLst>
+                      <a:ext uri="{FF2B5EF4-FFF2-40B4-BE49-F238E27FC236}">
+                        <a16:creationId xmlns:a16="http://schemas.microsoft.com/office/drawing/2014/main" id="{400ECF9D-1A19-319D-1411-2B59E314630F}"/>
+                      </a:ext>
+                    </a:extLst>
+                  </p:cNvPr>
+                  <p:cNvSpPr/>
+                  <p:nvPr/>
+                </p:nvSpPr>
+                <p:spPr>
+                  <a:xfrm>
+                    <a:off x="7089707" y="2549216"/>
+                    <a:ext cx="1255532" cy="557420"/>
+                  </a:xfrm>
+                  <a:prstGeom prst="ellipse">
+                    <a:avLst/>
+                  </a:prstGeom>
+                  <a:noFill/>
+                  <a:ln w="28575">
+                    <a:noFill/>
+                  </a:ln>
+                </p:spPr>
+                <p:style>
+                  <a:lnRef idx="2">
+                    <a:schemeClr val="accent1">
+                      <a:shade val="50000"/>
+                    </a:schemeClr>
+                  </a:lnRef>
+                  <a:fillRef idx="1">
+                    <a:schemeClr val="accent1"/>
+                  </a:fillRef>
+                  <a:effectRef idx="0">
+                    <a:schemeClr val="accent1"/>
+                  </a:effectRef>
+                  <a:fontRef idx="minor">
+                    <a:schemeClr val="lt1"/>
+                  </a:fontRef>
+                </p:style>
+                <p:txBody>
+                  <a:bodyPr lIns="91440" tIns="0" rIns="0" bIns="0" rtlCol="0" anchor="ctr"/>
+                  <a:lstStyle/>
+                  <a:p>
+                    <a:pPr algn="ctr"/>
+                    <a14:m>
+                      <m:oMath xmlns:m="http://schemas.openxmlformats.org/officeDocument/2006/math">
+                        <m:sSub>
+                          <m:sSubPr>
+                            <m:ctrlPr>
+                              <a:rPr lang="en-US" b="0" i="1" smtClean="0">
+                                <a:solidFill>
+                                  <a:schemeClr val="tx1"/>
+                                </a:solidFill>
+                                <a:latin typeface="Cambria Math" panose="02040503050406030204" pitchFamily="18" charset="0"/>
+                              </a:rPr>
+                            </m:ctrlPr>
+                          </m:sSubPr>
+                          <m:e>
+                            <m:r>
+                              <a:rPr lang="en-US" b="0" i="1" smtClean="0">
+                                <a:solidFill>
+                                  <a:schemeClr val="tx1"/>
+                                </a:solidFill>
+                                <a:latin typeface="Cambria Math" panose="02040503050406030204" pitchFamily="18" charset="0"/>
+                              </a:rPr>
+                              <m:t>𝑦</m:t>
+                            </m:r>
+                          </m:e>
+                          <m:sub>
+                            <m:r>
+                              <a:rPr lang="en-US" b="0" i="1" smtClean="0">
+                                <a:solidFill>
+                                  <a:schemeClr val="tx1"/>
+                                </a:solidFill>
+                                <a:latin typeface="Cambria Math" panose="02040503050406030204" pitchFamily="18" charset="0"/>
+                              </a:rPr>
+                              <m:t>2</m:t>
+                            </m:r>
+                          </m:sub>
+                        </m:sSub>
+                        <m:d>
+                          <m:dPr>
+                            <m:ctrlPr>
+                              <a:rPr lang="en-US" b="0" i="1" smtClean="0">
+                                <a:solidFill>
+                                  <a:schemeClr val="tx1"/>
+                                </a:solidFill>
+                                <a:latin typeface="Cambria Math" panose="02040503050406030204" pitchFamily="18" charset="0"/>
+                              </a:rPr>
+                            </m:ctrlPr>
+                          </m:dPr>
+                          <m:e>
+                            <m:r>
+                              <a:rPr lang="en-US" b="0" i="1" smtClean="0">
+                                <a:solidFill>
+                                  <a:schemeClr val="tx1"/>
+                                </a:solidFill>
+                                <a:latin typeface="Cambria Math" panose="02040503050406030204" pitchFamily="18" charset="0"/>
+                              </a:rPr>
+                              <m:t>𝑡</m:t>
+                            </m:r>
+                          </m:e>
+                        </m:d>
+                      </m:oMath>
+                    </a14:m>
+                    <a:r>
+                      <a:rPr lang="en-US" dirty="0">
+                        <a:solidFill>
+                          <a:schemeClr val="tx1"/>
+                        </a:solidFill>
+                      </a:rPr>
+                      <a:t>  (output)</a:t>
+                    </a:r>
+                  </a:p>
+                </p:txBody>
+              </p:sp>
+            </mc:Choice>
+            <mc:Fallback>
+              <p:sp>
+                <p:nvSpPr>
+                  <p:cNvPr id="23" name="Oval 22">
+                    <a:extLst>
+                      <a:ext uri="{FF2B5EF4-FFF2-40B4-BE49-F238E27FC236}">
+                        <a16:creationId xmlns:a16="http://schemas.microsoft.com/office/drawing/2014/main" id="{400ECF9D-1A19-319D-1411-2B59E314630F}"/>
+                      </a:ext>
+                    </a:extLst>
+                  </p:cNvPr>
+                  <p:cNvSpPr>
+                    <a:spLocks noRot="1" noChangeAspect="1" noMove="1" noResize="1" noEditPoints="1" noAdjustHandles="1" noChangeArrowheads="1" noChangeShapeType="1" noTextEdit="1"/>
+                  </p:cNvSpPr>
+                  <p:nvPr/>
+                </p:nvSpPr>
+                <p:spPr>
+                  <a:xfrm>
+                    <a:off x="7089707" y="2549216"/>
+                    <a:ext cx="1255532" cy="557420"/>
+                  </a:xfrm>
+                  <a:prstGeom prst="ellipse">
+                    <a:avLst/>
+                  </a:prstGeom>
+                  <a:blipFill>
+                    <a:blip r:embed="rId7"/>
+                    <a:stretch>
+                      <a:fillRect b="-25000"/>
+                    </a:stretch>
+                  </a:blipFill>
+                  <a:ln w="28575">
+                    <a:noFill/>
+                  </a:ln>
+                </p:spPr>
+                <p:txBody>
+                  <a:bodyPr/>
+                  <a:lstStyle/>
+                  <a:p>
+                    <a:r>
+                      <a:rPr lang="en-US">
+                        <a:noFill/>
+                      </a:rPr>
+                      <a:t> </a:t>
+                    </a:r>
+                  </a:p>
+                </p:txBody>
+              </p:sp>
+            </mc:Fallback>
+          </mc:AlternateContent>
+          <mc:AlternateContent xmlns:mc="http://schemas.openxmlformats.org/markup-compatibility/2006">
+            <mc:Choice xmlns:a14="http://schemas.microsoft.com/office/drawing/2010/main" Requires="a14">
+              <p:sp>
+                <p:nvSpPr>
+                  <p:cNvPr id="24" name="Oval 23">
+                    <a:extLst>
+                      <a:ext uri="{FF2B5EF4-FFF2-40B4-BE49-F238E27FC236}">
+                        <a16:creationId xmlns:a16="http://schemas.microsoft.com/office/drawing/2014/main" id="{123F66DF-78A9-5518-0159-7A1F4169EF06}"/>
+                      </a:ext>
+                    </a:extLst>
+                  </p:cNvPr>
+                  <p:cNvSpPr/>
+                  <p:nvPr/>
+                </p:nvSpPr>
+                <p:spPr>
+                  <a:xfrm>
+                    <a:off x="7087197" y="3455806"/>
+                    <a:ext cx="1300172" cy="557420"/>
+                  </a:xfrm>
+                  <a:prstGeom prst="ellipse">
+                    <a:avLst/>
+                  </a:prstGeom>
+                  <a:noFill/>
+                  <a:ln w="28575">
+                    <a:noFill/>
+                  </a:ln>
+                </p:spPr>
+                <p:style>
+                  <a:lnRef idx="2">
+                    <a:schemeClr val="accent1">
+                      <a:shade val="50000"/>
+                    </a:schemeClr>
+                  </a:lnRef>
+                  <a:fillRef idx="1">
+                    <a:schemeClr val="accent1"/>
+                  </a:fillRef>
+                  <a:effectRef idx="0">
+                    <a:schemeClr val="accent1"/>
+                  </a:effectRef>
+                  <a:fontRef idx="minor">
+                    <a:schemeClr val="lt1"/>
+                  </a:fontRef>
+                </p:style>
+                <p:txBody>
+                  <a:bodyPr lIns="91440" tIns="0" rIns="0" bIns="0" rtlCol="0" anchor="ctr"/>
+                  <a:lstStyle/>
+                  <a:p>
+                    <a:pPr algn="ctr"/>
+                    <a14:m>
+                      <m:oMath xmlns:m="http://schemas.openxmlformats.org/officeDocument/2006/math">
+                        <m:sSub>
+                          <m:sSubPr>
+                            <m:ctrlPr>
+                              <a:rPr lang="en-US" b="0" i="1" smtClean="0">
+                                <a:solidFill>
+                                  <a:schemeClr val="tx1"/>
+                                </a:solidFill>
+                                <a:latin typeface="Cambria Math" panose="02040503050406030204" pitchFamily="18" charset="0"/>
+                              </a:rPr>
+                            </m:ctrlPr>
+                          </m:sSubPr>
+                          <m:e>
+                            <m:r>
+                              <a:rPr lang="en-US" b="0" i="1" smtClean="0">
+                                <a:solidFill>
+                                  <a:schemeClr val="tx1"/>
+                                </a:solidFill>
+                                <a:latin typeface="Cambria Math" panose="02040503050406030204" pitchFamily="18" charset="0"/>
+                              </a:rPr>
+                              <m:t>𝑦</m:t>
+                            </m:r>
+                          </m:e>
+                          <m:sub>
+                            <m:r>
+                              <a:rPr lang="en-US" b="0" i="1" smtClean="0">
+                                <a:solidFill>
+                                  <a:schemeClr val="tx1"/>
+                                </a:solidFill>
+                                <a:latin typeface="Cambria Math" panose="02040503050406030204" pitchFamily="18" charset="0"/>
+                              </a:rPr>
+                              <m:t>1</m:t>
+                            </m:r>
+                          </m:sub>
+                        </m:sSub>
+                        <m:d>
+                          <m:dPr>
+                            <m:ctrlPr>
+                              <a:rPr lang="en-US" b="0" i="1" smtClean="0">
+                                <a:solidFill>
+                                  <a:schemeClr val="tx1"/>
+                                </a:solidFill>
+                                <a:latin typeface="Cambria Math" panose="02040503050406030204" pitchFamily="18" charset="0"/>
+                              </a:rPr>
+                            </m:ctrlPr>
+                          </m:dPr>
+                          <m:e>
+                            <m:r>
+                              <a:rPr lang="en-US" b="0" i="1" smtClean="0">
+                                <a:solidFill>
+                                  <a:schemeClr val="tx1"/>
+                                </a:solidFill>
+                                <a:latin typeface="Cambria Math" panose="02040503050406030204" pitchFamily="18" charset="0"/>
+                              </a:rPr>
+                              <m:t>𝑡</m:t>
+                            </m:r>
+                          </m:e>
+                        </m:d>
+                      </m:oMath>
+                    </a14:m>
+                    <a:r>
+                      <a:rPr lang="en-US" dirty="0">
+                        <a:solidFill>
+                          <a:schemeClr val="tx1"/>
+                        </a:solidFill>
+                      </a:rPr>
+                      <a:t> (output)</a:t>
+                    </a:r>
+                  </a:p>
+                </p:txBody>
+              </p:sp>
+            </mc:Choice>
+            <mc:Fallback>
+              <p:sp>
+                <p:nvSpPr>
+                  <p:cNvPr id="24" name="Oval 23">
+                    <a:extLst>
+                      <a:ext uri="{FF2B5EF4-FFF2-40B4-BE49-F238E27FC236}">
+                        <a16:creationId xmlns:a16="http://schemas.microsoft.com/office/drawing/2014/main" id="{123F66DF-78A9-5518-0159-7A1F4169EF06}"/>
+                      </a:ext>
+                    </a:extLst>
+                  </p:cNvPr>
+                  <p:cNvSpPr>
+                    <a:spLocks noRot="1" noChangeAspect="1" noMove="1" noResize="1" noEditPoints="1" noAdjustHandles="1" noChangeArrowheads="1" noChangeShapeType="1" noTextEdit="1"/>
+                  </p:cNvSpPr>
+                  <p:nvPr/>
+                </p:nvSpPr>
+                <p:spPr>
+                  <a:xfrm>
+                    <a:off x="7087197" y="3455806"/>
+                    <a:ext cx="1300172" cy="557420"/>
+                  </a:xfrm>
+                  <a:prstGeom prst="ellipse">
+                    <a:avLst/>
+                  </a:prstGeom>
+                  <a:blipFill>
+                    <a:blip r:embed="rId8"/>
+                    <a:stretch>
+                      <a:fillRect b="-23913"/>
+                    </a:stretch>
+                  </a:blipFill>
+                  <a:ln w="28575">
+                    <a:noFill/>
+                  </a:ln>
+                </p:spPr>
+                <p:txBody>
+                  <a:bodyPr/>
+                  <a:lstStyle/>
+                  <a:p>
+                    <a:r>
+                      <a:rPr lang="en-US">
+                        <a:noFill/>
+                      </a:rPr>
+                      <a:t> </a:t>
+                    </a:r>
+                  </a:p>
+                </p:txBody>
+              </p:sp>
+            </mc:Fallback>
+          </mc:AlternateContent>
+        </p:grpSp>
+      </p:grpSp>
+    </p:spTree>
+    <p:extLst>
+      <p:ext uri="{BB962C8B-B14F-4D97-AF65-F5344CB8AC3E}">
+        <p14:creationId xmlns:p14="http://schemas.microsoft.com/office/powerpoint/2010/main" val="743816630"/>
+      </p:ext>
+    </p:extLst>
+  </p:cSld>
+  <p:clrMapOvr>
+    <a:masterClrMapping/>
+  </p:clrMapOvr>
+</p:sld>
+</file>
+
+<file path=ppt/slides/slide6.xml><?xml version="1.0" encoding="utf-8"?>
+<p:sld xmlns:a="http://schemas.openxmlformats.org/drawingml/2006/main" xmlns:r="http://schemas.openxmlformats.org/officeDocument/2006/relationships" xmlns:p="http://schemas.openxmlformats.org/presentationml/2006/main">
+  <p:cSld>
+    <p:spTree>
+      <p:nvGrpSpPr>
+        <p:cNvPr id="1" name=""/>
+        <p:cNvGrpSpPr/>
+        <p:nvPr/>
+      </p:nvGrpSpPr>
+      <p:grpSpPr>
+        <a:xfrm>
+          <a:off x="0" y="0"/>
+          <a:ext cx="0" cy="0"/>
+          <a:chOff x="0" y="0"/>
+          <a:chExt cx="0" cy="0"/>
+        </a:xfrm>
+      </p:grpSpPr>
       <p:sp>
         <p:nvSpPr>
           <p:cNvPr id="2" name="TextBox 1">
@@ -12986,6 +14653,1682 @@
 </p:sld>
 </file>
 
+<file path=ppt/slides/slide7.xml><?xml version="1.0" encoding="utf-8"?>
+<p:sld xmlns:a="http://schemas.openxmlformats.org/drawingml/2006/main" xmlns:r="http://schemas.openxmlformats.org/officeDocument/2006/relationships" xmlns:p="http://schemas.openxmlformats.org/presentationml/2006/main">
+  <p:cSld>
+    <p:spTree>
+      <p:nvGrpSpPr>
+        <p:cNvPr id="1" name=""/>
+        <p:cNvGrpSpPr/>
+        <p:nvPr/>
+      </p:nvGrpSpPr>
+      <p:grpSpPr>
+        <a:xfrm>
+          <a:off x="0" y="0"/>
+          <a:ext cx="0" cy="0"/>
+          <a:chOff x="0" y="0"/>
+          <a:chExt cx="0" cy="0"/>
+        </a:xfrm>
+      </p:grpSpPr>
+      <p:sp>
+        <p:nvSpPr>
+          <p:cNvPr id="2" name="TextBox 1">
+            <a:extLst>
+              <a:ext uri="{FF2B5EF4-FFF2-40B4-BE49-F238E27FC236}">
+                <a16:creationId xmlns:a16="http://schemas.microsoft.com/office/drawing/2014/main" id="{22BE6719-3A58-86E9-BEAC-725D7853466C}"/>
+              </a:ext>
+            </a:extLst>
+          </p:cNvPr>
+          <p:cNvSpPr txBox="1"/>
+          <p:nvPr/>
+        </p:nvSpPr>
+        <p:spPr>
+          <a:xfrm>
+            <a:off x="52466" y="82446"/>
+            <a:ext cx="1491521" cy="369332"/>
+          </a:xfrm>
+          <a:prstGeom prst="rect">
+            <a:avLst/>
+          </a:prstGeom>
+          <a:noFill/>
+        </p:spPr>
+        <p:txBody>
+          <a:bodyPr wrap="square" rtlCol="0">
+            <a:spAutoFit/>
+          </a:bodyPr>
+          <a:lstStyle/>
+          <a:p>
+            <a:r>
+              <a:rPr lang="en-US" dirty="0"/>
+              <a:t>2dof</a:t>
+            </a:r>
+          </a:p>
+        </p:txBody>
+      </p:sp>
+      <p:grpSp>
+        <p:nvGrpSpPr>
+          <p:cNvPr id="37" name="Group 36">
+            <a:extLst>
+              <a:ext uri="{FF2B5EF4-FFF2-40B4-BE49-F238E27FC236}">
+                <a16:creationId xmlns:a16="http://schemas.microsoft.com/office/drawing/2014/main" id="{40BC8D73-4F75-D03A-8BAB-6BD18D99FE9B}"/>
+              </a:ext>
+            </a:extLst>
+          </p:cNvPr>
+          <p:cNvGrpSpPr/>
+          <p:nvPr/>
+        </p:nvGrpSpPr>
+        <p:grpSpPr>
+          <a:xfrm>
+            <a:off x="3898248" y="804672"/>
+            <a:ext cx="3553025" cy="4413727"/>
+            <a:chOff x="3898248" y="804672"/>
+            <a:chExt cx="3553025" cy="4413727"/>
+          </a:xfrm>
+        </p:grpSpPr>
+        <p:sp>
+          <p:nvSpPr>
+            <p:cNvPr id="28" name="Rectangle 27">
+              <a:extLst>
+                <a:ext uri="{FF2B5EF4-FFF2-40B4-BE49-F238E27FC236}">
+                  <a16:creationId xmlns:a16="http://schemas.microsoft.com/office/drawing/2014/main" id="{9FC1BF71-017B-9DD9-5ACC-36DA281B127B}"/>
+                </a:ext>
+              </a:extLst>
+            </p:cNvPr>
+            <p:cNvSpPr/>
+            <p:nvPr/>
+          </p:nvSpPr>
+          <p:spPr>
+            <a:xfrm>
+              <a:off x="3898248" y="4291445"/>
+              <a:ext cx="3496731" cy="913912"/>
+            </a:xfrm>
+            <a:prstGeom prst="rect">
+              <a:avLst/>
+            </a:prstGeom>
+            <a:solidFill>
+              <a:schemeClr val="bg2"/>
+            </a:solidFill>
+            <a:ln>
+              <a:noFill/>
+            </a:ln>
+          </p:spPr>
+          <p:style>
+            <a:lnRef idx="2">
+              <a:schemeClr val="accent1">
+                <a:shade val="50000"/>
+              </a:schemeClr>
+            </a:lnRef>
+            <a:fillRef idx="1">
+              <a:schemeClr val="accent1"/>
+            </a:fillRef>
+            <a:effectRef idx="0">
+              <a:schemeClr val="accent1"/>
+            </a:effectRef>
+            <a:fontRef idx="minor">
+              <a:schemeClr val="lt1"/>
+            </a:fontRef>
+          </p:style>
+          <p:txBody>
+            <a:bodyPr wrap="square" rtlCol="0" anchor="ctr">
+              <a:noAutofit/>
+            </a:bodyPr>
+            <a:lstStyle/>
+            <a:p>
+              <a:pPr algn="ctr"/>
+              <a:endParaRPr lang="en-US"/>
+            </a:p>
+          </p:txBody>
+        </p:sp>
+        <p:cxnSp>
+          <p:nvCxnSpPr>
+            <p:cNvPr id="31" name="Straight Connector 30">
+              <a:extLst>
+                <a:ext uri="{FF2B5EF4-FFF2-40B4-BE49-F238E27FC236}">
+                  <a16:creationId xmlns:a16="http://schemas.microsoft.com/office/drawing/2014/main" id="{3321C617-780F-5EB7-DA10-9C159BCE31D6}"/>
+                </a:ext>
+              </a:extLst>
+            </p:cNvPr>
+            <p:cNvCxnSpPr>
+              <a:cxnSpLocks/>
+            </p:cNvCxnSpPr>
+            <p:nvPr/>
+          </p:nvCxnSpPr>
+          <p:spPr>
+            <a:xfrm>
+              <a:off x="3898248" y="4309533"/>
+              <a:ext cx="3496732" cy="0"/>
+            </a:xfrm>
+            <a:prstGeom prst="line">
+              <a:avLst/>
+            </a:prstGeom>
+            <a:noFill/>
+            <a:ln w="28575">
+              <a:solidFill>
+                <a:schemeClr val="tx1"/>
+              </a:solidFill>
+            </a:ln>
+          </p:spPr>
+          <p:style>
+            <a:lnRef idx="2">
+              <a:schemeClr val="accent1">
+                <a:shade val="50000"/>
+              </a:schemeClr>
+            </a:lnRef>
+            <a:fillRef idx="1">
+              <a:schemeClr val="accent1"/>
+            </a:fillRef>
+            <a:effectRef idx="0">
+              <a:schemeClr val="accent1"/>
+            </a:effectRef>
+            <a:fontRef idx="minor">
+              <a:schemeClr val="lt1"/>
+            </a:fontRef>
+          </p:style>
+        </p:cxnSp>
+        <mc:AlternateContent xmlns:mc="http://schemas.openxmlformats.org/markup-compatibility/2006">
+          <mc:Choice xmlns:a14="http://schemas.microsoft.com/office/drawing/2010/main" Requires="a14">
+            <p:sp>
+              <p:nvSpPr>
+                <p:cNvPr id="16" name="Oval 15">
+                  <a:extLst>
+                    <a:ext uri="{FF2B5EF4-FFF2-40B4-BE49-F238E27FC236}">
+                      <a16:creationId xmlns:a16="http://schemas.microsoft.com/office/drawing/2014/main" id="{C6AFCD2E-7BAE-A743-0AAB-9C2BD0AEE620}"/>
+                    </a:ext>
+                  </a:extLst>
+                </p:cNvPr>
+                <p:cNvSpPr/>
+                <p:nvPr/>
+              </p:nvSpPr>
+              <p:spPr>
+                <a:xfrm>
+                  <a:off x="5130799" y="809023"/>
+                  <a:ext cx="1005840" cy="1031631"/>
+                </a:xfrm>
+                <a:prstGeom prst="ellipse">
+                  <a:avLst/>
+                </a:prstGeom>
+                <a:noFill/>
+                <a:ln w="28575">
+                  <a:solidFill>
+                    <a:schemeClr val="tx1"/>
+                  </a:solidFill>
+                </a:ln>
+              </p:spPr>
+              <p:style>
+                <a:lnRef idx="2">
+                  <a:schemeClr val="accent1">
+                    <a:shade val="50000"/>
+                  </a:schemeClr>
+                </a:lnRef>
+                <a:fillRef idx="1">
+                  <a:schemeClr val="accent1"/>
+                </a:fillRef>
+                <a:effectRef idx="0">
+                  <a:schemeClr val="accent1"/>
+                </a:effectRef>
+                <a:fontRef idx="minor">
+                  <a:schemeClr val="lt1"/>
+                </a:fontRef>
+              </p:style>
+              <p:txBody>
+                <a:bodyPr lIns="91440" tIns="0" rIns="0" bIns="0" rtlCol="0" anchor="ctr"/>
+                <a:lstStyle/>
+                <a:p>
+                  <a:pPr algn="ctr"/>
+                  <a14:m>
+                    <m:oMathPara xmlns:m="http://schemas.openxmlformats.org/officeDocument/2006/math">
+                      <m:oMathParaPr>
+                        <m:jc m:val="center"/>
+                      </m:oMathParaPr>
+                      <m:oMath xmlns:m="http://schemas.openxmlformats.org/officeDocument/2006/math">
+                        <m:sSub>
+                          <m:sSubPr>
+                            <m:ctrlPr>
+                              <a:rPr lang="en-US" sz="3200" b="0" i="1" dirty="0" smtClean="0">
+                                <a:solidFill>
+                                  <a:schemeClr val="tx1"/>
+                                </a:solidFill>
+                                <a:latin typeface="Cambria Math" panose="02040503050406030204" pitchFamily="18" charset="0"/>
+                              </a:rPr>
+                            </m:ctrlPr>
+                          </m:sSubPr>
+                          <m:e>
+                            <m:r>
+                              <a:rPr lang="en-US" sz="3200" i="1" dirty="0" smtClean="0">
+                                <a:solidFill>
+                                  <a:schemeClr val="tx1"/>
+                                </a:solidFill>
+                                <a:latin typeface="Cambria Math" panose="02040503050406030204" pitchFamily="18" charset="0"/>
+                              </a:rPr>
+                              <m:t>𝑚</m:t>
+                            </m:r>
+                          </m:e>
+                          <m:sub>
+                            <m:r>
+                              <a:rPr lang="en-US" sz="3200" b="0" i="1" dirty="0" smtClean="0">
+                                <a:solidFill>
+                                  <a:schemeClr val="tx1"/>
+                                </a:solidFill>
+                                <a:latin typeface="Cambria Math" panose="02040503050406030204" pitchFamily="18" charset="0"/>
+                              </a:rPr>
+                              <m:t>2</m:t>
+                            </m:r>
+                          </m:sub>
+                        </m:sSub>
+                      </m:oMath>
+                    </m:oMathPara>
+                  </a14:m>
+                  <a:endParaRPr lang="en-US" sz="3200" dirty="0"/>
+                </a:p>
+              </p:txBody>
+            </p:sp>
+          </mc:Choice>
+          <mc:Fallback>
+            <p:sp>
+              <p:nvSpPr>
+                <p:cNvPr id="16" name="Oval 15">
+                  <a:extLst>
+                    <a:ext uri="{FF2B5EF4-FFF2-40B4-BE49-F238E27FC236}">
+                      <a16:creationId xmlns:a16="http://schemas.microsoft.com/office/drawing/2014/main" id="{C6AFCD2E-7BAE-A743-0AAB-9C2BD0AEE620}"/>
+                    </a:ext>
+                  </a:extLst>
+                </p:cNvPr>
+                <p:cNvSpPr>
+                  <a:spLocks noRot="1" noChangeAspect="1" noMove="1" noResize="1" noEditPoints="1" noAdjustHandles="1" noChangeArrowheads="1" noChangeShapeType="1" noTextEdit="1"/>
+                </p:cNvSpPr>
+                <p:nvPr/>
+              </p:nvSpPr>
+              <p:spPr>
+                <a:xfrm>
+                  <a:off x="5130799" y="809023"/>
+                  <a:ext cx="1005840" cy="1031631"/>
+                </a:xfrm>
+                <a:prstGeom prst="ellipse">
+                  <a:avLst/>
+                </a:prstGeom>
+                <a:blipFill>
+                  <a:blip r:embed="rId2"/>
+                  <a:stretch>
+                    <a:fillRect/>
+                  </a:stretch>
+                </a:blipFill>
+                <a:ln w="28575">
+                  <a:solidFill>
+                    <a:schemeClr val="tx1"/>
+                  </a:solidFill>
+                </a:ln>
+              </p:spPr>
+              <p:txBody>
+                <a:bodyPr/>
+                <a:lstStyle/>
+                <a:p>
+                  <a:r>
+                    <a:rPr lang="en-US">
+                      <a:noFill/>
+                    </a:rPr>
+                    <a:t> </a:t>
+                  </a:r>
+                </a:p>
+              </p:txBody>
+            </p:sp>
+          </mc:Fallback>
+        </mc:AlternateContent>
+        <p:cxnSp>
+          <p:nvCxnSpPr>
+            <p:cNvPr id="18" name="Straight Connector 17">
+              <a:extLst>
+                <a:ext uri="{FF2B5EF4-FFF2-40B4-BE49-F238E27FC236}">
+                  <a16:creationId xmlns:a16="http://schemas.microsoft.com/office/drawing/2014/main" id="{B18986DF-AA39-41A2-29C2-16A33C992155}"/>
+                </a:ext>
+              </a:extLst>
+            </p:cNvPr>
+            <p:cNvCxnSpPr>
+              <a:cxnSpLocks/>
+            </p:cNvCxnSpPr>
+            <p:nvPr/>
+          </p:nvCxnSpPr>
+          <p:spPr>
+            <a:xfrm>
+              <a:off x="5646615" y="1840654"/>
+              <a:ext cx="0" cy="2468880"/>
+            </a:xfrm>
+            <a:prstGeom prst="line">
+              <a:avLst/>
+            </a:prstGeom>
+            <a:ln w="38100">
+              <a:solidFill>
+                <a:schemeClr val="tx1"/>
+              </a:solidFill>
+            </a:ln>
+          </p:spPr>
+          <p:style>
+            <a:lnRef idx="1">
+              <a:schemeClr val="accent1"/>
+            </a:lnRef>
+            <a:fillRef idx="0">
+              <a:schemeClr val="accent1"/>
+            </a:fillRef>
+            <a:effectRef idx="0">
+              <a:schemeClr val="accent1"/>
+            </a:effectRef>
+            <a:fontRef idx="minor">
+              <a:schemeClr val="tx1"/>
+            </a:fontRef>
+          </p:style>
+        </p:cxnSp>
+        <mc:AlternateContent xmlns:mc="http://schemas.openxmlformats.org/markup-compatibility/2006">
+          <mc:Choice xmlns:a14="http://schemas.microsoft.com/office/drawing/2010/main" Requires="a14">
+            <p:sp>
+              <p:nvSpPr>
+                <p:cNvPr id="100" name="Oval 99">
+                  <a:extLst>
+                    <a:ext uri="{FF2B5EF4-FFF2-40B4-BE49-F238E27FC236}">
+                      <a16:creationId xmlns:a16="http://schemas.microsoft.com/office/drawing/2014/main" id="{0CE5E18F-83AB-EDB0-D00B-102B7A4CCB0C}"/>
+                    </a:ext>
+                  </a:extLst>
+                </p:cNvPr>
+                <p:cNvSpPr/>
+                <p:nvPr/>
+              </p:nvSpPr>
+              <p:spPr>
+                <a:xfrm>
+                  <a:off x="5422315" y="1604239"/>
+                  <a:ext cx="1005840" cy="1031631"/>
+                </a:xfrm>
+                <a:prstGeom prst="ellipse">
+                  <a:avLst/>
+                </a:prstGeom>
+                <a:noFill/>
+                <a:ln w="28575">
+                  <a:noFill/>
+                </a:ln>
+              </p:spPr>
+              <p:style>
+                <a:lnRef idx="2">
+                  <a:schemeClr val="accent1">
+                    <a:shade val="50000"/>
+                  </a:schemeClr>
+                </a:lnRef>
+                <a:fillRef idx="1">
+                  <a:schemeClr val="accent1"/>
+                </a:fillRef>
+                <a:effectRef idx="0">
+                  <a:schemeClr val="accent1"/>
+                </a:effectRef>
+                <a:fontRef idx="minor">
+                  <a:schemeClr val="lt1"/>
+                </a:fontRef>
+              </p:style>
+              <p:txBody>
+                <a:bodyPr lIns="91440" tIns="0" rIns="0" bIns="0" rtlCol="0" anchor="ctr"/>
+                <a:lstStyle/>
+                <a:p>
+                  <a:pPr algn="ctr"/>
+                  <a14:m>
+                    <m:oMathPara xmlns:m="http://schemas.openxmlformats.org/officeDocument/2006/math">
+                      <m:oMathParaPr>
+                        <m:jc m:val="center"/>
+                      </m:oMathParaPr>
+                      <m:oMath xmlns:m="http://schemas.openxmlformats.org/officeDocument/2006/math">
+                        <m:sSub>
+                          <m:sSubPr>
+                            <m:ctrlPr>
+                              <a:rPr lang="en-US" sz="3200" b="0" i="1" dirty="0" smtClean="0">
+                                <a:solidFill>
+                                  <a:schemeClr val="tx1"/>
+                                </a:solidFill>
+                                <a:latin typeface="Cambria Math" panose="02040503050406030204" pitchFamily="18" charset="0"/>
+                              </a:rPr>
+                            </m:ctrlPr>
+                          </m:sSubPr>
+                          <m:e>
+                            <m:r>
+                              <a:rPr lang="en-US" sz="3200" b="0" i="1" dirty="0" smtClean="0">
+                                <a:solidFill>
+                                  <a:schemeClr val="tx1"/>
+                                </a:solidFill>
+                                <a:latin typeface="Cambria Math" panose="02040503050406030204" pitchFamily="18" charset="0"/>
+                              </a:rPr>
+                              <m:t>𝑘</m:t>
+                            </m:r>
+                          </m:e>
+                          <m:sub>
+                            <m:r>
+                              <a:rPr lang="en-US" sz="3200" b="0" i="0" dirty="0" smtClean="0">
+                                <a:solidFill>
+                                  <a:schemeClr val="tx1"/>
+                                </a:solidFill>
+                                <a:latin typeface="Cambria Math" panose="02040503050406030204" pitchFamily="18" charset="0"/>
+                              </a:rPr>
+                              <m:t>2</m:t>
+                            </m:r>
+                          </m:sub>
+                        </m:sSub>
+                      </m:oMath>
+                    </m:oMathPara>
+                  </a14:m>
+                  <a:endParaRPr lang="en-US" sz="3200" dirty="0"/>
+                </a:p>
+              </p:txBody>
+            </p:sp>
+          </mc:Choice>
+          <mc:Fallback>
+            <p:sp>
+              <p:nvSpPr>
+                <p:cNvPr id="100" name="Oval 99">
+                  <a:extLst>
+                    <a:ext uri="{FF2B5EF4-FFF2-40B4-BE49-F238E27FC236}">
+                      <a16:creationId xmlns:a16="http://schemas.microsoft.com/office/drawing/2014/main" id="{0CE5E18F-83AB-EDB0-D00B-102B7A4CCB0C}"/>
+                    </a:ext>
+                  </a:extLst>
+                </p:cNvPr>
+                <p:cNvSpPr>
+                  <a:spLocks noRot="1" noChangeAspect="1" noMove="1" noResize="1" noEditPoints="1" noAdjustHandles="1" noChangeArrowheads="1" noChangeShapeType="1" noTextEdit="1"/>
+                </p:cNvSpPr>
+                <p:nvPr/>
+              </p:nvSpPr>
+              <p:spPr>
+                <a:xfrm>
+                  <a:off x="5422315" y="1604239"/>
+                  <a:ext cx="1005840" cy="1031631"/>
+                </a:xfrm>
+                <a:prstGeom prst="ellipse">
+                  <a:avLst/>
+                </a:prstGeom>
+                <a:blipFill>
+                  <a:blip r:embed="rId3"/>
+                  <a:stretch>
+                    <a:fillRect/>
+                  </a:stretch>
+                </a:blipFill>
+                <a:ln w="28575">
+                  <a:noFill/>
+                </a:ln>
+              </p:spPr>
+              <p:txBody>
+                <a:bodyPr/>
+                <a:lstStyle/>
+                <a:p>
+                  <a:r>
+                    <a:rPr lang="en-US">
+                      <a:noFill/>
+                    </a:rPr>
+                    <a:t> </a:t>
+                  </a:r>
+                </a:p>
+              </p:txBody>
+            </p:sp>
+          </mc:Fallback>
+        </mc:AlternateContent>
+        <mc:AlternateContent xmlns:mc="http://schemas.openxmlformats.org/markup-compatibility/2006">
+          <mc:Choice xmlns:a14="http://schemas.microsoft.com/office/drawing/2010/main" Requires="a14">
+            <p:sp>
+              <p:nvSpPr>
+                <p:cNvPr id="3" name="Oval 2">
+                  <a:extLst>
+                    <a:ext uri="{FF2B5EF4-FFF2-40B4-BE49-F238E27FC236}">
+                      <a16:creationId xmlns:a16="http://schemas.microsoft.com/office/drawing/2014/main" id="{6D8A06B0-1D62-E5F7-35DA-B26F3D4794E0}"/>
+                    </a:ext>
+                  </a:extLst>
+                </p:cNvPr>
+                <p:cNvSpPr/>
+                <p:nvPr/>
+              </p:nvSpPr>
+              <p:spPr>
+                <a:xfrm>
+                  <a:off x="5130799" y="2487095"/>
+                  <a:ext cx="1005840" cy="1031631"/>
+                </a:xfrm>
+                <a:prstGeom prst="ellipse">
+                  <a:avLst/>
+                </a:prstGeom>
+                <a:solidFill>
+                  <a:schemeClr val="bg1"/>
+                </a:solidFill>
+                <a:ln w="28575">
+                  <a:solidFill>
+                    <a:schemeClr val="tx1"/>
+                  </a:solidFill>
+                </a:ln>
+              </p:spPr>
+              <p:style>
+                <a:lnRef idx="2">
+                  <a:schemeClr val="accent1">
+                    <a:shade val="50000"/>
+                  </a:schemeClr>
+                </a:lnRef>
+                <a:fillRef idx="1">
+                  <a:schemeClr val="accent1"/>
+                </a:fillRef>
+                <a:effectRef idx="0">
+                  <a:schemeClr val="accent1"/>
+                </a:effectRef>
+                <a:fontRef idx="minor">
+                  <a:schemeClr val="lt1"/>
+                </a:fontRef>
+              </p:style>
+              <p:txBody>
+                <a:bodyPr lIns="91440" tIns="0" rIns="0" bIns="0" rtlCol="0" anchor="ctr"/>
+                <a:lstStyle/>
+                <a:p>
+                  <a:pPr algn="ctr"/>
+                  <a14:m>
+                    <m:oMathPara xmlns:m="http://schemas.openxmlformats.org/officeDocument/2006/math">
+                      <m:oMathParaPr>
+                        <m:jc m:val="center"/>
+                      </m:oMathParaPr>
+                      <m:oMath xmlns:m="http://schemas.openxmlformats.org/officeDocument/2006/math">
+                        <m:sSub>
+                          <m:sSubPr>
+                            <m:ctrlPr>
+                              <a:rPr lang="en-US" sz="3200" b="0" i="1" dirty="0" smtClean="0">
+                                <a:solidFill>
+                                  <a:schemeClr val="tx1"/>
+                                </a:solidFill>
+                                <a:latin typeface="Cambria Math" panose="02040503050406030204" pitchFamily="18" charset="0"/>
+                              </a:rPr>
+                            </m:ctrlPr>
+                          </m:sSubPr>
+                          <m:e>
+                            <m:r>
+                              <a:rPr lang="en-US" sz="3200" i="1" dirty="0" smtClean="0">
+                                <a:solidFill>
+                                  <a:schemeClr val="tx1"/>
+                                </a:solidFill>
+                                <a:latin typeface="Cambria Math" panose="02040503050406030204" pitchFamily="18" charset="0"/>
+                              </a:rPr>
+                              <m:t>𝑚</m:t>
+                            </m:r>
+                          </m:e>
+                          <m:sub>
+                            <m:r>
+                              <a:rPr lang="en-US" sz="3200" b="0" i="1" dirty="0" smtClean="0">
+                                <a:solidFill>
+                                  <a:schemeClr val="tx1"/>
+                                </a:solidFill>
+                                <a:latin typeface="Cambria Math" panose="02040503050406030204" pitchFamily="18" charset="0"/>
+                              </a:rPr>
+                              <m:t>1</m:t>
+                            </m:r>
+                          </m:sub>
+                        </m:sSub>
+                      </m:oMath>
+                    </m:oMathPara>
+                  </a14:m>
+                  <a:endParaRPr lang="en-US" sz="3200" dirty="0"/>
+                </a:p>
+              </p:txBody>
+            </p:sp>
+          </mc:Choice>
+          <mc:Fallback>
+            <p:sp>
+              <p:nvSpPr>
+                <p:cNvPr id="3" name="Oval 2">
+                  <a:extLst>
+                    <a:ext uri="{FF2B5EF4-FFF2-40B4-BE49-F238E27FC236}">
+                      <a16:creationId xmlns:a16="http://schemas.microsoft.com/office/drawing/2014/main" id="{6D8A06B0-1D62-E5F7-35DA-B26F3D4794E0}"/>
+                    </a:ext>
+                  </a:extLst>
+                </p:cNvPr>
+                <p:cNvSpPr>
+                  <a:spLocks noRot="1" noChangeAspect="1" noMove="1" noResize="1" noEditPoints="1" noAdjustHandles="1" noChangeArrowheads="1" noChangeShapeType="1" noTextEdit="1"/>
+                </p:cNvSpPr>
+                <p:nvPr/>
+              </p:nvSpPr>
+              <p:spPr>
+                <a:xfrm>
+                  <a:off x="5130799" y="2487095"/>
+                  <a:ext cx="1005840" cy="1031631"/>
+                </a:xfrm>
+                <a:prstGeom prst="ellipse">
+                  <a:avLst/>
+                </a:prstGeom>
+                <a:blipFill>
+                  <a:blip r:embed="rId4"/>
+                  <a:stretch>
+                    <a:fillRect/>
+                  </a:stretch>
+                </a:blipFill>
+                <a:ln w="28575">
+                  <a:solidFill>
+                    <a:schemeClr val="tx1"/>
+                  </a:solidFill>
+                </a:ln>
+              </p:spPr>
+              <p:txBody>
+                <a:bodyPr/>
+                <a:lstStyle/>
+                <a:p>
+                  <a:r>
+                    <a:rPr lang="en-US">
+                      <a:noFill/>
+                    </a:rPr>
+                    <a:t> </a:t>
+                  </a:r>
+                </a:p>
+              </p:txBody>
+            </p:sp>
+          </mc:Fallback>
+        </mc:AlternateContent>
+        <mc:AlternateContent xmlns:mc="http://schemas.openxmlformats.org/markup-compatibility/2006">
+          <mc:Choice xmlns:a14="http://schemas.microsoft.com/office/drawing/2010/main" Requires="a14">
+            <p:sp>
+              <p:nvSpPr>
+                <p:cNvPr id="5" name="Oval 4">
+                  <a:extLst>
+                    <a:ext uri="{FF2B5EF4-FFF2-40B4-BE49-F238E27FC236}">
+                      <a16:creationId xmlns:a16="http://schemas.microsoft.com/office/drawing/2014/main" id="{5255C4C5-EBE2-9C4B-A39F-48B6BBC81870}"/>
+                    </a:ext>
+                  </a:extLst>
+                </p:cNvPr>
+                <p:cNvSpPr/>
+                <p:nvPr/>
+              </p:nvSpPr>
+              <p:spPr>
+                <a:xfrm>
+                  <a:off x="5422315" y="3282479"/>
+                  <a:ext cx="1005840" cy="1031631"/>
+                </a:xfrm>
+                <a:prstGeom prst="ellipse">
+                  <a:avLst/>
+                </a:prstGeom>
+                <a:noFill/>
+                <a:ln w="28575">
+                  <a:noFill/>
+                </a:ln>
+              </p:spPr>
+              <p:style>
+                <a:lnRef idx="2">
+                  <a:schemeClr val="accent1">
+                    <a:shade val="50000"/>
+                  </a:schemeClr>
+                </a:lnRef>
+                <a:fillRef idx="1">
+                  <a:schemeClr val="accent1"/>
+                </a:fillRef>
+                <a:effectRef idx="0">
+                  <a:schemeClr val="accent1"/>
+                </a:effectRef>
+                <a:fontRef idx="minor">
+                  <a:schemeClr val="lt1"/>
+                </a:fontRef>
+              </p:style>
+              <p:txBody>
+                <a:bodyPr lIns="91440" tIns="0" rIns="0" bIns="0" rtlCol="0" anchor="ctr"/>
+                <a:lstStyle/>
+                <a:p>
+                  <a:pPr algn="ctr"/>
+                  <a14:m>
+                    <m:oMathPara xmlns:m="http://schemas.openxmlformats.org/officeDocument/2006/math">
+                      <m:oMathParaPr>
+                        <m:jc m:val="center"/>
+                      </m:oMathParaPr>
+                      <m:oMath xmlns:m="http://schemas.openxmlformats.org/officeDocument/2006/math">
+                        <m:sSub>
+                          <m:sSubPr>
+                            <m:ctrlPr>
+                              <a:rPr lang="en-US" sz="3200" b="0" i="1" dirty="0" smtClean="0">
+                                <a:solidFill>
+                                  <a:schemeClr val="tx1"/>
+                                </a:solidFill>
+                                <a:latin typeface="Cambria Math" panose="02040503050406030204" pitchFamily="18" charset="0"/>
+                              </a:rPr>
+                            </m:ctrlPr>
+                          </m:sSubPr>
+                          <m:e>
+                            <m:r>
+                              <a:rPr lang="en-US" sz="3200" b="0" i="1" dirty="0" smtClean="0">
+                                <a:solidFill>
+                                  <a:schemeClr val="tx1"/>
+                                </a:solidFill>
+                                <a:latin typeface="Cambria Math" panose="02040503050406030204" pitchFamily="18" charset="0"/>
+                              </a:rPr>
+                              <m:t>𝑘</m:t>
+                            </m:r>
+                          </m:e>
+                          <m:sub>
+                            <m:r>
+                              <a:rPr lang="en-US" sz="3200" b="0" i="1" dirty="0" smtClean="0">
+                                <a:solidFill>
+                                  <a:schemeClr val="tx1"/>
+                                </a:solidFill>
+                                <a:latin typeface="Cambria Math" panose="02040503050406030204" pitchFamily="18" charset="0"/>
+                              </a:rPr>
+                              <m:t>1</m:t>
+                            </m:r>
+                          </m:sub>
+                        </m:sSub>
+                      </m:oMath>
+                    </m:oMathPara>
+                  </a14:m>
+                  <a:endParaRPr lang="en-US" sz="3200" dirty="0"/>
+                </a:p>
+              </p:txBody>
+            </p:sp>
+          </mc:Choice>
+          <mc:Fallback>
+            <p:sp>
+              <p:nvSpPr>
+                <p:cNvPr id="5" name="Oval 4">
+                  <a:extLst>
+                    <a:ext uri="{FF2B5EF4-FFF2-40B4-BE49-F238E27FC236}">
+                      <a16:creationId xmlns:a16="http://schemas.microsoft.com/office/drawing/2014/main" id="{5255C4C5-EBE2-9C4B-A39F-48B6BBC81870}"/>
+                    </a:ext>
+                  </a:extLst>
+                </p:cNvPr>
+                <p:cNvSpPr>
+                  <a:spLocks noRot="1" noChangeAspect="1" noMove="1" noResize="1" noEditPoints="1" noAdjustHandles="1" noChangeArrowheads="1" noChangeShapeType="1" noTextEdit="1"/>
+                </p:cNvSpPr>
+                <p:nvPr/>
+              </p:nvSpPr>
+              <p:spPr>
+                <a:xfrm>
+                  <a:off x="5422315" y="3282479"/>
+                  <a:ext cx="1005840" cy="1031631"/>
+                </a:xfrm>
+                <a:prstGeom prst="ellipse">
+                  <a:avLst/>
+                </a:prstGeom>
+                <a:blipFill>
+                  <a:blip r:embed="rId5"/>
+                  <a:stretch>
+                    <a:fillRect/>
+                  </a:stretch>
+                </a:blipFill>
+                <a:ln w="28575">
+                  <a:noFill/>
+                </a:ln>
+              </p:spPr>
+              <p:txBody>
+                <a:bodyPr/>
+                <a:lstStyle/>
+                <a:p>
+                  <a:r>
+                    <a:rPr lang="en-US">
+                      <a:noFill/>
+                    </a:rPr>
+                    <a:t> </a:t>
+                  </a:r>
+                </a:p>
+              </p:txBody>
+            </p:sp>
+          </mc:Fallback>
+        </mc:AlternateContent>
+        <mc:AlternateContent xmlns:mc="http://schemas.openxmlformats.org/markup-compatibility/2006">
+          <mc:Choice xmlns:a14="http://schemas.microsoft.com/office/drawing/2010/main" Requires="a14">
+            <p:sp>
+              <p:nvSpPr>
+                <p:cNvPr id="4" name="Oval 3">
+                  <a:extLst>
+                    <a:ext uri="{FF2B5EF4-FFF2-40B4-BE49-F238E27FC236}">
+                      <a16:creationId xmlns:a16="http://schemas.microsoft.com/office/drawing/2014/main" id="{679136E3-DB79-3559-36AD-5B8FD408747A}"/>
+                    </a:ext>
+                  </a:extLst>
+                </p:cNvPr>
+                <p:cNvSpPr/>
+                <p:nvPr/>
+              </p:nvSpPr>
+              <p:spPr>
+                <a:xfrm>
+                  <a:off x="6094127" y="4186768"/>
+                  <a:ext cx="1005840" cy="1031631"/>
+                </a:xfrm>
+                <a:prstGeom prst="ellipse">
+                  <a:avLst/>
+                </a:prstGeom>
+                <a:noFill/>
+                <a:ln w="28575">
+                  <a:noFill/>
+                </a:ln>
+              </p:spPr>
+              <p:style>
+                <a:lnRef idx="2">
+                  <a:schemeClr val="accent1">
+                    <a:shade val="50000"/>
+                  </a:schemeClr>
+                </a:lnRef>
+                <a:fillRef idx="1">
+                  <a:schemeClr val="accent1"/>
+                </a:fillRef>
+                <a:effectRef idx="0">
+                  <a:schemeClr val="accent1"/>
+                </a:effectRef>
+                <a:fontRef idx="minor">
+                  <a:schemeClr val="lt1"/>
+                </a:fontRef>
+              </p:style>
+              <p:txBody>
+                <a:bodyPr lIns="91440" tIns="0" rIns="0" bIns="0" rtlCol="0" anchor="ctr"/>
+                <a:lstStyle/>
+                <a:p>
+                  <a:pPr algn="ctr"/>
+                  <a14:m>
+                    <m:oMathPara xmlns:m="http://schemas.openxmlformats.org/officeDocument/2006/math">
+                      <m:oMathParaPr>
+                        <m:jc m:val="center"/>
+                      </m:oMathParaPr>
+                      <m:oMath xmlns:m="http://schemas.openxmlformats.org/officeDocument/2006/math">
+                        <m:sSub>
+                          <m:sSubPr>
+                            <m:ctrlPr>
+                              <a:rPr lang="en-US" sz="3200" b="0" i="1" smtClean="0">
+                                <a:solidFill>
+                                  <a:schemeClr val="tx1"/>
+                                </a:solidFill>
+                                <a:latin typeface="Cambria Math" panose="02040503050406030204" pitchFamily="18" charset="0"/>
+                              </a:rPr>
+                            </m:ctrlPr>
+                          </m:sSubPr>
+                          <m:e>
+                            <m:r>
+                              <a:rPr lang="en-US" sz="3200" b="0" i="1" smtClean="0">
+                                <a:solidFill>
+                                  <a:schemeClr val="tx1"/>
+                                </a:solidFill>
+                                <a:latin typeface="Cambria Math" panose="02040503050406030204" pitchFamily="18" charset="0"/>
+                              </a:rPr>
+                              <m:t>𝑢</m:t>
+                            </m:r>
+                          </m:e>
+                          <m:sub>
+                            <m:r>
+                              <a:rPr lang="en-US" sz="3200" b="0" i="1" smtClean="0">
+                                <a:solidFill>
+                                  <a:schemeClr val="tx1"/>
+                                </a:solidFill>
+                                <a:latin typeface="Cambria Math" panose="02040503050406030204" pitchFamily="18" charset="0"/>
+                              </a:rPr>
+                              <m:t>𝑔</m:t>
+                            </m:r>
+                          </m:sub>
+                        </m:sSub>
+                        <m:d>
+                          <m:dPr>
+                            <m:ctrlPr>
+                              <a:rPr lang="en-US" sz="3200" b="0" i="1" smtClean="0">
+                                <a:solidFill>
+                                  <a:schemeClr val="tx1"/>
+                                </a:solidFill>
+                                <a:latin typeface="Cambria Math" panose="02040503050406030204" pitchFamily="18" charset="0"/>
+                              </a:rPr>
+                            </m:ctrlPr>
+                          </m:dPr>
+                          <m:e>
+                            <m:r>
+                              <a:rPr lang="en-US" sz="3200" b="0" i="1" smtClean="0">
+                                <a:solidFill>
+                                  <a:schemeClr val="tx1"/>
+                                </a:solidFill>
+                                <a:latin typeface="Cambria Math" panose="02040503050406030204" pitchFamily="18" charset="0"/>
+                              </a:rPr>
+                              <m:t>𝑡</m:t>
+                            </m:r>
+                          </m:e>
+                        </m:d>
+                      </m:oMath>
+                    </m:oMathPara>
+                  </a14:m>
+                  <a:endParaRPr lang="en-US" sz="3200" dirty="0">
+                    <a:solidFill>
+                      <a:schemeClr val="tx1"/>
+                    </a:solidFill>
+                  </a:endParaRPr>
+                </a:p>
+              </p:txBody>
+            </p:sp>
+          </mc:Choice>
+          <mc:Fallback>
+            <p:sp>
+              <p:nvSpPr>
+                <p:cNvPr id="4" name="Oval 3">
+                  <a:extLst>
+                    <a:ext uri="{FF2B5EF4-FFF2-40B4-BE49-F238E27FC236}">
+                      <a16:creationId xmlns:a16="http://schemas.microsoft.com/office/drawing/2014/main" id="{679136E3-DB79-3559-36AD-5B8FD408747A}"/>
+                    </a:ext>
+                  </a:extLst>
+                </p:cNvPr>
+                <p:cNvSpPr>
+                  <a:spLocks noRot="1" noChangeAspect="1" noMove="1" noResize="1" noEditPoints="1" noAdjustHandles="1" noChangeArrowheads="1" noChangeShapeType="1" noTextEdit="1"/>
+                </p:cNvSpPr>
+                <p:nvPr/>
+              </p:nvSpPr>
+              <p:spPr>
+                <a:xfrm>
+                  <a:off x="6094127" y="4186768"/>
+                  <a:ext cx="1005840" cy="1031631"/>
+                </a:xfrm>
+                <a:prstGeom prst="ellipse">
+                  <a:avLst/>
+                </a:prstGeom>
+                <a:blipFill>
+                  <a:blip r:embed="rId6"/>
+                  <a:stretch>
+                    <a:fillRect/>
+                  </a:stretch>
+                </a:blipFill>
+                <a:ln w="28575">
+                  <a:noFill/>
+                </a:ln>
+              </p:spPr>
+              <p:txBody>
+                <a:bodyPr/>
+                <a:lstStyle/>
+                <a:p>
+                  <a:r>
+                    <a:rPr lang="en-US">
+                      <a:noFill/>
+                    </a:rPr>
+                    <a:t> </a:t>
+                  </a:r>
+                </a:p>
+              </p:txBody>
+            </p:sp>
+          </mc:Fallback>
+        </mc:AlternateContent>
+        <p:grpSp>
+          <p:nvGrpSpPr>
+            <p:cNvPr id="13" name="Group 12">
+              <a:extLst>
+                <a:ext uri="{FF2B5EF4-FFF2-40B4-BE49-F238E27FC236}">
+                  <a16:creationId xmlns:a16="http://schemas.microsoft.com/office/drawing/2014/main" id="{12C0201C-4EFB-1626-BED5-E4A39572619E}"/>
+                </a:ext>
+              </a:extLst>
+            </p:cNvPr>
+            <p:cNvGrpSpPr/>
+            <p:nvPr/>
+          </p:nvGrpSpPr>
+          <p:grpSpPr>
+            <a:xfrm>
+              <a:off x="5646615" y="4372890"/>
+              <a:ext cx="291515" cy="728814"/>
+              <a:chOff x="8305941" y="1353619"/>
+              <a:chExt cx="933868" cy="313037"/>
+            </a:xfrm>
+          </p:grpSpPr>
+          <p:cxnSp>
+            <p:nvCxnSpPr>
+              <p:cNvPr id="14" name="Straight Connector 13">
+                <a:extLst>
+                  <a:ext uri="{FF2B5EF4-FFF2-40B4-BE49-F238E27FC236}">
+                    <a16:creationId xmlns:a16="http://schemas.microsoft.com/office/drawing/2014/main" id="{B09E11AC-C778-0C92-AD53-6694F926F7B2}"/>
+                  </a:ext>
+                </a:extLst>
+              </p:cNvPr>
+              <p:cNvCxnSpPr>
+                <a:cxnSpLocks/>
+              </p:cNvCxnSpPr>
+              <p:nvPr/>
+            </p:nvCxnSpPr>
+            <p:spPr>
+              <a:xfrm rot="10800000">
+                <a:off x="8305941" y="1511821"/>
+                <a:ext cx="933868" cy="0"/>
+              </a:xfrm>
+              <a:prstGeom prst="line">
+                <a:avLst/>
+              </a:prstGeom>
+              <a:ln w="28575">
+                <a:solidFill>
+                  <a:schemeClr val="tx1"/>
+                </a:solidFill>
+                <a:headEnd type="triangle" w="lg" len="lg"/>
+                <a:tailEnd type="none" w="lg" len="lg"/>
+              </a:ln>
+            </p:spPr>
+            <p:style>
+              <a:lnRef idx="1">
+                <a:schemeClr val="accent1"/>
+              </a:lnRef>
+              <a:fillRef idx="0">
+                <a:schemeClr val="accent1"/>
+              </a:fillRef>
+              <a:effectRef idx="0">
+                <a:schemeClr val="accent1"/>
+              </a:effectRef>
+              <a:fontRef idx="minor">
+                <a:schemeClr val="tx1"/>
+              </a:fontRef>
+            </p:style>
+          </p:cxnSp>
+          <p:cxnSp>
+            <p:nvCxnSpPr>
+              <p:cNvPr id="15" name="Straight Connector 14">
+                <a:extLst>
+                  <a:ext uri="{FF2B5EF4-FFF2-40B4-BE49-F238E27FC236}">
+                    <a16:creationId xmlns:a16="http://schemas.microsoft.com/office/drawing/2014/main" id="{C8A1519E-EB37-3BCD-0AA6-61ECFD3A0058}"/>
+                  </a:ext>
+                </a:extLst>
+              </p:cNvPr>
+              <p:cNvCxnSpPr>
+                <a:cxnSpLocks/>
+              </p:cNvCxnSpPr>
+              <p:nvPr/>
+            </p:nvCxnSpPr>
+            <p:spPr>
+              <a:xfrm flipV="1">
+                <a:off x="8305941" y="1353619"/>
+                <a:ext cx="0" cy="313037"/>
+              </a:xfrm>
+              <a:prstGeom prst="line">
+                <a:avLst/>
+              </a:prstGeom>
+              <a:ln w="28575">
+                <a:solidFill>
+                  <a:schemeClr val="tx1"/>
+                </a:solidFill>
+                <a:tailEnd w="med" len="lg"/>
+              </a:ln>
+            </p:spPr>
+            <p:style>
+              <a:lnRef idx="1">
+                <a:schemeClr val="accent1"/>
+              </a:lnRef>
+              <a:fillRef idx="0">
+                <a:schemeClr val="accent1"/>
+              </a:fillRef>
+              <a:effectRef idx="0">
+                <a:schemeClr val="accent1"/>
+              </a:effectRef>
+              <a:fontRef idx="minor">
+                <a:schemeClr val="tx1"/>
+              </a:fontRef>
+            </p:style>
+          </p:cxnSp>
+        </p:grpSp>
+        <p:grpSp>
+          <p:nvGrpSpPr>
+            <p:cNvPr id="17" name="Group 16">
+              <a:extLst>
+                <a:ext uri="{FF2B5EF4-FFF2-40B4-BE49-F238E27FC236}">
+                  <a16:creationId xmlns:a16="http://schemas.microsoft.com/office/drawing/2014/main" id="{947BB387-3F4F-D0A7-2CE0-19352077B636}"/>
+                </a:ext>
+              </a:extLst>
+            </p:cNvPr>
+            <p:cNvGrpSpPr/>
+            <p:nvPr/>
+          </p:nvGrpSpPr>
+          <p:grpSpPr>
+            <a:xfrm>
+              <a:off x="6136639" y="1099933"/>
+              <a:ext cx="291515" cy="449809"/>
+              <a:chOff x="8305941" y="1473456"/>
+              <a:chExt cx="933868" cy="193200"/>
+            </a:xfrm>
+          </p:grpSpPr>
+          <p:cxnSp>
+            <p:nvCxnSpPr>
+              <p:cNvPr id="19" name="Straight Connector 18">
+                <a:extLst>
+                  <a:ext uri="{FF2B5EF4-FFF2-40B4-BE49-F238E27FC236}">
+                    <a16:creationId xmlns:a16="http://schemas.microsoft.com/office/drawing/2014/main" id="{9B55FA85-E6D1-F6F5-BF81-047A800038FE}"/>
+                  </a:ext>
+                </a:extLst>
+              </p:cNvPr>
+              <p:cNvCxnSpPr>
+                <a:cxnSpLocks/>
+              </p:cNvCxnSpPr>
+              <p:nvPr/>
+            </p:nvCxnSpPr>
+            <p:spPr>
+              <a:xfrm rot="10800000">
+                <a:off x="8305941" y="1568188"/>
+                <a:ext cx="933868" cy="0"/>
+              </a:xfrm>
+              <a:prstGeom prst="line">
+                <a:avLst/>
+              </a:prstGeom>
+              <a:ln w="28575">
+                <a:solidFill>
+                  <a:schemeClr val="tx1"/>
+                </a:solidFill>
+                <a:headEnd type="triangle" w="lg" len="lg"/>
+                <a:tailEnd type="none" w="lg" len="lg"/>
+              </a:ln>
+            </p:spPr>
+            <p:style>
+              <a:lnRef idx="1">
+                <a:schemeClr val="accent1"/>
+              </a:lnRef>
+              <a:fillRef idx="0">
+                <a:schemeClr val="accent1"/>
+              </a:fillRef>
+              <a:effectRef idx="0">
+                <a:schemeClr val="accent1"/>
+              </a:effectRef>
+              <a:fontRef idx="minor">
+                <a:schemeClr val="tx1"/>
+              </a:fontRef>
+            </p:style>
+          </p:cxnSp>
+          <p:cxnSp>
+            <p:nvCxnSpPr>
+              <p:cNvPr id="20" name="Straight Connector 19">
+                <a:extLst>
+                  <a:ext uri="{FF2B5EF4-FFF2-40B4-BE49-F238E27FC236}">
+                    <a16:creationId xmlns:a16="http://schemas.microsoft.com/office/drawing/2014/main" id="{5D6DC47D-3949-5E6D-21C3-5D00F6726924}"/>
+                  </a:ext>
+                </a:extLst>
+              </p:cNvPr>
+              <p:cNvCxnSpPr>
+                <a:cxnSpLocks/>
+              </p:cNvCxnSpPr>
+              <p:nvPr/>
+            </p:nvCxnSpPr>
+            <p:spPr>
+              <a:xfrm rot="10800000">
+                <a:off x="8305941" y="1473456"/>
+                <a:ext cx="0" cy="193200"/>
+              </a:xfrm>
+              <a:prstGeom prst="line">
+                <a:avLst/>
+              </a:prstGeom>
+              <a:ln w="28575">
+                <a:solidFill>
+                  <a:schemeClr val="tx1"/>
+                </a:solidFill>
+                <a:tailEnd w="med" len="lg"/>
+              </a:ln>
+            </p:spPr>
+            <p:style>
+              <a:lnRef idx="1">
+                <a:schemeClr val="accent1"/>
+              </a:lnRef>
+              <a:fillRef idx="0">
+                <a:schemeClr val="accent1"/>
+              </a:fillRef>
+              <a:effectRef idx="0">
+                <a:schemeClr val="accent1"/>
+              </a:effectRef>
+              <a:fontRef idx="minor">
+                <a:schemeClr val="tx1"/>
+              </a:fontRef>
+            </p:style>
+          </p:cxnSp>
+        </p:grpSp>
+        <mc:AlternateContent xmlns:mc="http://schemas.openxmlformats.org/markup-compatibility/2006">
+          <mc:Choice xmlns:a14="http://schemas.microsoft.com/office/drawing/2010/main" Requires="a14">
+            <p:sp>
+              <p:nvSpPr>
+                <p:cNvPr id="21" name="Oval 20">
+                  <a:extLst>
+                    <a:ext uri="{FF2B5EF4-FFF2-40B4-BE49-F238E27FC236}">
+                      <a16:creationId xmlns:a16="http://schemas.microsoft.com/office/drawing/2014/main" id="{185DC62F-6552-D010-6E07-3F06CEC48332}"/>
+                    </a:ext>
+                  </a:extLst>
+                </p:cNvPr>
+                <p:cNvSpPr/>
+                <p:nvPr/>
+              </p:nvSpPr>
+              <p:spPr>
+                <a:xfrm>
+                  <a:off x="6445433" y="804672"/>
+                  <a:ext cx="1005840" cy="1031631"/>
+                </a:xfrm>
+                <a:prstGeom prst="ellipse">
+                  <a:avLst/>
+                </a:prstGeom>
+                <a:noFill/>
+                <a:ln w="28575">
+                  <a:noFill/>
+                </a:ln>
+              </p:spPr>
+              <p:style>
+                <a:lnRef idx="2">
+                  <a:schemeClr val="accent1">
+                    <a:shade val="50000"/>
+                  </a:schemeClr>
+                </a:lnRef>
+                <a:fillRef idx="1">
+                  <a:schemeClr val="accent1"/>
+                </a:fillRef>
+                <a:effectRef idx="0">
+                  <a:schemeClr val="accent1"/>
+                </a:effectRef>
+                <a:fontRef idx="minor">
+                  <a:schemeClr val="lt1"/>
+                </a:fontRef>
+              </p:style>
+              <p:txBody>
+                <a:bodyPr lIns="91440" tIns="0" rIns="0" bIns="0" rtlCol="0" anchor="ctr"/>
+                <a:lstStyle/>
+                <a:p>
+                  <a:pPr algn="ctr"/>
+                  <a14:m>
+                    <m:oMathPara xmlns:m="http://schemas.openxmlformats.org/officeDocument/2006/math">
+                      <m:oMathParaPr>
+                        <m:jc m:val="center"/>
+                      </m:oMathParaPr>
+                      <m:oMath xmlns:m="http://schemas.openxmlformats.org/officeDocument/2006/math">
+                        <m:sSub>
+                          <m:sSubPr>
+                            <m:ctrlPr>
+                              <a:rPr lang="en-US" sz="3200" b="0" i="1" smtClean="0">
+                                <a:solidFill>
+                                  <a:schemeClr val="tx1"/>
+                                </a:solidFill>
+                                <a:latin typeface="Cambria Math" panose="02040503050406030204" pitchFamily="18" charset="0"/>
+                              </a:rPr>
+                            </m:ctrlPr>
+                          </m:sSubPr>
+                          <m:e>
+                            <m:r>
+                              <a:rPr lang="en-US" sz="3200" b="0" i="1" smtClean="0">
+                                <a:solidFill>
+                                  <a:schemeClr val="tx1"/>
+                                </a:solidFill>
+                                <a:latin typeface="Cambria Math" panose="02040503050406030204" pitchFamily="18" charset="0"/>
+                              </a:rPr>
+                              <m:t>𝑢</m:t>
+                            </m:r>
+                          </m:e>
+                          <m:sub>
+                            <m:r>
+                              <a:rPr lang="en-US" sz="3200" b="0" i="1" smtClean="0">
+                                <a:solidFill>
+                                  <a:schemeClr val="tx1"/>
+                                </a:solidFill>
+                                <a:latin typeface="Cambria Math" panose="02040503050406030204" pitchFamily="18" charset="0"/>
+                              </a:rPr>
+                              <m:t>𝑓</m:t>
+                            </m:r>
+                            <m:r>
+                              <a:rPr lang="en-US" sz="3200" b="0" i="1" smtClean="0">
+                                <a:solidFill>
+                                  <a:schemeClr val="tx1"/>
+                                </a:solidFill>
+                                <a:latin typeface="Cambria Math" panose="02040503050406030204" pitchFamily="18" charset="0"/>
+                              </a:rPr>
+                              <m:t>2</m:t>
+                            </m:r>
+                          </m:sub>
+                        </m:sSub>
+                        <m:d>
+                          <m:dPr>
+                            <m:ctrlPr>
+                              <a:rPr lang="en-US" sz="3200" b="0" i="1" smtClean="0">
+                                <a:solidFill>
+                                  <a:schemeClr val="tx1"/>
+                                </a:solidFill>
+                                <a:latin typeface="Cambria Math" panose="02040503050406030204" pitchFamily="18" charset="0"/>
+                              </a:rPr>
+                            </m:ctrlPr>
+                          </m:dPr>
+                          <m:e>
+                            <m:r>
+                              <a:rPr lang="en-US" sz="3200" b="0" i="1" smtClean="0">
+                                <a:solidFill>
+                                  <a:schemeClr val="tx1"/>
+                                </a:solidFill>
+                                <a:latin typeface="Cambria Math" panose="02040503050406030204" pitchFamily="18" charset="0"/>
+                              </a:rPr>
+                              <m:t>𝑡</m:t>
+                            </m:r>
+                          </m:e>
+                        </m:d>
+                      </m:oMath>
+                    </m:oMathPara>
+                  </a14:m>
+                  <a:endParaRPr lang="en-US" sz="3200" dirty="0">
+                    <a:solidFill>
+                      <a:schemeClr val="tx1"/>
+                    </a:solidFill>
+                  </a:endParaRPr>
+                </a:p>
+              </p:txBody>
+            </p:sp>
+          </mc:Choice>
+          <mc:Fallback>
+            <p:sp>
+              <p:nvSpPr>
+                <p:cNvPr id="21" name="Oval 20">
+                  <a:extLst>
+                    <a:ext uri="{FF2B5EF4-FFF2-40B4-BE49-F238E27FC236}">
+                      <a16:creationId xmlns:a16="http://schemas.microsoft.com/office/drawing/2014/main" id="{185DC62F-6552-D010-6E07-3F06CEC48332}"/>
+                    </a:ext>
+                  </a:extLst>
+                </p:cNvPr>
+                <p:cNvSpPr>
+                  <a:spLocks noRot="1" noChangeAspect="1" noMove="1" noResize="1" noEditPoints="1" noAdjustHandles="1" noChangeArrowheads="1" noChangeShapeType="1" noTextEdit="1"/>
+                </p:cNvSpPr>
+                <p:nvPr/>
+              </p:nvSpPr>
+              <p:spPr>
+                <a:xfrm>
+                  <a:off x="6445433" y="804672"/>
+                  <a:ext cx="1005840" cy="1031631"/>
+                </a:xfrm>
+                <a:prstGeom prst="ellipse">
+                  <a:avLst/>
+                </a:prstGeom>
+                <a:blipFill>
+                  <a:blip r:embed="rId7"/>
+                  <a:stretch>
+                    <a:fillRect l="-3636" r="-606"/>
+                  </a:stretch>
+                </a:blipFill>
+                <a:ln w="28575">
+                  <a:noFill/>
+                </a:ln>
+              </p:spPr>
+              <p:txBody>
+                <a:bodyPr/>
+                <a:lstStyle/>
+                <a:p>
+                  <a:r>
+                    <a:rPr lang="en-US">
+                      <a:noFill/>
+                    </a:rPr>
+                    <a:t> </a:t>
+                  </a:r>
+                </a:p>
+              </p:txBody>
+            </p:sp>
+          </mc:Fallback>
+        </mc:AlternateContent>
+        <p:grpSp>
+          <p:nvGrpSpPr>
+            <p:cNvPr id="22" name="Group 21">
+              <a:extLst>
+                <a:ext uri="{FF2B5EF4-FFF2-40B4-BE49-F238E27FC236}">
+                  <a16:creationId xmlns:a16="http://schemas.microsoft.com/office/drawing/2014/main" id="{701905EE-F164-E7E7-8A03-DEF4C3695829}"/>
+                </a:ext>
+              </a:extLst>
+            </p:cNvPr>
+            <p:cNvGrpSpPr/>
+            <p:nvPr/>
+          </p:nvGrpSpPr>
+          <p:grpSpPr>
+            <a:xfrm>
+              <a:off x="6131993" y="2777780"/>
+              <a:ext cx="291515" cy="449809"/>
+              <a:chOff x="8305941" y="1473456"/>
+              <a:chExt cx="933868" cy="193200"/>
+            </a:xfrm>
+          </p:grpSpPr>
+          <p:cxnSp>
+            <p:nvCxnSpPr>
+              <p:cNvPr id="23" name="Straight Connector 22">
+                <a:extLst>
+                  <a:ext uri="{FF2B5EF4-FFF2-40B4-BE49-F238E27FC236}">
+                    <a16:creationId xmlns:a16="http://schemas.microsoft.com/office/drawing/2014/main" id="{0B576F84-157A-06C7-0545-0A6D5D9F0C14}"/>
+                  </a:ext>
+                </a:extLst>
+              </p:cNvPr>
+              <p:cNvCxnSpPr>
+                <a:cxnSpLocks/>
+              </p:cNvCxnSpPr>
+              <p:nvPr/>
+            </p:nvCxnSpPr>
+            <p:spPr>
+              <a:xfrm rot="10800000">
+                <a:off x="8305941" y="1568188"/>
+                <a:ext cx="933868" cy="0"/>
+              </a:xfrm>
+              <a:prstGeom prst="line">
+                <a:avLst/>
+              </a:prstGeom>
+              <a:ln w="28575">
+                <a:solidFill>
+                  <a:schemeClr val="tx1"/>
+                </a:solidFill>
+                <a:headEnd type="triangle" w="lg" len="lg"/>
+                <a:tailEnd type="none" w="lg" len="lg"/>
+              </a:ln>
+            </p:spPr>
+            <p:style>
+              <a:lnRef idx="1">
+                <a:schemeClr val="accent1"/>
+              </a:lnRef>
+              <a:fillRef idx="0">
+                <a:schemeClr val="accent1"/>
+              </a:fillRef>
+              <a:effectRef idx="0">
+                <a:schemeClr val="accent1"/>
+              </a:effectRef>
+              <a:fontRef idx="minor">
+                <a:schemeClr val="tx1"/>
+              </a:fontRef>
+            </p:style>
+          </p:cxnSp>
+          <p:cxnSp>
+            <p:nvCxnSpPr>
+              <p:cNvPr id="24" name="Straight Connector 23">
+                <a:extLst>
+                  <a:ext uri="{FF2B5EF4-FFF2-40B4-BE49-F238E27FC236}">
+                    <a16:creationId xmlns:a16="http://schemas.microsoft.com/office/drawing/2014/main" id="{FC0623B2-084B-7F7D-3683-4370DC48E6EE}"/>
+                  </a:ext>
+                </a:extLst>
+              </p:cNvPr>
+              <p:cNvCxnSpPr>
+                <a:cxnSpLocks/>
+              </p:cNvCxnSpPr>
+              <p:nvPr/>
+            </p:nvCxnSpPr>
+            <p:spPr>
+              <a:xfrm rot="10800000">
+                <a:off x="8305941" y="1473456"/>
+                <a:ext cx="0" cy="193200"/>
+              </a:xfrm>
+              <a:prstGeom prst="line">
+                <a:avLst/>
+              </a:prstGeom>
+              <a:ln w="28575">
+                <a:solidFill>
+                  <a:schemeClr val="tx1"/>
+                </a:solidFill>
+                <a:tailEnd w="med" len="lg"/>
+              </a:ln>
+            </p:spPr>
+            <p:style>
+              <a:lnRef idx="1">
+                <a:schemeClr val="accent1"/>
+              </a:lnRef>
+              <a:fillRef idx="0">
+                <a:schemeClr val="accent1"/>
+              </a:fillRef>
+              <a:effectRef idx="0">
+                <a:schemeClr val="accent1"/>
+              </a:effectRef>
+              <a:fontRef idx="minor">
+                <a:schemeClr val="tx1"/>
+              </a:fontRef>
+            </p:style>
+          </p:cxnSp>
+        </p:grpSp>
+        <mc:AlternateContent xmlns:mc="http://schemas.openxmlformats.org/markup-compatibility/2006">
+          <mc:Choice xmlns:a14="http://schemas.microsoft.com/office/drawing/2010/main" Requires="a14">
+            <p:sp>
+              <p:nvSpPr>
+                <p:cNvPr id="25" name="Oval 24">
+                  <a:extLst>
+                    <a:ext uri="{FF2B5EF4-FFF2-40B4-BE49-F238E27FC236}">
+                      <a16:creationId xmlns:a16="http://schemas.microsoft.com/office/drawing/2014/main" id="{F138F2A0-C239-D66C-0DDF-FA3335A73CCB}"/>
+                    </a:ext>
+                  </a:extLst>
+                </p:cNvPr>
+                <p:cNvSpPr/>
+                <p:nvPr/>
+              </p:nvSpPr>
+              <p:spPr>
+                <a:xfrm>
+                  <a:off x="6440787" y="2482519"/>
+                  <a:ext cx="1005840" cy="1031631"/>
+                </a:xfrm>
+                <a:prstGeom prst="ellipse">
+                  <a:avLst/>
+                </a:prstGeom>
+                <a:noFill/>
+                <a:ln w="28575">
+                  <a:noFill/>
+                </a:ln>
+              </p:spPr>
+              <p:style>
+                <a:lnRef idx="2">
+                  <a:schemeClr val="accent1">
+                    <a:shade val="50000"/>
+                  </a:schemeClr>
+                </a:lnRef>
+                <a:fillRef idx="1">
+                  <a:schemeClr val="accent1"/>
+                </a:fillRef>
+                <a:effectRef idx="0">
+                  <a:schemeClr val="accent1"/>
+                </a:effectRef>
+                <a:fontRef idx="minor">
+                  <a:schemeClr val="lt1"/>
+                </a:fontRef>
+              </p:style>
+              <p:txBody>
+                <a:bodyPr lIns="91440" tIns="0" rIns="0" bIns="0" rtlCol="0" anchor="ctr"/>
+                <a:lstStyle/>
+                <a:p>
+                  <a:pPr algn="ctr"/>
+                  <a14:m>
+                    <m:oMathPara xmlns:m="http://schemas.openxmlformats.org/officeDocument/2006/math">
+                      <m:oMathParaPr>
+                        <m:jc m:val="center"/>
+                      </m:oMathParaPr>
+                      <m:oMath xmlns:m="http://schemas.openxmlformats.org/officeDocument/2006/math">
+                        <m:sSub>
+                          <m:sSubPr>
+                            <m:ctrlPr>
+                              <a:rPr lang="en-US" sz="3200" b="0" i="1" smtClean="0">
+                                <a:solidFill>
+                                  <a:schemeClr val="tx1"/>
+                                </a:solidFill>
+                                <a:latin typeface="Cambria Math" panose="02040503050406030204" pitchFamily="18" charset="0"/>
+                              </a:rPr>
+                            </m:ctrlPr>
+                          </m:sSubPr>
+                          <m:e>
+                            <m:r>
+                              <a:rPr lang="en-US" sz="3200" b="0" i="1" smtClean="0">
+                                <a:solidFill>
+                                  <a:schemeClr val="tx1"/>
+                                </a:solidFill>
+                                <a:latin typeface="Cambria Math" panose="02040503050406030204" pitchFamily="18" charset="0"/>
+                              </a:rPr>
+                              <m:t>𝑢</m:t>
+                            </m:r>
+                          </m:e>
+                          <m:sub>
+                            <m:r>
+                              <a:rPr lang="en-US" sz="3200" b="0" i="1" smtClean="0">
+                                <a:solidFill>
+                                  <a:schemeClr val="tx1"/>
+                                </a:solidFill>
+                                <a:latin typeface="Cambria Math" panose="02040503050406030204" pitchFamily="18" charset="0"/>
+                              </a:rPr>
+                              <m:t>𝑓</m:t>
+                            </m:r>
+                            <m:r>
+                              <a:rPr lang="en-US" sz="3200" b="0" i="1" smtClean="0">
+                                <a:solidFill>
+                                  <a:schemeClr val="tx1"/>
+                                </a:solidFill>
+                                <a:latin typeface="Cambria Math" panose="02040503050406030204" pitchFamily="18" charset="0"/>
+                              </a:rPr>
+                              <m:t>1</m:t>
+                            </m:r>
+                          </m:sub>
+                        </m:sSub>
+                        <m:d>
+                          <m:dPr>
+                            <m:ctrlPr>
+                              <a:rPr lang="en-US" sz="3200" b="0" i="1" smtClean="0">
+                                <a:solidFill>
+                                  <a:schemeClr val="tx1"/>
+                                </a:solidFill>
+                                <a:latin typeface="Cambria Math" panose="02040503050406030204" pitchFamily="18" charset="0"/>
+                              </a:rPr>
+                            </m:ctrlPr>
+                          </m:dPr>
+                          <m:e>
+                            <m:r>
+                              <a:rPr lang="en-US" sz="3200" b="0" i="1" smtClean="0">
+                                <a:solidFill>
+                                  <a:schemeClr val="tx1"/>
+                                </a:solidFill>
+                                <a:latin typeface="Cambria Math" panose="02040503050406030204" pitchFamily="18" charset="0"/>
+                              </a:rPr>
+                              <m:t>𝑡</m:t>
+                            </m:r>
+                          </m:e>
+                        </m:d>
+                      </m:oMath>
+                    </m:oMathPara>
+                  </a14:m>
+                  <a:endParaRPr lang="en-US" sz="3200" dirty="0">
+                    <a:solidFill>
+                      <a:schemeClr val="tx1"/>
+                    </a:solidFill>
+                  </a:endParaRPr>
+                </a:p>
+              </p:txBody>
+            </p:sp>
+          </mc:Choice>
+          <mc:Fallback>
+            <p:sp>
+              <p:nvSpPr>
+                <p:cNvPr id="25" name="Oval 24">
+                  <a:extLst>
+                    <a:ext uri="{FF2B5EF4-FFF2-40B4-BE49-F238E27FC236}">
+                      <a16:creationId xmlns:a16="http://schemas.microsoft.com/office/drawing/2014/main" id="{F138F2A0-C239-D66C-0DDF-FA3335A73CCB}"/>
+                    </a:ext>
+                  </a:extLst>
+                </p:cNvPr>
+                <p:cNvSpPr>
+                  <a:spLocks noRot="1" noChangeAspect="1" noMove="1" noResize="1" noEditPoints="1" noAdjustHandles="1" noChangeArrowheads="1" noChangeShapeType="1" noTextEdit="1"/>
+                </p:cNvSpPr>
+                <p:nvPr/>
+              </p:nvSpPr>
+              <p:spPr>
+                <a:xfrm>
+                  <a:off x="6440787" y="2482519"/>
+                  <a:ext cx="1005840" cy="1031631"/>
+                </a:xfrm>
+                <a:prstGeom prst="ellipse">
+                  <a:avLst/>
+                </a:prstGeom>
+                <a:blipFill>
+                  <a:blip r:embed="rId8"/>
+                  <a:stretch>
+                    <a:fillRect l="-3636" r="-606"/>
+                  </a:stretch>
+                </a:blipFill>
+                <a:ln w="28575">
+                  <a:noFill/>
+                </a:ln>
+              </p:spPr>
+              <p:txBody>
+                <a:bodyPr/>
+                <a:lstStyle/>
+                <a:p>
+                  <a:r>
+                    <a:rPr lang="en-US">
+                      <a:noFill/>
+                    </a:rPr>
+                    <a:t> </a:t>
+                  </a:r>
+                </a:p>
+              </p:txBody>
+            </p:sp>
+          </mc:Fallback>
+        </mc:AlternateContent>
+      </p:grpSp>
+    </p:spTree>
+    <p:extLst>
+      <p:ext uri="{BB962C8B-B14F-4D97-AF65-F5344CB8AC3E}">
+        <p14:creationId xmlns:p14="http://schemas.microsoft.com/office/powerpoint/2010/main" val="2660596087"/>
+      </p:ext>
+    </p:extLst>
+  </p:cSld>
+  <p:clrMapOvr>
+    <a:masterClrMapping/>
+  </p:clrMapOvr>
+</p:sld>
+</file>
+
 <file path=ppt/theme/theme1.xml><?xml version="1.0" encoding="utf-8"?>
 <a:theme xmlns:a="http://schemas.openxmlformats.org/drawingml/2006/main" name="Office Theme">
   <a:themeElements>

--- a/notebooks/figures/figures.pptx
+++ b/notebooks/figures/figures.pptx
@@ -6,12 +6,14 @@
   </p:sldMasterIdLst>
   <p:sldIdLst>
     <p:sldId id="256" r:id="rId2"/>
-    <p:sldId id="257" r:id="rId3"/>
-    <p:sldId id="258" r:id="rId4"/>
-    <p:sldId id="259" r:id="rId5"/>
-    <p:sldId id="277" r:id="rId6"/>
-    <p:sldId id="275" r:id="rId7"/>
-    <p:sldId id="276" r:id="rId8"/>
+    <p:sldId id="279" r:id="rId3"/>
+    <p:sldId id="257" r:id="rId4"/>
+    <p:sldId id="258" r:id="rId5"/>
+    <p:sldId id="259" r:id="rId6"/>
+    <p:sldId id="277" r:id="rId7"/>
+    <p:sldId id="278" r:id="rId8"/>
+    <p:sldId id="275" r:id="rId9"/>
+    <p:sldId id="276" r:id="rId10"/>
   </p:sldIdLst>
   <p:sldSz cx="12192000" cy="6858000"/>
   <p:notesSz cx="6858000" cy="9144000"/>
@@ -265,7 +267,7 @@
           <a:p>
             <a:fld id="{7B7E3A87-DBF6-40F8-9BE1-04D2400D4D51}" type="datetimeFigureOut">
               <a:rPr lang="en-US" smtClean="0"/>
-              <a:t>9/20/2023</a:t>
+              <a:t>10/2/2023</a:t>
             </a:fld>
             <a:endParaRPr lang="en-US"/>
           </a:p>
@@ -463,7 +465,7 @@
           <a:p>
             <a:fld id="{7B7E3A87-DBF6-40F8-9BE1-04D2400D4D51}" type="datetimeFigureOut">
               <a:rPr lang="en-US" smtClean="0"/>
-              <a:t>9/20/2023</a:t>
+              <a:t>10/2/2023</a:t>
             </a:fld>
             <a:endParaRPr lang="en-US"/>
           </a:p>
@@ -671,7 +673,7 @@
           <a:p>
             <a:fld id="{7B7E3A87-DBF6-40F8-9BE1-04D2400D4D51}" type="datetimeFigureOut">
               <a:rPr lang="en-US" smtClean="0"/>
-              <a:t>9/20/2023</a:t>
+              <a:t>10/2/2023</a:t>
             </a:fld>
             <a:endParaRPr lang="en-US"/>
           </a:p>
@@ -869,7 +871,7 @@
           <a:p>
             <a:fld id="{7B7E3A87-DBF6-40F8-9BE1-04D2400D4D51}" type="datetimeFigureOut">
               <a:rPr lang="en-US" smtClean="0"/>
-              <a:t>9/20/2023</a:t>
+              <a:t>10/2/2023</a:t>
             </a:fld>
             <a:endParaRPr lang="en-US"/>
           </a:p>
@@ -1144,7 +1146,7 @@
           <a:p>
             <a:fld id="{7B7E3A87-DBF6-40F8-9BE1-04D2400D4D51}" type="datetimeFigureOut">
               <a:rPr lang="en-US" smtClean="0"/>
-              <a:t>9/20/2023</a:t>
+              <a:t>10/2/2023</a:t>
             </a:fld>
             <a:endParaRPr lang="en-US"/>
           </a:p>
@@ -1409,7 +1411,7 @@
           <a:p>
             <a:fld id="{7B7E3A87-DBF6-40F8-9BE1-04D2400D4D51}" type="datetimeFigureOut">
               <a:rPr lang="en-US" smtClean="0"/>
-              <a:t>9/20/2023</a:t>
+              <a:t>10/2/2023</a:t>
             </a:fld>
             <a:endParaRPr lang="en-US"/>
           </a:p>
@@ -1821,7 +1823,7 @@
           <a:p>
             <a:fld id="{7B7E3A87-DBF6-40F8-9BE1-04D2400D4D51}" type="datetimeFigureOut">
               <a:rPr lang="en-US" smtClean="0"/>
-              <a:t>9/20/2023</a:t>
+              <a:t>10/2/2023</a:t>
             </a:fld>
             <a:endParaRPr lang="en-US"/>
           </a:p>
@@ -1962,7 +1964,7 @@
           <a:p>
             <a:fld id="{7B7E3A87-DBF6-40F8-9BE1-04D2400D4D51}" type="datetimeFigureOut">
               <a:rPr lang="en-US" smtClean="0"/>
-              <a:t>9/20/2023</a:t>
+              <a:t>10/2/2023</a:t>
             </a:fld>
             <a:endParaRPr lang="en-US"/>
           </a:p>
@@ -2075,7 +2077,7 @@
           <a:p>
             <a:fld id="{7B7E3A87-DBF6-40F8-9BE1-04D2400D4D51}" type="datetimeFigureOut">
               <a:rPr lang="en-US" smtClean="0"/>
-              <a:t>9/20/2023</a:t>
+              <a:t>10/2/2023</a:t>
             </a:fld>
             <a:endParaRPr lang="en-US"/>
           </a:p>
@@ -2386,7 +2388,7 @@
           <a:p>
             <a:fld id="{7B7E3A87-DBF6-40F8-9BE1-04D2400D4D51}" type="datetimeFigureOut">
               <a:rPr lang="en-US" smtClean="0"/>
-              <a:t>9/20/2023</a:t>
+              <a:t>10/2/2023</a:t>
             </a:fld>
             <a:endParaRPr lang="en-US"/>
           </a:p>
@@ -2674,7 +2676,7 @@
           <a:p>
             <a:fld id="{7B7E3A87-DBF6-40F8-9BE1-04D2400D4D51}" type="datetimeFigureOut">
               <a:rPr lang="en-US" smtClean="0"/>
-              <a:t>9/20/2023</a:t>
+              <a:t>10/2/2023</a:t>
             </a:fld>
             <a:endParaRPr lang="en-US"/>
           </a:p>
@@ -2915,7 +2917,7 @@
           <a:p>
             <a:fld id="{7B7E3A87-DBF6-40F8-9BE1-04D2400D4D51}" type="datetimeFigureOut">
               <a:rPr lang="en-US" smtClean="0"/>
-              <a:t>9/20/2023</a:t>
+              <a:t>10/2/2023</a:t>
             </a:fld>
             <a:endParaRPr lang="en-US"/>
           </a:p>
@@ -4304,6 +4306,924 @@
       </p:grpSpPr>
       <p:sp>
         <p:nvSpPr>
+          <p:cNvPr id="6" name="Rectangle 5">
+            <a:extLst>
+              <a:ext uri="{FF2B5EF4-FFF2-40B4-BE49-F238E27FC236}">
+                <a16:creationId xmlns:a16="http://schemas.microsoft.com/office/drawing/2014/main" id="{7ECC9F71-0590-4C83-F7BB-CB60B87BECBB}"/>
+              </a:ext>
+            </a:extLst>
+          </p:cNvPr>
+          <p:cNvSpPr/>
+          <p:nvPr/>
+        </p:nvSpPr>
+        <p:spPr>
+          <a:xfrm>
+            <a:off x="1551709" y="1001486"/>
+            <a:ext cx="2624447" cy="2881745"/>
+          </a:xfrm>
+          <a:prstGeom prst="rect">
+            <a:avLst/>
+          </a:prstGeom>
+          <a:solidFill>
+            <a:schemeClr val="bg1"/>
+          </a:solidFill>
+          <a:ln>
+            <a:noFill/>
+          </a:ln>
+        </p:spPr>
+        <p:style>
+          <a:lnRef idx="2">
+            <a:schemeClr val="accent1">
+              <a:shade val="15000"/>
+            </a:schemeClr>
+          </a:lnRef>
+          <a:fillRef idx="1">
+            <a:schemeClr val="accent1"/>
+          </a:fillRef>
+          <a:effectRef idx="0">
+            <a:schemeClr val="accent1"/>
+          </a:effectRef>
+          <a:fontRef idx="minor">
+            <a:schemeClr val="lt1"/>
+          </a:fontRef>
+        </p:style>
+        <p:txBody>
+          <a:bodyPr rtlCol="0" anchor="ctr"/>
+          <a:lstStyle/>
+          <a:p>
+            <a:pPr algn="ctr"/>
+            <a:endParaRPr lang="en-US"/>
+          </a:p>
+        </p:txBody>
+      </p:sp>
+      <p:grpSp>
+        <p:nvGrpSpPr>
+          <p:cNvPr id="3" name="Group 2">
+            <a:extLst>
+              <a:ext uri="{FF2B5EF4-FFF2-40B4-BE49-F238E27FC236}">
+                <a16:creationId xmlns:a16="http://schemas.microsoft.com/office/drawing/2014/main" id="{DC6F3C5C-3656-4EEC-C3FD-90FC267E9B4A}"/>
+              </a:ext>
+            </a:extLst>
+          </p:cNvPr>
+          <p:cNvGrpSpPr/>
+          <p:nvPr/>
+        </p:nvGrpSpPr>
+        <p:grpSpPr>
+          <a:xfrm>
+            <a:off x="1892300" y="1576121"/>
+            <a:ext cx="1858488" cy="1516329"/>
+            <a:chOff x="1892300" y="1576121"/>
+            <a:chExt cx="1858488" cy="1516329"/>
+          </a:xfrm>
+        </p:grpSpPr>
+        <p:sp>
+          <p:nvSpPr>
+            <p:cNvPr id="4" name="Rectangle 3">
+              <a:extLst>
+                <a:ext uri="{FF2B5EF4-FFF2-40B4-BE49-F238E27FC236}">
+                  <a16:creationId xmlns:a16="http://schemas.microsoft.com/office/drawing/2014/main" id="{5DA7C472-A3E6-375F-31E2-D28720919613}"/>
+                </a:ext>
+              </a:extLst>
+            </p:cNvPr>
+            <p:cNvSpPr/>
+            <p:nvPr/>
+          </p:nvSpPr>
+          <p:spPr>
+            <a:xfrm>
+              <a:off x="1892300" y="1576121"/>
+              <a:ext cx="357135" cy="1516329"/>
+            </a:xfrm>
+            <a:prstGeom prst="rect">
+              <a:avLst/>
+            </a:prstGeom>
+            <a:solidFill>
+              <a:schemeClr val="bg1">
+                <a:lumMod val="65000"/>
+              </a:schemeClr>
+            </a:solidFill>
+            <a:ln>
+              <a:noFill/>
+            </a:ln>
+          </p:spPr>
+          <p:style>
+            <a:lnRef idx="2">
+              <a:schemeClr val="accent1">
+                <a:shade val="50000"/>
+              </a:schemeClr>
+            </a:lnRef>
+            <a:fillRef idx="1">
+              <a:schemeClr val="accent1"/>
+            </a:fillRef>
+            <a:effectRef idx="0">
+              <a:schemeClr val="accent1"/>
+            </a:effectRef>
+            <a:fontRef idx="minor">
+              <a:schemeClr val="lt1"/>
+            </a:fontRef>
+          </p:style>
+          <p:txBody>
+            <a:bodyPr rtlCol="0" anchor="ctr"/>
+            <a:lstStyle/>
+            <a:p>
+              <a:pPr algn="ctr"/>
+              <a:endParaRPr lang="en-US" sz="1050"/>
+            </a:p>
+          </p:txBody>
+        </p:sp>
+        <mc:AlternateContent xmlns:mc="http://schemas.openxmlformats.org/markup-compatibility/2006">
+          <mc:Choice xmlns:a14="http://schemas.microsoft.com/office/drawing/2010/main" Requires="a14">
+            <p:sp>
+              <p:nvSpPr>
+                <p:cNvPr id="5" name="Rectangle 4">
+                  <a:extLst>
+                    <a:ext uri="{FF2B5EF4-FFF2-40B4-BE49-F238E27FC236}">
+                      <a16:creationId xmlns:a16="http://schemas.microsoft.com/office/drawing/2014/main" id="{D62B6866-38EB-C4D4-643E-88BD2448B461}"/>
+                    </a:ext>
+                  </a:extLst>
+                </p:cNvPr>
+                <p:cNvSpPr/>
+                <p:nvPr/>
+              </p:nvSpPr>
+              <p:spPr>
+                <a:xfrm>
+                  <a:off x="2776469" y="2000690"/>
+                  <a:ext cx="974319" cy="678729"/>
+                </a:xfrm>
+                <a:prstGeom prst="rect">
+                  <a:avLst/>
+                </a:prstGeom>
+                <a:noFill/>
+                <a:ln w="19050">
+                  <a:solidFill>
+                    <a:schemeClr val="tx1"/>
+                  </a:solidFill>
+                </a:ln>
+              </p:spPr>
+              <p:style>
+                <a:lnRef idx="2">
+                  <a:schemeClr val="accent1">
+                    <a:shade val="50000"/>
+                  </a:schemeClr>
+                </a:lnRef>
+                <a:fillRef idx="1">
+                  <a:schemeClr val="accent1"/>
+                </a:fillRef>
+                <a:effectRef idx="0">
+                  <a:schemeClr val="accent1"/>
+                </a:effectRef>
+                <a:fontRef idx="minor">
+                  <a:schemeClr val="lt1"/>
+                </a:fontRef>
+              </p:style>
+              <p:txBody>
+                <a:bodyPr rtlCol="0" anchor="ctr"/>
+                <a:lstStyle/>
+                <a:p>
+                  <a:pPr algn="ctr"/>
+                  <a14:m>
+                    <m:oMathPara xmlns:m="http://schemas.openxmlformats.org/officeDocument/2006/math">
+                      <m:oMathParaPr>
+                        <m:jc m:val="centerGroup"/>
+                      </m:oMathParaPr>
+                      <m:oMath xmlns:m="http://schemas.openxmlformats.org/officeDocument/2006/math">
+                        <m:r>
+                          <a:rPr lang="en-US" sz="2800" i="1" dirty="0" smtClean="0">
+                            <a:solidFill>
+                              <a:schemeClr val="tx1"/>
+                            </a:solidFill>
+                            <a:latin typeface="Cambria Math" panose="02040503050406030204" pitchFamily="18" charset="0"/>
+                          </a:rPr>
+                          <m:t>𝑚</m:t>
+                        </m:r>
+                      </m:oMath>
+                    </m:oMathPara>
+                  </a14:m>
+                  <a:endParaRPr lang="en-US" sz="2800" dirty="0">
+                    <a:solidFill>
+                      <a:schemeClr val="tx1"/>
+                    </a:solidFill>
+                  </a:endParaRPr>
+                </a:p>
+              </p:txBody>
+            </p:sp>
+          </mc:Choice>
+          <mc:Fallback>
+            <p:sp>
+              <p:nvSpPr>
+                <p:cNvPr id="5" name="Rectangle 4">
+                  <a:extLst>
+                    <a:ext uri="{FF2B5EF4-FFF2-40B4-BE49-F238E27FC236}">
+                      <a16:creationId xmlns:a16="http://schemas.microsoft.com/office/drawing/2014/main" id="{D62B6866-38EB-C4D4-643E-88BD2448B461}"/>
+                    </a:ext>
+                  </a:extLst>
+                </p:cNvPr>
+                <p:cNvSpPr>
+                  <a:spLocks noRot="1" noChangeAspect="1" noMove="1" noResize="1" noEditPoints="1" noAdjustHandles="1" noChangeArrowheads="1" noChangeShapeType="1" noTextEdit="1"/>
+                </p:cNvSpPr>
+                <p:nvPr/>
+              </p:nvSpPr>
+              <p:spPr>
+                <a:xfrm>
+                  <a:off x="2776469" y="2000690"/>
+                  <a:ext cx="974319" cy="678729"/>
+                </a:xfrm>
+                <a:prstGeom prst="rect">
+                  <a:avLst/>
+                </a:prstGeom>
+                <a:blipFill>
+                  <a:blip r:embed="rId2"/>
+                  <a:stretch>
+                    <a:fillRect/>
+                  </a:stretch>
+                </a:blipFill>
+                <a:ln w="19050">
+                  <a:solidFill>
+                    <a:schemeClr val="tx1"/>
+                  </a:solidFill>
+                </a:ln>
+              </p:spPr>
+              <p:txBody>
+                <a:bodyPr/>
+                <a:lstStyle/>
+                <a:p>
+                  <a:r>
+                    <a:rPr lang="en-US">
+                      <a:noFill/>
+                    </a:rPr>
+                    <a:t> </a:t>
+                  </a:r>
+                </a:p>
+              </p:txBody>
+            </p:sp>
+          </mc:Fallback>
+        </mc:AlternateContent>
+        <p:cxnSp>
+          <p:nvCxnSpPr>
+            <p:cNvPr id="7" name="Straight Connector 6">
+              <a:extLst>
+                <a:ext uri="{FF2B5EF4-FFF2-40B4-BE49-F238E27FC236}">
+                  <a16:creationId xmlns:a16="http://schemas.microsoft.com/office/drawing/2014/main" id="{0BD9622B-4784-76B2-CAB0-BF5620A1BD57}"/>
+                </a:ext>
+              </a:extLst>
+            </p:cNvPr>
+            <p:cNvCxnSpPr>
+              <a:cxnSpLocks/>
+            </p:cNvCxnSpPr>
+            <p:nvPr/>
+          </p:nvCxnSpPr>
+          <p:spPr>
+            <a:xfrm>
+              <a:off x="2249435" y="1576121"/>
+              <a:ext cx="0" cy="1516329"/>
+            </a:xfrm>
+            <a:prstGeom prst="line">
+              <a:avLst/>
+            </a:prstGeom>
+            <a:noFill/>
+            <a:ln w="19050">
+              <a:solidFill>
+                <a:schemeClr val="tx1"/>
+              </a:solidFill>
+            </a:ln>
+          </p:spPr>
+          <p:style>
+            <a:lnRef idx="2">
+              <a:schemeClr val="accent1">
+                <a:shade val="50000"/>
+              </a:schemeClr>
+            </a:lnRef>
+            <a:fillRef idx="1">
+              <a:schemeClr val="accent1"/>
+            </a:fillRef>
+            <a:effectRef idx="0">
+              <a:schemeClr val="accent1"/>
+            </a:effectRef>
+            <a:fontRef idx="minor">
+              <a:schemeClr val="lt1"/>
+            </a:fontRef>
+          </p:style>
+        </p:cxnSp>
+        <p:sp>
+          <p:nvSpPr>
+            <p:cNvPr id="24" name="Freeform: Shape 23">
+              <a:extLst>
+                <a:ext uri="{FF2B5EF4-FFF2-40B4-BE49-F238E27FC236}">
+                  <a16:creationId xmlns:a16="http://schemas.microsoft.com/office/drawing/2014/main" id="{6FF76099-A5A3-7C32-3BF3-B7D02A8C18EE}"/>
+                </a:ext>
+              </a:extLst>
+            </p:cNvPr>
+            <p:cNvSpPr/>
+            <p:nvPr/>
+          </p:nvSpPr>
+          <p:spPr>
+            <a:xfrm>
+              <a:off x="2249435" y="2062312"/>
+              <a:ext cx="527033" cy="223643"/>
+            </a:xfrm>
+            <a:custGeom>
+              <a:avLst/>
+              <a:gdLst>
+                <a:gd name="connsiteX0" fmla="*/ 0 w 5181600"/>
+                <a:gd name="connsiteY0" fmla="*/ 831850 h 1670050"/>
+                <a:gd name="connsiteX1" fmla="*/ 1104900 w 5181600"/>
+                <a:gd name="connsiteY1" fmla="*/ 831850 h 1670050"/>
+                <a:gd name="connsiteX2" fmla="*/ 1476375 w 5181600"/>
+                <a:gd name="connsiteY2" fmla="*/ 0 h 1670050"/>
+                <a:gd name="connsiteX3" fmla="*/ 2216150 w 5181600"/>
+                <a:gd name="connsiteY3" fmla="*/ 1663700 h 1670050"/>
+                <a:gd name="connsiteX4" fmla="*/ 2959100 w 5181600"/>
+                <a:gd name="connsiteY4" fmla="*/ 3175 h 1670050"/>
+                <a:gd name="connsiteX5" fmla="*/ 3692525 w 5181600"/>
+                <a:gd name="connsiteY5" fmla="*/ 1670050 h 1670050"/>
+                <a:gd name="connsiteX6" fmla="*/ 4060825 w 5181600"/>
+                <a:gd name="connsiteY6" fmla="*/ 835025 h 1670050"/>
+                <a:gd name="connsiteX7" fmla="*/ 5181600 w 5181600"/>
+                <a:gd name="connsiteY7" fmla="*/ 835025 h 1670050"/>
+              </a:gdLst>
+              <a:ahLst/>
+              <a:cxnLst>
+                <a:cxn ang="0">
+                  <a:pos x="connsiteX0" y="connsiteY0"/>
+                </a:cxn>
+                <a:cxn ang="0">
+                  <a:pos x="connsiteX1" y="connsiteY1"/>
+                </a:cxn>
+                <a:cxn ang="0">
+                  <a:pos x="connsiteX2" y="connsiteY2"/>
+                </a:cxn>
+                <a:cxn ang="0">
+                  <a:pos x="connsiteX3" y="connsiteY3"/>
+                </a:cxn>
+                <a:cxn ang="0">
+                  <a:pos x="connsiteX4" y="connsiteY4"/>
+                </a:cxn>
+                <a:cxn ang="0">
+                  <a:pos x="connsiteX5" y="connsiteY5"/>
+                </a:cxn>
+                <a:cxn ang="0">
+                  <a:pos x="connsiteX6" y="connsiteY6"/>
+                </a:cxn>
+                <a:cxn ang="0">
+                  <a:pos x="connsiteX7" y="connsiteY7"/>
+                </a:cxn>
+              </a:cxnLst>
+              <a:rect l="l" t="t" r="r" b="b"/>
+              <a:pathLst>
+                <a:path w="5181600" h="1670050">
+                  <a:moveTo>
+                    <a:pt x="0" y="831850"/>
+                  </a:moveTo>
+                  <a:lnTo>
+                    <a:pt x="1104900" y="831850"/>
+                  </a:lnTo>
+                  <a:lnTo>
+                    <a:pt x="1476375" y="0"/>
+                  </a:lnTo>
+                  <a:lnTo>
+                    <a:pt x="2216150" y="1663700"/>
+                  </a:lnTo>
+                  <a:lnTo>
+                    <a:pt x="2959100" y="3175"/>
+                  </a:lnTo>
+                  <a:lnTo>
+                    <a:pt x="3692525" y="1670050"/>
+                  </a:lnTo>
+                  <a:lnTo>
+                    <a:pt x="4060825" y="835025"/>
+                  </a:lnTo>
+                  <a:lnTo>
+                    <a:pt x="5181600" y="835025"/>
+                  </a:lnTo>
+                </a:path>
+              </a:pathLst>
+            </a:custGeom>
+            <a:noFill/>
+            <a:ln w="19050">
+              <a:solidFill>
+                <a:schemeClr val="tx1"/>
+              </a:solidFill>
+            </a:ln>
+          </p:spPr>
+          <p:style>
+            <a:lnRef idx="2">
+              <a:schemeClr val="accent1">
+                <a:shade val="50000"/>
+              </a:schemeClr>
+            </a:lnRef>
+            <a:fillRef idx="1">
+              <a:schemeClr val="accent1"/>
+            </a:fillRef>
+            <a:effectRef idx="0">
+              <a:schemeClr val="accent1"/>
+            </a:effectRef>
+            <a:fontRef idx="minor">
+              <a:schemeClr val="lt1"/>
+            </a:fontRef>
+          </p:style>
+          <p:txBody>
+            <a:bodyPr rtlCol="0" anchor="ctr"/>
+            <a:lstStyle/>
+            <a:p>
+              <a:pPr algn="ctr"/>
+              <a:endParaRPr lang="en-US" sz="1050">
+                <a:solidFill>
+                  <a:schemeClr val="lt1"/>
+                </a:solidFill>
+              </a:endParaRPr>
+            </a:p>
+          </p:txBody>
+        </p:sp>
+        <p:sp>
+          <p:nvSpPr>
+            <p:cNvPr id="26" name="Freeform: Shape 25">
+              <a:extLst>
+                <a:ext uri="{FF2B5EF4-FFF2-40B4-BE49-F238E27FC236}">
+                  <a16:creationId xmlns:a16="http://schemas.microsoft.com/office/drawing/2014/main" id="{349A36AC-BA32-5E2D-F1EF-BE8FA2BFBB10}"/>
+                </a:ext>
+              </a:extLst>
+            </p:cNvPr>
+            <p:cNvSpPr/>
+            <p:nvPr/>
+          </p:nvSpPr>
+          <p:spPr>
+            <a:xfrm>
+              <a:off x="2470694" y="2397256"/>
+              <a:ext cx="205222" cy="225376"/>
+            </a:xfrm>
+            <a:custGeom>
+              <a:avLst/>
+              <a:gdLst>
+                <a:gd name="connsiteX0" fmla="*/ 3175 w 377825"/>
+                <a:gd name="connsiteY0" fmla="*/ 0 h 412750"/>
+                <a:gd name="connsiteX1" fmla="*/ 377825 w 377825"/>
+                <a:gd name="connsiteY1" fmla="*/ 0 h 412750"/>
+                <a:gd name="connsiteX2" fmla="*/ 377825 w 377825"/>
+                <a:gd name="connsiteY2" fmla="*/ 412750 h 412750"/>
+                <a:gd name="connsiteX3" fmla="*/ 12700 w 377825"/>
+                <a:gd name="connsiteY3" fmla="*/ 412750 h 412750"/>
+                <a:gd name="connsiteX4" fmla="*/ 0 w 377825"/>
+                <a:gd name="connsiteY4" fmla="*/ 161925 h 412750"/>
+                <a:gd name="connsiteX0" fmla="*/ 3175 w 377825"/>
+                <a:gd name="connsiteY0" fmla="*/ 0 h 412750"/>
+                <a:gd name="connsiteX1" fmla="*/ 377825 w 377825"/>
+                <a:gd name="connsiteY1" fmla="*/ 0 h 412750"/>
+                <a:gd name="connsiteX2" fmla="*/ 377825 w 377825"/>
+                <a:gd name="connsiteY2" fmla="*/ 412750 h 412750"/>
+                <a:gd name="connsiteX3" fmla="*/ 1985 w 377825"/>
+                <a:gd name="connsiteY3" fmla="*/ 412750 h 412750"/>
+                <a:gd name="connsiteX4" fmla="*/ 0 w 377825"/>
+                <a:gd name="connsiteY4" fmla="*/ 161925 h 412750"/>
+                <a:gd name="connsiteX0" fmla="*/ 1190 w 375840"/>
+                <a:gd name="connsiteY0" fmla="*/ 0 h 412750"/>
+                <a:gd name="connsiteX1" fmla="*/ 375840 w 375840"/>
+                <a:gd name="connsiteY1" fmla="*/ 0 h 412750"/>
+                <a:gd name="connsiteX2" fmla="*/ 375840 w 375840"/>
+                <a:gd name="connsiteY2" fmla="*/ 412750 h 412750"/>
+                <a:gd name="connsiteX3" fmla="*/ 0 w 375840"/>
+                <a:gd name="connsiteY3" fmla="*/ 412750 h 412750"/>
+              </a:gdLst>
+              <a:ahLst/>
+              <a:cxnLst>
+                <a:cxn ang="0">
+                  <a:pos x="connsiteX0" y="connsiteY0"/>
+                </a:cxn>
+                <a:cxn ang="0">
+                  <a:pos x="connsiteX1" y="connsiteY1"/>
+                </a:cxn>
+                <a:cxn ang="0">
+                  <a:pos x="connsiteX2" y="connsiteY2"/>
+                </a:cxn>
+                <a:cxn ang="0">
+                  <a:pos x="connsiteX3" y="connsiteY3"/>
+                </a:cxn>
+              </a:cxnLst>
+              <a:rect l="l" t="t" r="r" b="b"/>
+              <a:pathLst>
+                <a:path w="375840" h="412750">
+                  <a:moveTo>
+                    <a:pt x="1190" y="0"/>
+                  </a:moveTo>
+                  <a:lnTo>
+                    <a:pt x="375840" y="0"/>
+                  </a:lnTo>
+                  <a:lnTo>
+                    <a:pt x="375840" y="412750"/>
+                  </a:lnTo>
+                  <a:lnTo>
+                    <a:pt x="0" y="412750"/>
+                  </a:lnTo>
+                </a:path>
+              </a:pathLst>
+            </a:custGeom>
+            <a:noFill/>
+            <a:ln w="19050">
+              <a:solidFill>
+                <a:schemeClr val="tx1"/>
+              </a:solidFill>
+            </a:ln>
+          </p:spPr>
+          <p:style>
+            <a:lnRef idx="2">
+              <a:schemeClr val="accent1">
+                <a:shade val="50000"/>
+              </a:schemeClr>
+            </a:lnRef>
+            <a:fillRef idx="1">
+              <a:schemeClr val="accent1"/>
+            </a:fillRef>
+            <a:effectRef idx="0">
+              <a:schemeClr val="accent1"/>
+            </a:effectRef>
+            <a:fontRef idx="minor">
+              <a:schemeClr val="lt1"/>
+            </a:fontRef>
+          </p:style>
+          <p:txBody>
+            <a:bodyPr rtlCol="0" anchor="ctr"/>
+            <a:lstStyle/>
+            <a:p>
+              <a:pPr algn="ctr"/>
+              <a:endParaRPr lang="en-US" sz="1050"/>
+            </a:p>
+          </p:txBody>
+        </p:sp>
+        <p:cxnSp>
+          <p:nvCxnSpPr>
+            <p:cNvPr id="28" name="Straight Connector 27">
+              <a:extLst>
+                <a:ext uri="{FF2B5EF4-FFF2-40B4-BE49-F238E27FC236}">
+                  <a16:creationId xmlns:a16="http://schemas.microsoft.com/office/drawing/2014/main" id="{95655DFD-82A7-1921-A185-370B3F447D0C}"/>
+                </a:ext>
+              </a:extLst>
+            </p:cNvPr>
+            <p:cNvCxnSpPr>
+              <a:cxnSpLocks/>
+            </p:cNvCxnSpPr>
+            <p:nvPr/>
+          </p:nvCxnSpPr>
+          <p:spPr>
+            <a:xfrm>
+              <a:off x="2249435" y="2509944"/>
+              <a:ext cx="295373" cy="0"/>
+            </a:xfrm>
+            <a:prstGeom prst="line">
+              <a:avLst/>
+            </a:prstGeom>
+            <a:noFill/>
+            <a:ln w="19050">
+              <a:solidFill>
+                <a:schemeClr val="tx1"/>
+              </a:solidFill>
+            </a:ln>
+          </p:spPr>
+          <p:style>
+            <a:lnRef idx="2">
+              <a:schemeClr val="accent1">
+                <a:shade val="50000"/>
+              </a:schemeClr>
+            </a:lnRef>
+            <a:fillRef idx="1">
+              <a:schemeClr val="accent1"/>
+            </a:fillRef>
+            <a:effectRef idx="0">
+              <a:schemeClr val="accent1"/>
+            </a:effectRef>
+            <a:fontRef idx="minor">
+              <a:schemeClr val="lt1"/>
+            </a:fontRef>
+          </p:style>
+        </p:cxnSp>
+        <p:cxnSp>
+          <p:nvCxnSpPr>
+            <p:cNvPr id="30" name="Straight Connector 29">
+              <a:extLst>
+                <a:ext uri="{FF2B5EF4-FFF2-40B4-BE49-F238E27FC236}">
+                  <a16:creationId xmlns:a16="http://schemas.microsoft.com/office/drawing/2014/main" id="{CD3202DD-5E44-6140-79E4-24262A0447D5}"/>
+                </a:ext>
+              </a:extLst>
+            </p:cNvPr>
+            <p:cNvCxnSpPr>
+              <a:cxnSpLocks/>
+            </p:cNvCxnSpPr>
+            <p:nvPr/>
+          </p:nvCxnSpPr>
+          <p:spPr>
+            <a:xfrm>
+              <a:off x="2548708" y="2437781"/>
+              <a:ext cx="0" cy="144328"/>
+            </a:xfrm>
+            <a:prstGeom prst="line">
+              <a:avLst/>
+            </a:prstGeom>
+            <a:noFill/>
+            <a:ln w="19050">
+              <a:solidFill>
+                <a:schemeClr val="tx1"/>
+              </a:solidFill>
+            </a:ln>
+          </p:spPr>
+          <p:style>
+            <a:lnRef idx="2">
+              <a:schemeClr val="accent1">
+                <a:shade val="50000"/>
+              </a:schemeClr>
+            </a:lnRef>
+            <a:fillRef idx="1">
+              <a:schemeClr val="accent1"/>
+            </a:fillRef>
+            <a:effectRef idx="0">
+              <a:schemeClr val="accent1"/>
+            </a:effectRef>
+            <a:fontRef idx="minor">
+              <a:schemeClr val="lt1"/>
+            </a:fontRef>
+          </p:style>
+        </p:cxnSp>
+        <p:cxnSp>
+          <p:nvCxnSpPr>
+            <p:cNvPr id="31" name="Straight Connector 30">
+              <a:extLst>
+                <a:ext uri="{FF2B5EF4-FFF2-40B4-BE49-F238E27FC236}">
+                  <a16:creationId xmlns:a16="http://schemas.microsoft.com/office/drawing/2014/main" id="{EDCFD116-6CBD-9444-6962-754CF255B4F5}"/>
+                </a:ext>
+              </a:extLst>
+            </p:cNvPr>
+            <p:cNvCxnSpPr>
+              <a:cxnSpLocks/>
+            </p:cNvCxnSpPr>
+            <p:nvPr/>
+          </p:nvCxnSpPr>
+          <p:spPr>
+            <a:xfrm>
+              <a:off x="2675917" y="2511244"/>
+              <a:ext cx="100551" cy="0"/>
+            </a:xfrm>
+            <a:prstGeom prst="line">
+              <a:avLst/>
+            </a:prstGeom>
+            <a:noFill/>
+            <a:ln w="19050">
+              <a:solidFill>
+                <a:schemeClr val="tx1"/>
+              </a:solidFill>
+            </a:ln>
+          </p:spPr>
+          <p:style>
+            <a:lnRef idx="2">
+              <a:schemeClr val="accent1">
+                <a:shade val="50000"/>
+              </a:schemeClr>
+            </a:lnRef>
+            <a:fillRef idx="1">
+              <a:schemeClr val="accent1"/>
+            </a:fillRef>
+            <a:effectRef idx="0">
+              <a:schemeClr val="accent1"/>
+            </a:effectRef>
+            <a:fontRef idx="minor">
+              <a:schemeClr val="lt1"/>
+            </a:fontRef>
+          </p:style>
+        </p:cxnSp>
+        <mc:AlternateContent xmlns:mc="http://schemas.openxmlformats.org/markup-compatibility/2006">
+          <mc:Choice xmlns:a14="http://schemas.microsoft.com/office/drawing/2010/main" Requires="a14">
+            <p:sp>
+              <p:nvSpPr>
+                <p:cNvPr id="36" name="TextBox 35">
+                  <a:extLst>
+                    <a:ext uri="{FF2B5EF4-FFF2-40B4-BE49-F238E27FC236}">
+                      <a16:creationId xmlns:a16="http://schemas.microsoft.com/office/drawing/2014/main" id="{5A59884D-B847-9254-CAD0-003DD8F526E8}"/>
+                    </a:ext>
+                  </a:extLst>
+                </p:cNvPr>
+                <p:cNvSpPr txBox="1"/>
+                <p:nvPr/>
+              </p:nvSpPr>
+              <p:spPr>
+                <a:xfrm>
+                  <a:off x="2267634" y="2551136"/>
+                  <a:ext cx="626720" cy="523220"/>
+                </a:xfrm>
+                <a:prstGeom prst="rect">
+                  <a:avLst/>
+                </a:prstGeom>
+                <a:noFill/>
+              </p:spPr>
+              <p:txBody>
+                <a:bodyPr wrap="square">
+                  <a:spAutoFit/>
+                </a:bodyPr>
+                <a:lstStyle/>
+                <a:p>
+                  <a:pPr algn="ctr"/>
+                  <a14:m>
+                    <m:oMathPara xmlns:m="http://schemas.openxmlformats.org/officeDocument/2006/math">
+                      <m:oMathParaPr>
+                        <m:jc m:val="centerGroup"/>
+                      </m:oMathParaPr>
+                      <m:oMath xmlns:m="http://schemas.openxmlformats.org/officeDocument/2006/math">
+                        <m:r>
+                          <a:rPr lang="en-US" sz="2800" b="0" i="1" dirty="0" smtClean="0">
+                            <a:solidFill>
+                              <a:schemeClr val="tx1"/>
+                            </a:solidFill>
+                            <a:latin typeface="Cambria Math" panose="02040503050406030204" pitchFamily="18" charset="0"/>
+                          </a:rPr>
+                          <m:t>𝑐</m:t>
+                        </m:r>
+                      </m:oMath>
+                    </m:oMathPara>
+                  </a14:m>
+                  <a:endParaRPr lang="en-US" sz="2800" dirty="0">
+                    <a:solidFill>
+                      <a:schemeClr val="tx1"/>
+                    </a:solidFill>
+                  </a:endParaRPr>
+                </a:p>
+              </p:txBody>
+            </p:sp>
+          </mc:Choice>
+          <mc:Fallback>
+            <p:sp>
+              <p:nvSpPr>
+                <p:cNvPr id="36" name="TextBox 35">
+                  <a:extLst>
+                    <a:ext uri="{FF2B5EF4-FFF2-40B4-BE49-F238E27FC236}">
+                      <a16:creationId xmlns:a16="http://schemas.microsoft.com/office/drawing/2014/main" id="{5A59884D-B847-9254-CAD0-003DD8F526E8}"/>
+                    </a:ext>
+                  </a:extLst>
+                </p:cNvPr>
+                <p:cNvSpPr txBox="1">
+                  <a:spLocks noRot="1" noChangeAspect="1" noMove="1" noResize="1" noEditPoints="1" noAdjustHandles="1" noChangeArrowheads="1" noChangeShapeType="1" noTextEdit="1"/>
+                </p:cNvSpPr>
+                <p:nvPr/>
+              </p:nvSpPr>
+              <p:spPr>
+                <a:xfrm>
+                  <a:off x="2267634" y="2551136"/>
+                  <a:ext cx="626720" cy="523220"/>
+                </a:xfrm>
+                <a:prstGeom prst="rect">
+                  <a:avLst/>
+                </a:prstGeom>
+                <a:blipFill>
+                  <a:blip r:embed="rId3"/>
+                  <a:stretch>
+                    <a:fillRect/>
+                  </a:stretch>
+                </a:blipFill>
+              </p:spPr>
+              <p:txBody>
+                <a:bodyPr/>
+                <a:lstStyle/>
+                <a:p>
+                  <a:r>
+                    <a:rPr lang="en-US">
+                      <a:noFill/>
+                    </a:rPr>
+                    <a:t> </a:t>
+                  </a:r>
+                </a:p>
+              </p:txBody>
+            </p:sp>
+          </mc:Fallback>
+        </mc:AlternateContent>
+        <mc:AlternateContent xmlns:mc="http://schemas.openxmlformats.org/markup-compatibility/2006">
+          <mc:Choice xmlns:a14="http://schemas.microsoft.com/office/drawing/2010/main" Requires="a14">
+            <p:sp>
+              <p:nvSpPr>
+                <p:cNvPr id="37" name="TextBox 36">
+                  <a:extLst>
+                    <a:ext uri="{FF2B5EF4-FFF2-40B4-BE49-F238E27FC236}">
+                      <a16:creationId xmlns:a16="http://schemas.microsoft.com/office/drawing/2014/main" id="{430796B3-34C7-BBBA-8D38-7B6A1E5E1676}"/>
+                    </a:ext>
+                  </a:extLst>
+                </p:cNvPr>
+                <p:cNvSpPr txBox="1"/>
+                <p:nvPr/>
+              </p:nvSpPr>
+              <p:spPr>
+                <a:xfrm>
+                  <a:off x="2267635" y="1576121"/>
+                  <a:ext cx="626720" cy="523220"/>
+                </a:xfrm>
+                <a:prstGeom prst="rect">
+                  <a:avLst/>
+                </a:prstGeom>
+                <a:noFill/>
+              </p:spPr>
+              <p:txBody>
+                <a:bodyPr wrap="square">
+                  <a:spAutoFit/>
+                </a:bodyPr>
+                <a:lstStyle/>
+                <a:p>
+                  <a:pPr algn="ctr"/>
+                  <a14:m>
+                    <m:oMathPara xmlns:m="http://schemas.openxmlformats.org/officeDocument/2006/math">
+                      <m:oMathParaPr>
+                        <m:jc m:val="centerGroup"/>
+                      </m:oMathParaPr>
+                      <m:oMath xmlns:m="http://schemas.openxmlformats.org/officeDocument/2006/math">
+                        <m:r>
+                          <a:rPr lang="en-US" sz="2800" b="0" i="1" dirty="0" smtClean="0">
+                            <a:solidFill>
+                              <a:schemeClr val="tx1"/>
+                            </a:solidFill>
+                            <a:latin typeface="Cambria Math" panose="02040503050406030204" pitchFamily="18" charset="0"/>
+                          </a:rPr>
+                          <m:t>𝑘</m:t>
+                        </m:r>
+                      </m:oMath>
+                    </m:oMathPara>
+                  </a14:m>
+                  <a:endParaRPr lang="en-US" sz="2800" dirty="0">
+                    <a:solidFill>
+                      <a:schemeClr val="tx1"/>
+                    </a:solidFill>
+                  </a:endParaRPr>
+                </a:p>
+              </p:txBody>
+            </p:sp>
+          </mc:Choice>
+          <mc:Fallback>
+            <p:sp>
+              <p:nvSpPr>
+                <p:cNvPr id="37" name="TextBox 36">
+                  <a:extLst>
+                    <a:ext uri="{FF2B5EF4-FFF2-40B4-BE49-F238E27FC236}">
+                      <a16:creationId xmlns:a16="http://schemas.microsoft.com/office/drawing/2014/main" id="{430796B3-34C7-BBBA-8D38-7B6A1E5E1676}"/>
+                    </a:ext>
+                  </a:extLst>
+                </p:cNvPr>
+                <p:cNvSpPr txBox="1">
+                  <a:spLocks noRot="1" noChangeAspect="1" noMove="1" noResize="1" noEditPoints="1" noAdjustHandles="1" noChangeArrowheads="1" noChangeShapeType="1" noTextEdit="1"/>
+                </p:cNvSpPr>
+                <p:nvPr/>
+              </p:nvSpPr>
+              <p:spPr>
+                <a:xfrm>
+                  <a:off x="2267635" y="1576121"/>
+                  <a:ext cx="626720" cy="523220"/>
+                </a:xfrm>
+                <a:prstGeom prst="rect">
+                  <a:avLst/>
+                </a:prstGeom>
+                <a:blipFill>
+                  <a:blip r:embed="rId4"/>
+                  <a:stretch>
+                    <a:fillRect/>
+                  </a:stretch>
+                </a:blipFill>
+              </p:spPr>
+              <p:txBody>
+                <a:bodyPr/>
+                <a:lstStyle/>
+                <a:p>
+                  <a:r>
+                    <a:rPr lang="en-US">
+                      <a:noFill/>
+                    </a:rPr>
+                    <a:t> </a:t>
+                  </a:r>
+                </a:p>
+              </p:txBody>
+            </p:sp>
+          </mc:Fallback>
+        </mc:AlternateContent>
+      </p:grpSp>
+    </p:spTree>
+    <p:extLst>
+      <p:ext uri="{BB962C8B-B14F-4D97-AF65-F5344CB8AC3E}">
+        <p14:creationId xmlns:p14="http://schemas.microsoft.com/office/powerpoint/2010/main" val="396801273"/>
+      </p:ext>
+    </p:extLst>
+  </p:cSld>
+  <p:clrMapOvr>
+    <a:masterClrMapping/>
+  </p:clrMapOvr>
+</p:sld>
+</file>
+
+<file path=ppt/slides/slide3.xml><?xml version="1.0" encoding="utf-8"?>
+<p:sld xmlns:a="http://schemas.openxmlformats.org/drawingml/2006/main" xmlns:r="http://schemas.openxmlformats.org/officeDocument/2006/relationships" xmlns:p="http://schemas.openxmlformats.org/presentationml/2006/main">
+  <p:cSld>
+    <p:spTree>
+      <p:nvGrpSpPr>
+        <p:cNvPr id="1" name=""/>
+        <p:cNvGrpSpPr/>
+        <p:nvPr/>
+      </p:nvGrpSpPr>
+      <p:grpSpPr>
+        <a:xfrm>
+          <a:off x="0" y="0"/>
+          <a:ext cx="0" cy="0"/>
+          <a:chOff x="0" y="0"/>
+          <a:chExt cx="0" cy="0"/>
+        </a:xfrm>
+      </p:grpSpPr>
+      <p:sp>
+        <p:nvSpPr>
           <p:cNvPr id="38" name="Rectangle 37">
             <a:extLst>
               <a:ext uri="{FF2B5EF4-FFF2-40B4-BE49-F238E27FC236}">
@@ -5434,7 +6354,7 @@
 </p:sld>
 </file>
 
-<file path=ppt/slides/slide3.xml><?xml version="1.0" encoding="utf-8"?>
+<file path=ppt/slides/slide4.xml><?xml version="1.0" encoding="utf-8"?>
 <p:sld xmlns:a="http://schemas.openxmlformats.org/drawingml/2006/main" xmlns:r="http://schemas.openxmlformats.org/officeDocument/2006/relationships" xmlns:p="http://schemas.openxmlformats.org/presentationml/2006/main">
   <p:cSld>
     <p:spTree>
@@ -7897,7 +8817,7 @@
 </p:sld>
 </file>
 
-<file path=ppt/slides/slide4.xml><?xml version="1.0" encoding="utf-8"?>
+<file path=ppt/slides/slide5.xml><?xml version="1.0" encoding="utf-8"?>
 <p:sld xmlns:a="http://schemas.openxmlformats.org/drawingml/2006/main" xmlns:r="http://schemas.openxmlformats.org/officeDocument/2006/relationships" xmlns:p="http://schemas.openxmlformats.org/presentationml/2006/main">
   <p:cSld>
     <p:spTree>
@@ -10437,7 +11357,7 @@
 </p:sld>
 </file>
 
-<file path=ppt/slides/slide5.xml><?xml version="1.0" encoding="utf-8"?>
+<file path=ppt/slides/slide6.xml><?xml version="1.0" encoding="utf-8"?>
 <p:sld xmlns:a="http://schemas.openxmlformats.org/drawingml/2006/main" xmlns:r="http://schemas.openxmlformats.org/officeDocument/2006/relationships" xmlns:p="http://schemas.openxmlformats.org/presentationml/2006/main">
   <p:cSld>
     <p:spTree>
@@ -10646,8 +11566,8 @@
               </a:fontRef>
             </p:style>
           </p:cxnSp>
-          <mc:AlternateContent xmlns:mc="http://schemas.openxmlformats.org/markup-compatibility/2006">
-            <mc:Choice xmlns:a14="http://schemas.microsoft.com/office/drawing/2010/main" Requires="a14">
+          <mc:AlternateContent xmlns:mc="http://schemas.openxmlformats.org/markup-compatibility/2006" xmlns:a14="http://schemas.microsoft.com/office/drawing/2010/main">
+            <mc:Choice Requires="a14">
               <p:sp>
                 <p:nvSpPr>
                   <p:cNvPr id="5" name="Oval 4">
@@ -10744,7 +11664,7 @@
                 </p:txBody>
               </p:sp>
             </mc:Choice>
-            <mc:Fallback>
+            <mc:Fallback xmlns="">
               <p:sp>
                 <p:nvSpPr>
                   <p:cNvPr id="5" name="Oval 4">
@@ -10837,8 +11757,8 @@
               </a:fontRef>
             </p:style>
           </p:cxnSp>
-          <mc:AlternateContent xmlns:mc="http://schemas.openxmlformats.org/markup-compatibility/2006">
-            <mc:Choice xmlns:a14="http://schemas.microsoft.com/office/drawing/2010/main" Requires="a14">
+          <mc:AlternateContent xmlns:mc="http://schemas.openxmlformats.org/markup-compatibility/2006" xmlns:a14="http://schemas.microsoft.com/office/drawing/2010/main">
+            <mc:Choice Requires="a14">
               <p:sp>
                 <p:nvSpPr>
                   <p:cNvPr id="7" name="Oval 6">
@@ -10933,7 +11853,7 @@
                 </p:txBody>
               </p:sp>
             </mc:Choice>
-            <mc:Fallback>
+            <mc:Fallback xmlns="">
               <p:sp>
                 <p:nvSpPr>
                   <p:cNvPr id="7" name="Oval 6">
@@ -10981,8 +11901,8 @@
               </p:sp>
             </mc:Fallback>
           </mc:AlternateContent>
-          <mc:AlternateContent xmlns:mc="http://schemas.openxmlformats.org/markup-compatibility/2006">
-            <mc:Choice xmlns:a14="http://schemas.microsoft.com/office/drawing/2010/main" Requires="a14">
+          <mc:AlternateContent xmlns:mc="http://schemas.openxmlformats.org/markup-compatibility/2006" xmlns:a14="http://schemas.microsoft.com/office/drawing/2010/main">
+            <mc:Choice Requires="a14">
               <p:sp>
                 <p:nvSpPr>
                   <p:cNvPr id="8" name="Oval 7">
@@ -11081,7 +12001,7 @@
                 </p:txBody>
               </p:sp>
             </mc:Choice>
-            <mc:Fallback>
+            <mc:Fallback xmlns="">
               <p:sp>
                 <p:nvSpPr>
                   <p:cNvPr id="8" name="Oval 7">
@@ -11131,8 +12051,8 @@
               </p:sp>
             </mc:Fallback>
           </mc:AlternateContent>
-          <mc:AlternateContent xmlns:mc="http://schemas.openxmlformats.org/markup-compatibility/2006">
-            <mc:Choice xmlns:a14="http://schemas.microsoft.com/office/drawing/2010/main" Requires="a14">
+          <mc:AlternateContent xmlns:mc="http://schemas.openxmlformats.org/markup-compatibility/2006" xmlns:a14="http://schemas.microsoft.com/office/drawing/2010/main">
+            <mc:Choice Requires="a14">
               <p:sp>
                 <p:nvSpPr>
                   <p:cNvPr id="9" name="Oval 8">
@@ -11227,7 +12147,7 @@
                 </p:txBody>
               </p:sp>
             </mc:Choice>
-            <mc:Fallback>
+            <mc:Fallback xmlns="">
               <p:sp>
                 <p:nvSpPr>
                   <p:cNvPr id="9" name="Oval 8">
@@ -11605,8 +12525,8 @@
               </p:style>
             </p:cxnSp>
           </p:grpSp>
-          <mc:AlternateContent xmlns:mc="http://schemas.openxmlformats.org/markup-compatibility/2006">
-            <mc:Choice xmlns:a14="http://schemas.microsoft.com/office/drawing/2010/main" Requires="a14">
+          <mc:AlternateContent xmlns:mc="http://schemas.openxmlformats.org/markup-compatibility/2006" xmlns:a14="http://schemas.microsoft.com/office/drawing/2010/main">
+            <mc:Choice Requires="a14">
               <p:sp>
                 <p:nvSpPr>
                   <p:cNvPr id="22" name="Oval 21">
@@ -11701,7 +12621,7 @@
                 </p:txBody>
               </p:sp>
             </mc:Choice>
-            <mc:Fallback>
+            <mc:Fallback xmlns="">
               <p:sp>
                 <p:nvSpPr>
                   <p:cNvPr id="22" name="Oval 21">
@@ -11749,8 +12669,8 @@
               </p:sp>
             </mc:Fallback>
           </mc:AlternateContent>
-          <mc:AlternateContent xmlns:mc="http://schemas.openxmlformats.org/markup-compatibility/2006">
-            <mc:Choice xmlns:a14="http://schemas.microsoft.com/office/drawing/2010/main" Requires="a14">
+          <mc:AlternateContent xmlns:mc="http://schemas.openxmlformats.org/markup-compatibility/2006" xmlns:a14="http://schemas.microsoft.com/office/drawing/2010/main">
+            <mc:Choice Requires="a14">
               <p:sp>
                 <p:nvSpPr>
                   <p:cNvPr id="23" name="Oval 22">
@@ -11870,7 +12790,7 @@
                 </p:txBody>
               </p:sp>
             </mc:Choice>
-            <mc:Fallback>
+            <mc:Fallback xmlns="">
               <p:sp>
                 <p:nvSpPr>
                   <p:cNvPr id="23" name="Oval 22">
@@ -11918,8 +12838,8 @@
               </p:sp>
             </mc:Fallback>
           </mc:AlternateContent>
-          <mc:AlternateContent xmlns:mc="http://schemas.openxmlformats.org/markup-compatibility/2006">
-            <mc:Choice xmlns:a14="http://schemas.microsoft.com/office/drawing/2010/main" Requires="a14">
+          <mc:AlternateContent xmlns:mc="http://schemas.openxmlformats.org/markup-compatibility/2006" xmlns:a14="http://schemas.microsoft.com/office/drawing/2010/main">
+            <mc:Choice Requires="a14">
               <p:sp>
                 <p:nvSpPr>
                   <p:cNvPr id="24" name="Oval 23">
@@ -12039,7 +12959,7 @@
                 </p:txBody>
               </p:sp>
             </mc:Choice>
-            <mc:Fallback>
+            <mc:Fallback xmlns="">
               <p:sp>
                 <p:nvSpPr>
                   <p:cNvPr id="24" name="Oval 23">
@@ -12102,7 +13022,1651 @@
 </p:sld>
 </file>
 
-<file path=ppt/slides/slide6.xml><?xml version="1.0" encoding="utf-8"?>
+<file path=ppt/slides/slide7.xml><?xml version="1.0" encoding="utf-8"?>
+<p:sld xmlns:a="http://schemas.openxmlformats.org/drawingml/2006/main" xmlns:r="http://schemas.openxmlformats.org/officeDocument/2006/relationships" xmlns:p="http://schemas.openxmlformats.org/presentationml/2006/main">
+  <p:cSld>
+    <p:spTree>
+      <p:nvGrpSpPr>
+        <p:cNvPr id="1" name=""/>
+        <p:cNvGrpSpPr/>
+        <p:nvPr/>
+      </p:nvGrpSpPr>
+      <p:grpSpPr>
+        <a:xfrm>
+          <a:off x="0" y="0"/>
+          <a:ext cx="0" cy="0"/>
+          <a:chOff x="0" y="0"/>
+          <a:chExt cx="0" cy="0"/>
+        </a:xfrm>
+      </p:grpSpPr>
+      <p:sp>
+        <p:nvSpPr>
+          <p:cNvPr id="2" name="Rectangle 1">
+            <a:extLst>
+              <a:ext uri="{FF2B5EF4-FFF2-40B4-BE49-F238E27FC236}">
+                <a16:creationId xmlns:a16="http://schemas.microsoft.com/office/drawing/2014/main" id="{EF7925A1-EA95-1014-151B-3A002E52E42E}"/>
+              </a:ext>
+            </a:extLst>
+          </p:cNvPr>
+          <p:cNvSpPr/>
+          <p:nvPr/>
+        </p:nvSpPr>
+        <p:spPr>
+          <a:xfrm>
+            <a:off x="3399473" y="928154"/>
+            <a:ext cx="3715039" cy="3800592"/>
+          </a:xfrm>
+          <a:prstGeom prst="rect">
+            <a:avLst/>
+          </a:prstGeom>
+          <a:solidFill>
+            <a:schemeClr val="bg1"/>
+          </a:solidFill>
+          <a:ln>
+            <a:noFill/>
+          </a:ln>
+        </p:spPr>
+        <p:style>
+          <a:lnRef idx="2">
+            <a:schemeClr val="accent1">
+              <a:shade val="15000"/>
+            </a:schemeClr>
+          </a:lnRef>
+          <a:fillRef idx="1">
+            <a:schemeClr val="accent1"/>
+          </a:fillRef>
+          <a:effectRef idx="0">
+            <a:schemeClr val="accent1"/>
+          </a:effectRef>
+          <a:fontRef idx="minor">
+            <a:schemeClr val="lt1"/>
+          </a:fontRef>
+        </p:style>
+        <p:txBody>
+          <a:bodyPr rtlCol="0" anchor="ctr"/>
+          <a:lstStyle/>
+          <a:p>
+            <a:pPr algn="ctr"/>
+            <a:endParaRPr lang="en-US"/>
+          </a:p>
+        </p:txBody>
+      </p:sp>
+      <p:grpSp>
+        <p:nvGrpSpPr>
+          <p:cNvPr id="25" name="Group 24">
+            <a:extLst>
+              <a:ext uri="{FF2B5EF4-FFF2-40B4-BE49-F238E27FC236}">
+                <a16:creationId xmlns:a16="http://schemas.microsoft.com/office/drawing/2014/main" id="{1B56C136-DE17-C619-D7E4-3B09B1558007}"/>
+              </a:ext>
+            </a:extLst>
+          </p:cNvPr>
+          <p:cNvGrpSpPr/>
+          <p:nvPr/>
+        </p:nvGrpSpPr>
+        <p:grpSpPr>
+          <a:xfrm>
+            <a:off x="4058400" y="1375801"/>
+            <a:ext cx="2562954" cy="2839643"/>
+            <a:chOff x="5824415" y="2469805"/>
+            <a:chExt cx="2562954" cy="2839643"/>
+          </a:xfrm>
+        </p:grpSpPr>
+        <p:sp>
+          <p:nvSpPr>
+            <p:cNvPr id="3" name="Rectangle 2">
+              <a:extLst>
+                <a:ext uri="{FF2B5EF4-FFF2-40B4-BE49-F238E27FC236}">
+                  <a16:creationId xmlns:a16="http://schemas.microsoft.com/office/drawing/2014/main" id="{DEE01C91-E4A5-670D-9CB1-0DCF86C29769}"/>
+                </a:ext>
+              </a:extLst>
+            </p:cNvPr>
+            <p:cNvSpPr/>
+            <p:nvPr/>
+          </p:nvSpPr>
+          <p:spPr>
+            <a:xfrm>
+              <a:off x="5824415" y="4516006"/>
+              <a:ext cx="2054609" cy="536996"/>
+            </a:xfrm>
+            <a:prstGeom prst="rect">
+              <a:avLst/>
+            </a:prstGeom>
+            <a:solidFill>
+              <a:schemeClr val="bg2"/>
+            </a:solidFill>
+            <a:ln>
+              <a:noFill/>
+            </a:ln>
+          </p:spPr>
+          <p:style>
+            <a:lnRef idx="2">
+              <a:schemeClr val="accent1">
+                <a:shade val="50000"/>
+              </a:schemeClr>
+            </a:lnRef>
+            <a:fillRef idx="1">
+              <a:schemeClr val="accent1"/>
+            </a:fillRef>
+            <a:effectRef idx="0">
+              <a:schemeClr val="accent1"/>
+            </a:effectRef>
+            <a:fontRef idx="minor">
+              <a:schemeClr val="lt1"/>
+            </a:fontRef>
+          </p:style>
+          <p:txBody>
+            <a:bodyPr wrap="square" rtlCol="0" anchor="ctr">
+              <a:noAutofit/>
+            </a:bodyPr>
+            <a:lstStyle/>
+            <a:p>
+              <a:pPr algn="ctr"/>
+              <a:endParaRPr lang="en-US"/>
+            </a:p>
+          </p:txBody>
+        </p:sp>
+        <p:cxnSp>
+          <p:nvCxnSpPr>
+            <p:cNvPr id="4" name="Straight Connector 3">
+              <a:extLst>
+                <a:ext uri="{FF2B5EF4-FFF2-40B4-BE49-F238E27FC236}">
+                  <a16:creationId xmlns:a16="http://schemas.microsoft.com/office/drawing/2014/main" id="{3DACECA0-31D0-7276-CD05-B7CD31821D0A}"/>
+                </a:ext>
+              </a:extLst>
+            </p:cNvPr>
+            <p:cNvCxnSpPr>
+              <a:cxnSpLocks/>
+            </p:cNvCxnSpPr>
+            <p:nvPr/>
+          </p:nvCxnSpPr>
+          <p:spPr>
+            <a:xfrm>
+              <a:off x="5824415" y="4526634"/>
+              <a:ext cx="2054609" cy="0"/>
+            </a:xfrm>
+            <a:prstGeom prst="line">
+              <a:avLst/>
+            </a:prstGeom>
+            <a:noFill/>
+            <a:ln w="19050">
+              <a:solidFill>
+                <a:schemeClr val="tx1"/>
+              </a:solidFill>
+            </a:ln>
+          </p:spPr>
+          <p:style>
+            <a:lnRef idx="2">
+              <a:schemeClr val="accent1">
+                <a:shade val="50000"/>
+              </a:schemeClr>
+            </a:lnRef>
+            <a:fillRef idx="1">
+              <a:schemeClr val="accent1"/>
+            </a:fillRef>
+            <a:effectRef idx="0">
+              <a:schemeClr val="accent1"/>
+            </a:effectRef>
+            <a:fontRef idx="minor">
+              <a:schemeClr val="lt1"/>
+            </a:fontRef>
+          </p:style>
+        </p:cxnSp>
+        <mc:AlternateContent xmlns:mc="http://schemas.openxmlformats.org/markup-compatibility/2006">
+          <mc:Choice xmlns:a14="http://schemas.microsoft.com/office/drawing/2010/main" Requires="a14">
+            <p:sp>
+              <p:nvSpPr>
+                <p:cNvPr id="5" name="Oval 4">
+                  <a:extLst>
+                    <a:ext uri="{FF2B5EF4-FFF2-40B4-BE49-F238E27FC236}">
+                      <a16:creationId xmlns:a16="http://schemas.microsoft.com/office/drawing/2014/main" id="{97F2065A-65F3-9D88-D2D0-013B197D4594}"/>
+                    </a:ext>
+                  </a:extLst>
+                </p:cNvPr>
+                <p:cNvSpPr/>
+                <p:nvPr/>
+              </p:nvSpPr>
+              <p:spPr>
+                <a:xfrm>
+                  <a:off x="6548637" y="2469805"/>
+                  <a:ext cx="591011" cy="606166"/>
+                </a:xfrm>
+                <a:prstGeom prst="ellipse">
+                  <a:avLst/>
+                </a:prstGeom>
+                <a:noFill/>
+                <a:ln w="19050">
+                  <a:solidFill>
+                    <a:schemeClr val="tx1"/>
+                  </a:solidFill>
+                </a:ln>
+              </p:spPr>
+              <p:style>
+                <a:lnRef idx="2">
+                  <a:schemeClr val="accent1">
+                    <a:shade val="50000"/>
+                  </a:schemeClr>
+                </a:lnRef>
+                <a:fillRef idx="1">
+                  <a:schemeClr val="accent1"/>
+                </a:fillRef>
+                <a:effectRef idx="0">
+                  <a:schemeClr val="accent1"/>
+                </a:effectRef>
+                <a:fontRef idx="minor">
+                  <a:schemeClr val="lt1"/>
+                </a:fontRef>
+              </p:style>
+              <p:txBody>
+                <a:bodyPr lIns="91440" tIns="0" rIns="0" bIns="0" rtlCol="0" anchor="ctr"/>
+                <a:lstStyle/>
+                <a:p>
+                  <a:pPr algn="ctr"/>
+                  <a14:m>
+                    <m:oMathPara xmlns:m="http://schemas.openxmlformats.org/officeDocument/2006/math">
+                      <m:oMathParaPr>
+                        <m:jc m:val="center"/>
+                      </m:oMathParaPr>
+                      <m:oMath xmlns:m="http://schemas.openxmlformats.org/officeDocument/2006/math">
+                        <m:sSub>
+                          <m:sSubPr>
+                            <m:ctrlPr>
+                              <a:rPr lang="en-US" b="0" i="1" dirty="0" smtClean="0">
+                                <a:solidFill>
+                                  <a:schemeClr val="tx1"/>
+                                </a:solidFill>
+                                <a:latin typeface="Cambria Math" panose="02040503050406030204" pitchFamily="18" charset="0"/>
+                              </a:rPr>
+                            </m:ctrlPr>
+                          </m:sSubPr>
+                          <m:e>
+                            <m:r>
+                              <a:rPr lang="en-US" i="1" dirty="0" smtClean="0">
+                                <a:solidFill>
+                                  <a:schemeClr val="tx1"/>
+                                </a:solidFill>
+                                <a:latin typeface="Cambria Math" panose="02040503050406030204" pitchFamily="18" charset="0"/>
+                              </a:rPr>
+                              <m:t>𝑚</m:t>
+                            </m:r>
+                          </m:e>
+                          <m:sub>
+                            <m:r>
+                              <a:rPr lang="en-US" b="0" i="1" dirty="0" smtClean="0">
+                                <a:solidFill>
+                                  <a:schemeClr val="tx1"/>
+                                </a:solidFill>
+                                <a:latin typeface="Cambria Math" panose="02040503050406030204" pitchFamily="18" charset="0"/>
+                              </a:rPr>
+                              <m:t>2</m:t>
+                            </m:r>
+                          </m:sub>
+                        </m:sSub>
+                      </m:oMath>
+                    </m:oMathPara>
+                  </a14:m>
+                  <a:endParaRPr lang="en-US" dirty="0"/>
+                </a:p>
+              </p:txBody>
+            </p:sp>
+          </mc:Choice>
+          <mc:Fallback>
+            <p:sp>
+              <p:nvSpPr>
+                <p:cNvPr id="5" name="Oval 4">
+                  <a:extLst>
+                    <a:ext uri="{FF2B5EF4-FFF2-40B4-BE49-F238E27FC236}">
+                      <a16:creationId xmlns:a16="http://schemas.microsoft.com/office/drawing/2014/main" id="{97F2065A-65F3-9D88-D2D0-013B197D4594}"/>
+                    </a:ext>
+                  </a:extLst>
+                </p:cNvPr>
+                <p:cNvSpPr>
+                  <a:spLocks noRot="1" noChangeAspect="1" noMove="1" noResize="1" noEditPoints="1" noAdjustHandles="1" noChangeArrowheads="1" noChangeShapeType="1" noTextEdit="1"/>
+                </p:cNvSpPr>
+                <p:nvPr/>
+              </p:nvSpPr>
+              <p:spPr>
+                <a:xfrm>
+                  <a:off x="6548637" y="2469805"/>
+                  <a:ext cx="591011" cy="606166"/>
+                </a:xfrm>
+                <a:prstGeom prst="ellipse">
+                  <a:avLst/>
+                </a:prstGeom>
+                <a:blipFill>
+                  <a:blip r:embed="rId2"/>
+                  <a:stretch>
+                    <a:fillRect/>
+                  </a:stretch>
+                </a:blipFill>
+                <a:ln w="19050">
+                  <a:solidFill>
+                    <a:schemeClr val="tx1"/>
+                  </a:solidFill>
+                </a:ln>
+              </p:spPr>
+              <p:txBody>
+                <a:bodyPr/>
+                <a:lstStyle/>
+                <a:p>
+                  <a:r>
+                    <a:rPr lang="en-US">
+                      <a:noFill/>
+                    </a:rPr>
+                    <a:t> </a:t>
+                  </a:r>
+                </a:p>
+              </p:txBody>
+            </p:sp>
+          </mc:Fallback>
+        </mc:AlternateContent>
+        <p:cxnSp>
+          <p:nvCxnSpPr>
+            <p:cNvPr id="6" name="Straight Connector 5">
+              <a:extLst>
+                <a:ext uri="{FF2B5EF4-FFF2-40B4-BE49-F238E27FC236}">
+                  <a16:creationId xmlns:a16="http://schemas.microsoft.com/office/drawing/2014/main" id="{57273B70-5814-0E09-62B5-7A2318198754}"/>
+                </a:ext>
+              </a:extLst>
+            </p:cNvPr>
+            <p:cNvCxnSpPr>
+              <a:cxnSpLocks/>
+            </p:cNvCxnSpPr>
+            <p:nvPr/>
+          </p:nvCxnSpPr>
+          <p:spPr>
+            <a:xfrm>
+              <a:off x="6851720" y="3075970"/>
+              <a:ext cx="0" cy="1450664"/>
+            </a:xfrm>
+            <a:prstGeom prst="line">
+              <a:avLst/>
+            </a:prstGeom>
+            <a:ln w="19050">
+              <a:solidFill>
+                <a:schemeClr val="tx1"/>
+              </a:solidFill>
+            </a:ln>
+          </p:spPr>
+          <p:style>
+            <a:lnRef idx="1">
+              <a:schemeClr val="accent1"/>
+            </a:lnRef>
+            <a:fillRef idx="0">
+              <a:schemeClr val="accent1"/>
+            </a:fillRef>
+            <a:effectRef idx="0">
+              <a:schemeClr val="accent1"/>
+            </a:effectRef>
+            <a:fontRef idx="minor">
+              <a:schemeClr val="tx1"/>
+            </a:fontRef>
+          </p:style>
+        </p:cxnSp>
+        <mc:AlternateContent xmlns:mc="http://schemas.openxmlformats.org/markup-compatibility/2006">
+          <mc:Choice xmlns:a14="http://schemas.microsoft.com/office/drawing/2010/main" Requires="a14">
+            <p:sp>
+              <p:nvSpPr>
+                <p:cNvPr id="7" name="Oval 6">
+                  <a:extLst>
+                    <a:ext uri="{FF2B5EF4-FFF2-40B4-BE49-F238E27FC236}">
+                      <a16:creationId xmlns:a16="http://schemas.microsoft.com/office/drawing/2014/main" id="{7BFCC3E2-6F65-2B13-18C7-3D1F8CE2F24E}"/>
+                    </a:ext>
+                  </a:extLst>
+                </p:cNvPr>
+                <p:cNvSpPr/>
+                <p:nvPr/>
+              </p:nvSpPr>
+              <p:spPr>
+                <a:xfrm>
+                  <a:off x="6719926" y="2937057"/>
+                  <a:ext cx="591011" cy="606166"/>
+                </a:xfrm>
+                <a:prstGeom prst="ellipse">
+                  <a:avLst/>
+                </a:prstGeom>
+                <a:noFill/>
+                <a:ln w="28575">
+                  <a:noFill/>
+                </a:ln>
+              </p:spPr>
+              <p:style>
+                <a:lnRef idx="2">
+                  <a:schemeClr val="accent1">
+                    <a:shade val="50000"/>
+                  </a:schemeClr>
+                </a:lnRef>
+                <a:fillRef idx="1">
+                  <a:schemeClr val="accent1"/>
+                </a:fillRef>
+                <a:effectRef idx="0">
+                  <a:schemeClr val="accent1"/>
+                </a:effectRef>
+                <a:fontRef idx="minor">
+                  <a:schemeClr val="lt1"/>
+                </a:fontRef>
+              </p:style>
+              <p:txBody>
+                <a:bodyPr lIns="91440" tIns="0" rIns="0" bIns="0" rtlCol="0" anchor="ctr"/>
+                <a:lstStyle/>
+                <a:p>
+                  <a:pPr algn="ctr"/>
+                  <a14:m>
+                    <m:oMathPara xmlns:m="http://schemas.openxmlformats.org/officeDocument/2006/math">
+                      <m:oMathParaPr>
+                        <m:jc m:val="center"/>
+                      </m:oMathParaPr>
+                      <m:oMath xmlns:m="http://schemas.openxmlformats.org/officeDocument/2006/math">
+                        <m:sSub>
+                          <m:sSubPr>
+                            <m:ctrlPr>
+                              <a:rPr lang="en-US" b="0" i="1" dirty="0" smtClean="0">
+                                <a:solidFill>
+                                  <a:schemeClr val="tx1"/>
+                                </a:solidFill>
+                                <a:latin typeface="Cambria Math" panose="02040503050406030204" pitchFamily="18" charset="0"/>
+                              </a:rPr>
+                            </m:ctrlPr>
+                          </m:sSubPr>
+                          <m:e>
+                            <m:r>
+                              <a:rPr lang="en-US" b="0" i="1" dirty="0" smtClean="0">
+                                <a:solidFill>
+                                  <a:schemeClr val="tx1"/>
+                                </a:solidFill>
+                                <a:latin typeface="Cambria Math" panose="02040503050406030204" pitchFamily="18" charset="0"/>
+                              </a:rPr>
+                              <m:t>𝑘</m:t>
+                            </m:r>
+                          </m:e>
+                          <m:sub>
+                            <m:r>
+                              <a:rPr lang="en-US" b="0" i="0" dirty="0" smtClean="0">
+                                <a:solidFill>
+                                  <a:schemeClr val="tx1"/>
+                                </a:solidFill>
+                                <a:latin typeface="Cambria Math" panose="02040503050406030204" pitchFamily="18" charset="0"/>
+                              </a:rPr>
+                              <m:t>2</m:t>
+                            </m:r>
+                          </m:sub>
+                        </m:sSub>
+                      </m:oMath>
+                    </m:oMathPara>
+                  </a14:m>
+                  <a:endParaRPr lang="en-US" dirty="0"/>
+                </a:p>
+              </p:txBody>
+            </p:sp>
+          </mc:Choice>
+          <mc:Fallback>
+            <p:sp>
+              <p:nvSpPr>
+                <p:cNvPr id="7" name="Oval 6">
+                  <a:extLst>
+                    <a:ext uri="{FF2B5EF4-FFF2-40B4-BE49-F238E27FC236}">
+                      <a16:creationId xmlns:a16="http://schemas.microsoft.com/office/drawing/2014/main" id="{7BFCC3E2-6F65-2B13-18C7-3D1F8CE2F24E}"/>
+                    </a:ext>
+                  </a:extLst>
+                </p:cNvPr>
+                <p:cNvSpPr>
+                  <a:spLocks noRot="1" noChangeAspect="1" noMove="1" noResize="1" noEditPoints="1" noAdjustHandles="1" noChangeArrowheads="1" noChangeShapeType="1" noTextEdit="1"/>
+                </p:cNvSpPr>
+                <p:nvPr/>
+              </p:nvSpPr>
+              <p:spPr>
+                <a:xfrm>
+                  <a:off x="6719926" y="2937057"/>
+                  <a:ext cx="591011" cy="606166"/>
+                </a:xfrm>
+                <a:prstGeom prst="ellipse">
+                  <a:avLst/>
+                </a:prstGeom>
+                <a:blipFill>
+                  <a:blip r:embed="rId3"/>
+                  <a:stretch>
+                    <a:fillRect/>
+                  </a:stretch>
+                </a:blipFill>
+                <a:ln w="28575">
+                  <a:noFill/>
+                </a:ln>
+              </p:spPr>
+              <p:txBody>
+                <a:bodyPr/>
+                <a:lstStyle/>
+                <a:p>
+                  <a:r>
+                    <a:rPr lang="en-US">
+                      <a:noFill/>
+                    </a:rPr>
+                    <a:t> </a:t>
+                  </a:r>
+                </a:p>
+              </p:txBody>
+            </p:sp>
+          </mc:Fallback>
+        </mc:AlternateContent>
+        <mc:AlternateContent xmlns:mc="http://schemas.openxmlformats.org/markup-compatibility/2006">
+          <mc:Choice xmlns:a14="http://schemas.microsoft.com/office/drawing/2010/main" Requires="a14">
+            <p:sp>
+              <p:nvSpPr>
+                <p:cNvPr id="8" name="Oval 7">
+                  <a:extLst>
+                    <a:ext uri="{FF2B5EF4-FFF2-40B4-BE49-F238E27FC236}">
+                      <a16:creationId xmlns:a16="http://schemas.microsoft.com/office/drawing/2014/main" id="{8F9C3715-FCA8-2EE9-8CCE-CBF7CD2267BD}"/>
+                    </a:ext>
+                  </a:extLst>
+                </p:cNvPr>
+                <p:cNvSpPr/>
+                <p:nvPr/>
+              </p:nvSpPr>
+              <p:spPr>
+                <a:xfrm>
+                  <a:off x="6548637" y="3455806"/>
+                  <a:ext cx="591011" cy="606166"/>
+                </a:xfrm>
+                <a:prstGeom prst="ellipse">
+                  <a:avLst/>
+                </a:prstGeom>
+                <a:solidFill>
+                  <a:schemeClr val="bg1"/>
+                </a:solidFill>
+                <a:ln w="19050">
+                  <a:solidFill>
+                    <a:schemeClr val="tx1"/>
+                  </a:solidFill>
+                </a:ln>
+              </p:spPr>
+              <p:style>
+                <a:lnRef idx="2">
+                  <a:schemeClr val="accent1">
+                    <a:shade val="50000"/>
+                  </a:schemeClr>
+                </a:lnRef>
+                <a:fillRef idx="1">
+                  <a:schemeClr val="accent1"/>
+                </a:fillRef>
+                <a:effectRef idx="0">
+                  <a:schemeClr val="accent1"/>
+                </a:effectRef>
+                <a:fontRef idx="minor">
+                  <a:schemeClr val="lt1"/>
+                </a:fontRef>
+              </p:style>
+              <p:txBody>
+                <a:bodyPr lIns="91440" tIns="0" rIns="0" bIns="0" rtlCol="0" anchor="ctr"/>
+                <a:lstStyle/>
+                <a:p>
+                  <a:pPr algn="ctr"/>
+                  <a14:m>
+                    <m:oMathPara xmlns:m="http://schemas.openxmlformats.org/officeDocument/2006/math">
+                      <m:oMathParaPr>
+                        <m:jc m:val="center"/>
+                      </m:oMathParaPr>
+                      <m:oMath xmlns:m="http://schemas.openxmlformats.org/officeDocument/2006/math">
+                        <m:sSub>
+                          <m:sSubPr>
+                            <m:ctrlPr>
+                              <a:rPr lang="en-US" b="0" i="1" dirty="0" smtClean="0">
+                                <a:solidFill>
+                                  <a:schemeClr val="tx1"/>
+                                </a:solidFill>
+                                <a:latin typeface="Cambria Math" panose="02040503050406030204" pitchFamily="18" charset="0"/>
+                              </a:rPr>
+                            </m:ctrlPr>
+                          </m:sSubPr>
+                          <m:e>
+                            <m:r>
+                              <a:rPr lang="en-US" i="1" dirty="0" smtClean="0">
+                                <a:solidFill>
+                                  <a:schemeClr val="tx1"/>
+                                </a:solidFill>
+                                <a:latin typeface="Cambria Math" panose="02040503050406030204" pitchFamily="18" charset="0"/>
+                              </a:rPr>
+                              <m:t>𝑚</m:t>
+                            </m:r>
+                          </m:e>
+                          <m:sub>
+                            <m:r>
+                              <a:rPr lang="en-US" b="0" i="1" dirty="0" smtClean="0">
+                                <a:solidFill>
+                                  <a:schemeClr val="tx1"/>
+                                </a:solidFill>
+                                <a:latin typeface="Cambria Math" panose="02040503050406030204" pitchFamily="18" charset="0"/>
+                              </a:rPr>
+                              <m:t>1</m:t>
+                            </m:r>
+                          </m:sub>
+                        </m:sSub>
+                      </m:oMath>
+                    </m:oMathPara>
+                  </a14:m>
+                  <a:endParaRPr lang="en-US" dirty="0"/>
+                </a:p>
+              </p:txBody>
+            </p:sp>
+          </mc:Choice>
+          <mc:Fallback>
+            <p:sp>
+              <p:nvSpPr>
+                <p:cNvPr id="8" name="Oval 7">
+                  <a:extLst>
+                    <a:ext uri="{FF2B5EF4-FFF2-40B4-BE49-F238E27FC236}">
+                      <a16:creationId xmlns:a16="http://schemas.microsoft.com/office/drawing/2014/main" id="{8F9C3715-FCA8-2EE9-8CCE-CBF7CD2267BD}"/>
+                    </a:ext>
+                  </a:extLst>
+                </p:cNvPr>
+                <p:cNvSpPr>
+                  <a:spLocks noRot="1" noChangeAspect="1" noMove="1" noResize="1" noEditPoints="1" noAdjustHandles="1" noChangeArrowheads="1" noChangeShapeType="1" noTextEdit="1"/>
+                </p:cNvSpPr>
+                <p:nvPr/>
+              </p:nvSpPr>
+              <p:spPr>
+                <a:xfrm>
+                  <a:off x="6548637" y="3455806"/>
+                  <a:ext cx="591011" cy="606166"/>
+                </a:xfrm>
+                <a:prstGeom prst="ellipse">
+                  <a:avLst/>
+                </a:prstGeom>
+                <a:blipFill>
+                  <a:blip r:embed="rId4"/>
+                  <a:stretch>
+                    <a:fillRect/>
+                  </a:stretch>
+                </a:blipFill>
+                <a:ln w="19050">
+                  <a:solidFill>
+                    <a:schemeClr val="tx1"/>
+                  </a:solidFill>
+                </a:ln>
+              </p:spPr>
+              <p:txBody>
+                <a:bodyPr/>
+                <a:lstStyle/>
+                <a:p>
+                  <a:r>
+                    <a:rPr lang="en-US">
+                      <a:noFill/>
+                    </a:rPr>
+                    <a:t> </a:t>
+                  </a:r>
+                </a:p>
+              </p:txBody>
+            </p:sp>
+          </mc:Fallback>
+        </mc:AlternateContent>
+        <mc:AlternateContent xmlns:mc="http://schemas.openxmlformats.org/markup-compatibility/2006">
+          <mc:Choice xmlns:a14="http://schemas.microsoft.com/office/drawing/2010/main" Requires="a14">
+            <p:sp>
+              <p:nvSpPr>
+                <p:cNvPr id="9" name="Oval 8">
+                  <a:extLst>
+                    <a:ext uri="{FF2B5EF4-FFF2-40B4-BE49-F238E27FC236}">
+                      <a16:creationId xmlns:a16="http://schemas.microsoft.com/office/drawing/2014/main" id="{C9CA123E-7486-5574-1439-705EF5EF4C86}"/>
+                    </a:ext>
+                  </a:extLst>
+                </p:cNvPr>
+                <p:cNvSpPr/>
+                <p:nvPr/>
+              </p:nvSpPr>
+              <p:spPr>
+                <a:xfrm>
+                  <a:off x="6719926" y="3923157"/>
+                  <a:ext cx="591011" cy="606166"/>
+                </a:xfrm>
+                <a:prstGeom prst="ellipse">
+                  <a:avLst/>
+                </a:prstGeom>
+                <a:noFill/>
+                <a:ln w="28575">
+                  <a:noFill/>
+                </a:ln>
+              </p:spPr>
+              <p:style>
+                <a:lnRef idx="2">
+                  <a:schemeClr val="accent1">
+                    <a:shade val="50000"/>
+                  </a:schemeClr>
+                </a:lnRef>
+                <a:fillRef idx="1">
+                  <a:schemeClr val="accent1"/>
+                </a:fillRef>
+                <a:effectRef idx="0">
+                  <a:schemeClr val="accent1"/>
+                </a:effectRef>
+                <a:fontRef idx="minor">
+                  <a:schemeClr val="lt1"/>
+                </a:fontRef>
+              </p:style>
+              <p:txBody>
+                <a:bodyPr lIns="91440" tIns="0" rIns="0" bIns="0" rtlCol="0" anchor="ctr"/>
+                <a:lstStyle/>
+                <a:p>
+                  <a:pPr algn="ctr"/>
+                  <a14:m>
+                    <m:oMathPara xmlns:m="http://schemas.openxmlformats.org/officeDocument/2006/math">
+                      <m:oMathParaPr>
+                        <m:jc m:val="center"/>
+                      </m:oMathParaPr>
+                      <m:oMath xmlns:m="http://schemas.openxmlformats.org/officeDocument/2006/math">
+                        <m:sSub>
+                          <m:sSubPr>
+                            <m:ctrlPr>
+                              <a:rPr lang="en-US" b="0" i="1" dirty="0" smtClean="0">
+                                <a:solidFill>
+                                  <a:schemeClr val="tx1"/>
+                                </a:solidFill>
+                                <a:latin typeface="Cambria Math" panose="02040503050406030204" pitchFamily="18" charset="0"/>
+                              </a:rPr>
+                            </m:ctrlPr>
+                          </m:sSubPr>
+                          <m:e>
+                            <m:r>
+                              <a:rPr lang="en-US" b="0" i="1" dirty="0" smtClean="0">
+                                <a:solidFill>
+                                  <a:schemeClr val="tx1"/>
+                                </a:solidFill>
+                                <a:latin typeface="Cambria Math" panose="02040503050406030204" pitchFamily="18" charset="0"/>
+                              </a:rPr>
+                              <m:t>𝑘</m:t>
+                            </m:r>
+                          </m:e>
+                          <m:sub>
+                            <m:r>
+                              <a:rPr lang="en-US" b="0" i="1" dirty="0" smtClean="0">
+                                <a:solidFill>
+                                  <a:schemeClr val="tx1"/>
+                                </a:solidFill>
+                                <a:latin typeface="Cambria Math" panose="02040503050406030204" pitchFamily="18" charset="0"/>
+                              </a:rPr>
+                              <m:t>1</m:t>
+                            </m:r>
+                          </m:sub>
+                        </m:sSub>
+                      </m:oMath>
+                    </m:oMathPara>
+                  </a14:m>
+                  <a:endParaRPr lang="en-US" dirty="0"/>
+                </a:p>
+              </p:txBody>
+            </p:sp>
+          </mc:Choice>
+          <mc:Fallback>
+            <p:sp>
+              <p:nvSpPr>
+                <p:cNvPr id="9" name="Oval 8">
+                  <a:extLst>
+                    <a:ext uri="{FF2B5EF4-FFF2-40B4-BE49-F238E27FC236}">
+                      <a16:creationId xmlns:a16="http://schemas.microsoft.com/office/drawing/2014/main" id="{C9CA123E-7486-5574-1439-705EF5EF4C86}"/>
+                    </a:ext>
+                  </a:extLst>
+                </p:cNvPr>
+                <p:cNvSpPr>
+                  <a:spLocks noRot="1" noChangeAspect="1" noMove="1" noResize="1" noEditPoints="1" noAdjustHandles="1" noChangeArrowheads="1" noChangeShapeType="1" noTextEdit="1"/>
+                </p:cNvSpPr>
+                <p:nvPr/>
+              </p:nvSpPr>
+              <p:spPr>
+                <a:xfrm>
+                  <a:off x="6719926" y="3923157"/>
+                  <a:ext cx="591011" cy="606166"/>
+                </a:xfrm>
+                <a:prstGeom prst="ellipse">
+                  <a:avLst/>
+                </a:prstGeom>
+                <a:blipFill>
+                  <a:blip r:embed="rId5"/>
+                  <a:stretch>
+                    <a:fillRect/>
+                  </a:stretch>
+                </a:blipFill>
+                <a:ln w="28575">
+                  <a:noFill/>
+                </a:ln>
+              </p:spPr>
+              <p:txBody>
+                <a:bodyPr/>
+                <a:lstStyle/>
+                <a:p>
+                  <a:r>
+                    <a:rPr lang="en-US">
+                      <a:noFill/>
+                    </a:rPr>
+                    <a:t> </a:t>
+                  </a:r>
+                </a:p>
+              </p:txBody>
+            </p:sp>
+          </mc:Fallback>
+        </mc:AlternateContent>
+        <p:grpSp>
+          <p:nvGrpSpPr>
+            <p:cNvPr id="11" name="Group 10">
+              <a:extLst>
+                <a:ext uri="{FF2B5EF4-FFF2-40B4-BE49-F238E27FC236}">
+                  <a16:creationId xmlns:a16="http://schemas.microsoft.com/office/drawing/2014/main" id="{896B9AAB-5D13-CC95-9B36-04FF29226FBD}"/>
+                </a:ext>
+              </a:extLst>
+            </p:cNvPr>
+            <p:cNvGrpSpPr/>
+            <p:nvPr/>
+          </p:nvGrpSpPr>
+          <p:grpSpPr>
+            <a:xfrm>
+              <a:off x="6851720" y="4834793"/>
+              <a:ext cx="171288" cy="428236"/>
+              <a:chOff x="8305941" y="1353619"/>
+              <a:chExt cx="933868" cy="313037"/>
+            </a:xfrm>
+          </p:grpSpPr>
+          <p:cxnSp>
+            <p:nvCxnSpPr>
+              <p:cNvPr id="20" name="Straight Connector 19">
+                <a:extLst>
+                  <a:ext uri="{FF2B5EF4-FFF2-40B4-BE49-F238E27FC236}">
+                    <a16:creationId xmlns:a16="http://schemas.microsoft.com/office/drawing/2014/main" id="{5DFB0A6A-9E1E-5F1E-E39E-0D68AE77A978}"/>
+                  </a:ext>
+                </a:extLst>
+              </p:cNvPr>
+              <p:cNvCxnSpPr>
+                <a:cxnSpLocks/>
+              </p:cNvCxnSpPr>
+              <p:nvPr/>
+            </p:nvCxnSpPr>
+            <p:spPr>
+              <a:xfrm rot="10800000">
+                <a:off x="8305941" y="1511821"/>
+                <a:ext cx="933868" cy="0"/>
+              </a:xfrm>
+              <a:prstGeom prst="line">
+                <a:avLst/>
+              </a:prstGeom>
+              <a:ln w="19050">
+                <a:solidFill>
+                  <a:schemeClr val="tx1"/>
+                </a:solidFill>
+                <a:headEnd type="triangle" w="lg" len="lg"/>
+                <a:tailEnd type="none" w="lg" len="lg"/>
+              </a:ln>
+            </p:spPr>
+            <p:style>
+              <a:lnRef idx="1">
+                <a:schemeClr val="accent1"/>
+              </a:lnRef>
+              <a:fillRef idx="0">
+                <a:schemeClr val="accent1"/>
+              </a:fillRef>
+              <a:effectRef idx="0">
+                <a:schemeClr val="accent1"/>
+              </a:effectRef>
+              <a:fontRef idx="minor">
+                <a:schemeClr val="tx1"/>
+              </a:fontRef>
+            </p:style>
+          </p:cxnSp>
+          <p:cxnSp>
+            <p:nvCxnSpPr>
+              <p:cNvPr id="21" name="Straight Connector 20">
+                <a:extLst>
+                  <a:ext uri="{FF2B5EF4-FFF2-40B4-BE49-F238E27FC236}">
+                    <a16:creationId xmlns:a16="http://schemas.microsoft.com/office/drawing/2014/main" id="{6264C4E8-E52A-A914-7358-DAEED1B5B80A}"/>
+                  </a:ext>
+                </a:extLst>
+              </p:cNvPr>
+              <p:cNvCxnSpPr>
+                <a:cxnSpLocks/>
+              </p:cNvCxnSpPr>
+              <p:nvPr/>
+            </p:nvCxnSpPr>
+            <p:spPr>
+              <a:xfrm flipV="1">
+                <a:off x="8305941" y="1353619"/>
+                <a:ext cx="0" cy="313037"/>
+              </a:xfrm>
+              <a:prstGeom prst="line">
+                <a:avLst/>
+              </a:prstGeom>
+              <a:ln w="19050">
+                <a:solidFill>
+                  <a:schemeClr val="tx1"/>
+                </a:solidFill>
+                <a:tailEnd w="med" len="lg"/>
+              </a:ln>
+            </p:spPr>
+            <p:style>
+              <a:lnRef idx="1">
+                <a:schemeClr val="accent1"/>
+              </a:lnRef>
+              <a:fillRef idx="0">
+                <a:schemeClr val="accent1"/>
+              </a:fillRef>
+              <a:effectRef idx="0">
+                <a:schemeClr val="accent1"/>
+              </a:effectRef>
+              <a:fontRef idx="minor">
+                <a:schemeClr val="tx1"/>
+              </a:fontRef>
+            </p:style>
+          </p:cxnSp>
+        </p:grpSp>
+        <p:grpSp>
+          <p:nvGrpSpPr>
+            <p:cNvPr id="12" name="Group 11">
+              <a:extLst>
+                <a:ext uri="{FF2B5EF4-FFF2-40B4-BE49-F238E27FC236}">
+                  <a16:creationId xmlns:a16="http://schemas.microsoft.com/office/drawing/2014/main" id="{ED0B5D8B-85D8-900B-4DCA-B802039DCFB0}"/>
+                </a:ext>
+              </a:extLst>
+            </p:cNvPr>
+            <p:cNvGrpSpPr/>
+            <p:nvPr/>
+          </p:nvGrpSpPr>
+          <p:grpSpPr>
+            <a:xfrm>
+              <a:off x="7139648" y="2640737"/>
+              <a:ext cx="257387" cy="264299"/>
+              <a:chOff x="8305941" y="1473456"/>
+              <a:chExt cx="933868" cy="193200"/>
+            </a:xfrm>
+          </p:grpSpPr>
+          <p:cxnSp>
+            <p:nvCxnSpPr>
+              <p:cNvPr id="18" name="Straight Connector 17">
+                <a:extLst>
+                  <a:ext uri="{FF2B5EF4-FFF2-40B4-BE49-F238E27FC236}">
+                    <a16:creationId xmlns:a16="http://schemas.microsoft.com/office/drawing/2014/main" id="{C74BF101-8134-75AE-8E8B-0202D2F69A09}"/>
+                  </a:ext>
+                </a:extLst>
+              </p:cNvPr>
+              <p:cNvCxnSpPr>
+                <a:cxnSpLocks/>
+              </p:cNvCxnSpPr>
+              <p:nvPr/>
+            </p:nvCxnSpPr>
+            <p:spPr>
+              <a:xfrm rot="10800000">
+                <a:off x="8305941" y="1568188"/>
+                <a:ext cx="933868" cy="0"/>
+              </a:xfrm>
+              <a:prstGeom prst="line">
+                <a:avLst/>
+              </a:prstGeom>
+              <a:ln w="19050">
+                <a:solidFill>
+                  <a:schemeClr val="tx1"/>
+                </a:solidFill>
+                <a:headEnd type="triangle" w="lg" len="lg"/>
+                <a:tailEnd type="none" w="lg" len="lg"/>
+              </a:ln>
+            </p:spPr>
+            <p:style>
+              <a:lnRef idx="1">
+                <a:schemeClr val="accent1"/>
+              </a:lnRef>
+              <a:fillRef idx="0">
+                <a:schemeClr val="accent1"/>
+              </a:fillRef>
+              <a:effectRef idx="0">
+                <a:schemeClr val="accent1"/>
+              </a:effectRef>
+              <a:fontRef idx="minor">
+                <a:schemeClr val="tx1"/>
+              </a:fontRef>
+            </p:style>
+          </p:cxnSp>
+          <p:cxnSp>
+            <p:nvCxnSpPr>
+              <p:cNvPr id="19" name="Straight Connector 18">
+                <a:extLst>
+                  <a:ext uri="{FF2B5EF4-FFF2-40B4-BE49-F238E27FC236}">
+                    <a16:creationId xmlns:a16="http://schemas.microsoft.com/office/drawing/2014/main" id="{D345A0C4-42BC-AFC6-2C17-71F0BA551188}"/>
+                  </a:ext>
+                </a:extLst>
+              </p:cNvPr>
+              <p:cNvCxnSpPr>
+                <a:cxnSpLocks/>
+              </p:cNvCxnSpPr>
+              <p:nvPr/>
+            </p:nvCxnSpPr>
+            <p:spPr>
+              <a:xfrm rot="10800000">
+                <a:off x="8305941" y="1473456"/>
+                <a:ext cx="0" cy="193200"/>
+              </a:xfrm>
+              <a:prstGeom prst="line">
+                <a:avLst/>
+              </a:prstGeom>
+              <a:ln w="19050">
+                <a:solidFill>
+                  <a:schemeClr val="tx1"/>
+                </a:solidFill>
+                <a:tailEnd w="med" len="lg"/>
+              </a:ln>
+            </p:spPr>
+            <p:style>
+              <a:lnRef idx="1">
+                <a:schemeClr val="accent1"/>
+              </a:lnRef>
+              <a:fillRef idx="0">
+                <a:schemeClr val="accent1"/>
+              </a:fillRef>
+              <a:effectRef idx="0">
+                <a:schemeClr val="accent1"/>
+              </a:effectRef>
+              <a:fontRef idx="minor">
+                <a:schemeClr val="tx1"/>
+              </a:fontRef>
+            </p:style>
+          </p:cxnSp>
+        </p:grpSp>
+        <p:grpSp>
+          <p:nvGrpSpPr>
+            <p:cNvPr id="14" name="Group 13">
+              <a:extLst>
+                <a:ext uri="{FF2B5EF4-FFF2-40B4-BE49-F238E27FC236}">
+                  <a16:creationId xmlns:a16="http://schemas.microsoft.com/office/drawing/2014/main" id="{4050E5EB-1A54-F2F0-9C5D-0E18DA07F818}"/>
+                </a:ext>
+              </a:extLst>
+            </p:cNvPr>
+            <p:cNvGrpSpPr/>
+            <p:nvPr/>
+          </p:nvGrpSpPr>
+          <p:grpSpPr>
+            <a:xfrm>
+              <a:off x="7136918" y="3626606"/>
+              <a:ext cx="257387" cy="264299"/>
+              <a:chOff x="8305941" y="1473456"/>
+              <a:chExt cx="933868" cy="193200"/>
+            </a:xfrm>
+          </p:grpSpPr>
+          <p:cxnSp>
+            <p:nvCxnSpPr>
+              <p:cNvPr id="16" name="Straight Connector 15">
+                <a:extLst>
+                  <a:ext uri="{FF2B5EF4-FFF2-40B4-BE49-F238E27FC236}">
+                    <a16:creationId xmlns:a16="http://schemas.microsoft.com/office/drawing/2014/main" id="{D99EDC1E-A778-AD65-2D3F-B3D58256DF2C}"/>
+                  </a:ext>
+                </a:extLst>
+              </p:cNvPr>
+              <p:cNvCxnSpPr>
+                <a:cxnSpLocks/>
+              </p:cNvCxnSpPr>
+              <p:nvPr/>
+            </p:nvCxnSpPr>
+            <p:spPr>
+              <a:xfrm rot="10800000">
+                <a:off x="8305941" y="1568188"/>
+                <a:ext cx="933868" cy="0"/>
+              </a:xfrm>
+              <a:prstGeom prst="line">
+                <a:avLst/>
+              </a:prstGeom>
+              <a:ln w="19050">
+                <a:solidFill>
+                  <a:schemeClr val="tx1"/>
+                </a:solidFill>
+                <a:headEnd type="triangle" w="lg" len="lg"/>
+                <a:tailEnd type="none" w="lg" len="lg"/>
+              </a:ln>
+            </p:spPr>
+            <p:style>
+              <a:lnRef idx="1">
+                <a:schemeClr val="accent1"/>
+              </a:lnRef>
+              <a:fillRef idx="0">
+                <a:schemeClr val="accent1"/>
+              </a:fillRef>
+              <a:effectRef idx="0">
+                <a:schemeClr val="accent1"/>
+              </a:effectRef>
+              <a:fontRef idx="minor">
+                <a:schemeClr val="tx1"/>
+              </a:fontRef>
+            </p:style>
+          </p:cxnSp>
+          <p:cxnSp>
+            <p:nvCxnSpPr>
+              <p:cNvPr id="17" name="Straight Connector 16">
+                <a:extLst>
+                  <a:ext uri="{FF2B5EF4-FFF2-40B4-BE49-F238E27FC236}">
+                    <a16:creationId xmlns:a16="http://schemas.microsoft.com/office/drawing/2014/main" id="{533A17DF-84DD-8695-14FA-65E4B2ABCD3F}"/>
+                  </a:ext>
+                </a:extLst>
+              </p:cNvPr>
+              <p:cNvCxnSpPr>
+                <a:cxnSpLocks/>
+              </p:cNvCxnSpPr>
+              <p:nvPr/>
+            </p:nvCxnSpPr>
+            <p:spPr>
+              <a:xfrm rot="10800000">
+                <a:off x="8305941" y="1473456"/>
+                <a:ext cx="0" cy="193200"/>
+              </a:xfrm>
+              <a:prstGeom prst="line">
+                <a:avLst/>
+              </a:prstGeom>
+              <a:ln w="19050">
+                <a:solidFill>
+                  <a:schemeClr val="tx1"/>
+                </a:solidFill>
+                <a:tailEnd w="med" len="lg"/>
+              </a:ln>
+            </p:spPr>
+            <p:style>
+              <a:lnRef idx="1">
+                <a:schemeClr val="accent1"/>
+              </a:lnRef>
+              <a:fillRef idx="0">
+                <a:schemeClr val="accent1"/>
+              </a:fillRef>
+              <a:effectRef idx="0">
+                <a:schemeClr val="accent1"/>
+              </a:effectRef>
+              <a:fontRef idx="minor">
+                <a:schemeClr val="tx1"/>
+              </a:fontRef>
+            </p:style>
+          </p:cxnSp>
+        </p:grpSp>
+        <mc:AlternateContent xmlns:mc="http://schemas.openxmlformats.org/markup-compatibility/2006">
+          <mc:Choice xmlns:a14="http://schemas.microsoft.com/office/drawing/2010/main" Requires="a14">
+            <p:sp>
+              <p:nvSpPr>
+                <p:cNvPr id="22" name="Oval 21">
+                  <a:extLst>
+                    <a:ext uri="{FF2B5EF4-FFF2-40B4-BE49-F238E27FC236}">
+                      <a16:creationId xmlns:a16="http://schemas.microsoft.com/office/drawing/2014/main" id="{6704461F-F93E-EA27-704A-D8041FA8E817}"/>
+                    </a:ext>
+                  </a:extLst>
+                </p:cNvPr>
+                <p:cNvSpPr/>
+                <p:nvPr/>
+              </p:nvSpPr>
+              <p:spPr>
+                <a:xfrm>
+                  <a:off x="6912586" y="4752028"/>
+                  <a:ext cx="1073865" cy="557420"/>
+                </a:xfrm>
+                <a:prstGeom prst="ellipse">
+                  <a:avLst/>
+                </a:prstGeom>
+                <a:noFill/>
+                <a:ln w="28575">
+                  <a:noFill/>
+                </a:ln>
+              </p:spPr>
+              <p:style>
+                <a:lnRef idx="2">
+                  <a:schemeClr val="accent1">
+                    <a:shade val="50000"/>
+                  </a:schemeClr>
+                </a:lnRef>
+                <a:fillRef idx="1">
+                  <a:schemeClr val="accent1"/>
+                </a:fillRef>
+                <a:effectRef idx="0">
+                  <a:schemeClr val="accent1"/>
+                </a:effectRef>
+                <a:fontRef idx="minor">
+                  <a:schemeClr val="lt1"/>
+                </a:fontRef>
+              </p:style>
+              <p:txBody>
+                <a:bodyPr lIns="91440" tIns="0" rIns="0" bIns="0" rtlCol="0" anchor="ctr"/>
+                <a:lstStyle/>
+                <a:p>
+                  <a:pPr algn="ctr"/>
+                  <a14:m>
+                    <m:oMath xmlns:m="http://schemas.openxmlformats.org/officeDocument/2006/math">
+                      <m:r>
+                        <a:rPr lang="en-US" b="0" i="1" smtClean="0">
+                          <a:solidFill>
+                            <a:schemeClr val="tx1"/>
+                          </a:solidFill>
+                          <a:latin typeface="Cambria Math" panose="02040503050406030204" pitchFamily="18" charset="0"/>
+                        </a:rPr>
+                        <m:t>𝑢</m:t>
+                      </m:r>
+                      <m:d>
+                        <m:dPr>
+                          <m:ctrlPr>
+                            <a:rPr lang="en-US" b="0" i="1" smtClean="0">
+                              <a:solidFill>
+                                <a:schemeClr val="tx1"/>
+                              </a:solidFill>
+                              <a:latin typeface="Cambria Math" panose="02040503050406030204" pitchFamily="18" charset="0"/>
+                            </a:rPr>
+                          </m:ctrlPr>
+                        </m:dPr>
+                        <m:e>
+                          <m:r>
+                            <a:rPr lang="en-US" b="0" i="1" smtClean="0">
+                              <a:solidFill>
+                                <a:schemeClr val="tx1"/>
+                              </a:solidFill>
+                              <a:latin typeface="Cambria Math" panose="02040503050406030204" pitchFamily="18" charset="0"/>
+                            </a:rPr>
+                            <m:t>𝑡</m:t>
+                          </m:r>
+                        </m:e>
+                      </m:d>
+                    </m:oMath>
+                  </a14:m>
+                  <a:r>
+                    <a:rPr lang="en-US" dirty="0">
+                      <a:solidFill>
+                        <a:schemeClr val="tx1"/>
+                      </a:solidFill>
+                    </a:rPr>
+                    <a:t>  (input)</a:t>
+                  </a:r>
+                </a:p>
+              </p:txBody>
+            </p:sp>
+          </mc:Choice>
+          <mc:Fallback>
+            <p:sp>
+              <p:nvSpPr>
+                <p:cNvPr id="22" name="Oval 21">
+                  <a:extLst>
+                    <a:ext uri="{FF2B5EF4-FFF2-40B4-BE49-F238E27FC236}">
+                      <a16:creationId xmlns:a16="http://schemas.microsoft.com/office/drawing/2014/main" id="{6704461F-F93E-EA27-704A-D8041FA8E817}"/>
+                    </a:ext>
+                  </a:extLst>
+                </p:cNvPr>
+                <p:cNvSpPr>
+                  <a:spLocks noRot="1" noChangeAspect="1" noMove="1" noResize="1" noEditPoints="1" noAdjustHandles="1" noChangeArrowheads="1" noChangeShapeType="1" noTextEdit="1"/>
+                </p:cNvSpPr>
+                <p:nvPr/>
+              </p:nvSpPr>
+              <p:spPr>
+                <a:xfrm>
+                  <a:off x="6912586" y="4752028"/>
+                  <a:ext cx="1073865" cy="557420"/>
+                </a:xfrm>
+                <a:prstGeom prst="ellipse">
+                  <a:avLst/>
+                </a:prstGeom>
+                <a:blipFill>
+                  <a:blip r:embed="rId6"/>
+                  <a:stretch>
+                    <a:fillRect b="-23913"/>
+                  </a:stretch>
+                </a:blipFill>
+                <a:ln w="28575">
+                  <a:noFill/>
+                </a:ln>
+              </p:spPr>
+              <p:txBody>
+                <a:bodyPr/>
+                <a:lstStyle/>
+                <a:p>
+                  <a:r>
+                    <a:rPr lang="en-US">
+                      <a:noFill/>
+                    </a:rPr>
+                    <a:t> </a:t>
+                  </a:r>
+                </a:p>
+              </p:txBody>
+            </p:sp>
+          </mc:Fallback>
+        </mc:AlternateContent>
+        <mc:AlternateContent xmlns:mc="http://schemas.openxmlformats.org/markup-compatibility/2006">
+          <mc:Choice xmlns:a14="http://schemas.microsoft.com/office/drawing/2010/main" Requires="a14">
+            <p:sp>
+              <p:nvSpPr>
+                <p:cNvPr id="23" name="Oval 22">
+                  <a:extLst>
+                    <a:ext uri="{FF2B5EF4-FFF2-40B4-BE49-F238E27FC236}">
+                      <a16:creationId xmlns:a16="http://schemas.microsoft.com/office/drawing/2014/main" id="{400ECF9D-1A19-319D-1411-2B59E314630F}"/>
+                    </a:ext>
+                  </a:extLst>
+                </p:cNvPr>
+                <p:cNvSpPr/>
+                <p:nvPr/>
+              </p:nvSpPr>
+              <p:spPr>
+                <a:xfrm>
+                  <a:off x="7089707" y="2549216"/>
+                  <a:ext cx="1255532" cy="557420"/>
+                </a:xfrm>
+                <a:prstGeom prst="ellipse">
+                  <a:avLst/>
+                </a:prstGeom>
+                <a:noFill/>
+                <a:ln w="28575">
+                  <a:noFill/>
+                </a:ln>
+              </p:spPr>
+              <p:style>
+                <a:lnRef idx="2">
+                  <a:schemeClr val="accent1">
+                    <a:shade val="50000"/>
+                  </a:schemeClr>
+                </a:lnRef>
+                <a:fillRef idx="1">
+                  <a:schemeClr val="accent1"/>
+                </a:fillRef>
+                <a:effectRef idx="0">
+                  <a:schemeClr val="accent1"/>
+                </a:effectRef>
+                <a:fontRef idx="minor">
+                  <a:schemeClr val="lt1"/>
+                </a:fontRef>
+              </p:style>
+              <p:txBody>
+                <a:bodyPr lIns="91440" tIns="0" rIns="0" bIns="0" rtlCol="0" anchor="ctr"/>
+                <a:lstStyle/>
+                <a:p>
+                  <a:pPr algn="ctr"/>
+                  <a14:m>
+                    <m:oMath xmlns:m="http://schemas.openxmlformats.org/officeDocument/2006/math">
+                      <m:sSub>
+                        <m:sSubPr>
+                          <m:ctrlPr>
+                            <a:rPr lang="en-US" b="0" i="1" smtClean="0">
+                              <a:solidFill>
+                                <a:schemeClr val="tx1"/>
+                              </a:solidFill>
+                              <a:latin typeface="Cambria Math" panose="02040503050406030204" pitchFamily="18" charset="0"/>
+                            </a:rPr>
+                          </m:ctrlPr>
+                        </m:sSubPr>
+                        <m:e>
+                          <m:r>
+                            <a:rPr lang="en-US" b="0" i="1" smtClean="0">
+                              <a:solidFill>
+                                <a:schemeClr val="tx1"/>
+                              </a:solidFill>
+                              <a:latin typeface="Cambria Math" panose="02040503050406030204" pitchFamily="18" charset="0"/>
+                            </a:rPr>
+                            <m:t>𝑦</m:t>
+                          </m:r>
+                        </m:e>
+                        <m:sub>
+                          <m:r>
+                            <a:rPr lang="en-US" b="0" i="1" smtClean="0">
+                              <a:solidFill>
+                                <a:schemeClr val="tx1"/>
+                              </a:solidFill>
+                              <a:latin typeface="Cambria Math" panose="02040503050406030204" pitchFamily="18" charset="0"/>
+                            </a:rPr>
+                            <m:t>2</m:t>
+                          </m:r>
+                        </m:sub>
+                      </m:sSub>
+                      <m:d>
+                        <m:dPr>
+                          <m:ctrlPr>
+                            <a:rPr lang="en-US" b="0" i="1" smtClean="0">
+                              <a:solidFill>
+                                <a:schemeClr val="tx1"/>
+                              </a:solidFill>
+                              <a:latin typeface="Cambria Math" panose="02040503050406030204" pitchFamily="18" charset="0"/>
+                            </a:rPr>
+                          </m:ctrlPr>
+                        </m:dPr>
+                        <m:e>
+                          <m:r>
+                            <a:rPr lang="en-US" b="0" i="1" smtClean="0">
+                              <a:solidFill>
+                                <a:schemeClr val="tx1"/>
+                              </a:solidFill>
+                              <a:latin typeface="Cambria Math" panose="02040503050406030204" pitchFamily="18" charset="0"/>
+                            </a:rPr>
+                            <m:t>𝑡</m:t>
+                          </m:r>
+                        </m:e>
+                      </m:d>
+                    </m:oMath>
+                  </a14:m>
+                  <a:r>
+                    <a:rPr lang="en-US" dirty="0">
+                      <a:solidFill>
+                        <a:schemeClr val="tx1"/>
+                      </a:solidFill>
+                    </a:rPr>
+                    <a:t>  (output)</a:t>
+                  </a:r>
+                </a:p>
+              </p:txBody>
+            </p:sp>
+          </mc:Choice>
+          <mc:Fallback>
+            <p:sp>
+              <p:nvSpPr>
+                <p:cNvPr id="23" name="Oval 22">
+                  <a:extLst>
+                    <a:ext uri="{FF2B5EF4-FFF2-40B4-BE49-F238E27FC236}">
+                      <a16:creationId xmlns:a16="http://schemas.microsoft.com/office/drawing/2014/main" id="{400ECF9D-1A19-319D-1411-2B59E314630F}"/>
+                    </a:ext>
+                  </a:extLst>
+                </p:cNvPr>
+                <p:cNvSpPr>
+                  <a:spLocks noRot="1" noChangeAspect="1" noMove="1" noResize="1" noEditPoints="1" noAdjustHandles="1" noChangeArrowheads="1" noChangeShapeType="1" noTextEdit="1"/>
+                </p:cNvSpPr>
+                <p:nvPr/>
+              </p:nvSpPr>
+              <p:spPr>
+                <a:xfrm>
+                  <a:off x="7089707" y="2549216"/>
+                  <a:ext cx="1255532" cy="557420"/>
+                </a:xfrm>
+                <a:prstGeom prst="ellipse">
+                  <a:avLst/>
+                </a:prstGeom>
+                <a:blipFill>
+                  <a:blip r:embed="rId7"/>
+                  <a:stretch>
+                    <a:fillRect b="-25275"/>
+                  </a:stretch>
+                </a:blipFill>
+                <a:ln w="28575">
+                  <a:noFill/>
+                </a:ln>
+              </p:spPr>
+              <p:txBody>
+                <a:bodyPr/>
+                <a:lstStyle/>
+                <a:p>
+                  <a:r>
+                    <a:rPr lang="en-US">
+                      <a:noFill/>
+                    </a:rPr>
+                    <a:t> </a:t>
+                  </a:r>
+                </a:p>
+              </p:txBody>
+            </p:sp>
+          </mc:Fallback>
+        </mc:AlternateContent>
+        <mc:AlternateContent xmlns:mc="http://schemas.openxmlformats.org/markup-compatibility/2006">
+          <mc:Choice xmlns:a14="http://schemas.microsoft.com/office/drawing/2010/main" Requires="a14">
+            <p:sp>
+              <p:nvSpPr>
+                <p:cNvPr id="24" name="Oval 23">
+                  <a:extLst>
+                    <a:ext uri="{FF2B5EF4-FFF2-40B4-BE49-F238E27FC236}">
+                      <a16:creationId xmlns:a16="http://schemas.microsoft.com/office/drawing/2014/main" id="{123F66DF-78A9-5518-0159-7A1F4169EF06}"/>
+                    </a:ext>
+                  </a:extLst>
+                </p:cNvPr>
+                <p:cNvSpPr/>
+                <p:nvPr/>
+              </p:nvSpPr>
+              <p:spPr>
+                <a:xfrm>
+                  <a:off x="7087197" y="3455806"/>
+                  <a:ext cx="1300172" cy="557420"/>
+                </a:xfrm>
+                <a:prstGeom prst="ellipse">
+                  <a:avLst/>
+                </a:prstGeom>
+                <a:noFill/>
+                <a:ln w="28575">
+                  <a:noFill/>
+                </a:ln>
+              </p:spPr>
+              <p:style>
+                <a:lnRef idx="2">
+                  <a:schemeClr val="accent1">
+                    <a:shade val="50000"/>
+                  </a:schemeClr>
+                </a:lnRef>
+                <a:fillRef idx="1">
+                  <a:schemeClr val="accent1"/>
+                </a:fillRef>
+                <a:effectRef idx="0">
+                  <a:schemeClr val="accent1"/>
+                </a:effectRef>
+                <a:fontRef idx="minor">
+                  <a:schemeClr val="lt1"/>
+                </a:fontRef>
+              </p:style>
+              <p:txBody>
+                <a:bodyPr lIns="91440" tIns="0" rIns="0" bIns="0" rtlCol="0" anchor="ctr"/>
+                <a:lstStyle/>
+                <a:p>
+                  <a:pPr algn="ctr"/>
+                  <a14:m>
+                    <m:oMath xmlns:m="http://schemas.openxmlformats.org/officeDocument/2006/math">
+                      <m:sSub>
+                        <m:sSubPr>
+                          <m:ctrlPr>
+                            <a:rPr lang="en-US" b="0" i="1" smtClean="0">
+                              <a:solidFill>
+                                <a:schemeClr val="tx1"/>
+                              </a:solidFill>
+                              <a:latin typeface="Cambria Math" panose="02040503050406030204" pitchFamily="18" charset="0"/>
+                            </a:rPr>
+                          </m:ctrlPr>
+                        </m:sSubPr>
+                        <m:e>
+                          <m:r>
+                            <a:rPr lang="en-US" b="0" i="1" smtClean="0">
+                              <a:solidFill>
+                                <a:schemeClr val="tx1"/>
+                              </a:solidFill>
+                              <a:latin typeface="Cambria Math" panose="02040503050406030204" pitchFamily="18" charset="0"/>
+                            </a:rPr>
+                            <m:t>𝑦</m:t>
+                          </m:r>
+                        </m:e>
+                        <m:sub>
+                          <m:r>
+                            <a:rPr lang="en-US" b="0" i="1" smtClean="0">
+                              <a:solidFill>
+                                <a:schemeClr val="tx1"/>
+                              </a:solidFill>
+                              <a:latin typeface="Cambria Math" panose="02040503050406030204" pitchFamily="18" charset="0"/>
+                            </a:rPr>
+                            <m:t>1</m:t>
+                          </m:r>
+                        </m:sub>
+                      </m:sSub>
+                      <m:d>
+                        <m:dPr>
+                          <m:ctrlPr>
+                            <a:rPr lang="en-US" b="0" i="1" smtClean="0">
+                              <a:solidFill>
+                                <a:schemeClr val="tx1"/>
+                              </a:solidFill>
+                              <a:latin typeface="Cambria Math" panose="02040503050406030204" pitchFamily="18" charset="0"/>
+                            </a:rPr>
+                          </m:ctrlPr>
+                        </m:dPr>
+                        <m:e>
+                          <m:r>
+                            <a:rPr lang="en-US" b="0" i="1" smtClean="0">
+                              <a:solidFill>
+                                <a:schemeClr val="tx1"/>
+                              </a:solidFill>
+                              <a:latin typeface="Cambria Math" panose="02040503050406030204" pitchFamily="18" charset="0"/>
+                            </a:rPr>
+                            <m:t>𝑡</m:t>
+                          </m:r>
+                        </m:e>
+                      </m:d>
+                    </m:oMath>
+                  </a14:m>
+                  <a:r>
+                    <a:rPr lang="en-US" dirty="0">
+                      <a:solidFill>
+                        <a:schemeClr val="tx1"/>
+                      </a:solidFill>
+                    </a:rPr>
+                    <a:t> (output)</a:t>
+                  </a:r>
+                </a:p>
+              </p:txBody>
+            </p:sp>
+          </mc:Choice>
+          <mc:Fallback>
+            <p:sp>
+              <p:nvSpPr>
+                <p:cNvPr id="24" name="Oval 23">
+                  <a:extLst>
+                    <a:ext uri="{FF2B5EF4-FFF2-40B4-BE49-F238E27FC236}">
+                      <a16:creationId xmlns:a16="http://schemas.microsoft.com/office/drawing/2014/main" id="{123F66DF-78A9-5518-0159-7A1F4169EF06}"/>
+                    </a:ext>
+                  </a:extLst>
+                </p:cNvPr>
+                <p:cNvSpPr>
+                  <a:spLocks noRot="1" noChangeAspect="1" noMove="1" noResize="1" noEditPoints="1" noAdjustHandles="1" noChangeArrowheads="1" noChangeShapeType="1" noTextEdit="1"/>
+                </p:cNvSpPr>
+                <p:nvPr/>
+              </p:nvSpPr>
+              <p:spPr>
+                <a:xfrm>
+                  <a:off x="7087197" y="3455806"/>
+                  <a:ext cx="1300172" cy="557420"/>
+                </a:xfrm>
+                <a:prstGeom prst="ellipse">
+                  <a:avLst/>
+                </a:prstGeom>
+                <a:blipFill>
+                  <a:blip r:embed="rId8"/>
+                  <a:stretch>
+                    <a:fillRect b="-25000"/>
+                  </a:stretch>
+                </a:blipFill>
+                <a:ln w="28575">
+                  <a:noFill/>
+                </a:ln>
+              </p:spPr>
+              <p:txBody>
+                <a:bodyPr/>
+                <a:lstStyle/>
+                <a:p>
+                  <a:r>
+                    <a:rPr lang="en-US">
+                      <a:noFill/>
+                    </a:rPr>
+                    <a:t> </a:t>
+                  </a:r>
+                </a:p>
+              </p:txBody>
+            </p:sp>
+          </mc:Fallback>
+        </mc:AlternateContent>
+      </p:grpSp>
+    </p:spTree>
+    <p:extLst>
+      <p:ext uri="{BB962C8B-B14F-4D97-AF65-F5344CB8AC3E}">
+        <p14:creationId xmlns:p14="http://schemas.microsoft.com/office/powerpoint/2010/main" val="4078328478"/>
+      </p:ext>
+    </p:extLst>
+  </p:cSld>
+  <p:clrMapOvr>
+    <a:masterClrMapping/>
+  </p:clrMapOvr>
+</p:sld>
+</file>
+
+<file path=ppt/slides/slide8.xml><?xml version="1.0" encoding="utf-8"?>
 <p:sld xmlns:a="http://schemas.openxmlformats.org/drawingml/2006/main" xmlns:r="http://schemas.openxmlformats.org/officeDocument/2006/relationships" xmlns:p="http://schemas.openxmlformats.org/presentationml/2006/main">
   <p:cSld>
     <p:spTree>
@@ -14653,7 +17217,7 @@
 </p:sld>
 </file>
 
-<file path=ppt/slides/slide7.xml><?xml version="1.0" encoding="utf-8"?>
+<file path=ppt/slides/slide9.xml><?xml version="1.0" encoding="utf-8"?>
 <p:sld xmlns:a="http://schemas.openxmlformats.org/drawingml/2006/main" xmlns:r="http://schemas.openxmlformats.org/officeDocument/2006/relationships" xmlns:p="http://schemas.openxmlformats.org/presentationml/2006/main">
   <p:cSld>
     <p:spTree>
@@ -14825,8 +17389,8 @@
             </a:fontRef>
           </p:style>
         </p:cxnSp>
-        <mc:AlternateContent xmlns:mc="http://schemas.openxmlformats.org/markup-compatibility/2006">
-          <mc:Choice xmlns:a14="http://schemas.microsoft.com/office/drawing/2010/main" Requires="a14">
+        <mc:AlternateContent xmlns:mc="http://schemas.openxmlformats.org/markup-compatibility/2006" xmlns:a14="http://schemas.microsoft.com/office/drawing/2010/main">
+          <mc:Choice Requires="a14">
             <p:sp>
               <p:nvSpPr>
                 <p:cNvPr id="16" name="Oval 15">
@@ -14923,7 +17487,7 @@
               </p:txBody>
             </p:sp>
           </mc:Choice>
-          <mc:Fallback>
+          <mc:Fallback xmlns="">
             <p:sp>
               <p:nvSpPr>
                 <p:cNvPr id="16" name="Oval 15">
@@ -15016,8 +17580,8 @@
             </a:fontRef>
           </p:style>
         </p:cxnSp>
-        <mc:AlternateContent xmlns:mc="http://schemas.openxmlformats.org/markup-compatibility/2006">
-          <mc:Choice xmlns:a14="http://schemas.microsoft.com/office/drawing/2010/main" Requires="a14">
+        <mc:AlternateContent xmlns:mc="http://schemas.openxmlformats.org/markup-compatibility/2006" xmlns:a14="http://schemas.microsoft.com/office/drawing/2010/main">
+          <mc:Choice Requires="a14">
             <p:sp>
               <p:nvSpPr>
                 <p:cNvPr id="100" name="Oval 99">
@@ -15112,7 +17676,7 @@
               </p:txBody>
             </p:sp>
           </mc:Choice>
-          <mc:Fallback>
+          <mc:Fallback xmlns="">
             <p:sp>
               <p:nvSpPr>
                 <p:cNvPr id="100" name="Oval 99">
@@ -15160,8 +17724,8 @@
             </p:sp>
           </mc:Fallback>
         </mc:AlternateContent>
-        <mc:AlternateContent xmlns:mc="http://schemas.openxmlformats.org/markup-compatibility/2006">
-          <mc:Choice xmlns:a14="http://schemas.microsoft.com/office/drawing/2010/main" Requires="a14">
+        <mc:AlternateContent xmlns:mc="http://schemas.openxmlformats.org/markup-compatibility/2006" xmlns:a14="http://schemas.microsoft.com/office/drawing/2010/main">
+          <mc:Choice Requires="a14">
             <p:sp>
               <p:nvSpPr>
                 <p:cNvPr id="3" name="Oval 2">
@@ -15260,7 +17824,7 @@
               </p:txBody>
             </p:sp>
           </mc:Choice>
-          <mc:Fallback>
+          <mc:Fallback xmlns="">
             <p:sp>
               <p:nvSpPr>
                 <p:cNvPr id="3" name="Oval 2">
@@ -15310,8 +17874,8 @@
             </p:sp>
           </mc:Fallback>
         </mc:AlternateContent>
-        <mc:AlternateContent xmlns:mc="http://schemas.openxmlformats.org/markup-compatibility/2006">
-          <mc:Choice xmlns:a14="http://schemas.microsoft.com/office/drawing/2010/main" Requires="a14">
+        <mc:AlternateContent xmlns:mc="http://schemas.openxmlformats.org/markup-compatibility/2006" xmlns:a14="http://schemas.microsoft.com/office/drawing/2010/main">
+          <mc:Choice Requires="a14">
             <p:sp>
               <p:nvSpPr>
                 <p:cNvPr id="5" name="Oval 4">
@@ -15406,7 +17970,7 @@
               </p:txBody>
             </p:sp>
           </mc:Choice>
-          <mc:Fallback>
+          <mc:Fallback xmlns="">
             <p:sp>
               <p:nvSpPr>
                 <p:cNvPr id="5" name="Oval 4">
@@ -15454,8 +18018,8 @@
             </p:sp>
           </mc:Fallback>
         </mc:AlternateContent>
-        <mc:AlternateContent xmlns:mc="http://schemas.openxmlformats.org/markup-compatibility/2006">
-          <mc:Choice xmlns:a14="http://schemas.microsoft.com/office/drawing/2010/main" Requires="a14">
+        <mc:AlternateContent xmlns:mc="http://schemas.openxmlformats.org/markup-compatibility/2006" xmlns:a14="http://schemas.microsoft.com/office/drawing/2010/main">
+          <mc:Choice Requires="a14">
             <p:sp>
               <p:nvSpPr>
                 <p:cNvPr id="4" name="Oval 3">
@@ -15577,7 +18141,7 @@
               </p:txBody>
             </p:sp>
           </mc:Choice>
-          <mc:Fallback>
+          <mc:Fallback xmlns="">
             <p:sp>
               <p:nvSpPr>
                 <p:cNvPr id="4" name="Oval 3">
@@ -15845,8 +18409,8 @@
             </p:style>
           </p:cxnSp>
         </p:grpSp>
-        <mc:AlternateContent xmlns:mc="http://schemas.openxmlformats.org/markup-compatibility/2006">
-          <mc:Choice xmlns:a14="http://schemas.microsoft.com/office/drawing/2010/main" Requires="a14">
+        <mc:AlternateContent xmlns:mc="http://schemas.openxmlformats.org/markup-compatibility/2006" xmlns:a14="http://schemas.microsoft.com/office/drawing/2010/main">
+          <mc:Choice Requires="a14">
             <p:sp>
               <p:nvSpPr>
                 <p:cNvPr id="21" name="Oval 20">
@@ -15977,7 +18541,7 @@
               </p:txBody>
             </p:sp>
           </mc:Choice>
-          <mc:Fallback>
+          <mc:Fallback xmlns="">
             <p:sp>
               <p:nvSpPr>
                 <p:cNvPr id="21" name="Oval 20">
@@ -16135,8 +18699,8 @@
             </p:style>
           </p:cxnSp>
         </p:grpSp>
-        <mc:AlternateContent xmlns:mc="http://schemas.openxmlformats.org/markup-compatibility/2006">
-          <mc:Choice xmlns:a14="http://schemas.microsoft.com/office/drawing/2010/main" Requires="a14">
+        <mc:AlternateContent xmlns:mc="http://schemas.openxmlformats.org/markup-compatibility/2006" xmlns:a14="http://schemas.microsoft.com/office/drawing/2010/main">
+          <mc:Choice Requires="a14">
             <p:sp>
               <p:nvSpPr>
                 <p:cNvPr id="25" name="Oval 24">
@@ -16267,7 +18831,7 @@
               </p:txBody>
             </p:sp>
           </mc:Choice>
-          <mc:Fallback>
+          <mc:Fallback xmlns="">
             <p:sp>
               <p:nvSpPr>
                 <p:cNvPr id="25" name="Oval 24">
